--- a/Capitulos Finales/filiminasPeladas.pptx
+++ b/Capitulos Finales/filiminasPeladas.pptx
@@ -3058,15 +3058,7 @@
             </a:r>
             <a:r>
               <a:rPr lang="es-ES" dirty="0" smtClean="0"/>
-              <a:t> de </a:t>
-            </a:r>
-            <a:r>
-              <a:rPr lang="es-ES" dirty="0" err="1" smtClean="0"/>
-              <a:t>Atriburtos</a:t>
-            </a:r>
-            <a:r>
-              <a:rPr lang="es-ES" dirty="0" smtClean="0"/>
-              <a:t> de Calidad en Requerimientos</a:t>
+              <a:t> de Atributos de Calidad en Requerimientos</a:t>
             </a:r>
             <a:endParaRPr lang="es-ES" dirty="0"/>
           </a:p>
@@ -3190,7 +3182,9 @@
         </p:nvSpPr>
         <p:spPr/>
         <p:txBody>
-          <a:bodyPr/>
+          <a:bodyPr>
+            <a:normAutofit lnSpcReduction="10000"/>
+          </a:bodyPr>
           <a:lstStyle/>
           <a:p>
             <a:r>
@@ -3237,6 +3231,13 @@
             <a:r>
               <a:rPr lang="es-ES" dirty="0" smtClean="0"/>
               <a:t>Enfoque propuesto</a:t>
+            </a:r>
+          </a:p>
+          <a:p>
+            <a:pPr lvl="1"/>
+            <a:r>
+              <a:rPr lang="es-ES" dirty="0" smtClean="0"/>
+              <a:t>Proceso completo</a:t>
             </a:r>
           </a:p>
           <a:p>

--- a/Capitulos Finales/filiminasPeladas.pptx
+++ b/Capitulos Finales/filiminasPeladas.pptx
@@ -4,10 +4,15 @@
   <p:sldMasterIdLst>
     <p:sldMasterId id="2147483648" r:id="rId1"/>
   </p:sldMasterIdLst>
+  <p:notesMasterIdLst>
+    <p:notesMasterId r:id="rId7"/>
+  </p:notesMasterIdLst>
   <p:sldIdLst>
     <p:sldId id="256" r:id="rId2"/>
     <p:sldId id="257" r:id="rId3"/>
     <p:sldId id="258" r:id="rId4"/>
+    <p:sldId id="259" r:id="rId5"/>
+    <p:sldId id="260" r:id="rId6"/>
   </p:sldIdLst>
   <p:sldSz cx="9144000" cy="6858000" type="screen4x3"/>
   <p:notesSz cx="6858000" cy="9144000"/>
@@ -107,6 +112,434 @@
     </a:lvl9pPr>
   </p:defaultTextStyle>
 </p:presentation>
+</file>
+
+<file path=ppt/notesMasters/notesMaster1.xml><?xml version="1.0" encoding="utf-8"?>
+<p:notesMaster xmlns:a="http://schemas.openxmlformats.org/drawingml/2006/main" xmlns:r="http://schemas.openxmlformats.org/officeDocument/2006/relationships" xmlns:p="http://schemas.openxmlformats.org/presentationml/2006/main">
+  <p:cSld>
+    <p:bg>
+      <p:bgRef idx="1001">
+        <a:schemeClr val="bg1"/>
+      </p:bgRef>
+    </p:bg>
+    <p:spTree>
+      <p:nvGrpSpPr>
+        <p:cNvPr id="1" name=""/>
+        <p:cNvGrpSpPr/>
+        <p:nvPr/>
+      </p:nvGrpSpPr>
+      <p:grpSpPr>
+        <a:xfrm>
+          <a:off x="0" y="0"/>
+          <a:ext cx="0" cy="0"/>
+          <a:chOff x="0" y="0"/>
+          <a:chExt cx="0" cy="0"/>
+        </a:xfrm>
+      </p:grpSpPr>
+      <p:sp>
+        <p:nvSpPr>
+          <p:cNvPr id="2" name="1 Marcador de encabezado"/>
+          <p:cNvSpPr>
+            <a:spLocks noGrp="1"/>
+          </p:cNvSpPr>
+          <p:nvPr>
+            <p:ph type="hdr" sz="quarter"/>
+          </p:nvPr>
+        </p:nvSpPr>
+        <p:spPr>
+          <a:xfrm>
+            <a:off x="0" y="0"/>
+            <a:ext cx="2971800" cy="457200"/>
+          </a:xfrm>
+          <a:prstGeom prst="rect">
+            <a:avLst/>
+          </a:prstGeom>
+        </p:spPr>
+        <p:txBody>
+          <a:bodyPr vert="horz" lIns="91440" tIns="45720" rIns="91440" bIns="45720" rtlCol="0"/>
+          <a:lstStyle>
+            <a:lvl1pPr algn="l">
+              <a:defRPr sz="1200"/>
+            </a:lvl1pPr>
+          </a:lstStyle>
+          <a:p>
+            <a:endParaRPr lang="es-ES"/>
+          </a:p>
+        </p:txBody>
+      </p:sp>
+      <p:sp>
+        <p:nvSpPr>
+          <p:cNvPr id="3" name="2 Marcador de fecha"/>
+          <p:cNvSpPr>
+            <a:spLocks noGrp="1"/>
+          </p:cNvSpPr>
+          <p:nvPr>
+            <p:ph type="dt" idx="1"/>
+          </p:nvPr>
+        </p:nvSpPr>
+        <p:spPr>
+          <a:xfrm>
+            <a:off x="3884613" y="0"/>
+            <a:ext cx="2971800" cy="457200"/>
+          </a:xfrm>
+          <a:prstGeom prst="rect">
+            <a:avLst/>
+          </a:prstGeom>
+        </p:spPr>
+        <p:txBody>
+          <a:bodyPr vert="horz" lIns="91440" tIns="45720" rIns="91440" bIns="45720" rtlCol="0"/>
+          <a:lstStyle>
+            <a:lvl1pPr algn="r">
+              <a:defRPr sz="1200"/>
+            </a:lvl1pPr>
+          </a:lstStyle>
+          <a:p>
+            <a:fld id="{42D63BFC-F4BA-48C9-8576-4CE39202FED6}" type="datetimeFigureOut">
+              <a:rPr lang="es-ES" smtClean="0"/>
+              <a:t>08/11/2010</a:t>
+            </a:fld>
+            <a:endParaRPr lang="es-ES"/>
+          </a:p>
+        </p:txBody>
+      </p:sp>
+      <p:sp>
+        <p:nvSpPr>
+          <p:cNvPr id="4" name="3 Marcador de imagen de diapositiva"/>
+          <p:cNvSpPr>
+            <a:spLocks noGrp="1" noRot="1" noChangeAspect="1"/>
+          </p:cNvSpPr>
+          <p:nvPr>
+            <p:ph type="sldImg" idx="2"/>
+          </p:nvPr>
+        </p:nvSpPr>
+        <p:spPr>
+          <a:xfrm>
+            <a:off x="1143000" y="685800"/>
+            <a:ext cx="4572000" cy="3429000"/>
+          </a:xfrm>
+          <a:prstGeom prst="rect">
+            <a:avLst/>
+          </a:prstGeom>
+          <a:noFill/>
+          <a:ln w="12700">
+            <a:solidFill>
+              <a:prstClr val="black"/>
+            </a:solidFill>
+          </a:ln>
+        </p:spPr>
+        <p:txBody>
+          <a:bodyPr vert="horz" lIns="91440" tIns="45720" rIns="91440" bIns="45720" rtlCol="0" anchor="ctr"/>
+          <a:lstStyle/>
+          <a:p>
+            <a:endParaRPr lang="es-ES"/>
+          </a:p>
+        </p:txBody>
+      </p:sp>
+      <p:sp>
+        <p:nvSpPr>
+          <p:cNvPr id="5" name="4 Marcador de notas"/>
+          <p:cNvSpPr>
+            <a:spLocks noGrp="1"/>
+          </p:cNvSpPr>
+          <p:nvPr>
+            <p:ph type="body" sz="quarter" idx="3"/>
+          </p:nvPr>
+        </p:nvSpPr>
+        <p:spPr>
+          <a:xfrm>
+            <a:off x="685800" y="4343400"/>
+            <a:ext cx="5486400" cy="4114800"/>
+          </a:xfrm>
+          <a:prstGeom prst="rect">
+            <a:avLst/>
+          </a:prstGeom>
+        </p:spPr>
+        <p:txBody>
+          <a:bodyPr vert="horz" lIns="91440" tIns="45720" rIns="91440" bIns="45720" rtlCol="0">
+            <a:normAutofit/>
+          </a:bodyPr>
+          <a:lstStyle/>
+          <a:p>
+            <a:pPr lvl="0"/>
+            <a:r>
+              <a:rPr lang="es-ES" smtClean="0"/>
+              <a:t>Haga clic para modificar el estilo de texto del patrón</a:t>
+            </a:r>
+          </a:p>
+          <a:p>
+            <a:pPr lvl="1"/>
+            <a:r>
+              <a:rPr lang="es-ES" smtClean="0"/>
+              <a:t>Segundo nivel</a:t>
+            </a:r>
+          </a:p>
+          <a:p>
+            <a:pPr lvl="2"/>
+            <a:r>
+              <a:rPr lang="es-ES" smtClean="0"/>
+              <a:t>Tercer nivel</a:t>
+            </a:r>
+          </a:p>
+          <a:p>
+            <a:pPr lvl="3"/>
+            <a:r>
+              <a:rPr lang="es-ES" smtClean="0"/>
+              <a:t>Cuarto nivel</a:t>
+            </a:r>
+          </a:p>
+          <a:p>
+            <a:pPr lvl="4"/>
+            <a:r>
+              <a:rPr lang="es-ES" smtClean="0"/>
+              <a:t>Quinto nivel</a:t>
+            </a:r>
+            <a:endParaRPr lang="es-ES"/>
+          </a:p>
+        </p:txBody>
+      </p:sp>
+      <p:sp>
+        <p:nvSpPr>
+          <p:cNvPr id="6" name="5 Marcador de pie de página"/>
+          <p:cNvSpPr>
+            <a:spLocks noGrp="1"/>
+          </p:cNvSpPr>
+          <p:nvPr>
+            <p:ph type="ftr" sz="quarter" idx="4"/>
+          </p:nvPr>
+        </p:nvSpPr>
+        <p:spPr>
+          <a:xfrm>
+            <a:off x="0" y="8685213"/>
+            <a:ext cx="2971800" cy="457200"/>
+          </a:xfrm>
+          <a:prstGeom prst="rect">
+            <a:avLst/>
+          </a:prstGeom>
+        </p:spPr>
+        <p:txBody>
+          <a:bodyPr vert="horz" lIns="91440" tIns="45720" rIns="91440" bIns="45720" rtlCol="0" anchor="b"/>
+          <a:lstStyle>
+            <a:lvl1pPr algn="l">
+              <a:defRPr sz="1200"/>
+            </a:lvl1pPr>
+          </a:lstStyle>
+          <a:p>
+            <a:endParaRPr lang="es-ES"/>
+          </a:p>
+        </p:txBody>
+      </p:sp>
+      <p:sp>
+        <p:nvSpPr>
+          <p:cNvPr id="7" name="6 Marcador de número de diapositiva"/>
+          <p:cNvSpPr>
+            <a:spLocks noGrp="1"/>
+          </p:cNvSpPr>
+          <p:nvPr>
+            <p:ph type="sldNum" sz="quarter" idx="5"/>
+          </p:nvPr>
+        </p:nvSpPr>
+        <p:spPr>
+          <a:xfrm>
+            <a:off x="3884613" y="8685213"/>
+            <a:ext cx="2971800" cy="457200"/>
+          </a:xfrm>
+          <a:prstGeom prst="rect">
+            <a:avLst/>
+          </a:prstGeom>
+        </p:spPr>
+        <p:txBody>
+          <a:bodyPr vert="horz" lIns="91440" tIns="45720" rIns="91440" bIns="45720" rtlCol="0" anchor="b"/>
+          <a:lstStyle>
+            <a:lvl1pPr algn="r">
+              <a:defRPr sz="1200"/>
+            </a:lvl1pPr>
+          </a:lstStyle>
+          <a:p>
+            <a:fld id="{1872ED1A-74B4-42AE-A5BF-D7540D1CC6CA}" type="slidenum">
+              <a:rPr lang="es-ES" smtClean="0"/>
+              <a:t>‹Nº›</a:t>
+            </a:fld>
+            <a:endParaRPr lang="es-ES"/>
+          </a:p>
+        </p:txBody>
+      </p:sp>
+    </p:spTree>
+  </p:cSld>
+  <p:clrMap bg1="lt1" tx1="dk1" bg2="lt2" tx2="dk2" accent1="accent1" accent2="accent2" accent3="accent3" accent4="accent4" accent5="accent5" accent6="accent6" hlink="hlink" folHlink="folHlink"/>
+  <p:notesStyle>
+    <a:lvl1pPr marL="0" algn="l" defTabSz="914400" rtl="0" eaLnBrk="1" latinLnBrk="0" hangingPunct="1">
+      <a:defRPr sz="1200" kern="1200">
+        <a:solidFill>
+          <a:schemeClr val="tx1"/>
+        </a:solidFill>
+        <a:latin typeface="+mn-lt"/>
+        <a:ea typeface="+mn-ea"/>
+        <a:cs typeface="+mn-cs"/>
+      </a:defRPr>
+    </a:lvl1pPr>
+    <a:lvl2pPr marL="457200" algn="l" defTabSz="914400" rtl="0" eaLnBrk="1" latinLnBrk="0" hangingPunct="1">
+      <a:defRPr sz="1200" kern="1200">
+        <a:solidFill>
+          <a:schemeClr val="tx1"/>
+        </a:solidFill>
+        <a:latin typeface="+mn-lt"/>
+        <a:ea typeface="+mn-ea"/>
+        <a:cs typeface="+mn-cs"/>
+      </a:defRPr>
+    </a:lvl2pPr>
+    <a:lvl3pPr marL="914400" algn="l" defTabSz="914400" rtl="0" eaLnBrk="1" latinLnBrk="0" hangingPunct="1">
+      <a:defRPr sz="1200" kern="1200">
+        <a:solidFill>
+          <a:schemeClr val="tx1"/>
+        </a:solidFill>
+        <a:latin typeface="+mn-lt"/>
+        <a:ea typeface="+mn-ea"/>
+        <a:cs typeface="+mn-cs"/>
+      </a:defRPr>
+    </a:lvl3pPr>
+    <a:lvl4pPr marL="1371600" algn="l" defTabSz="914400" rtl="0" eaLnBrk="1" latinLnBrk="0" hangingPunct="1">
+      <a:defRPr sz="1200" kern="1200">
+        <a:solidFill>
+          <a:schemeClr val="tx1"/>
+        </a:solidFill>
+        <a:latin typeface="+mn-lt"/>
+        <a:ea typeface="+mn-ea"/>
+        <a:cs typeface="+mn-cs"/>
+      </a:defRPr>
+    </a:lvl4pPr>
+    <a:lvl5pPr marL="1828800" algn="l" defTabSz="914400" rtl="0" eaLnBrk="1" latinLnBrk="0" hangingPunct="1">
+      <a:defRPr sz="1200" kern="1200">
+        <a:solidFill>
+          <a:schemeClr val="tx1"/>
+        </a:solidFill>
+        <a:latin typeface="+mn-lt"/>
+        <a:ea typeface="+mn-ea"/>
+        <a:cs typeface="+mn-cs"/>
+      </a:defRPr>
+    </a:lvl5pPr>
+    <a:lvl6pPr marL="2286000" algn="l" defTabSz="914400" rtl="0" eaLnBrk="1" latinLnBrk="0" hangingPunct="1">
+      <a:defRPr sz="1200" kern="1200">
+        <a:solidFill>
+          <a:schemeClr val="tx1"/>
+        </a:solidFill>
+        <a:latin typeface="+mn-lt"/>
+        <a:ea typeface="+mn-ea"/>
+        <a:cs typeface="+mn-cs"/>
+      </a:defRPr>
+    </a:lvl6pPr>
+    <a:lvl7pPr marL="2743200" algn="l" defTabSz="914400" rtl="0" eaLnBrk="1" latinLnBrk="0" hangingPunct="1">
+      <a:defRPr sz="1200" kern="1200">
+        <a:solidFill>
+          <a:schemeClr val="tx1"/>
+        </a:solidFill>
+        <a:latin typeface="+mn-lt"/>
+        <a:ea typeface="+mn-ea"/>
+        <a:cs typeface="+mn-cs"/>
+      </a:defRPr>
+    </a:lvl7pPr>
+    <a:lvl8pPr marL="3200400" algn="l" defTabSz="914400" rtl="0" eaLnBrk="1" latinLnBrk="0" hangingPunct="1">
+      <a:defRPr sz="1200" kern="1200">
+        <a:solidFill>
+          <a:schemeClr val="tx1"/>
+        </a:solidFill>
+        <a:latin typeface="+mn-lt"/>
+        <a:ea typeface="+mn-ea"/>
+        <a:cs typeface="+mn-cs"/>
+      </a:defRPr>
+    </a:lvl8pPr>
+    <a:lvl9pPr marL="3657600" algn="l" defTabSz="914400" rtl="0" eaLnBrk="1" latinLnBrk="0" hangingPunct="1">
+      <a:defRPr sz="1200" kern="1200">
+        <a:solidFill>
+          <a:schemeClr val="tx1"/>
+        </a:solidFill>
+        <a:latin typeface="+mn-lt"/>
+        <a:ea typeface="+mn-ea"/>
+        <a:cs typeface="+mn-cs"/>
+      </a:defRPr>
+    </a:lvl9pPr>
+  </p:notesStyle>
+</p:notesMaster>
+</file>
+
+<file path=ppt/notesSlides/notesSlide1.xml><?xml version="1.0" encoding="utf-8"?>
+<p:notes xmlns:a="http://schemas.openxmlformats.org/drawingml/2006/main" xmlns:r="http://schemas.openxmlformats.org/officeDocument/2006/relationships" xmlns:p="http://schemas.openxmlformats.org/presentationml/2006/main">
+  <p:cSld>
+    <p:spTree>
+      <p:nvGrpSpPr>
+        <p:cNvPr id="1" name=""/>
+        <p:cNvGrpSpPr/>
+        <p:nvPr/>
+      </p:nvGrpSpPr>
+      <p:grpSpPr>
+        <a:xfrm>
+          <a:off x="0" y="0"/>
+          <a:ext cx="0" cy="0"/>
+          <a:chOff x="0" y="0"/>
+          <a:chExt cx="0" cy="0"/>
+        </a:xfrm>
+      </p:grpSpPr>
+      <p:sp>
+        <p:nvSpPr>
+          <p:cNvPr id="2" name="1 Marcador de imagen de diapositiva"/>
+          <p:cNvSpPr>
+            <a:spLocks noGrp="1" noRot="1" noChangeAspect="1"/>
+          </p:cNvSpPr>
+          <p:nvPr>
+            <p:ph type="sldImg"/>
+          </p:nvPr>
+        </p:nvSpPr>
+        <p:spPr/>
+      </p:sp>
+      <p:sp>
+        <p:nvSpPr>
+          <p:cNvPr id="3" name="2 Marcador de notas"/>
+          <p:cNvSpPr>
+            <a:spLocks noGrp="1"/>
+          </p:cNvSpPr>
+          <p:nvPr>
+            <p:ph type="body" idx="1"/>
+          </p:nvPr>
+        </p:nvSpPr>
+        <p:spPr/>
+        <p:txBody>
+          <a:bodyPr>
+            <a:normAutofit/>
+          </a:bodyPr>
+          <a:lstStyle/>
+          <a:p>
+            <a:endParaRPr lang="es-ES" dirty="0"/>
+          </a:p>
+        </p:txBody>
+      </p:sp>
+      <p:sp>
+        <p:nvSpPr>
+          <p:cNvPr id="4" name="3 Marcador de número de diapositiva"/>
+          <p:cNvSpPr>
+            <a:spLocks noGrp="1"/>
+          </p:cNvSpPr>
+          <p:nvPr>
+            <p:ph type="sldNum" sz="quarter" idx="10"/>
+          </p:nvPr>
+        </p:nvSpPr>
+        <p:spPr/>
+        <p:txBody>
+          <a:bodyPr/>
+          <a:lstStyle/>
+          <a:p>
+            <a:fld id="{1872ED1A-74B4-42AE-A5BF-D7540D1CC6CA}" type="slidenum">
+              <a:rPr lang="es-ES" smtClean="0"/>
+              <a:t>5</a:t>
+            </a:fld>
+            <a:endParaRPr lang="es-ES"/>
+          </a:p>
+        </p:txBody>
+      </p:sp>
+    </p:spTree>
+  </p:cSld>
+  <p:clrMapOvr>
+    <a:masterClrMapping/>
+  </p:clrMapOvr>
+</p:notes>
 </file>
 
 <file path=ppt/slideLayouts/slideLayout1.xml><?xml version="1.0" encoding="utf-8"?>
@@ -3354,6 +3787,191 @@
             </a:r>
           </a:p>
           <a:p>
+            <a:endParaRPr lang="es-ES" dirty="0" smtClean="0"/>
+          </a:p>
+        </p:txBody>
+      </p:sp>
+    </p:spTree>
+  </p:cSld>
+  <p:clrMapOvr>
+    <a:masterClrMapping/>
+  </p:clrMapOvr>
+</p:sld>
+</file>
+
+<file path=ppt/slides/slide4.xml><?xml version="1.0" encoding="utf-8"?>
+<p:sld xmlns:a="http://schemas.openxmlformats.org/drawingml/2006/main" xmlns:r="http://schemas.openxmlformats.org/officeDocument/2006/relationships" xmlns:p="http://schemas.openxmlformats.org/presentationml/2006/main">
+  <p:cSld>
+    <p:spTree>
+      <p:nvGrpSpPr>
+        <p:cNvPr id="1" name=""/>
+        <p:cNvGrpSpPr/>
+        <p:nvPr/>
+      </p:nvGrpSpPr>
+      <p:grpSpPr>
+        <a:xfrm>
+          <a:off x="0" y="0"/>
+          <a:ext cx="0" cy="0"/>
+          <a:chOff x="0" y="0"/>
+          <a:chExt cx="0" cy="0"/>
+        </a:xfrm>
+      </p:grpSpPr>
+      <p:sp>
+        <p:nvSpPr>
+          <p:cNvPr id="2" name="1 Título"/>
+          <p:cNvSpPr>
+            <a:spLocks noGrp="1"/>
+          </p:cNvSpPr>
+          <p:nvPr>
+            <p:ph type="title"/>
+          </p:nvPr>
+        </p:nvSpPr>
+        <p:spPr/>
+        <p:txBody>
+          <a:bodyPr/>
+          <a:lstStyle/>
+          <a:p>
+            <a:r>
+              <a:rPr lang="es-ES" dirty="0" smtClean="0"/>
+              <a:t>Contexto</a:t>
+            </a:r>
+            <a:endParaRPr lang="es-ES" dirty="0"/>
+          </a:p>
+        </p:txBody>
+      </p:sp>
+      <p:sp>
+        <p:nvSpPr>
+          <p:cNvPr id="3" name="2 Marcador de contenido"/>
+          <p:cNvSpPr>
+            <a:spLocks noGrp="1"/>
+          </p:cNvSpPr>
+          <p:nvPr>
+            <p:ph idx="1"/>
+          </p:nvPr>
+        </p:nvSpPr>
+        <p:spPr/>
+        <p:txBody>
+          <a:bodyPr/>
+          <a:lstStyle/>
+          <a:p>
+            <a:r>
+              <a:rPr lang="es-ES" dirty="0" smtClean="0"/>
+              <a:t>Necesidad de identificar los atributos de calidad (</a:t>
+            </a:r>
+            <a:r>
+              <a:rPr lang="es-ES" dirty="0" err="1" smtClean="0"/>
+              <a:t>QAs</a:t>
+            </a:r>
+            <a:r>
+              <a:rPr lang="es-ES" dirty="0" smtClean="0"/>
+              <a:t>) de un sistema en la etapas tempranas de desarrollo.</a:t>
+            </a:r>
+          </a:p>
+          <a:p>
+            <a:r>
+              <a:rPr lang="es-ES" dirty="0" smtClean="0"/>
+              <a:t>Una incorrecta identificación puede llevar al fracaso del sistema.</a:t>
+            </a:r>
+          </a:p>
+          <a:p>
+            <a:endParaRPr lang="es-ES" dirty="0"/>
+          </a:p>
+        </p:txBody>
+      </p:sp>
+    </p:spTree>
+  </p:cSld>
+  <p:clrMapOvr>
+    <a:masterClrMapping/>
+  </p:clrMapOvr>
+</p:sld>
+</file>
+
+<file path=ppt/slides/slide5.xml><?xml version="1.0" encoding="utf-8"?>
+<p:sld xmlns:a="http://schemas.openxmlformats.org/drawingml/2006/main" xmlns:r="http://schemas.openxmlformats.org/officeDocument/2006/relationships" xmlns:p="http://schemas.openxmlformats.org/presentationml/2006/main">
+  <p:cSld>
+    <p:spTree>
+      <p:nvGrpSpPr>
+        <p:cNvPr id="1" name=""/>
+        <p:cNvGrpSpPr/>
+        <p:nvPr/>
+      </p:nvGrpSpPr>
+      <p:grpSpPr>
+        <a:xfrm>
+          <a:off x="0" y="0"/>
+          <a:ext cx="0" cy="0"/>
+          <a:chOff x="0" y="0"/>
+          <a:chExt cx="0" cy="0"/>
+        </a:xfrm>
+      </p:grpSpPr>
+      <p:sp>
+        <p:nvSpPr>
+          <p:cNvPr id="2" name="1 Título"/>
+          <p:cNvSpPr>
+            <a:spLocks noGrp="1"/>
+          </p:cNvSpPr>
+          <p:nvPr>
+            <p:ph type="title"/>
+          </p:nvPr>
+        </p:nvSpPr>
+        <p:spPr/>
+        <p:txBody>
+          <a:bodyPr/>
+          <a:lstStyle/>
+          <a:p>
+            <a:r>
+              <a:rPr lang="es-ES" dirty="0" smtClean="0"/>
+              <a:t>Problemática</a:t>
+            </a:r>
+            <a:endParaRPr lang="es-ES" dirty="0"/>
+          </a:p>
+        </p:txBody>
+      </p:sp>
+      <p:sp>
+        <p:nvSpPr>
+          <p:cNvPr id="3" name="2 Marcador de contenido"/>
+          <p:cNvSpPr>
+            <a:spLocks noGrp="1"/>
+          </p:cNvSpPr>
+          <p:nvPr>
+            <p:ph idx="1"/>
+          </p:nvPr>
+        </p:nvSpPr>
+        <p:spPr/>
+        <p:txBody>
+          <a:bodyPr/>
+          <a:lstStyle/>
+          <a:p>
+            <a:r>
+              <a:rPr lang="es-ES" dirty="0" smtClean="0"/>
+              <a:t>Puede llegar a ser una tarea muy dificultosa para el analista.</a:t>
+            </a:r>
+          </a:p>
+          <a:p>
+            <a:pPr lvl="1"/>
+            <a:r>
+              <a:rPr lang="es-ES" dirty="0" smtClean="0"/>
+              <a:t>Varios casos de uso de gran extensión.</a:t>
+            </a:r>
+          </a:p>
+          <a:p>
+            <a:pPr lvl="1"/>
+            <a:r>
+              <a:rPr lang="es-ES" dirty="0" smtClean="0"/>
+              <a:t>Utilización de lenguaje natural, sin estructurar los </a:t>
+            </a:r>
+            <a:r>
+              <a:rPr lang="es-ES" dirty="0" err="1" smtClean="0"/>
+              <a:t>Qas</a:t>
+            </a:r>
+            <a:r>
+              <a:rPr lang="es-ES" dirty="0" smtClean="0"/>
+              <a:t> formalmente.</a:t>
+            </a:r>
+          </a:p>
+          <a:p>
+            <a:pPr lvl="1">
+              <a:buNone/>
+            </a:pPr>
             <a:endParaRPr lang="es-ES" dirty="0" smtClean="0"/>
           </a:p>
         </p:txBody>
@@ -3647,4 +4265,287 @@
   <a:objectDefaults/>
   <a:extraClrSchemeLst/>
 </a:theme>
+</file>
+
+<file path=ppt/theme/theme2.xml><?xml version="1.0" encoding="utf-8"?>
+<a:theme xmlns:a="http://schemas.openxmlformats.org/drawingml/2006/main" name="Tema de Office">
+  <a:themeElements>
+    <a:clrScheme name="Office">
+      <a:dk1>
+        <a:sysClr val="windowText" lastClr="000000"/>
+      </a:dk1>
+      <a:lt1>
+        <a:sysClr val="window" lastClr="FFFFFF"/>
+      </a:lt1>
+      <a:dk2>
+        <a:srgbClr val="1F497D"/>
+      </a:dk2>
+      <a:lt2>
+        <a:srgbClr val="EEECE1"/>
+      </a:lt2>
+      <a:accent1>
+        <a:srgbClr val="4F81BD"/>
+      </a:accent1>
+      <a:accent2>
+        <a:srgbClr val="C0504D"/>
+      </a:accent2>
+      <a:accent3>
+        <a:srgbClr val="9BBB59"/>
+      </a:accent3>
+      <a:accent4>
+        <a:srgbClr val="8064A2"/>
+      </a:accent4>
+      <a:accent5>
+        <a:srgbClr val="4BACC6"/>
+      </a:accent5>
+      <a:accent6>
+        <a:srgbClr val="F79646"/>
+      </a:accent6>
+      <a:hlink>
+        <a:srgbClr val="0000FF"/>
+      </a:hlink>
+      <a:folHlink>
+        <a:srgbClr val="800080"/>
+      </a:folHlink>
+    </a:clrScheme>
+    <a:fontScheme name="Office">
+      <a:majorFont>
+        <a:latin typeface="Calibri"/>
+        <a:ea typeface=""/>
+        <a:cs typeface=""/>
+        <a:font script="Jpan" typeface="ＭＳ Ｐゴシック"/>
+        <a:font script="Hang" typeface="맑은 고딕"/>
+        <a:font script="Hans" typeface="宋体"/>
+        <a:font script="Hant" typeface="新細明體"/>
+        <a:font script="Arab" typeface="Times New Roman"/>
+        <a:font script="Hebr" typeface="Times New Roman"/>
+        <a:font script="Thai" typeface="Angsana New"/>
+        <a:font script="Ethi" typeface="Nyala"/>
+        <a:font script="Beng" typeface="Vrinda"/>
+        <a:font script="Gujr" typeface="Shruti"/>
+        <a:font script="Khmr" typeface="MoolBoran"/>
+        <a:font script="Knda" typeface="Tunga"/>
+        <a:font script="Guru" typeface="Raavi"/>
+        <a:font script="Cans" typeface="Euphemia"/>
+        <a:font script="Cher" typeface="Plantagenet Cherokee"/>
+        <a:font script="Yiii" typeface="Microsoft Yi Baiti"/>
+        <a:font script="Tibt" typeface="Microsoft Himalaya"/>
+        <a:font script="Thaa" typeface="MV Boli"/>
+        <a:font script="Deva" typeface="Mangal"/>
+        <a:font script="Telu" typeface="Gautami"/>
+        <a:font script="Taml" typeface="Latha"/>
+        <a:font script="Syrc" typeface="Estrangelo Edessa"/>
+        <a:font script="Orya" typeface="Kalinga"/>
+        <a:font script="Mlym" typeface="Kartika"/>
+        <a:font script="Laoo" typeface="DokChampa"/>
+        <a:font script="Sinh" typeface="Iskoola Pota"/>
+        <a:font script="Mong" typeface="Mongolian Baiti"/>
+        <a:font script="Viet" typeface="Times New Roman"/>
+        <a:font script="Uigh" typeface="Microsoft Uighur"/>
+      </a:majorFont>
+      <a:minorFont>
+        <a:latin typeface="Calibri"/>
+        <a:ea typeface=""/>
+        <a:cs typeface=""/>
+        <a:font script="Jpan" typeface="ＭＳ Ｐゴシック"/>
+        <a:font script="Hang" typeface="맑은 고딕"/>
+        <a:font script="Hans" typeface="宋体"/>
+        <a:font script="Hant" typeface="新細明體"/>
+        <a:font script="Arab" typeface="Arial"/>
+        <a:font script="Hebr" typeface="Arial"/>
+        <a:font script="Thai" typeface="Cordia New"/>
+        <a:font script="Ethi" typeface="Nyala"/>
+        <a:font script="Beng" typeface="Vrinda"/>
+        <a:font script="Gujr" typeface="Shruti"/>
+        <a:font script="Khmr" typeface="DaunPenh"/>
+        <a:font script="Knda" typeface="Tunga"/>
+        <a:font script="Guru" typeface="Raavi"/>
+        <a:font script="Cans" typeface="Euphemia"/>
+        <a:font script="Cher" typeface="Plantagenet Cherokee"/>
+        <a:font script="Yiii" typeface="Microsoft Yi Baiti"/>
+        <a:font script="Tibt" typeface="Microsoft Himalaya"/>
+        <a:font script="Thaa" typeface="MV Boli"/>
+        <a:font script="Deva" typeface="Mangal"/>
+        <a:font script="Telu" typeface="Gautami"/>
+        <a:font script="Taml" typeface="Latha"/>
+        <a:font script="Syrc" typeface="Estrangelo Edessa"/>
+        <a:font script="Orya" typeface="Kalinga"/>
+        <a:font script="Mlym" typeface="Kartika"/>
+        <a:font script="Laoo" typeface="DokChampa"/>
+        <a:font script="Sinh" typeface="Iskoola Pota"/>
+        <a:font script="Mong" typeface="Mongolian Baiti"/>
+        <a:font script="Viet" typeface="Arial"/>
+        <a:font script="Uigh" typeface="Microsoft Uighur"/>
+      </a:minorFont>
+    </a:fontScheme>
+    <a:fmtScheme name="Office">
+      <a:fillStyleLst>
+        <a:solidFill>
+          <a:schemeClr val="phClr"/>
+        </a:solidFill>
+        <a:gradFill rotWithShape="1">
+          <a:gsLst>
+            <a:gs pos="0">
+              <a:schemeClr val="phClr">
+                <a:tint val="50000"/>
+                <a:satMod val="300000"/>
+              </a:schemeClr>
+            </a:gs>
+            <a:gs pos="35000">
+              <a:schemeClr val="phClr">
+                <a:tint val="37000"/>
+                <a:satMod val="300000"/>
+              </a:schemeClr>
+            </a:gs>
+            <a:gs pos="100000">
+              <a:schemeClr val="phClr">
+                <a:tint val="15000"/>
+                <a:satMod val="350000"/>
+              </a:schemeClr>
+            </a:gs>
+          </a:gsLst>
+          <a:lin ang="16200000" scaled="1"/>
+        </a:gradFill>
+        <a:gradFill rotWithShape="1">
+          <a:gsLst>
+            <a:gs pos="0">
+              <a:schemeClr val="phClr">
+                <a:shade val="51000"/>
+                <a:satMod val="130000"/>
+              </a:schemeClr>
+            </a:gs>
+            <a:gs pos="80000">
+              <a:schemeClr val="phClr">
+                <a:shade val="93000"/>
+                <a:satMod val="130000"/>
+              </a:schemeClr>
+            </a:gs>
+            <a:gs pos="100000">
+              <a:schemeClr val="phClr">
+                <a:shade val="94000"/>
+                <a:satMod val="135000"/>
+              </a:schemeClr>
+            </a:gs>
+          </a:gsLst>
+          <a:lin ang="16200000" scaled="0"/>
+        </a:gradFill>
+      </a:fillStyleLst>
+      <a:lnStyleLst>
+        <a:ln w="9525" cap="flat" cmpd="sng" algn="ctr">
+          <a:solidFill>
+            <a:schemeClr val="phClr">
+              <a:shade val="95000"/>
+              <a:satMod val="105000"/>
+            </a:schemeClr>
+          </a:solidFill>
+          <a:prstDash val="solid"/>
+        </a:ln>
+        <a:ln w="25400" cap="flat" cmpd="sng" algn="ctr">
+          <a:solidFill>
+            <a:schemeClr val="phClr"/>
+          </a:solidFill>
+          <a:prstDash val="solid"/>
+        </a:ln>
+        <a:ln w="38100" cap="flat" cmpd="sng" algn="ctr">
+          <a:solidFill>
+            <a:schemeClr val="phClr"/>
+          </a:solidFill>
+          <a:prstDash val="solid"/>
+        </a:ln>
+      </a:lnStyleLst>
+      <a:effectStyleLst>
+        <a:effectStyle>
+          <a:effectLst>
+            <a:outerShdw blurRad="40000" dist="20000" dir="5400000" rotWithShape="0">
+              <a:srgbClr val="000000">
+                <a:alpha val="38000"/>
+              </a:srgbClr>
+            </a:outerShdw>
+          </a:effectLst>
+        </a:effectStyle>
+        <a:effectStyle>
+          <a:effectLst>
+            <a:outerShdw blurRad="40000" dist="23000" dir="5400000" rotWithShape="0">
+              <a:srgbClr val="000000">
+                <a:alpha val="35000"/>
+              </a:srgbClr>
+            </a:outerShdw>
+          </a:effectLst>
+        </a:effectStyle>
+        <a:effectStyle>
+          <a:effectLst>
+            <a:outerShdw blurRad="40000" dist="23000" dir="5400000" rotWithShape="0">
+              <a:srgbClr val="000000">
+                <a:alpha val="35000"/>
+              </a:srgbClr>
+            </a:outerShdw>
+          </a:effectLst>
+          <a:scene3d>
+            <a:camera prst="orthographicFront">
+              <a:rot lat="0" lon="0" rev="0"/>
+            </a:camera>
+            <a:lightRig rig="threePt" dir="t">
+              <a:rot lat="0" lon="0" rev="1200000"/>
+            </a:lightRig>
+          </a:scene3d>
+          <a:sp3d>
+            <a:bevelT w="63500" h="25400"/>
+          </a:sp3d>
+        </a:effectStyle>
+      </a:effectStyleLst>
+      <a:bgFillStyleLst>
+        <a:solidFill>
+          <a:schemeClr val="phClr"/>
+        </a:solidFill>
+        <a:gradFill rotWithShape="1">
+          <a:gsLst>
+            <a:gs pos="0">
+              <a:schemeClr val="phClr">
+                <a:tint val="40000"/>
+                <a:satMod val="350000"/>
+              </a:schemeClr>
+            </a:gs>
+            <a:gs pos="40000">
+              <a:schemeClr val="phClr">
+                <a:tint val="45000"/>
+                <a:shade val="99000"/>
+                <a:satMod val="350000"/>
+              </a:schemeClr>
+            </a:gs>
+            <a:gs pos="100000">
+              <a:schemeClr val="phClr">
+                <a:shade val="20000"/>
+                <a:satMod val="255000"/>
+              </a:schemeClr>
+            </a:gs>
+          </a:gsLst>
+          <a:path path="circle">
+            <a:fillToRect l="50000" t="-80000" r="50000" b="180000"/>
+          </a:path>
+        </a:gradFill>
+        <a:gradFill rotWithShape="1">
+          <a:gsLst>
+            <a:gs pos="0">
+              <a:schemeClr val="phClr">
+                <a:tint val="80000"/>
+                <a:satMod val="300000"/>
+              </a:schemeClr>
+            </a:gs>
+            <a:gs pos="100000">
+              <a:schemeClr val="phClr">
+                <a:shade val="30000"/>
+                <a:satMod val="200000"/>
+              </a:schemeClr>
+            </a:gs>
+          </a:gsLst>
+          <a:path path="circle">
+            <a:fillToRect l="50000" t="50000" r="50000" b="50000"/>
+          </a:path>
+        </a:gradFill>
+      </a:bgFillStyleLst>
+    </a:fmtScheme>
+  </a:themeElements>
+  <a:objectDefaults/>
+  <a:extraClrSchemeLst/>
+</a:theme>
 </file>
--- a/Capitulos Finales/filiminasPeladas.pptx
+++ b/Capitulos Finales/filiminasPeladas.pptx
@@ -5,7 +5,7 @@
     <p:sldMasterId id="2147483648" r:id="rId1"/>
   </p:sldMasterIdLst>
   <p:notesMasterIdLst>
-    <p:notesMasterId r:id="rId7"/>
+    <p:notesMasterId r:id="rId11"/>
   </p:notesMasterIdLst>
   <p:sldIdLst>
     <p:sldId id="256" r:id="rId2"/>
@@ -13,6 +13,10 @@
     <p:sldId id="258" r:id="rId4"/>
     <p:sldId id="259" r:id="rId5"/>
     <p:sldId id="260" r:id="rId6"/>
+    <p:sldId id="261" r:id="rId7"/>
+    <p:sldId id="262" r:id="rId8"/>
+    <p:sldId id="263" r:id="rId9"/>
+    <p:sldId id="264" r:id="rId10"/>
   </p:sldIdLst>
   <p:sldSz cx="9144000" cy="6858000" type="screen4x3"/>
   <p:notesSz cx="6858000" cy="9144000"/>
@@ -3616,7 +3620,7 @@
         <p:spPr/>
         <p:txBody>
           <a:bodyPr>
-            <a:normAutofit lnSpcReduction="10000"/>
+            <a:normAutofit fontScale="92500" lnSpcReduction="20000"/>
           </a:bodyPr>
           <a:lstStyle/>
           <a:p>
@@ -3643,27 +3647,34 @@
           <a:p>
             <a:r>
               <a:rPr lang="es-ES" dirty="0" smtClean="0"/>
-              <a:t>Atributos de calidad y Aspectos tempranos</a:t>
+              <a:t>Aspectos tempranos</a:t>
             </a:r>
           </a:p>
           <a:p>
             <a:pPr lvl="1"/>
             <a:r>
               <a:rPr lang="es-ES" dirty="0" smtClean="0"/>
-              <a:t>Aspectos tempranos</a:t>
+              <a:t>Definición</a:t>
             </a:r>
           </a:p>
           <a:p>
             <a:pPr lvl="1"/>
             <a:r>
               <a:rPr lang="es-ES" dirty="0" smtClean="0"/>
-              <a:t>Casos de uso</a:t>
+              <a:t>Aspectos tempranos y atributos de calidad</a:t>
             </a:r>
           </a:p>
           <a:p>
             <a:r>
               <a:rPr lang="es-ES" dirty="0" smtClean="0"/>
               <a:t>Enfoque propuesto</a:t>
+            </a:r>
+          </a:p>
+          <a:p>
+            <a:pPr lvl="1"/>
+            <a:r>
+              <a:rPr lang="es-ES" dirty="0" smtClean="0"/>
+              <a:t>Propuesta</a:t>
             </a:r>
           </a:p>
           <a:p>
@@ -3973,6 +3984,274 @@
               <a:buNone/>
             </a:pPr>
             <a:endParaRPr lang="es-ES" dirty="0" smtClean="0"/>
+          </a:p>
+        </p:txBody>
+      </p:sp>
+    </p:spTree>
+  </p:cSld>
+  <p:clrMapOvr>
+    <a:masterClrMapping/>
+  </p:clrMapOvr>
+</p:sld>
+</file>
+
+<file path=ppt/slides/slide6.xml><?xml version="1.0" encoding="utf-8"?>
+<p:sld xmlns:a="http://schemas.openxmlformats.org/drawingml/2006/main" xmlns:r="http://schemas.openxmlformats.org/officeDocument/2006/relationships" xmlns:p="http://schemas.openxmlformats.org/presentationml/2006/main">
+  <p:cSld>
+    <p:spTree>
+      <p:nvGrpSpPr>
+        <p:cNvPr id="1" name=""/>
+        <p:cNvGrpSpPr/>
+        <p:nvPr/>
+      </p:nvGrpSpPr>
+      <p:grpSpPr>
+        <a:xfrm>
+          <a:off x="0" y="0"/>
+          <a:ext cx="0" cy="0"/>
+          <a:chOff x="0" y="0"/>
+          <a:chExt cx="0" cy="0"/>
+        </a:xfrm>
+      </p:grpSpPr>
+      <p:sp>
+        <p:nvSpPr>
+          <p:cNvPr id="2" name="1 Título"/>
+          <p:cNvSpPr>
+            <a:spLocks noGrp="1"/>
+          </p:cNvSpPr>
+          <p:nvPr>
+            <p:ph type="title"/>
+          </p:nvPr>
+        </p:nvSpPr>
+        <p:spPr/>
+        <p:txBody>
+          <a:bodyPr/>
+          <a:lstStyle/>
+          <a:p>
+            <a:r>
+              <a:rPr lang="es-ES" dirty="0" smtClean="0"/>
+              <a:t>Aspectos tempranos</a:t>
+            </a:r>
+            <a:endParaRPr lang="es-ES" dirty="0"/>
+          </a:p>
+        </p:txBody>
+      </p:sp>
+      <p:sp>
+        <p:nvSpPr>
+          <p:cNvPr id="3" name="2 Marcador de contenido"/>
+          <p:cNvSpPr>
+            <a:spLocks noGrp="1"/>
+          </p:cNvSpPr>
+          <p:nvPr>
+            <p:ph idx="1"/>
+          </p:nvPr>
+        </p:nvSpPr>
+        <p:spPr/>
+        <p:txBody>
+          <a:bodyPr/>
+          <a:lstStyle/>
+          <a:p>
+            <a:r>
+              <a:rPr lang="es-ES" dirty="0" smtClean="0"/>
+              <a:t>(Explicar que son los aspectos tempranos)</a:t>
+            </a:r>
+            <a:endParaRPr lang="es-ES" dirty="0"/>
+          </a:p>
+        </p:txBody>
+      </p:sp>
+    </p:spTree>
+  </p:cSld>
+  <p:clrMapOvr>
+    <a:masterClrMapping/>
+  </p:clrMapOvr>
+</p:sld>
+</file>
+
+<file path=ppt/slides/slide7.xml><?xml version="1.0" encoding="utf-8"?>
+<p:sld xmlns:a="http://schemas.openxmlformats.org/drawingml/2006/main" xmlns:r="http://schemas.openxmlformats.org/officeDocument/2006/relationships" xmlns:p="http://schemas.openxmlformats.org/presentationml/2006/main">
+  <p:cSld>
+    <p:spTree>
+      <p:nvGrpSpPr>
+        <p:cNvPr id="1" name=""/>
+        <p:cNvGrpSpPr/>
+        <p:nvPr/>
+      </p:nvGrpSpPr>
+      <p:grpSpPr>
+        <a:xfrm>
+          <a:off x="0" y="0"/>
+          <a:ext cx="0" cy="0"/>
+          <a:chOff x="0" y="0"/>
+          <a:chExt cx="0" cy="0"/>
+        </a:xfrm>
+      </p:grpSpPr>
+      <p:sp>
+        <p:nvSpPr>
+          <p:cNvPr id="3" name="2 Marcador de contenido"/>
+          <p:cNvSpPr>
+            <a:spLocks noGrp="1"/>
+          </p:cNvSpPr>
+          <p:nvPr>
+            <p:ph idx="1"/>
+          </p:nvPr>
+        </p:nvSpPr>
+        <p:spPr>
+          <a:xfrm>
+            <a:off x="457200" y="428604"/>
+            <a:ext cx="8229600" cy="5697559"/>
+          </a:xfrm>
+        </p:spPr>
+        <p:txBody>
+          <a:bodyPr/>
+          <a:lstStyle/>
+          <a:p>
+            <a:r>
+              <a:rPr lang="es-ES" dirty="0" smtClean="0"/>
+              <a:t>(Poner imagen de los casos de uso que son “atravesados” )</a:t>
+            </a:r>
+            <a:endParaRPr lang="es-ES" dirty="0"/>
+          </a:p>
+        </p:txBody>
+      </p:sp>
+    </p:spTree>
+  </p:cSld>
+  <p:clrMapOvr>
+    <a:masterClrMapping/>
+  </p:clrMapOvr>
+</p:sld>
+</file>
+
+<file path=ppt/slides/slide8.xml><?xml version="1.0" encoding="utf-8"?>
+<p:sld xmlns:a="http://schemas.openxmlformats.org/drawingml/2006/main" xmlns:r="http://schemas.openxmlformats.org/officeDocument/2006/relationships" xmlns:p="http://schemas.openxmlformats.org/presentationml/2006/main">
+  <p:cSld>
+    <p:spTree>
+      <p:nvGrpSpPr>
+        <p:cNvPr id="1" name=""/>
+        <p:cNvGrpSpPr/>
+        <p:nvPr/>
+      </p:nvGrpSpPr>
+      <p:grpSpPr>
+        <a:xfrm>
+          <a:off x="0" y="0"/>
+          <a:ext cx="0" cy="0"/>
+          <a:chOff x="0" y="0"/>
+          <a:chExt cx="0" cy="0"/>
+        </a:xfrm>
+      </p:grpSpPr>
+      <p:sp>
+        <p:nvSpPr>
+          <p:cNvPr id="2" name="1 Título"/>
+          <p:cNvSpPr>
+            <a:spLocks noGrp="1"/>
+          </p:cNvSpPr>
+          <p:nvPr>
+            <p:ph type="title"/>
+          </p:nvPr>
+        </p:nvSpPr>
+        <p:spPr/>
+        <p:txBody>
+          <a:bodyPr>
+            <a:normAutofit fontScale="90000"/>
+          </a:bodyPr>
+          <a:lstStyle/>
+          <a:p>
+            <a:r>
+              <a:rPr lang="es-ES" dirty="0" smtClean="0"/>
+              <a:t>Aspectos tempranos y atributos de calidad</a:t>
+            </a:r>
+            <a:endParaRPr lang="es-ES" dirty="0"/>
+          </a:p>
+        </p:txBody>
+      </p:sp>
+      <p:sp>
+        <p:nvSpPr>
+          <p:cNvPr id="3" name="2 Marcador de contenido"/>
+          <p:cNvSpPr>
+            <a:spLocks noGrp="1"/>
+          </p:cNvSpPr>
+          <p:nvPr>
+            <p:ph idx="1"/>
+          </p:nvPr>
+        </p:nvSpPr>
+        <p:spPr/>
+        <p:txBody>
+          <a:bodyPr/>
+          <a:lstStyle/>
+          <a:p>
+            <a:r>
+              <a:rPr lang="es-ES" dirty="0" smtClean="0"/>
+              <a:t>(Explicar la relación entre los aspectos tempranos y los atributos de calidad)</a:t>
+            </a:r>
+            <a:endParaRPr lang="es-ES" dirty="0"/>
+          </a:p>
+        </p:txBody>
+      </p:sp>
+    </p:spTree>
+  </p:cSld>
+  <p:clrMapOvr>
+    <a:masterClrMapping/>
+  </p:clrMapOvr>
+</p:sld>
+</file>
+
+<file path=ppt/slides/slide9.xml><?xml version="1.0" encoding="utf-8"?>
+<p:sld xmlns:a="http://schemas.openxmlformats.org/drawingml/2006/main" xmlns:r="http://schemas.openxmlformats.org/officeDocument/2006/relationships" xmlns:p="http://schemas.openxmlformats.org/presentationml/2006/main">
+  <p:cSld>
+    <p:spTree>
+      <p:nvGrpSpPr>
+        <p:cNvPr id="1" name=""/>
+        <p:cNvGrpSpPr/>
+        <p:nvPr/>
+      </p:nvGrpSpPr>
+      <p:grpSpPr>
+        <a:xfrm>
+          <a:off x="0" y="0"/>
+          <a:ext cx="0" cy="0"/>
+          <a:chOff x="0" y="0"/>
+          <a:chExt cx="0" cy="0"/>
+        </a:xfrm>
+      </p:grpSpPr>
+      <p:sp>
+        <p:nvSpPr>
+          <p:cNvPr id="2" name="1 Título"/>
+          <p:cNvSpPr>
+            <a:spLocks noGrp="1"/>
+          </p:cNvSpPr>
+          <p:nvPr>
+            <p:ph type="title"/>
+          </p:nvPr>
+        </p:nvSpPr>
+        <p:spPr/>
+        <p:txBody>
+          <a:bodyPr/>
+          <a:lstStyle/>
+          <a:p>
+            <a:r>
+              <a:rPr lang="es-ES" dirty="0" smtClean="0"/>
+              <a:t>Enfoque Propuesto</a:t>
+            </a:r>
+            <a:endParaRPr lang="es-ES" dirty="0"/>
+          </a:p>
+        </p:txBody>
+      </p:sp>
+      <p:sp>
+        <p:nvSpPr>
+          <p:cNvPr id="3" name="2 Marcador de contenido"/>
+          <p:cNvSpPr>
+            <a:spLocks noGrp="1"/>
+          </p:cNvSpPr>
+          <p:nvPr>
+            <p:ph idx="1"/>
+          </p:nvPr>
+        </p:nvSpPr>
+        <p:spPr/>
+        <p:txBody>
+          <a:bodyPr/>
+          <a:lstStyle/>
+          <a:p>
+            <a:r>
+              <a:rPr lang="es-ES" dirty="0" smtClean="0"/>
+              <a:t>()</a:t>
+            </a:r>
+            <a:endParaRPr lang="es-ES" dirty="0"/>
           </a:p>
         </p:txBody>
       </p:sp>

--- a/Capitulos Finales/filiminasPeladas.pptx
+++ b/Capitulos Finales/filiminasPeladas.pptx
@@ -200,7 +200,8 @@
           <a:p>
             <a:fld id="{42D63BFC-F4BA-48C9-8576-4CE39202FED6}" type="datetimeFigureOut">
               <a:rPr lang="es-ES" smtClean="0"/>
-              <a:t>08/11/2010</a:t>
+              <a:pPr/>
+              <a:t>09/11/2010</a:t>
             </a:fld>
             <a:endParaRPr lang="es-ES"/>
           </a:p>
@@ -361,6 +362,7 @@
           <a:p>
             <a:fld id="{1872ED1A-74B4-42AE-A5BF-D7540D1CC6CA}" type="slidenum">
               <a:rPr lang="es-ES" smtClean="0"/>
+              <a:pPr/>
               <a:t>‹Nº›</a:t>
             </a:fld>
             <a:endParaRPr lang="es-ES"/>
@@ -532,6 +534,7 @@
           <a:p>
             <a:fld id="{1872ED1A-74B4-42AE-A5BF-D7540D1CC6CA}" type="slidenum">
               <a:rPr lang="es-ES" smtClean="0"/>
+              <a:pPr/>
               <a:t>5</a:t>
             </a:fld>
             <a:endParaRPr lang="es-ES"/>
@@ -727,7 +730,8 @@
           <a:p>
             <a:fld id="{F7222BF2-5C0F-41D6-AF26-3ACA31A5334A}" type="datetimeFigureOut">
               <a:rPr lang="es-ES" smtClean="0"/>
-              <a:t>08/11/2010</a:t>
+              <a:pPr/>
+              <a:t>09/11/2010</a:t>
             </a:fld>
             <a:endParaRPr lang="es-ES"/>
           </a:p>
@@ -769,6 +773,7 @@
           <a:p>
             <a:fld id="{71F953D5-576F-4576-B27E-2FAC69CCFC6E}" type="slidenum">
               <a:rPr lang="es-ES" smtClean="0"/>
+              <a:pPr/>
               <a:t>‹Nº›</a:t>
             </a:fld>
             <a:endParaRPr lang="es-ES"/>
@@ -892,7 +897,8 @@
           <a:p>
             <a:fld id="{F7222BF2-5C0F-41D6-AF26-3ACA31A5334A}" type="datetimeFigureOut">
               <a:rPr lang="es-ES" smtClean="0"/>
-              <a:t>08/11/2010</a:t>
+              <a:pPr/>
+              <a:t>09/11/2010</a:t>
             </a:fld>
             <a:endParaRPr lang="es-ES"/>
           </a:p>
@@ -934,6 +940,7 @@
           <a:p>
             <a:fld id="{71F953D5-576F-4576-B27E-2FAC69CCFC6E}" type="slidenum">
               <a:rPr lang="es-ES" smtClean="0"/>
+              <a:pPr/>
               <a:t>‹Nº›</a:t>
             </a:fld>
             <a:endParaRPr lang="es-ES"/>
@@ -1067,7 +1074,8 @@
           <a:p>
             <a:fld id="{F7222BF2-5C0F-41D6-AF26-3ACA31A5334A}" type="datetimeFigureOut">
               <a:rPr lang="es-ES" smtClean="0"/>
-              <a:t>08/11/2010</a:t>
+              <a:pPr/>
+              <a:t>09/11/2010</a:t>
             </a:fld>
             <a:endParaRPr lang="es-ES"/>
           </a:p>
@@ -1109,6 +1117,7 @@
           <a:p>
             <a:fld id="{71F953D5-576F-4576-B27E-2FAC69CCFC6E}" type="slidenum">
               <a:rPr lang="es-ES" smtClean="0"/>
+              <a:pPr/>
               <a:t>‹Nº›</a:t>
             </a:fld>
             <a:endParaRPr lang="es-ES"/>
@@ -1232,7 +1241,8 @@
           <a:p>
             <a:fld id="{F7222BF2-5C0F-41D6-AF26-3ACA31A5334A}" type="datetimeFigureOut">
               <a:rPr lang="es-ES" smtClean="0"/>
-              <a:t>08/11/2010</a:t>
+              <a:pPr/>
+              <a:t>09/11/2010</a:t>
             </a:fld>
             <a:endParaRPr lang="es-ES"/>
           </a:p>
@@ -1274,6 +1284,7 @@
           <a:p>
             <a:fld id="{71F953D5-576F-4576-B27E-2FAC69CCFC6E}" type="slidenum">
               <a:rPr lang="es-ES" smtClean="0"/>
+              <a:pPr/>
               <a:t>‹Nº›</a:t>
             </a:fld>
             <a:endParaRPr lang="es-ES"/>
@@ -1473,7 +1484,8 @@
           <a:p>
             <a:fld id="{F7222BF2-5C0F-41D6-AF26-3ACA31A5334A}" type="datetimeFigureOut">
               <a:rPr lang="es-ES" smtClean="0"/>
-              <a:t>08/11/2010</a:t>
+              <a:pPr/>
+              <a:t>09/11/2010</a:t>
             </a:fld>
             <a:endParaRPr lang="es-ES"/>
           </a:p>
@@ -1515,6 +1527,7 @@
           <a:p>
             <a:fld id="{71F953D5-576F-4576-B27E-2FAC69CCFC6E}" type="slidenum">
               <a:rPr lang="es-ES" smtClean="0"/>
+              <a:pPr/>
               <a:t>‹Nº›</a:t>
             </a:fld>
             <a:endParaRPr lang="es-ES"/>
@@ -1756,7 +1769,8 @@
           <a:p>
             <a:fld id="{F7222BF2-5C0F-41D6-AF26-3ACA31A5334A}" type="datetimeFigureOut">
               <a:rPr lang="es-ES" smtClean="0"/>
-              <a:t>08/11/2010</a:t>
+              <a:pPr/>
+              <a:t>09/11/2010</a:t>
             </a:fld>
             <a:endParaRPr lang="es-ES"/>
           </a:p>
@@ -1798,6 +1812,7 @@
           <a:p>
             <a:fld id="{71F953D5-576F-4576-B27E-2FAC69CCFC6E}" type="slidenum">
               <a:rPr lang="es-ES" smtClean="0"/>
+              <a:pPr/>
               <a:t>‹Nº›</a:t>
             </a:fld>
             <a:endParaRPr lang="es-ES"/>
@@ -2173,7 +2188,8 @@
           <a:p>
             <a:fld id="{F7222BF2-5C0F-41D6-AF26-3ACA31A5334A}" type="datetimeFigureOut">
               <a:rPr lang="es-ES" smtClean="0"/>
-              <a:t>08/11/2010</a:t>
+              <a:pPr/>
+              <a:t>09/11/2010</a:t>
             </a:fld>
             <a:endParaRPr lang="es-ES"/>
           </a:p>
@@ -2215,6 +2231,7 @@
           <a:p>
             <a:fld id="{71F953D5-576F-4576-B27E-2FAC69CCFC6E}" type="slidenum">
               <a:rPr lang="es-ES" smtClean="0"/>
+              <a:pPr/>
               <a:t>‹Nº›</a:t>
             </a:fld>
             <a:endParaRPr lang="es-ES"/>
@@ -2286,7 +2303,8 @@
           <a:p>
             <a:fld id="{F7222BF2-5C0F-41D6-AF26-3ACA31A5334A}" type="datetimeFigureOut">
               <a:rPr lang="es-ES" smtClean="0"/>
-              <a:t>08/11/2010</a:t>
+              <a:pPr/>
+              <a:t>09/11/2010</a:t>
             </a:fld>
             <a:endParaRPr lang="es-ES"/>
           </a:p>
@@ -2328,6 +2346,7 @@
           <a:p>
             <a:fld id="{71F953D5-576F-4576-B27E-2FAC69CCFC6E}" type="slidenum">
               <a:rPr lang="es-ES" smtClean="0"/>
+              <a:pPr/>
               <a:t>‹Nº›</a:t>
             </a:fld>
             <a:endParaRPr lang="es-ES"/>
@@ -2376,7 +2395,8 @@
           <a:p>
             <a:fld id="{F7222BF2-5C0F-41D6-AF26-3ACA31A5334A}" type="datetimeFigureOut">
               <a:rPr lang="es-ES" smtClean="0"/>
-              <a:t>08/11/2010</a:t>
+              <a:pPr/>
+              <a:t>09/11/2010</a:t>
             </a:fld>
             <a:endParaRPr lang="es-ES"/>
           </a:p>
@@ -2418,6 +2438,7 @@
           <a:p>
             <a:fld id="{71F953D5-576F-4576-B27E-2FAC69CCFC6E}" type="slidenum">
               <a:rPr lang="es-ES" smtClean="0"/>
+              <a:pPr/>
               <a:t>‹Nº›</a:t>
             </a:fld>
             <a:endParaRPr lang="es-ES"/>
@@ -2648,7 +2669,8 @@
           <a:p>
             <a:fld id="{F7222BF2-5C0F-41D6-AF26-3ACA31A5334A}" type="datetimeFigureOut">
               <a:rPr lang="es-ES" smtClean="0"/>
-              <a:t>08/11/2010</a:t>
+              <a:pPr/>
+              <a:t>09/11/2010</a:t>
             </a:fld>
             <a:endParaRPr lang="es-ES"/>
           </a:p>
@@ -2690,6 +2712,7 @@
           <a:p>
             <a:fld id="{71F953D5-576F-4576-B27E-2FAC69CCFC6E}" type="slidenum">
               <a:rPr lang="es-ES" smtClean="0"/>
+              <a:pPr/>
               <a:t>‹Nº›</a:t>
             </a:fld>
             <a:endParaRPr lang="es-ES"/>
@@ -2896,7 +2919,8 @@
           <a:p>
             <a:fld id="{F7222BF2-5C0F-41D6-AF26-3ACA31A5334A}" type="datetimeFigureOut">
               <a:rPr lang="es-ES" smtClean="0"/>
-              <a:t>08/11/2010</a:t>
+              <a:pPr/>
+              <a:t>09/11/2010</a:t>
             </a:fld>
             <a:endParaRPr lang="es-ES"/>
           </a:p>
@@ -2938,6 +2962,7 @@
           <a:p>
             <a:fld id="{71F953D5-576F-4576-B27E-2FAC69CCFC6E}" type="slidenum">
               <a:rPr lang="es-ES" smtClean="0"/>
+              <a:pPr/>
               <a:t>‹Nº›</a:t>
             </a:fld>
             <a:endParaRPr lang="es-ES"/>
@@ -3104,7 +3129,8 @@
           <a:p>
             <a:fld id="{F7222BF2-5C0F-41D6-AF26-3ACA31A5334A}" type="datetimeFigureOut">
               <a:rPr lang="es-ES" smtClean="0"/>
-              <a:t>08/11/2010</a:t>
+              <a:pPr/>
+              <a:t>09/11/2010</a:t>
             </a:fld>
             <a:endParaRPr lang="es-ES"/>
           </a:p>
@@ -3182,6 +3208,7 @@
           <a:p>
             <a:fld id="{71F953D5-576F-4576-B27E-2FAC69CCFC6E}" type="slidenum">
               <a:rPr lang="es-ES" smtClean="0"/>
+              <a:pPr/>
               <a:t>‹Nº›</a:t>
             </a:fld>
             <a:endParaRPr lang="es-ES"/>
@@ -3620,7 +3647,7 @@
         <p:spPr/>
         <p:txBody>
           <a:bodyPr>
-            <a:normAutofit fontScale="92500" lnSpcReduction="20000"/>
+            <a:normAutofit fontScale="85000" lnSpcReduction="20000"/>
           </a:bodyPr>
           <a:lstStyle/>
           <a:p>
@@ -3645,24 +3672,50 @@
             </a:r>
           </a:p>
           <a:p>
+            <a:pPr lvl="1"/>
+            <a:r>
+              <a:rPr lang="es-ES" dirty="0" smtClean="0"/>
+              <a:t>¿Trabajos relacionados?</a:t>
+            </a:r>
+            <a:endParaRPr lang="es-ES" dirty="0" smtClean="0"/>
+          </a:p>
+          <a:p>
+            <a:r>
+              <a:rPr lang="es-ES" dirty="0" smtClean="0"/>
+              <a:t>Atributos de calidad y aspectos </a:t>
+            </a:r>
+            <a:r>
+              <a:rPr lang="es-ES" dirty="0" smtClean="0"/>
+              <a:t>tempranos</a:t>
+            </a:r>
+          </a:p>
+          <a:p>
+            <a:pPr lvl="1"/>
             <a:r>
               <a:rPr lang="es-ES" dirty="0" smtClean="0"/>
               <a:t>Aspectos tempranos</a:t>
             </a:r>
+            <a:endParaRPr lang="es-ES" dirty="0" smtClean="0"/>
           </a:p>
           <a:p>
             <a:pPr lvl="1"/>
             <a:r>
               <a:rPr lang="es-ES" dirty="0" smtClean="0"/>
-              <a:t>Definición</a:t>
-            </a:r>
-          </a:p>
-          <a:p>
-            <a:pPr lvl="1"/>
+              <a:t>Relación entre </a:t>
+            </a:r>
+            <a:r>
+              <a:rPr lang="es-ES" dirty="0" err="1" smtClean="0"/>
+              <a:t>QAs</a:t>
+            </a:r>
             <a:r>
               <a:rPr lang="es-ES" dirty="0" smtClean="0"/>
-              <a:t>Aspectos tempranos y atributos de calidad</a:t>
-            </a:r>
+              <a:t> y </a:t>
+            </a:r>
+            <a:r>
+              <a:rPr lang="es-ES" dirty="0" err="1" smtClean="0"/>
+              <a:t>EAs</a:t>
+            </a:r>
+            <a:endParaRPr lang="es-ES" dirty="0" smtClean="0"/>
           </a:p>
           <a:p>
             <a:r>
@@ -3681,15 +3734,20 @@
             <a:pPr lvl="1"/>
             <a:r>
               <a:rPr lang="es-ES" dirty="0" smtClean="0"/>
-              <a:t>Proceso completo</a:t>
+              <a:t>Proceso</a:t>
             </a:r>
           </a:p>
           <a:p>
             <a:pPr lvl="1"/>
             <a:r>
               <a:rPr lang="es-ES" dirty="0" smtClean="0"/>
-              <a:t>Filtros</a:t>
-            </a:r>
+              <a:t>QA </a:t>
+            </a:r>
+            <a:r>
+              <a:rPr lang="es-ES" dirty="0" err="1" smtClean="0"/>
+              <a:t>Miner</a:t>
+            </a:r>
+            <a:endParaRPr lang="es-ES" dirty="0" smtClean="0"/>
           </a:p>
           <a:p>
             <a:pPr lvl="1">
@@ -3750,17 +3808,9 @@
           <a:bodyPr/>
           <a:lstStyle/>
           <a:p>
-            <a:pPr lvl="1"/>
-            <a:r>
-              <a:rPr lang="es-ES" dirty="0" err="1" smtClean="0"/>
-              <a:t>Ontologia</a:t>
-            </a:r>
-            <a:endParaRPr lang="es-ES" dirty="0" smtClean="0"/>
-          </a:p>
-          <a:p>
-            <a:r>
-              <a:rPr lang="es-ES" dirty="0" err="1" smtClean="0"/>
-              <a:t>Evaluacion</a:t>
+            <a:r>
+              <a:rPr lang="es-ES" dirty="0" smtClean="0"/>
+              <a:t>Evaluación</a:t>
             </a:r>
             <a:endParaRPr lang="es-ES" dirty="0"/>
           </a:p>
@@ -3782,7 +3832,11 @@
             <a:pPr lvl="1"/>
             <a:r>
               <a:rPr lang="es-ES" dirty="0" smtClean="0"/>
-              <a:t>Caso de Estudio II</a:t>
+              <a:t>Caso de Estudio </a:t>
+            </a:r>
+            <a:r>
+              <a:rPr lang="es-ES" dirty="0" smtClean="0"/>
+              <a:t>II</a:t>
             </a:r>
           </a:p>
           <a:p>
@@ -3790,6 +3844,21 @@
               <a:rPr lang="es-ES" dirty="0" smtClean="0"/>
               <a:t>Conclusiones</a:t>
             </a:r>
+          </a:p>
+          <a:p>
+            <a:pPr lvl="1"/>
+            <a:r>
+              <a:rPr lang="es-ES" dirty="0" smtClean="0"/>
+              <a:t>Ventajas y desventajas</a:t>
+            </a:r>
+          </a:p>
+          <a:p>
+            <a:pPr lvl="1"/>
+            <a:r>
+              <a:rPr lang="es-ES" dirty="0" smtClean="0"/>
+              <a:t>Trabajos futuros</a:t>
+            </a:r>
+            <a:endParaRPr lang="es-ES" dirty="0" smtClean="0"/>
           </a:p>
           <a:p>
             <a:r>

--- a/Capitulos Finales/filiminasPeladas.pptx
+++ b/Capitulos Finales/filiminasPeladas.pptx
@@ -5,7 +5,7 @@
     <p:sldMasterId id="2147483648" r:id="rId1"/>
   </p:sldMasterIdLst>
   <p:notesMasterIdLst>
-    <p:notesMasterId r:id="rId11"/>
+    <p:notesMasterId r:id="rId21"/>
   </p:notesMasterIdLst>
   <p:sldIdLst>
     <p:sldId id="256" r:id="rId2"/>
@@ -13,10 +13,20 @@
     <p:sldId id="258" r:id="rId4"/>
     <p:sldId id="259" r:id="rId5"/>
     <p:sldId id="260" r:id="rId6"/>
-    <p:sldId id="261" r:id="rId7"/>
-    <p:sldId id="262" r:id="rId8"/>
+    <p:sldId id="265" r:id="rId7"/>
+    <p:sldId id="266" r:id="rId8"/>
     <p:sldId id="263" r:id="rId9"/>
     <p:sldId id="264" r:id="rId10"/>
+    <p:sldId id="267" r:id="rId11"/>
+    <p:sldId id="268" r:id="rId12"/>
+    <p:sldId id="269" r:id="rId13"/>
+    <p:sldId id="270" r:id="rId14"/>
+    <p:sldId id="271" r:id="rId15"/>
+    <p:sldId id="274" r:id="rId16"/>
+    <p:sldId id="272" r:id="rId17"/>
+    <p:sldId id="273" r:id="rId18"/>
+    <p:sldId id="275" r:id="rId19"/>
+    <p:sldId id="276" r:id="rId20"/>
   </p:sldIdLst>
   <p:sldSz cx="9144000" cy="6858000" type="screen4x3"/>
   <p:notesSz cx="6858000" cy="9144000"/>
@@ -3517,12 +3527,12 @@
           <a:lstStyle/>
           <a:p>
             <a:r>
-              <a:rPr lang="es-ES" dirty="0" err="1" smtClean="0"/>
-              <a:t>Identificacion</a:t>
-            </a:r>
-            <a:r>
-              <a:rPr lang="es-ES" dirty="0" smtClean="0"/>
-              <a:t> de Atributos de Calidad en Requerimientos</a:t>
+              <a:rPr lang="es-ES" dirty="0" smtClean="0"/>
+              <a:t>Identificación </a:t>
+            </a:r>
+            <a:r>
+              <a:rPr lang="es-ES" dirty="0" smtClean="0"/>
+              <a:t>de Atributos de Calidad en Requerimientos</a:t>
             </a:r>
             <a:endParaRPr lang="es-ES" dirty="0"/>
           </a:p>
@@ -3583,6 +3593,1104 @@
           </a:p>
           <a:p>
             <a:endParaRPr lang="es-ES" dirty="0"/>
+          </a:p>
+        </p:txBody>
+      </p:sp>
+    </p:spTree>
+  </p:cSld>
+  <p:clrMapOvr>
+    <a:masterClrMapping/>
+  </p:clrMapOvr>
+</p:sld>
+</file>
+
+<file path=ppt/slides/slide10.xml><?xml version="1.0" encoding="utf-8"?>
+<p:sld xmlns:a="http://schemas.openxmlformats.org/drawingml/2006/main" xmlns:r="http://schemas.openxmlformats.org/officeDocument/2006/relationships" xmlns:p="http://schemas.openxmlformats.org/presentationml/2006/main">
+  <p:cSld>
+    <p:spTree>
+      <p:nvGrpSpPr>
+        <p:cNvPr id="1" name=""/>
+        <p:cNvGrpSpPr/>
+        <p:nvPr/>
+      </p:nvGrpSpPr>
+      <p:grpSpPr>
+        <a:xfrm>
+          <a:off x="0" y="0"/>
+          <a:ext cx="0" cy="0"/>
+          <a:chOff x="0" y="0"/>
+          <a:chExt cx="0" cy="0"/>
+        </a:xfrm>
+      </p:grpSpPr>
+      <p:sp>
+        <p:nvSpPr>
+          <p:cNvPr id="2" name="1 Título"/>
+          <p:cNvSpPr>
+            <a:spLocks noGrp="1"/>
+          </p:cNvSpPr>
+          <p:nvPr>
+            <p:ph type="title"/>
+          </p:nvPr>
+        </p:nvSpPr>
+        <p:spPr/>
+        <p:txBody>
+          <a:bodyPr/>
+          <a:lstStyle/>
+          <a:p>
+            <a:r>
+              <a:rPr lang="es-ES" dirty="0" smtClean="0"/>
+              <a:t>Proceso</a:t>
+            </a:r>
+            <a:endParaRPr lang="es-ES" dirty="0"/>
+          </a:p>
+        </p:txBody>
+      </p:sp>
+      <p:graphicFrame>
+        <p:nvGraphicFramePr>
+          <p:cNvPr id="1026" name="Object 2"/>
+          <p:cNvGraphicFramePr>
+            <a:graphicFrameLocks noChangeAspect="1"/>
+          </p:cNvGraphicFramePr>
+          <p:nvPr>
+            <p:ph idx="1"/>
+          </p:nvPr>
+        </p:nvGraphicFramePr>
+        <p:xfrm>
+          <a:off x="1569527" y="1600200"/>
+          <a:ext cx="6004946" cy="4525963"/>
+        </p:xfrm>
+        <a:graphic>
+          <a:graphicData uri="http://schemas.openxmlformats.org/presentationml/2006/ole">
+            <p:oleObj spid="_x0000_s1026" name="Visio" r:id="rId3" imgW="6961529" imgH="5247359" progId="">
+              <p:embed/>
+            </p:oleObj>
+          </a:graphicData>
+        </a:graphic>
+      </p:graphicFrame>
+    </p:spTree>
+  </p:cSld>
+  <p:clrMapOvr>
+    <a:masterClrMapping/>
+  </p:clrMapOvr>
+</p:sld>
+</file>
+
+<file path=ppt/slides/slide11.xml><?xml version="1.0" encoding="utf-8"?>
+<p:sld xmlns:a="http://schemas.openxmlformats.org/drawingml/2006/main" xmlns:r="http://schemas.openxmlformats.org/officeDocument/2006/relationships" xmlns:p="http://schemas.openxmlformats.org/presentationml/2006/main">
+  <p:cSld>
+    <p:spTree>
+      <p:nvGrpSpPr>
+        <p:cNvPr id="1" name=""/>
+        <p:cNvGrpSpPr/>
+        <p:nvPr/>
+      </p:nvGrpSpPr>
+      <p:grpSpPr>
+        <a:xfrm>
+          <a:off x="0" y="0"/>
+          <a:ext cx="0" cy="0"/>
+          <a:chOff x="0" y="0"/>
+          <a:chExt cx="0" cy="0"/>
+        </a:xfrm>
+      </p:grpSpPr>
+      <p:sp>
+        <p:nvSpPr>
+          <p:cNvPr id="2" name="1 Título"/>
+          <p:cNvSpPr>
+            <a:spLocks noGrp="1"/>
+          </p:cNvSpPr>
+          <p:nvPr>
+            <p:ph type="title"/>
+          </p:nvPr>
+        </p:nvSpPr>
+        <p:spPr/>
+        <p:txBody>
+          <a:bodyPr/>
+          <a:lstStyle/>
+          <a:p>
+            <a:r>
+              <a:rPr lang="es-ES" dirty="0" smtClean="0"/>
+              <a:t>QA </a:t>
+            </a:r>
+            <a:r>
+              <a:rPr lang="es-ES" dirty="0" err="1" smtClean="0"/>
+              <a:t>Miner</a:t>
+            </a:r>
+            <a:endParaRPr lang="es-ES" dirty="0"/>
+          </a:p>
+        </p:txBody>
+      </p:sp>
+      <p:sp>
+        <p:nvSpPr>
+          <p:cNvPr id="3" name="2 Marcador de contenido"/>
+          <p:cNvSpPr>
+            <a:spLocks noGrp="1"/>
+          </p:cNvSpPr>
+          <p:nvPr>
+            <p:ph idx="1"/>
+          </p:nvPr>
+        </p:nvSpPr>
+        <p:spPr/>
+        <p:txBody>
+          <a:bodyPr/>
+          <a:lstStyle/>
+          <a:p>
+            <a:r>
+              <a:rPr lang="es-ES" dirty="0" smtClean="0"/>
+              <a:t>(Herramienta del QA </a:t>
+            </a:r>
+            <a:r>
+              <a:rPr lang="es-ES" dirty="0" err="1" smtClean="0"/>
+              <a:t>Miner</a:t>
+            </a:r>
+            <a:r>
+              <a:rPr lang="es-ES" dirty="0" smtClean="0"/>
+              <a:t>)</a:t>
+            </a:r>
+            <a:endParaRPr lang="es-ES" dirty="0"/>
+          </a:p>
+        </p:txBody>
+      </p:sp>
+    </p:spTree>
+  </p:cSld>
+  <p:clrMapOvr>
+    <a:masterClrMapping/>
+  </p:clrMapOvr>
+</p:sld>
+</file>
+
+<file path=ppt/slides/slide12.xml><?xml version="1.0" encoding="utf-8"?>
+<p:sld xmlns:a="http://schemas.openxmlformats.org/drawingml/2006/main" xmlns:r="http://schemas.openxmlformats.org/officeDocument/2006/relationships" xmlns:p="http://schemas.openxmlformats.org/presentationml/2006/main">
+  <p:cSld>
+    <p:spTree>
+      <p:nvGrpSpPr>
+        <p:cNvPr id="1" name=""/>
+        <p:cNvGrpSpPr/>
+        <p:nvPr/>
+      </p:nvGrpSpPr>
+      <p:grpSpPr>
+        <a:xfrm>
+          <a:off x="0" y="0"/>
+          <a:ext cx="0" cy="0"/>
+          <a:chOff x="0" y="0"/>
+          <a:chExt cx="0" cy="0"/>
+        </a:xfrm>
+      </p:grpSpPr>
+      <p:sp>
+        <p:nvSpPr>
+          <p:cNvPr id="2" name="1 Título"/>
+          <p:cNvSpPr>
+            <a:spLocks noGrp="1"/>
+          </p:cNvSpPr>
+          <p:nvPr>
+            <p:ph type="title"/>
+          </p:nvPr>
+        </p:nvSpPr>
+        <p:spPr/>
+        <p:txBody>
+          <a:bodyPr/>
+          <a:lstStyle/>
+          <a:p>
+            <a:r>
+              <a:rPr lang="es-ES" dirty="0" smtClean="0"/>
+              <a:t>Métricas</a:t>
+            </a:r>
+            <a:endParaRPr lang="es-ES" dirty="0"/>
+          </a:p>
+        </p:txBody>
+      </p:sp>
+      <p:sp>
+        <p:nvSpPr>
+          <p:cNvPr id="3" name="2 Marcador de contenido"/>
+          <p:cNvSpPr>
+            <a:spLocks noGrp="1"/>
+          </p:cNvSpPr>
+          <p:nvPr>
+            <p:ph idx="1"/>
+          </p:nvPr>
+        </p:nvSpPr>
+        <p:spPr/>
+        <p:txBody>
+          <a:bodyPr/>
+          <a:lstStyle/>
+          <a:p>
+            <a:r>
+              <a:rPr lang="es-AR" dirty="0" smtClean="0"/>
+              <a:t>Definiciones derivadas de IR: </a:t>
+            </a:r>
+          </a:p>
+          <a:p>
+            <a:pPr lvl="1"/>
+            <a:r>
+              <a:rPr lang="es-AR" sz="1600" b="1" dirty="0" smtClean="0"/>
+              <a:t>QVP</a:t>
+            </a:r>
+            <a:r>
+              <a:rPr lang="es-AR" sz="1600" dirty="0" smtClean="0"/>
+              <a:t>: QAs </a:t>
+            </a:r>
+            <a:r>
+              <a:rPr lang="es-AR" sz="1600" b="1" i="1" u="sng" dirty="0" smtClean="0"/>
+              <a:t>identificados</a:t>
+            </a:r>
+            <a:r>
+              <a:rPr lang="es-AR" sz="1600" dirty="0" smtClean="0"/>
+              <a:t>, que </a:t>
+            </a:r>
+            <a:r>
+              <a:rPr lang="es-AR" sz="1600" b="1" i="1" u="sng" dirty="0" smtClean="0"/>
+              <a:t>son realmente </a:t>
+            </a:r>
+            <a:r>
+              <a:rPr lang="es-AR" sz="1600" b="1" i="1" u="sng" dirty="0" smtClean="0"/>
+              <a:t>QAs.</a:t>
+            </a:r>
+            <a:endParaRPr lang="es-AR" sz="1600" dirty="0" smtClean="0"/>
+          </a:p>
+          <a:p>
+            <a:pPr lvl="1"/>
+            <a:r>
+              <a:rPr lang="es-AR" sz="1600" b="1" dirty="0" smtClean="0"/>
+              <a:t>QVN</a:t>
+            </a:r>
+            <a:r>
+              <a:rPr lang="es-AR" sz="1600" dirty="0" smtClean="0"/>
+              <a:t>: QAs </a:t>
+            </a:r>
+            <a:r>
+              <a:rPr lang="es-AR" sz="1600" b="1" i="1" u="sng" dirty="0" smtClean="0"/>
+              <a:t>no identificados</a:t>
+            </a:r>
+            <a:r>
+              <a:rPr lang="es-AR" sz="1600" dirty="0" smtClean="0"/>
+              <a:t>, que </a:t>
+            </a:r>
+            <a:r>
+              <a:rPr lang="es-AR" sz="1600" b="1" i="1" u="sng" dirty="0" smtClean="0"/>
+              <a:t>no son realmente </a:t>
+            </a:r>
+            <a:r>
+              <a:rPr lang="es-AR" sz="1600" b="1" i="1" u="sng" dirty="0" smtClean="0"/>
+              <a:t>QAs.</a:t>
+            </a:r>
+            <a:endParaRPr lang="es-AR" sz="1600" dirty="0" smtClean="0"/>
+          </a:p>
+          <a:p>
+            <a:pPr lvl="1"/>
+            <a:r>
+              <a:rPr lang="es-AR" sz="1600" b="1" dirty="0" smtClean="0"/>
+              <a:t>QFP</a:t>
+            </a:r>
+            <a:r>
+              <a:rPr lang="es-AR" sz="1600" dirty="0" smtClean="0"/>
+              <a:t>: QAs </a:t>
+            </a:r>
+            <a:r>
+              <a:rPr lang="es-AR" sz="1600" b="1" i="1" u="sng" dirty="0" smtClean="0"/>
+              <a:t>identificados</a:t>
+            </a:r>
+            <a:r>
+              <a:rPr lang="es-AR" sz="1600" dirty="0" smtClean="0"/>
+              <a:t>, que </a:t>
+            </a:r>
+            <a:r>
+              <a:rPr lang="es-AR" sz="1600" b="1" i="1" u="sng" dirty="0" smtClean="0"/>
+              <a:t>no son realmente </a:t>
+            </a:r>
+            <a:r>
+              <a:rPr lang="es-AR" sz="1600" b="1" i="1" u="sng" dirty="0" smtClean="0"/>
+              <a:t>QAs </a:t>
+            </a:r>
+            <a:r>
+              <a:rPr lang="es-AR" sz="1600" dirty="0" smtClean="0"/>
+              <a:t> o que se </a:t>
+            </a:r>
+            <a:r>
+              <a:rPr lang="es-AR" sz="1600" dirty="0" err="1" smtClean="0"/>
+              <a:t>identificarion</a:t>
+            </a:r>
+            <a:r>
+              <a:rPr lang="es-AR" sz="1600" dirty="0" smtClean="0"/>
+              <a:t> de manera errónea a partir de los datos de entrada.</a:t>
+            </a:r>
+            <a:endParaRPr lang="es-AR" sz="1600" dirty="0" smtClean="0"/>
+          </a:p>
+          <a:p>
+            <a:pPr lvl="1"/>
+            <a:r>
+              <a:rPr lang="es-AR" sz="1600" b="1" dirty="0" smtClean="0"/>
+              <a:t>QFN</a:t>
+            </a:r>
+            <a:r>
+              <a:rPr lang="es-AR" sz="1600" dirty="0" smtClean="0"/>
+              <a:t>: QAs </a:t>
+            </a:r>
+            <a:r>
+              <a:rPr lang="es-AR" sz="1600" b="1" i="1" u="sng" dirty="0" smtClean="0"/>
+              <a:t>no identificados</a:t>
+            </a:r>
+            <a:r>
+              <a:rPr lang="es-AR" sz="1600" dirty="0" smtClean="0"/>
+              <a:t>, que </a:t>
+            </a:r>
+            <a:r>
+              <a:rPr lang="es-AR" sz="1600" b="1" i="1" u="sng" dirty="0" smtClean="0"/>
+              <a:t>son </a:t>
+            </a:r>
+            <a:r>
+              <a:rPr lang="es-AR" sz="1600" b="1" i="1" u="sng" dirty="0" smtClean="0"/>
+              <a:t>realmente QAs.</a:t>
+            </a:r>
+          </a:p>
+          <a:p>
+            <a:pPr lvl="1"/>
+            <a:endParaRPr lang="es-AR" sz="1600" b="1" i="1" u="sng" dirty="0" smtClean="0"/>
+          </a:p>
+          <a:p>
+            <a:pPr lvl="1"/>
+            <a:endParaRPr lang="es-AR" sz="1600" b="1" i="1" u="sng" dirty="0" smtClean="0"/>
+          </a:p>
+          <a:p>
+            <a:pPr lvl="1"/>
+            <a:endParaRPr lang="es-AR" sz="1600" b="1" i="1" u="sng" dirty="0" smtClean="0"/>
+          </a:p>
+          <a:p>
+            <a:pPr lvl="1"/>
+            <a:endParaRPr lang="es-AR" sz="1600" b="1" i="1" u="sng" dirty="0" smtClean="0"/>
+          </a:p>
+          <a:p>
+            <a:pPr lvl="1"/>
+            <a:endParaRPr lang="es-AR" sz="1600" b="1" i="1" u="sng" dirty="0" smtClean="0"/>
+          </a:p>
+          <a:p>
+            <a:r>
+              <a:rPr lang="es-AR" dirty="0" smtClean="0"/>
+              <a:t>Tiempos de ejecución</a:t>
+            </a:r>
+          </a:p>
+        </p:txBody>
+      </p:sp>
+      <p:pic>
+        <p:nvPicPr>
+          <p:cNvPr id="5" name="Picture 10"/>
+          <p:cNvPicPr>
+            <a:picLocks noChangeAspect="1" noChangeArrowheads="1"/>
+          </p:cNvPicPr>
+          <p:nvPr/>
+        </p:nvPicPr>
+        <p:blipFill>
+          <a:blip r:embed="rId2" cstate="print"/>
+          <a:srcRect/>
+          <a:stretch>
+            <a:fillRect/>
+          </a:stretch>
+        </p:blipFill>
+        <p:spPr bwMode="auto">
+          <a:xfrm>
+            <a:off x="5214942" y="3929066"/>
+            <a:ext cx="2714286" cy="785715"/>
+          </a:xfrm>
+          <a:prstGeom prst="round2DiagRect">
+            <a:avLst>
+              <a:gd name="adj1" fmla="val 16667"/>
+              <a:gd name="adj2" fmla="val 0"/>
+            </a:avLst>
+          </a:prstGeom>
+          <a:ln w="88900" cap="sq">
+            <a:solidFill>
+              <a:srgbClr val="FFFFFF"/>
+            </a:solidFill>
+            <a:miter lim="800000"/>
+          </a:ln>
+          <a:effectLst>
+            <a:outerShdw blurRad="254000" algn="tl" rotWithShape="0">
+              <a:srgbClr val="000000">
+                <a:alpha val="43000"/>
+              </a:srgbClr>
+            </a:outerShdw>
+          </a:effectLst>
+        </p:spPr>
+      </p:pic>
+      <p:pic>
+        <p:nvPicPr>
+          <p:cNvPr id="6" name="Picture 11"/>
+          <p:cNvPicPr>
+            <a:picLocks noChangeAspect="1" noChangeArrowheads="1"/>
+          </p:cNvPicPr>
+          <p:nvPr/>
+        </p:nvPicPr>
+        <p:blipFill>
+          <a:blip r:embed="rId3" cstate="print"/>
+          <a:srcRect/>
+          <a:stretch>
+            <a:fillRect/>
+          </a:stretch>
+        </p:blipFill>
+        <p:spPr bwMode="auto">
+          <a:xfrm>
+            <a:off x="1142976" y="3929066"/>
+            <a:ext cx="3042858" cy="785715"/>
+          </a:xfrm>
+          <a:prstGeom prst="round2DiagRect">
+            <a:avLst>
+              <a:gd name="adj1" fmla="val 16667"/>
+              <a:gd name="adj2" fmla="val 0"/>
+            </a:avLst>
+          </a:prstGeom>
+          <a:ln w="88900" cap="sq">
+            <a:solidFill>
+              <a:srgbClr val="FFFFFF"/>
+            </a:solidFill>
+            <a:miter lim="800000"/>
+          </a:ln>
+          <a:effectLst>
+            <a:outerShdw blurRad="254000" algn="tl" rotWithShape="0">
+              <a:srgbClr val="000000">
+                <a:alpha val="43000"/>
+              </a:srgbClr>
+            </a:outerShdw>
+          </a:effectLst>
+        </p:spPr>
+      </p:pic>
+    </p:spTree>
+  </p:cSld>
+  <p:clrMapOvr>
+    <a:masterClrMapping/>
+  </p:clrMapOvr>
+</p:sld>
+</file>
+
+<file path=ppt/slides/slide13.xml><?xml version="1.0" encoding="utf-8"?>
+<p:sld xmlns:a="http://schemas.openxmlformats.org/drawingml/2006/main" xmlns:r="http://schemas.openxmlformats.org/officeDocument/2006/relationships" xmlns:p="http://schemas.openxmlformats.org/presentationml/2006/main">
+  <p:cSld>
+    <p:spTree>
+      <p:nvGrpSpPr>
+        <p:cNvPr id="1" name=""/>
+        <p:cNvGrpSpPr/>
+        <p:nvPr/>
+      </p:nvGrpSpPr>
+      <p:grpSpPr>
+        <a:xfrm>
+          <a:off x="0" y="0"/>
+          <a:ext cx="0" cy="0"/>
+          <a:chOff x="0" y="0"/>
+          <a:chExt cx="0" cy="0"/>
+        </a:xfrm>
+      </p:grpSpPr>
+      <p:sp>
+        <p:nvSpPr>
+          <p:cNvPr id="2" name="1 Título"/>
+          <p:cNvSpPr>
+            <a:spLocks noGrp="1"/>
+          </p:cNvSpPr>
+          <p:nvPr>
+            <p:ph type="title"/>
+          </p:nvPr>
+        </p:nvSpPr>
+        <p:spPr/>
+        <p:txBody>
+          <a:bodyPr>
+            <a:normAutofit/>
+          </a:bodyPr>
+          <a:lstStyle/>
+          <a:p>
+            <a:r>
+              <a:rPr lang="es-ES" dirty="0" smtClean="0"/>
+              <a:t>Caso de estudio HWS</a:t>
+            </a:r>
+            <a:endParaRPr lang="es-ES" dirty="0"/>
+          </a:p>
+        </p:txBody>
+      </p:sp>
+      <p:sp>
+        <p:nvSpPr>
+          <p:cNvPr id="3" name="2 Marcador de contenido"/>
+          <p:cNvSpPr>
+            <a:spLocks noGrp="1"/>
+          </p:cNvSpPr>
+          <p:nvPr>
+            <p:ph idx="1"/>
+          </p:nvPr>
+        </p:nvSpPr>
+        <p:spPr/>
+        <p:txBody>
+          <a:bodyPr/>
+          <a:lstStyle/>
+          <a:p>
+            <a:r>
+              <a:rPr lang="es-ES" dirty="0" smtClean="0"/>
+              <a:t>(¿Mostrar la imagen de la tesis con todos los aspectos y las flechas y globos?)</a:t>
+            </a:r>
+            <a:endParaRPr lang="es-ES" dirty="0"/>
+          </a:p>
+        </p:txBody>
+      </p:sp>
+    </p:spTree>
+  </p:cSld>
+  <p:clrMapOvr>
+    <a:masterClrMapping/>
+  </p:clrMapOvr>
+</p:sld>
+</file>
+
+<file path=ppt/slides/slide14.xml><?xml version="1.0" encoding="utf-8"?>
+<p:sld xmlns:a="http://schemas.openxmlformats.org/drawingml/2006/main" xmlns:r="http://schemas.openxmlformats.org/officeDocument/2006/relationships" xmlns:p="http://schemas.openxmlformats.org/presentationml/2006/main">
+  <p:cSld>
+    <p:spTree>
+      <p:nvGrpSpPr>
+        <p:cNvPr id="1" name=""/>
+        <p:cNvGrpSpPr/>
+        <p:nvPr/>
+      </p:nvGrpSpPr>
+      <p:grpSpPr>
+        <a:xfrm>
+          <a:off x="0" y="0"/>
+          <a:ext cx="0" cy="0"/>
+          <a:chOff x="0" y="0"/>
+          <a:chExt cx="0" cy="0"/>
+        </a:xfrm>
+      </p:grpSpPr>
+      <p:sp>
+        <p:nvSpPr>
+          <p:cNvPr id="2" name="1 Título"/>
+          <p:cNvSpPr>
+            <a:spLocks noGrp="1"/>
+          </p:cNvSpPr>
+          <p:nvPr>
+            <p:ph type="title"/>
+          </p:nvPr>
+        </p:nvSpPr>
+        <p:spPr/>
+        <p:txBody>
+          <a:bodyPr/>
+          <a:lstStyle/>
+          <a:p>
+            <a:r>
+              <a:rPr lang="es-ES" dirty="0" smtClean="0"/>
+              <a:t>Caso de estudio CRS</a:t>
+            </a:r>
+            <a:endParaRPr lang="es-ES" dirty="0"/>
+          </a:p>
+        </p:txBody>
+      </p:sp>
+      <p:sp>
+        <p:nvSpPr>
+          <p:cNvPr id="3" name="2 Marcador de contenido"/>
+          <p:cNvSpPr>
+            <a:spLocks noGrp="1"/>
+          </p:cNvSpPr>
+          <p:nvPr>
+            <p:ph idx="1"/>
+          </p:nvPr>
+        </p:nvSpPr>
+        <p:spPr/>
+        <p:txBody>
+          <a:bodyPr/>
+          <a:lstStyle/>
+          <a:p>
+            <a:r>
+              <a:rPr lang="es-ES" dirty="0" smtClean="0"/>
+              <a:t>(¿Mostrar </a:t>
+            </a:r>
+            <a:r>
+              <a:rPr lang="es-ES" dirty="0" smtClean="0"/>
+              <a:t>la imagen de la tesis con todos los aspectos y las flechas y globos?)</a:t>
+            </a:r>
+            <a:endParaRPr lang="es-ES" dirty="0"/>
+          </a:p>
+        </p:txBody>
+      </p:sp>
+    </p:spTree>
+  </p:cSld>
+  <p:clrMapOvr>
+    <a:masterClrMapping/>
+  </p:clrMapOvr>
+</p:sld>
+</file>
+
+<file path=ppt/slides/slide15.xml><?xml version="1.0" encoding="utf-8"?>
+<p:sld xmlns:a="http://schemas.openxmlformats.org/drawingml/2006/main" xmlns:r="http://schemas.openxmlformats.org/officeDocument/2006/relationships" xmlns:p="http://schemas.openxmlformats.org/presentationml/2006/main">
+  <p:cSld>
+    <p:spTree>
+      <p:nvGrpSpPr>
+        <p:cNvPr id="1" name=""/>
+        <p:cNvGrpSpPr/>
+        <p:nvPr/>
+      </p:nvGrpSpPr>
+      <p:grpSpPr>
+        <a:xfrm>
+          <a:off x="0" y="0"/>
+          <a:ext cx="0" cy="0"/>
+          <a:chOff x="0" y="0"/>
+          <a:chExt cx="0" cy="0"/>
+        </a:xfrm>
+      </p:grpSpPr>
+      <p:sp>
+        <p:nvSpPr>
+          <p:cNvPr id="2" name="1 Título"/>
+          <p:cNvSpPr>
+            <a:spLocks noGrp="1"/>
+          </p:cNvSpPr>
+          <p:nvPr>
+            <p:ph type="title"/>
+          </p:nvPr>
+        </p:nvSpPr>
+        <p:spPr/>
+        <p:txBody>
+          <a:bodyPr/>
+          <a:lstStyle/>
+          <a:p>
+            <a:r>
+              <a:rPr lang="es-ES" dirty="0" smtClean="0"/>
+              <a:t>Conclusiones generales</a:t>
+            </a:r>
+            <a:endParaRPr lang="es-ES" dirty="0"/>
+          </a:p>
+        </p:txBody>
+      </p:sp>
+      <p:sp>
+        <p:nvSpPr>
+          <p:cNvPr id="3" name="2 Marcador de contenido"/>
+          <p:cNvSpPr>
+            <a:spLocks noGrp="1"/>
+          </p:cNvSpPr>
+          <p:nvPr>
+            <p:ph idx="1"/>
+          </p:nvPr>
+        </p:nvSpPr>
+        <p:spPr/>
+        <p:txBody>
+          <a:bodyPr/>
+          <a:lstStyle/>
+          <a:p>
+            <a:endParaRPr lang="es-ES" dirty="0"/>
+          </a:p>
+        </p:txBody>
+      </p:sp>
+    </p:spTree>
+  </p:cSld>
+  <p:clrMapOvr>
+    <a:masterClrMapping/>
+  </p:clrMapOvr>
+</p:sld>
+</file>
+
+<file path=ppt/slides/slide16.xml><?xml version="1.0" encoding="utf-8"?>
+<p:sld xmlns:a="http://schemas.openxmlformats.org/drawingml/2006/main" xmlns:r="http://schemas.openxmlformats.org/officeDocument/2006/relationships" xmlns:p="http://schemas.openxmlformats.org/presentationml/2006/main">
+  <p:cSld>
+    <p:spTree>
+      <p:nvGrpSpPr>
+        <p:cNvPr id="1" name=""/>
+        <p:cNvGrpSpPr/>
+        <p:nvPr/>
+      </p:nvGrpSpPr>
+      <p:grpSpPr>
+        <a:xfrm>
+          <a:off x="0" y="0"/>
+          <a:ext cx="0" cy="0"/>
+          <a:chOff x="0" y="0"/>
+          <a:chExt cx="0" cy="0"/>
+        </a:xfrm>
+      </p:grpSpPr>
+      <p:sp>
+        <p:nvSpPr>
+          <p:cNvPr id="2" name="1 Título"/>
+          <p:cNvSpPr>
+            <a:spLocks noGrp="1"/>
+          </p:cNvSpPr>
+          <p:nvPr>
+            <p:ph type="title"/>
+          </p:nvPr>
+        </p:nvSpPr>
+        <p:spPr/>
+        <p:txBody>
+          <a:bodyPr>
+            <a:normAutofit/>
+          </a:bodyPr>
+          <a:lstStyle/>
+          <a:p>
+            <a:r>
+              <a:rPr lang="es-ES" dirty="0" smtClean="0"/>
+              <a:t>Ventajas y Desventajas</a:t>
+            </a:r>
+            <a:endParaRPr lang="es-ES" dirty="0"/>
+          </a:p>
+        </p:txBody>
+      </p:sp>
+      <p:sp>
+        <p:nvSpPr>
+          <p:cNvPr id="3" name="2 Marcador de contenido"/>
+          <p:cNvSpPr>
+            <a:spLocks noGrp="1"/>
+          </p:cNvSpPr>
+          <p:nvPr>
+            <p:ph idx="1"/>
+          </p:nvPr>
+        </p:nvSpPr>
+        <p:spPr/>
+        <p:txBody>
+          <a:bodyPr>
+            <a:normAutofit fontScale="85000" lnSpcReduction="20000"/>
+          </a:bodyPr>
+          <a:lstStyle/>
+          <a:p>
+            <a:r>
+              <a:rPr lang="es-ES" dirty="0" smtClean="0"/>
+              <a:t>Ventajas</a:t>
+            </a:r>
+          </a:p>
+          <a:p>
+            <a:pPr lvl="1"/>
+            <a:r>
+              <a:rPr lang="es-ES" dirty="0" err="1" smtClean="0"/>
+              <a:t>Recall</a:t>
+            </a:r>
+            <a:r>
+              <a:rPr lang="es-ES" dirty="0" smtClean="0"/>
+              <a:t>.</a:t>
+            </a:r>
+          </a:p>
+          <a:p>
+            <a:pPr lvl="1"/>
+            <a:r>
+              <a:rPr lang="es-ES" dirty="0" smtClean="0"/>
+              <a:t>Tiempo de ejecución.</a:t>
+            </a:r>
+          </a:p>
+          <a:p>
+            <a:pPr lvl="1"/>
+            <a:r>
+              <a:rPr lang="es-ES" dirty="0" smtClean="0"/>
+              <a:t>Nivel de automatización.</a:t>
+            </a:r>
+          </a:p>
+          <a:p>
+            <a:pPr lvl="1"/>
+            <a:r>
+              <a:rPr lang="es-ES" dirty="0" err="1" smtClean="0"/>
+              <a:t>Extension</a:t>
+            </a:r>
+            <a:r>
+              <a:rPr lang="es-ES" dirty="0" smtClean="0"/>
+              <a:t> a otros documentos.</a:t>
+            </a:r>
+          </a:p>
+          <a:p>
+            <a:pPr lvl="1"/>
+            <a:r>
+              <a:rPr lang="es-ES" dirty="0" smtClean="0"/>
+              <a:t>Extensibilidad para la </a:t>
+            </a:r>
+            <a:r>
+              <a:rPr lang="es-ES" dirty="0" err="1" smtClean="0"/>
+              <a:t>identificacion</a:t>
+            </a:r>
+            <a:r>
+              <a:rPr lang="es-ES" dirty="0" smtClean="0"/>
+              <a:t> de otros </a:t>
+            </a:r>
+            <a:r>
+              <a:rPr lang="es-ES" dirty="0" err="1" smtClean="0"/>
+              <a:t>QAs</a:t>
+            </a:r>
+            <a:endParaRPr lang="es-ES" dirty="0" smtClean="0"/>
+          </a:p>
+          <a:p>
+            <a:r>
+              <a:rPr lang="es-ES" dirty="0" smtClean="0"/>
+              <a:t>Desventajas</a:t>
+            </a:r>
+          </a:p>
+          <a:p>
+            <a:pPr lvl="1"/>
+            <a:r>
+              <a:rPr lang="es-ES" dirty="0" smtClean="0"/>
+              <a:t>Dependencia de los aspectos encontrados.</a:t>
+            </a:r>
+          </a:p>
+          <a:p>
+            <a:pPr lvl="1"/>
+            <a:r>
+              <a:rPr lang="es-ES" dirty="0" err="1" smtClean="0"/>
+              <a:t>QAs</a:t>
+            </a:r>
+            <a:r>
+              <a:rPr lang="es-ES" dirty="0" smtClean="0"/>
+              <a:t> no relacionados con aspectos.</a:t>
+            </a:r>
+          </a:p>
+          <a:p>
+            <a:pPr lvl="1"/>
+            <a:r>
+              <a:rPr lang="es-ES" dirty="0" err="1" smtClean="0"/>
+              <a:t>Definción</a:t>
+            </a:r>
+            <a:r>
+              <a:rPr lang="es-ES" dirty="0" smtClean="0"/>
+              <a:t> de una ontología</a:t>
+            </a:r>
+          </a:p>
+          <a:p>
+            <a:pPr lvl="1"/>
+            <a:r>
+              <a:rPr lang="es-ES" dirty="0" smtClean="0"/>
+              <a:t>Limitaciones del lenguaje</a:t>
+            </a:r>
+          </a:p>
+          <a:p>
+            <a:pPr lvl="1"/>
+            <a:r>
+              <a:rPr lang="es-ES" dirty="0" smtClean="0"/>
+              <a:t>Aprendizaje</a:t>
+            </a:r>
+            <a:endParaRPr lang="es-ES" dirty="0"/>
+          </a:p>
+        </p:txBody>
+      </p:sp>
+    </p:spTree>
+  </p:cSld>
+  <p:clrMapOvr>
+    <a:masterClrMapping/>
+  </p:clrMapOvr>
+</p:sld>
+</file>
+
+<file path=ppt/slides/slide17.xml><?xml version="1.0" encoding="utf-8"?>
+<p:sld xmlns:a="http://schemas.openxmlformats.org/drawingml/2006/main" xmlns:r="http://schemas.openxmlformats.org/officeDocument/2006/relationships" xmlns:p="http://schemas.openxmlformats.org/presentationml/2006/main">
+  <p:cSld>
+    <p:spTree>
+      <p:nvGrpSpPr>
+        <p:cNvPr id="1" name=""/>
+        <p:cNvGrpSpPr/>
+        <p:nvPr/>
+      </p:nvGrpSpPr>
+      <p:grpSpPr>
+        <a:xfrm>
+          <a:off x="0" y="0"/>
+          <a:ext cx="0" cy="0"/>
+          <a:chOff x="0" y="0"/>
+          <a:chExt cx="0" cy="0"/>
+        </a:xfrm>
+      </p:grpSpPr>
+      <p:sp>
+        <p:nvSpPr>
+          <p:cNvPr id="2" name="1 Título"/>
+          <p:cNvSpPr>
+            <a:spLocks noGrp="1"/>
+          </p:cNvSpPr>
+          <p:nvPr>
+            <p:ph type="title"/>
+          </p:nvPr>
+        </p:nvSpPr>
+        <p:spPr/>
+        <p:txBody>
+          <a:bodyPr/>
+          <a:lstStyle/>
+          <a:p>
+            <a:r>
+              <a:rPr lang="es-ES" dirty="0" smtClean="0"/>
+              <a:t>Trabajos Futuros</a:t>
+            </a:r>
+            <a:endParaRPr lang="es-ES" dirty="0"/>
+          </a:p>
+        </p:txBody>
+      </p:sp>
+      <p:sp>
+        <p:nvSpPr>
+          <p:cNvPr id="3" name="2 Marcador de contenido"/>
+          <p:cNvSpPr>
+            <a:spLocks noGrp="1"/>
+          </p:cNvSpPr>
+          <p:nvPr>
+            <p:ph idx="1"/>
+          </p:nvPr>
+        </p:nvSpPr>
+        <p:spPr/>
+        <p:txBody>
+          <a:bodyPr/>
+          <a:lstStyle/>
+          <a:p>
+            <a:r>
+              <a:rPr lang="es-ES" dirty="0" smtClean="0"/>
+              <a:t>Mejoramiento de la ontología</a:t>
+            </a:r>
+          </a:p>
+          <a:p>
+            <a:r>
+              <a:rPr lang="es-ES" dirty="0" smtClean="0"/>
+              <a:t>Atributos de los </a:t>
+            </a:r>
+            <a:r>
+              <a:rPr lang="es-ES" dirty="0" err="1" smtClean="0"/>
+              <a:t>tokens</a:t>
+            </a:r>
+            <a:endParaRPr lang="es-ES" dirty="0" smtClean="0"/>
+          </a:p>
+          <a:p>
+            <a:r>
+              <a:rPr lang="es-ES" dirty="0" smtClean="0"/>
+              <a:t>Minar </a:t>
+            </a:r>
+            <a:r>
+              <a:rPr lang="es-ES" dirty="0" err="1" smtClean="0"/>
+              <a:t>QAs</a:t>
+            </a:r>
+            <a:r>
+              <a:rPr lang="es-ES" dirty="0" smtClean="0"/>
+              <a:t> desde otros documentos</a:t>
+            </a:r>
+          </a:p>
+          <a:p>
+            <a:r>
+              <a:rPr lang="es-ES" dirty="0" smtClean="0"/>
+              <a:t>Aprendizaje</a:t>
+            </a:r>
+          </a:p>
+          <a:p>
+            <a:r>
+              <a:rPr lang="es-ES" dirty="0" smtClean="0"/>
+              <a:t>Arquitecturas orientadas a aspectos</a:t>
+            </a:r>
+            <a:endParaRPr lang="es-ES" dirty="0"/>
+          </a:p>
+        </p:txBody>
+      </p:sp>
+    </p:spTree>
+  </p:cSld>
+  <p:clrMapOvr>
+    <a:masterClrMapping/>
+  </p:clrMapOvr>
+</p:sld>
+</file>
+
+<file path=ppt/slides/slide18.xml><?xml version="1.0" encoding="utf-8"?>
+<p:sld xmlns:a="http://schemas.openxmlformats.org/drawingml/2006/main" xmlns:r="http://schemas.openxmlformats.org/officeDocument/2006/relationships" xmlns:p="http://schemas.openxmlformats.org/presentationml/2006/main">
+  <p:cSld>
+    <p:spTree>
+      <p:nvGrpSpPr>
+        <p:cNvPr id="1" name=""/>
+        <p:cNvGrpSpPr/>
+        <p:nvPr/>
+      </p:nvGrpSpPr>
+      <p:grpSpPr>
+        <a:xfrm>
+          <a:off x="0" y="0"/>
+          <a:ext cx="0" cy="0"/>
+          <a:chOff x="0" y="0"/>
+          <a:chExt cx="0" cy="0"/>
+        </a:xfrm>
+      </p:grpSpPr>
+      <p:sp>
+        <p:nvSpPr>
+          <p:cNvPr id="2" name="1 Título"/>
+          <p:cNvSpPr>
+            <a:spLocks noGrp="1"/>
+          </p:cNvSpPr>
+          <p:nvPr>
+            <p:ph type="title"/>
+          </p:nvPr>
+        </p:nvSpPr>
+        <p:spPr/>
+        <p:txBody>
+          <a:bodyPr/>
+          <a:lstStyle/>
+          <a:p>
+            <a:r>
+              <a:rPr lang="es-ES" dirty="0" smtClean="0"/>
+              <a:t>Preguntas</a:t>
+            </a:r>
+            <a:endParaRPr lang="es-ES" dirty="0"/>
+          </a:p>
+        </p:txBody>
+      </p:sp>
+      <p:sp>
+        <p:nvSpPr>
+          <p:cNvPr id="3" name="2 Marcador de contenido"/>
+          <p:cNvSpPr>
+            <a:spLocks noGrp="1"/>
+          </p:cNvSpPr>
+          <p:nvPr>
+            <p:ph idx="1"/>
+          </p:nvPr>
+        </p:nvSpPr>
+        <p:spPr/>
+        <p:txBody>
+          <a:bodyPr/>
+          <a:lstStyle/>
+          <a:p>
+            <a:pPr algn="ctr">
+              <a:buNone/>
+            </a:pPr>
+            <a:r>
+              <a:rPr lang="es-ES" dirty="0" smtClean="0"/>
+              <a:t>¿?</a:t>
+            </a:r>
+            <a:endParaRPr lang="es-ES" dirty="0"/>
+          </a:p>
+        </p:txBody>
+      </p:sp>
+    </p:spTree>
+  </p:cSld>
+  <p:clrMapOvr>
+    <a:masterClrMapping/>
+  </p:clrMapOvr>
+</p:sld>
+</file>
+
+<file path=ppt/slides/slide19.xml><?xml version="1.0" encoding="utf-8"?>
+<p:sld xmlns:a="http://schemas.openxmlformats.org/drawingml/2006/main" xmlns:r="http://schemas.openxmlformats.org/officeDocument/2006/relationships" xmlns:p="http://schemas.openxmlformats.org/presentationml/2006/main">
+  <p:cSld>
+    <p:spTree>
+      <p:nvGrpSpPr>
+        <p:cNvPr id="1" name=""/>
+        <p:cNvGrpSpPr/>
+        <p:nvPr/>
+      </p:nvGrpSpPr>
+      <p:grpSpPr>
+        <a:xfrm>
+          <a:off x="0" y="0"/>
+          <a:ext cx="0" cy="0"/>
+          <a:chOff x="0" y="0"/>
+          <a:chExt cx="0" cy="0"/>
+        </a:xfrm>
+      </p:grpSpPr>
+      <p:sp>
+        <p:nvSpPr>
+          <p:cNvPr id="2" name="1 Título"/>
+          <p:cNvSpPr>
+            <a:spLocks noGrp="1"/>
+          </p:cNvSpPr>
+          <p:nvPr>
+            <p:ph type="title"/>
+          </p:nvPr>
+        </p:nvSpPr>
+        <p:spPr/>
+        <p:txBody>
+          <a:bodyPr/>
+          <a:lstStyle/>
+          <a:p>
+            <a:r>
+              <a:rPr lang="es-ES" dirty="0" smtClean="0"/>
+              <a:t>GRACIAS!!!!</a:t>
+            </a:r>
+            <a:endParaRPr lang="es-ES" dirty="0"/>
+          </a:p>
+        </p:txBody>
+      </p:sp>
+      <p:sp>
+        <p:nvSpPr>
+          <p:cNvPr id="3" name="2 Marcador de contenido"/>
+          <p:cNvSpPr>
+            <a:spLocks noGrp="1"/>
+          </p:cNvSpPr>
+          <p:nvPr>
+            <p:ph idx="1"/>
+          </p:nvPr>
+        </p:nvSpPr>
+        <p:spPr/>
+        <p:txBody>
+          <a:bodyPr/>
+          <a:lstStyle/>
+          <a:p>
+            <a:endParaRPr lang="es-ES"/>
           </a:p>
         </p:txBody>
       </p:sp>
@@ -3647,7 +4755,7 @@
         <p:spPr/>
         <p:txBody>
           <a:bodyPr>
-            <a:normAutofit fontScale="85000" lnSpcReduction="20000"/>
+            <a:normAutofit fontScale="92500" lnSpcReduction="20000"/>
           </a:bodyPr>
           <a:lstStyle/>
           <a:p>
@@ -3670,14 +4778,6 @@
               <a:rPr lang="es-ES" dirty="0" smtClean="0"/>
               <a:t>Problemática</a:t>
             </a:r>
-          </a:p>
-          <a:p>
-            <a:pPr lvl="1"/>
-            <a:r>
-              <a:rPr lang="es-ES" dirty="0" smtClean="0"/>
-              <a:t>¿Trabajos relacionados?</a:t>
-            </a:r>
-            <a:endParaRPr lang="es-ES" dirty="0" smtClean="0"/>
           </a:p>
           <a:p>
             <a:r>
@@ -3931,12 +5031,14 @@
         </p:nvSpPr>
         <p:spPr/>
         <p:txBody>
-          <a:bodyPr/>
-          <a:lstStyle/>
-          <a:p>
-            <a:r>
-              <a:rPr lang="es-ES" dirty="0" smtClean="0"/>
-              <a:t>Necesidad de identificar los atributos de calidad (</a:t>
+          <a:bodyPr>
+            <a:normAutofit/>
+          </a:bodyPr>
+          <a:lstStyle/>
+          <a:p>
+            <a:r>
+              <a:rPr lang="es-ES" dirty="0" smtClean="0"/>
+              <a:t>Los atributos de calidad (</a:t>
             </a:r>
             <a:r>
               <a:rPr lang="es-ES" dirty="0" err="1" smtClean="0"/>
@@ -3944,13 +5046,40 @@
             </a:r>
             <a:r>
               <a:rPr lang="es-ES" dirty="0" smtClean="0"/>
-              <a:t>) de un sistema en la etapas tempranas de desarrollo.</a:t>
-            </a:r>
-          </a:p>
-          <a:p>
-            <a:r>
-              <a:rPr lang="es-ES" dirty="0" smtClean="0"/>
-              <a:t>Una incorrecta identificación puede llevar al fracaso del sistema.</a:t>
+              <a:t>) son propiedades deseadas o requerimientos adicionales de un</a:t>
+            </a:r>
+            <a:r>
+              <a:rPr lang="es-ES" dirty="0" smtClean="0"/>
+              <a:t> sistema.</a:t>
+            </a:r>
+            <a:endParaRPr lang="es-ES" dirty="0" smtClean="0"/>
+          </a:p>
+          <a:p>
+            <a:r>
+              <a:rPr lang="es-ES" dirty="0" smtClean="0"/>
+              <a:t>Necesidad de identificar los </a:t>
+            </a:r>
+            <a:r>
+              <a:rPr lang="es-ES" dirty="0" err="1" smtClean="0"/>
+              <a:t>QAs</a:t>
+            </a:r>
+            <a:r>
+              <a:rPr lang="es-ES" dirty="0" smtClean="0"/>
+              <a:t> </a:t>
+            </a:r>
+            <a:r>
+              <a:rPr lang="es-ES" dirty="0" smtClean="0"/>
+              <a:t>de un sistema en la etapas tempranas de desarrollo.</a:t>
+            </a:r>
+          </a:p>
+          <a:p>
+            <a:r>
+              <a:rPr lang="es-ES" dirty="0" smtClean="0"/>
+              <a:t>Una </a:t>
+            </a:r>
+            <a:r>
+              <a:rPr lang="es-ES" dirty="0" smtClean="0"/>
+              <a:t>incorrecta identificación puede llevar al fracaso del sistema.</a:t>
             </a:r>
           </a:p>
           <a:p>
@@ -4093,7 +5222,9 @@
         </p:nvSpPr>
         <p:spPr/>
         <p:txBody>
-          <a:bodyPr/>
+          <a:bodyPr>
+            <a:normAutofit/>
+          </a:bodyPr>
           <a:lstStyle/>
           <a:p>
             <a:r>
@@ -4121,9 +5252,73 @@
           <a:p>
             <a:r>
               <a:rPr lang="es-ES" dirty="0" smtClean="0"/>
-              <a:t>(Explicar que son los aspectos tempranos)</a:t>
-            </a:r>
-            <a:endParaRPr lang="es-ES" dirty="0"/>
+              <a:t>Un </a:t>
+            </a:r>
+            <a:r>
+              <a:rPr lang="es-ES" dirty="0" err="1" smtClean="0"/>
+              <a:t>concern</a:t>
+            </a:r>
+            <a:r>
+              <a:rPr lang="es-ES" dirty="0" smtClean="0"/>
+              <a:t> es cualquier asunto de interés en un sistema de software.</a:t>
+            </a:r>
+          </a:p>
+          <a:p>
+            <a:r>
+              <a:rPr lang="es-ES" i="1" dirty="0" smtClean="0"/>
+              <a:t>Los </a:t>
+            </a:r>
+            <a:r>
+              <a:rPr lang="es-AR" b="1" i="1" dirty="0" smtClean="0"/>
+              <a:t>Aspectos </a:t>
+            </a:r>
+            <a:r>
+              <a:rPr lang="es-AR" b="1" i="1" dirty="0" smtClean="0"/>
+              <a:t>Tempranos</a:t>
+            </a:r>
+            <a:r>
+              <a:rPr lang="es-AR" dirty="0" smtClean="0"/>
+              <a:t> </a:t>
+            </a:r>
+            <a:r>
+              <a:rPr lang="es-AR" dirty="0" smtClean="0"/>
+              <a:t>son </a:t>
+            </a:r>
+            <a:r>
+              <a:rPr lang="es-AR" dirty="0" err="1" smtClean="0"/>
+              <a:t>concerns</a:t>
+            </a:r>
+            <a:r>
+              <a:rPr lang="es-AR" dirty="0" smtClean="0"/>
+              <a:t> que se encuentran mezclados en los requerimientos y/o artefactos </a:t>
+            </a:r>
+            <a:r>
+              <a:rPr lang="es-AR" dirty="0" err="1" smtClean="0"/>
+              <a:t>arquitectonicos</a:t>
+            </a:r>
+            <a:r>
+              <a:rPr lang="es-AR" dirty="0" smtClean="0"/>
+              <a:t> del sistema.</a:t>
+            </a:r>
+          </a:p>
+          <a:p>
+            <a:r>
+              <a:rPr lang="es-AR" dirty="0" smtClean="0"/>
+              <a:t>Los </a:t>
+            </a:r>
+            <a:r>
+              <a:rPr lang="es-AR" b="1" i="1" dirty="0" smtClean="0"/>
+              <a:t>Aspectos Tempranos</a:t>
+            </a:r>
+            <a:r>
+              <a:rPr lang="es-AR" dirty="0" smtClean="0"/>
+              <a:t> se refieren a aspectos que ocurren en etapas iníciales del </a:t>
+            </a:r>
+            <a:r>
+              <a:rPr lang="es-AR" dirty="0" smtClean="0"/>
+              <a:t>desarrollo.</a:t>
+            </a:r>
+            <a:endParaRPr lang="es-AR" dirty="0" smtClean="0"/>
           </a:p>
         </p:txBody>
       </p:sp>
@@ -4154,6 +5349,31 @@
       </p:grpSpPr>
       <p:sp>
         <p:nvSpPr>
+          <p:cNvPr id="2" name="1 Título"/>
+          <p:cNvSpPr>
+            <a:spLocks noGrp="1"/>
+          </p:cNvSpPr>
+          <p:nvPr>
+            <p:ph type="title"/>
+          </p:nvPr>
+        </p:nvSpPr>
+        <p:spPr/>
+        <p:txBody>
+          <a:bodyPr>
+            <a:normAutofit/>
+          </a:bodyPr>
+          <a:lstStyle/>
+          <a:p>
+            <a:r>
+              <a:rPr lang="es-ES" dirty="0" smtClean="0"/>
+              <a:t>Aspectos tempranos</a:t>
+            </a:r>
+            <a:endParaRPr lang="es-ES" dirty="0"/>
+          </a:p>
+        </p:txBody>
+      </p:sp>
+      <p:sp>
+        <p:nvSpPr>
           <p:cNvPr id="3" name="2 Marcador de contenido"/>
           <p:cNvSpPr>
             <a:spLocks noGrp="1"/>
@@ -4162,20 +5382,20 @@
             <p:ph idx="1"/>
           </p:nvPr>
         </p:nvSpPr>
-        <p:spPr>
-          <a:xfrm>
-            <a:off x="457200" y="428604"/>
-            <a:ext cx="8229600" cy="5697559"/>
-          </a:xfrm>
-        </p:spPr>
-        <p:txBody>
-          <a:bodyPr/>
-          <a:lstStyle/>
-          <a:p>
-            <a:r>
-              <a:rPr lang="es-ES" dirty="0" smtClean="0"/>
-              <a:t>(Poner imagen de los casos de uso que son “atravesados” )</a:t>
-            </a:r>
+        <p:spPr/>
+        <p:txBody>
+          <a:bodyPr/>
+          <a:lstStyle/>
+          <a:p>
+            <a:r>
+              <a:rPr lang="es-ES" dirty="0" smtClean="0"/>
+              <a:t>(Poner imagen de los casos de uso que son “atravesados” por los aspectos )</a:t>
+            </a:r>
+          </a:p>
+          <a:p>
+            <a:pPr>
+              <a:buNone/>
+            </a:pPr>
             <a:endParaRPr lang="es-ES" dirty="0"/>
           </a:p>
         </p:txBody>
@@ -4218,13 +5438,25 @@
         <p:spPr/>
         <p:txBody>
           <a:bodyPr>
-            <a:normAutofit fontScale="90000"/>
+            <a:normAutofit/>
           </a:bodyPr>
           <a:lstStyle/>
           <a:p>
             <a:r>
               <a:rPr lang="es-ES" dirty="0" smtClean="0"/>
-              <a:t>Aspectos tempranos y atributos de calidad</a:t>
+              <a:t>Relación entre </a:t>
+            </a:r>
+            <a:r>
+              <a:rPr lang="es-ES" dirty="0" err="1" smtClean="0"/>
+              <a:t>QAs</a:t>
+            </a:r>
+            <a:r>
+              <a:rPr lang="es-ES" dirty="0" smtClean="0"/>
+              <a:t> y </a:t>
+            </a:r>
+            <a:r>
+              <a:rPr lang="es-ES" dirty="0" err="1" smtClean="0"/>
+              <a:t>EAs</a:t>
             </a:r>
             <a:endParaRPr lang="es-ES" dirty="0"/>
           </a:p>
@@ -4247,8 +5479,31 @@
           <a:p>
             <a:r>
               <a:rPr lang="es-ES" dirty="0" smtClean="0"/>
-              <a:t>(Explicar la relación entre los aspectos tempranos y los atributos de calidad)</a:t>
-            </a:r>
+              <a:t>Muchos atributos de calidad se relacionan con aspectos tempranos del mismo.</a:t>
+            </a:r>
+          </a:p>
+          <a:p>
+            <a:r>
+              <a:rPr lang="es-ES" dirty="0" smtClean="0"/>
+              <a:t>Un aspecto temprano podría proporcionar pistas para el descubrimiento de </a:t>
+            </a:r>
+            <a:r>
+              <a:rPr lang="es-ES" dirty="0" err="1" smtClean="0"/>
+              <a:t>QAs</a:t>
+            </a:r>
+            <a:r>
+              <a:rPr lang="es-ES" dirty="0" smtClean="0"/>
+              <a:t>.</a:t>
+            </a:r>
+            <a:endParaRPr lang="es-ES" dirty="0" smtClean="0"/>
+          </a:p>
+          <a:p>
+            <a:r>
+              <a:rPr lang="es-ES" dirty="0" smtClean="0"/>
+              <a:t>Ejemplo: autentificación con seguridad ó interfaz de usuario con usabilidad.</a:t>
+            </a:r>
+          </a:p>
+          <a:p>
             <a:endParaRPr lang="es-ES" dirty="0"/>
           </a:p>
         </p:txBody>
@@ -4295,7 +5550,7 @@
           <a:p>
             <a:r>
               <a:rPr lang="es-ES" dirty="0" smtClean="0"/>
-              <a:t>Enfoque Propuesto</a:t>
+              <a:t>Propuesta</a:t>
             </a:r>
             <a:endParaRPr lang="es-ES" dirty="0"/>
           </a:p>
@@ -4318,8 +5573,24 @@
           <a:p>
             <a:r>
               <a:rPr lang="es-ES" dirty="0" smtClean="0"/>
-              <a:t>()</a:t>
-            </a:r>
+              <a:t>Técnica </a:t>
+            </a:r>
+            <a:r>
+              <a:rPr lang="es-ES" dirty="0" err="1" smtClean="0"/>
+              <a:t>semi</a:t>
+            </a:r>
+            <a:r>
+              <a:rPr lang="es-ES" dirty="0" smtClean="0"/>
+              <a:t>-automática que identifique atributos de calidad.</a:t>
+            </a:r>
+          </a:p>
+          <a:p>
+            <a:r>
+              <a:rPr lang="es-ES" dirty="0" smtClean="0"/>
+              <a:t>Se parte de la relación entre un aspecto temprano, y los casos de uso que éste atraviesa, con los distintos atributos de calidad.</a:t>
+            </a:r>
+          </a:p>
+          <a:p>
             <a:endParaRPr lang="es-ES" dirty="0"/>
           </a:p>
         </p:txBody>

--- a/Capitulos Finales/filiminasPeladas.pptx
+++ b/Capitulos Finales/filiminasPeladas.pptx
@@ -5079,7 +5079,15 @@
             </a:r>
             <a:r>
               <a:rPr lang="es-ES" dirty="0" smtClean="0"/>
-              <a:t>incorrecta identificación puede llevar al fracaso del sistema.</a:t>
+              <a:t>incorrecta identificación </a:t>
+            </a:r>
+            <a:r>
+              <a:rPr lang="es-ES" dirty="0" smtClean="0"/>
+              <a:t>podría llevar </a:t>
+            </a:r>
+            <a:r>
+              <a:rPr lang="es-ES" dirty="0" smtClean="0"/>
+              <a:t>al fracaso del sistema.</a:t>
             </a:r>
           </a:p>
           <a:p>

--- a/Capitulos Finales/filiminasPeladas.pptx
+++ b/Capitulos Finales/filiminasPeladas.pptx
@@ -2,31 +2,30 @@
 <file path=ppt/presentation.xml><?xml version="1.0" encoding="utf-8"?>
 <p:presentation xmlns:a="http://schemas.openxmlformats.org/drawingml/2006/main" xmlns:r="http://schemas.openxmlformats.org/officeDocument/2006/relationships" xmlns:p="http://schemas.openxmlformats.org/presentationml/2006/main" saveSubsetFonts="1">
   <p:sldMasterIdLst>
-    <p:sldMasterId id="2147483648" r:id="rId1"/>
+    <p:sldMasterId id="2147483684" r:id="rId1"/>
   </p:sldMasterIdLst>
   <p:notesMasterIdLst>
-    <p:notesMasterId r:id="rId21"/>
+    <p:notesMasterId r:id="rId20"/>
   </p:notesMasterIdLst>
   <p:sldIdLst>
     <p:sldId id="256" r:id="rId2"/>
     <p:sldId id="257" r:id="rId3"/>
-    <p:sldId id="258" r:id="rId4"/>
-    <p:sldId id="259" r:id="rId5"/>
-    <p:sldId id="260" r:id="rId6"/>
-    <p:sldId id="265" r:id="rId7"/>
-    <p:sldId id="266" r:id="rId8"/>
-    <p:sldId id="263" r:id="rId9"/>
-    <p:sldId id="264" r:id="rId10"/>
-    <p:sldId id="267" r:id="rId11"/>
-    <p:sldId id="268" r:id="rId12"/>
-    <p:sldId id="269" r:id="rId13"/>
-    <p:sldId id="270" r:id="rId14"/>
-    <p:sldId id="271" r:id="rId15"/>
-    <p:sldId id="274" r:id="rId16"/>
-    <p:sldId id="272" r:id="rId17"/>
-    <p:sldId id="273" r:id="rId18"/>
-    <p:sldId id="275" r:id="rId19"/>
-    <p:sldId id="276" r:id="rId20"/>
+    <p:sldId id="259" r:id="rId4"/>
+    <p:sldId id="260" r:id="rId5"/>
+    <p:sldId id="265" r:id="rId6"/>
+    <p:sldId id="266" r:id="rId7"/>
+    <p:sldId id="263" r:id="rId8"/>
+    <p:sldId id="264" r:id="rId9"/>
+    <p:sldId id="267" r:id="rId10"/>
+    <p:sldId id="268" r:id="rId11"/>
+    <p:sldId id="269" r:id="rId12"/>
+    <p:sldId id="270" r:id="rId13"/>
+    <p:sldId id="271" r:id="rId14"/>
+    <p:sldId id="274" r:id="rId15"/>
+    <p:sldId id="272" r:id="rId16"/>
+    <p:sldId id="273" r:id="rId17"/>
+    <p:sldId id="275" r:id="rId18"/>
+    <p:sldId id="276" r:id="rId19"/>
   </p:sldIdLst>
   <p:sldSz cx="9144000" cy="6858000" type="screen4x3"/>
   <p:notesSz cx="6858000" cy="9144000"/>
@@ -545,7 +544,7 @@
             <a:fld id="{1872ED1A-74B4-42AE-A5BF-D7540D1CC6CA}" type="slidenum">
               <a:rPr lang="es-ES" smtClean="0"/>
               <a:pPr/>
-              <a:t>5</a:t>
+              <a:t>4</a:t>
             </a:fld>
             <a:endParaRPr lang="es-ES"/>
           </a:p>
@@ -600,7 +599,7 @@
               <a:rPr lang="es-ES" smtClean="0"/>
               <a:t>Haga clic para modificar el estilo de título del patrón</a:t>
             </a:r>
-            <a:endParaRPr lang="es-ES"/>
+            <a:endParaRPr lang="es-ES_tradnl"/>
           </a:p>
         </p:txBody>
       </p:sp>
@@ -719,7 +718,7 @@
               <a:rPr lang="es-ES" smtClean="0"/>
               <a:t>Haga clic para modificar el estilo de subtítulo del patrón</a:t>
             </a:r>
-            <a:endParaRPr lang="es-ES"/>
+            <a:endParaRPr lang="es-ES_tradnl"/>
           </a:p>
         </p:txBody>
       </p:sp>
@@ -834,7 +833,7 @@
               <a:rPr lang="es-ES" smtClean="0"/>
               <a:t>Haga clic para modificar el estilo de título del patrón</a:t>
             </a:r>
-            <a:endParaRPr lang="es-ES"/>
+            <a:endParaRPr lang="es-ES_tradnl"/>
           </a:p>
         </p:txBody>
       </p:sp>
@@ -886,7 +885,7 @@
               <a:rPr lang="es-ES" smtClean="0"/>
               <a:t>Quinto nivel</a:t>
             </a:r>
-            <a:endParaRPr lang="es-ES"/>
+            <a:endParaRPr lang="es-ES_tradnl"/>
           </a:p>
         </p:txBody>
       </p:sp>
@@ -1006,7 +1005,7 @@
               <a:rPr lang="es-ES" smtClean="0"/>
               <a:t>Haga clic para modificar el estilo de título del patrón</a:t>
             </a:r>
-            <a:endParaRPr lang="es-ES"/>
+            <a:endParaRPr lang="es-ES_tradnl"/>
           </a:p>
         </p:txBody>
       </p:sp>
@@ -1063,7 +1062,7 @@
               <a:rPr lang="es-ES" smtClean="0"/>
               <a:t>Quinto nivel</a:t>
             </a:r>
-            <a:endParaRPr lang="es-ES"/>
+            <a:endParaRPr lang="es-ES_tradnl"/>
           </a:p>
         </p:txBody>
       </p:sp>
@@ -1178,7 +1177,7 @@
               <a:rPr lang="es-ES" smtClean="0"/>
               <a:t>Haga clic para modificar el estilo de título del patrón</a:t>
             </a:r>
-            <a:endParaRPr lang="es-ES"/>
+            <a:endParaRPr lang="es-ES_tradnl"/>
           </a:p>
         </p:txBody>
       </p:sp>
@@ -1230,7 +1229,7 @@
               <a:rPr lang="es-ES" smtClean="0"/>
               <a:t>Quinto nivel</a:t>
             </a:r>
-            <a:endParaRPr lang="es-ES"/>
+            <a:endParaRPr lang="es-ES_tradnl"/>
           </a:p>
         </p:txBody>
       </p:sp>
@@ -1354,7 +1353,7 @@
               <a:rPr lang="es-ES" smtClean="0"/>
               <a:t>Haga clic para modificar el estilo de título del patrón</a:t>
             </a:r>
-            <a:endParaRPr lang="es-ES"/>
+            <a:endParaRPr lang="es-ES_tradnl"/>
           </a:p>
         </p:txBody>
       </p:sp>
@@ -1588,7 +1587,7 @@
               <a:rPr lang="es-ES" smtClean="0"/>
               <a:t>Haga clic para modificar el estilo de título del patrón</a:t>
             </a:r>
-            <a:endParaRPr lang="es-ES"/>
+            <a:endParaRPr lang="es-ES_tradnl"/>
           </a:p>
         </p:txBody>
       </p:sp>
@@ -1673,7 +1672,7 @@
               <a:rPr lang="es-ES" smtClean="0"/>
               <a:t>Quinto nivel</a:t>
             </a:r>
-            <a:endParaRPr lang="es-ES"/>
+            <a:endParaRPr lang="es-ES_tradnl"/>
           </a:p>
         </p:txBody>
       </p:sp>
@@ -1758,7 +1757,7 @@
               <a:rPr lang="es-ES" smtClean="0"/>
               <a:t>Quinto nivel</a:t>
             </a:r>
-            <a:endParaRPr lang="es-ES"/>
+            <a:endParaRPr lang="es-ES_tradnl"/>
           </a:p>
         </p:txBody>
       </p:sp>
@@ -1877,7 +1876,7 @@
               <a:rPr lang="es-ES" smtClean="0"/>
               <a:t>Haga clic para modificar el estilo de título del patrón</a:t>
             </a:r>
-            <a:endParaRPr lang="es-ES"/>
+            <a:endParaRPr lang="es-ES_tradnl"/>
           </a:p>
         </p:txBody>
       </p:sp>
@@ -2027,7 +2026,7 @@
               <a:rPr lang="es-ES" smtClean="0"/>
               <a:t>Quinto nivel</a:t>
             </a:r>
-            <a:endParaRPr lang="es-ES"/>
+            <a:endParaRPr lang="es-ES_tradnl"/>
           </a:p>
         </p:txBody>
       </p:sp>
@@ -2177,7 +2176,7 @@
               <a:rPr lang="es-ES" smtClean="0"/>
               <a:t>Quinto nivel</a:t>
             </a:r>
-            <a:endParaRPr lang="es-ES"/>
+            <a:endParaRPr lang="es-ES_tradnl"/>
           </a:p>
         </p:txBody>
       </p:sp>
@@ -2292,7 +2291,7 @@
               <a:rPr lang="es-ES" smtClean="0"/>
               <a:t>Haga clic para modificar el estilo de título del patrón</a:t>
             </a:r>
-            <a:endParaRPr lang="es-ES"/>
+            <a:endParaRPr lang="es-ES_tradnl"/>
           </a:p>
         </p:txBody>
       </p:sp>
@@ -2508,7 +2507,7 @@
               <a:rPr lang="es-ES" smtClean="0"/>
               <a:t>Haga clic para modificar el estilo de título del patrón</a:t>
             </a:r>
-            <a:endParaRPr lang="es-ES"/>
+            <a:endParaRPr lang="es-ES_tradnl"/>
           </a:p>
         </p:txBody>
       </p:sp>
@@ -2593,7 +2592,7 @@
               <a:rPr lang="es-ES" smtClean="0"/>
               <a:t>Quinto nivel</a:t>
             </a:r>
-            <a:endParaRPr lang="es-ES"/>
+            <a:endParaRPr lang="es-ES_tradnl"/>
           </a:p>
         </p:txBody>
       </p:sp>
@@ -2782,7 +2781,7 @@
               <a:rPr lang="es-ES" smtClean="0"/>
               <a:t>Haga clic para modificar el estilo de título del patrón</a:t>
             </a:r>
-            <a:endParaRPr lang="es-ES"/>
+            <a:endParaRPr lang="es-ES_tradnl"/>
           </a:p>
         </p:txBody>
       </p:sp>
@@ -2843,7 +2842,7 @@
             </a:lvl9pPr>
           </a:lstStyle>
           <a:p>
-            <a:endParaRPr lang="es-ES"/>
+            <a:endParaRPr lang="es-ES_tradnl"/>
           </a:p>
         </p:txBody>
       </p:sp>
@@ -3038,7 +3037,7 @@
               <a:rPr lang="es-ES" smtClean="0"/>
               <a:t>Haga clic para modificar el estilo de título del patrón</a:t>
             </a:r>
-            <a:endParaRPr lang="es-ES"/>
+            <a:endParaRPr lang="es-ES_tradnl"/>
           </a:p>
         </p:txBody>
       </p:sp>
@@ -3100,7 +3099,7 @@
               <a:rPr lang="es-ES" smtClean="0"/>
               <a:t>Quinto nivel</a:t>
             </a:r>
-            <a:endParaRPr lang="es-ES"/>
+            <a:endParaRPr lang="es-ES_tradnl"/>
           </a:p>
         </p:txBody>
       </p:sp>
@@ -3229,17 +3228,17 @@
   </p:cSld>
   <p:clrMap bg1="lt1" tx1="dk1" bg2="lt2" tx2="dk2" accent1="accent1" accent2="accent2" accent3="accent3" accent4="accent4" accent5="accent5" accent6="accent6" hlink="hlink" folHlink="folHlink"/>
   <p:sldLayoutIdLst>
-    <p:sldLayoutId id="2147483649" r:id="rId1"/>
-    <p:sldLayoutId id="2147483650" r:id="rId2"/>
-    <p:sldLayoutId id="2147483651" r:id="rId3"/>
-    <p:sldLayoutId id="2147483652" r:id="rId4"/>
-    <p:sldLayoutId id="2147483653" r:id="rId5"/>
-    <p:sldLayoutId id="2147483654" r:id="rId6"/>
-    <p:sldLayoutId id="2147483655" r:id="rId7"/>
-    <p:sldLayoutId id="2147483656" r:id="rId8"/>
-    <p:sldLayoutId id="2147483657" r:id="rId9"/>
-    <p:sldLayoutId id="2147483658" r:id="rId10"/>
-    <p:sldLayoutId id="2147483659" r:id="rId11"/>
+    <p:sldLayoutId id="2147483685" r:id="rId1"/>
+    <p:sldLayoutId id="2147483686" r:id="rId2"/>
+    <p:sldLayoutId id="2147483687" r:id="rId3"/>
+    <p:sldLayoutId id="2147483688" r:id="rId4"/>
+    <p:sldLayoutId id="2147483689" r:id="rId5"/>
+    <p:sldLayoutId id="2147483690" r:id="rId6"/>
+    <p:sldLayoutId id="2147483691" r:id="rId7"/>
+    <p:sldLayoutId id="2147483692" r:id="rId8"/>
+    <p:sldLayoutId id="2147483693" r:id="rId9"/>
+    <p:sldLayoutId id="2147483694" r:id="rId10"/>
+    <p:sldLayoutId id="2147483695" r:id="rId11"/>
   </p:sldLayoutIdLst>
   <p:txStyles>
     <p:titleStyle>
@@ -3397,7 +3396,7 @@
     </p:bodyStyle>
     <p:otherStyle>
       <a:defPPr>
-        <a:defRPr lang="es-ES"/>
+        <a:defRPr lang="es-ES_tradnl"/>
       </a:defPPr>
       <a:lvl1pPr marL="0" algn="l" defTabSz="914400" rtl="0" eaLnBrk="1" latinLnBrk="0" hangingPunct="1">
         <a:defRPr sz="1800" kern="1200">
@@ -3523,16 +3522,14 @@
         </p:nvSpPr>
         <p:spPr/>
         <p:txBody>
-          <a:bodyPr/>
-          <a:lstStyle/>
-          <a:p>
-            <a:r>
-              <a:rPr lang="es-ES" dirty="0" smtClean="0"/>
-              <a:t>Identificación </a:t>
-            </a:r>
-            <a:r>
-              <a:rPr lang="es-ES" dirty="0" smtClean="0"/>
-              <a:t>de Atributos de Calidad en Requerimientos</a:t>
+          <a:bodyPr>
+            <a:normAutofit/>
+          </a:bodyPr>
+          <a:lstStyle/>
+          <a:p>
+            <a:r>
+              <a:rPr lang="es-ES" dirty="0" smtClean="0"/>
+              <a:t>Identificación de Atributos de Calidad en Requerimientos</a:t>
             </a:r>
             <a:endParaRPr lang="es-ES" dirty="0"/>
           </a:p>
@@ -3638,34 +3635,35 @@
           <a:p>
             <a:r>
               <a:rPr lang="es-ES" dirty="0" smtClean="0"/>
-              <a:t>Proceso</a:t>
+              <a:t>QA Miner</a:t>
             </a:r>
             <a:endParaRPr lang="es-ES" dirty="0"/>
           </a:p>
         </p:txBody>
       </p:sp>
-      <p:graphicFrame>
-        <p:nvGraphicFramePr>
-          <p:cNvPr id="1026" name="Object 2"/>
-          <p:cNvGraphicFramePr>
-            <a:graphicFrameLocks noChangeAspect="1"/>
-          </p:cNvGraphicFramePr>
+      <p:sp>
+        <p:nvSpPr>
+          <p:cNvPr id="3" name="2 Marcador de contenido"/>
+          <p:cNvSpPr>
+            <a:spLocks noGrp="1"/>
+          </p:cNvSpPr>
           <p:nvPr>
             <p:ph idx="1"/>
           </p:nvPr>
-        </p:nvGraphicFramePr>
-        <p:xfrm>
-          <a:off x="1569527" y="1600200"/>
-          <a:ext cx="6004946" cy="4525963"/>
-        </p:xfrm>
-        <a:graphic>
-          <a:graphicData uri="http://schemas.openxmlformats.org/presentationml/2006/ole">
-            <p:oleObj spid="_x0000_s1026" name="Visio" r:id="rId3" imgW="6961529" imgH="5247359" progId="">
-              <p:embed/>
-            </p:oleObj>
-          </a:graphicData>
-        </a:graphic>
-      </p:graphicFrame>
+        </p:nvSpPr>
+        <p:spPr/>
+        <p:txBody>
+          <a:bodyPr/>
+          <a:lstStyle/>
+          <a:p>
+            <a:r>
+              <a:rPr lang="es-ES" dirty="0" smtClean="0"/>
+              <a:t>(Herramienta del QA Miner)</a:t>
+            </a:r>
+            <a:endParaRPr lang="es-ES" dirty="0"/>
+          </a:p>
+        </p:txBody>
+      </p:sp>
     </p:spTree>
   </p:cSld>
   <p:clrMapOvr>
@@ -3708,89 +3706,6 @@
           <a:p>
             <a:r>
               <a:rPr lang="es-ES" dirty="0" smtClean="0"/>
-              <a:t>QA </a:t>
-            </a:r>
-            <a:r>
-              <a:rPr lang="es-ES" dirty="0" err="1" smtClean="0"/>
-              <a:t>Miner</a:t>
-            </a:r>
-            <a:endParaRPr lang="es-ES" dirty="0"/>
-          </a:p>
-        </p:txBody>
-      </p:sp>
-      <p:sp>
-        <p:nvSpPr>
-          <p:cNvPr id="3" name="2 Marcador de contenido"/>
-          <p:cNvSpPr>
-            <a:spLocks noGrp="1"/>
-          </p:cNvSpPr>
-          <p:nvPr>
-            <p:ph idx="1"/>
-          </p:nvPr>
-        </p:nvSpPr>
-        <p:spPr/>
-        <p:txBody>
-          <a:bodyPr/>
-          <a:lstStyle/>
-          <a:p>
-            <a:r>
-              <a:rPr lang="es-ES" dirty="0" smtClean="0"/>
-              <a:t>(Herramienta del QA </a:t>
-            </a:r>
-            <a:r>
-              <a:rPr lang="es-ES" dirty="0" err="1" smtClean="0"/>
-              <a:t>Miner</a:t>
-            </a:r>
-            <a:r>
-              <a:rPr lang="es-ES" dirty="0" smtClean="0"/>
-              <a:t>)</a:t>
-            </a:r>
-            <a:endParaRPr lang="es-ES" dirty="0"/>
-          </a:p>
-        </p:txBody>
-      </p:sp>
-    </p:spTree>
-  </p:cSld>
-  <p:clrMapOvr>
-    <a:masterClrMapping/>
-  </p:clrMapOvr>
-</p:sld>
-</file>
-
-<file path=ppt/slides/slide12.xml><?xml version="1.0" encoding="utf-8"?>
-<p:sld xmlns:a="http://schemas.openxmlformats.org/drawingml/2006/main" xmlns:r="http://schemas.openxmlformats.org/officeDocument/2006/relationships" xmlns:p="http://schemas.openxmlformats.org/presentationml/2006/main">
-  <p:cSld>
-    <p:spTree>
-      <p:nvGrpSpPr>
-        <p:cNvPr id="1" name=""/>
-        <p:cNvGrpSpPr/>
-        <p:nvPr/>
-      </p:nvGrpSpPr>
-      <p:grpSpPr>
-        <a:xfrm>
-          <a:off x="0" y="0"/>
-          <a:ext cx="0" cy="0"/>
-          <a:chOff x="0" y="0"/>
-          <a:chExt cx="0" cy="0"/>
-        </a:xfrm>
-      </p:grpSpPr>
-      <p:sp>
-        <p:nvSpPr>
-          <p:cNvPr id="2" name="1 Título"/>
-          <p:cNvSpPr>
-            <a:spLocks noGrp="1"/>
-          </p:cNvSpPr>
-          <p:nvPr>
-            <p:ph type="title"/>
-          </p:nvPr>
-        </p:nvSpPr>
-        <p:spPr/>
-        <p:txBody>
-          <a:bodyPr/>
-          <a:lstStyle/>
-          <a:p>
-            <a:r>
-              <a:rPr lang="es-ES" dirty="0" smtClean="0"/>
               <a:t>Métricas</a:t>
             </a:r>
             <a:endParaRPr lang="es-ES" dirty="0"/>
@@ -3837,11 +3752,7 @@
             </a:r>
             <a:r>
               <a:rPr lang="es-AR" sz="1600" b="1" i="1" u="sng" dirty="0" smtClean="0"/>
-              <a:t>son realmente </a:t>
-            </a:r>
-            <a:r>
-              <a:rPr lang="es-AR" sz="1600" b="1" i="1" u="sng" dirty="0" smtClean="0"/>
-              <a:t>QAs.</a:t>
+              <a:t>son realmente QAs.</a:t>
             </a:r>
             <a:endParaRPr lang="es-AR" sz="1600" dirty="0" smtClean="0"/>
           </a:p>
@@ -3865,11 +3776,7 @@
             </a:r>
             <a:r>
               <a:rPr lang="es-AR" sz="1600" b="1" i="1" u="sng" dirty="0" smtClean="0"/>
-              <a:t>no son realmente </a:t>
-            </a:r>
-            <a:r>
-              <a:rPr lang="es-AR" sz="1600" b="1" i="1" u="sng" dirty="0" smtClean="0"/>
-              <a:t>QAs.</a:t>
+              <a:t>no son realmente QAs.</a:t>
             </a:r>
             <a:endParaRPr lang="es-AR" sz="1600" dirty="0" smtClean="0"/>
           </a:p>
@@ -3893,11 +3800,7 @@
             </a:r>
             <a:r>
               <a:rPr lang="es-AR" sz="1600" b="1" i="1" u="sng" dirty="0" smtClean="0"/>
-              <a:t>no son realmente </a:t>
-            </a:r>
-            <a:r>
-              <a:rPr lang="es-AR" sz="1600" b="1" i="1" u="sng" dirty="0" smtClean="0"/>
-              <a:t>QAs </a:t>
+              <a:t>no son realmente QAs </a:t>
             </a:r>
             <a:r>
               <a:rPr lang="es-AR" sz="1600" dirty="0" smtClean="0"/>
@@ -3911,7 +3814,6 @@
               <a:rPr lang="es-AR" sz="1600" dirty="0" smtClean="0"/>
               <a:t> de manera errónea a partir de los datos de entrada.</a:t>
             </a:r>
-            <a:endParaRPr lang="es-AR" sz="1600" dirty="0" smtClean="0"/>
           </a:p>
           <a:p>
             <a:pPr lvl="1"/>
@@ -3933,11 +3835,7 @@
             </a:r>
             <a:r>
               <a:rPr lang="es-AR" sz="1600" b="1" i="1" u="sng" dirty="0" smtClean="0"/>
-              <a:t>son </a:t>
-            </a:r>
-            <a:r>
-              <a:rPr lang="es-AR" sz="1600" b="1" i="1" u="sng" dirty="0" smtClean="0"/>
-              <a:t>realmente QAs.</a:t>
+              <a:t>son realmente QAs.</a:t>
             </a:r>
           </a:p>
           <a:p>
@@ -4058,6 +3956,79 @@
 </p:sld>
 </file>
 
+<file path=ppt/slides/slide12.xml><?xml version="1.0" encoding="utf-8"?>
+<p:sld xmlns:a="http://schemas.openxmlformats.org/drawingml/2006/main" xmlns:r="http://schemas.openxmlformats.org/officeDocument/2006/relationships" xmlns:p="http://schemas.openxmlformats.org/presentationml/2006/main">
+  <p:cSld>
+    <p:spTree>
+      <p:nvGrpSpPr>
+        <p:cNvPr id="1" name=""/>
+        <p:cNvGrpSpPr/>
+        <p:nvPr/>
+      </p:nvGrpSpPr>
+      <p:grpSpPr>
+        <a:xfrm>
+          <a:off x="0" y="0"/>
+          <a:ext cx="0" cy="0"/>
+          <a:chOff x="0" y="0"/>
+          <a:chExt cx="0" cy="0"/>
+        </a:xfrm>
+      </p:grpSpPr>
+      <p:sp>
+        <p:nvSpPr>
+          <p:cNvPr id="2" name="1 Título"/>
+          <p:cNvSpPr>
+            <a:spLocks noGrp="1"/>
+          </p:cNvSpPr>
+          <p:nvPr>
+            <p:ph type="title"/>
+          </p:nvPr>
+        </p:nvSpPr>
+        <p:spPr/>
+        <p:txBody>
+          <a:bodyPr>
+            <a:normAutofit/>
+          </a:bodyPr>
+          <a:lstStyle/>
+          <a:p>
+            <a:r>
+              <a:rPr lang="es-ES" dirty="0" smtClean="0"/>
+              <a:t>Caso de estudio HWS</a:t>
+            </a:r>
+            <a:endParaRPr lang="es-ES" dirty="0"/>
+          </a:p>
+        </p:txBody>
+      </p:sp>
+      <p:sp>
+        <p:nvSpPr>
+          <p:cNvPr id="3" name="2 Marcador de contenido"/>
+          <p:cNvSpPr>
+            <a:spLocks noGrp="1"/>
+          </p:cNvSpPr>
+          <p:nvPr>
+            <p:ph idx="1"/>
+          </p:nvPr>
+        </p:nvSpPr>
+        <p:spPr/>
+        <p:txBody>
+          <a:bodyPr/>
+          <a:lstStyle/>
+          <a:p>
+            <a:r>
+              <a:rPr lang="es-ES" dirty="0" smtClean="0"/>
+              <a:t>(¿Mostrar la imagen de la tesis con todos los aspectos y las flechas y globos?)</a:t>
+            </a:r>
+            <a:endParaRPr lang="es-ES" dirty="0"/>
+          </a:p>
+        </p:txBody>
+      </p:sp>
+    </p:spTree>
+  </p:cSld>
+  <p:clrMapOvr>
+    <a:masterClrMapping/>
+  </p:clrMapOvr>
+</p:sld>
+</file>
+
 <file path=ppt/slides/slide13.xml><?xml version="1.0" encoding="utf-8"?>
 <p:sld xmlns:a="http://schemas.openxmlformats.org/drawingml/2006/main" xmlns:r="http://schemas.openxmlformats.org/officeDocument/2006/relationships" xmlns:p="http://schemas.openxmlformats.org/presentationml/2006/main">
   <p:cSld>
@@ -4087,14 +4058,12 @@
         </p:nvSpPr>
         <p:spPr/>
         <p:txBody>
-          <a:bodyPr>
-            <a:normAutofit/>
-          </a:bodyPr>
-          <a:lstStyle/>
-          <a:p>
-            <a:r>
-              <a:rPr lang="es-ES" dirty="0" smtClean="0"/>
-              <a:t>Caso de estudio HWS</a:t>
+          <a:bodyPr/>
+          <a:lstStyle/>
+          <a:p>
+            <a:r>
+              <a:rPr lang="es-ES" dirty="0" smtClean="0"/>
+              <a:t>Caso de estudio CRS</a:t>
             </a:r>
             <a:endParaRPr lang="es-ES" dirty="0"/>
           </a:p>
@@ -4165,7 +4134,7 @@
           <a:p>
             <a:r>
               <a:rPr lang="es-ES" dirty="0" smtClean="0"/>
-              <a:t>Caso de estudio CRS</a:t>
+              <a:t>Conclusiones generales</a:t>
             </a:r>
             <a:endParaRPr lang="es-ES" dirty="0"/>
           </a:p>
@@ -4186,14 +4155,6 @@
           <a:bodyPr/>
           <a:lstStyle/>
           <a:p>
-            <a:r>
-              <a:rPr lang="es-ES" dirty="0" smtClean="0"/>
-              <a:t>(¿Mostrar </a:t>
-            </a:r>
-            <a:r>
-              <a:rPr lang="es-ES" dirty="0" smtClean="0"/>
-              <a:t>la imagen de la tesis con todos los aspectos y las flechas y globos?)</a:t>
-            </a:r>
             <a:endParaRPr lang="es-ES" dirty="0"/>
           </a:p>
         </p:txBody>
@@ -4235,12 +4196,14 @@
         </p:nvSpPr>
         <p:spPr/>
         <p:txBody>
-          <a:bodyPr/>
-          <a:lstStyle/>
-          <a:p>
-            <a:r>
-              <a:rPr lang="es-ES" dirty="0" smtClean="0"/>
-              <a:t>Conclusiones generales</a:t>
+          <a:bodyPr>
+            <a:normAutofit/>
+          </a:bodyPr>
+          <a:lstStyle/>
+          <a:p>
+            <a:r>
+              <a:rPr lang="es-ES" dirty="0" smtClean="0"/>
+              <a:t>Ventajas y Desventajas</a:t>
             </a:r>
             <a:endParaRPr lang="es-ES" dirty="0"/>
           </a:p>
@@ -4258,9 +4221,111 @@
         </p:nvSpPr>
         <p:spPr/>
         <p:txBody>
-          <a:bodyPr/>
-          <a:lstStyle/>
-          <a:p>
+          <a:bodyPr>
+            <a:normAutofit fontScale="85000" lnSpcReduction="20000"/>
+          </a:bodyPr>
+          <a:lstStyle/>
+          <a:p>
+            <a:r>
+              <a:rPr lang="es-ES" dirty="0" smtClean="0"/>
+              <a:t>Ventajas</a:t>
+            </a:r>
+          </a:p>
+          <a:p>
+            <a:pPr lvl="1"/>
+            <a:r>
+              <a:rPr lang="es-ES" dirty="0" err="1" smtClean="0"/>
+              <a:t>Recall</a:t>
+            </a:r>
+            <a:r>
+              <a:rPr lang="es-ES" dirty="0" smtClean="0"/>
+              <a:t>.</a:t>
+            </a:r>
+          </a:p>
+          <a:p>
+            <a:pPr lvl="1"/>
+            <a:r>
+              <a:rPr lang="es-ES" dirty="0" smtClean="0"/>
+              <a:t>Tiempo de ejecución.</a:t>
+            </a:r>
+          </a:p>
+          <a:p>
+            <a:pPr lvl="1"/>
+            <a:r>
+              <a:rPr lang="es-ES" dirty="0" smtClean="0"/>
+              <a:t>Nivel de automatización.</a:t>
+            </a:r>
+          </a:p>
+          <a:p>
+            <a:pPr lvl="1"/>
+            <a:r>
+              <a:rPr lang="es-ES" dirty="0" err="1" smtClean="0"/>
+              <a:t>Extension</a:t>
+            </a:r>
+            <a:r>
+              <a:rPr lang="es-ES" dirty="0" smtClean="0"/>
+              <a:t> a otros documentos.</a:t>
+            </a:r>
+          </a:p>
+          <a:p>
+            <a:pPr lvl="1"/>
+            <a:r>
+              <a:rPr lang="es-ES" dirty="0" smtClean="0"/>
+              <a:t>Extensibilidad para la </a:t>
+            </a:r>
+            <a:r>
+              <a:rPr lang="es-ES" dirty="0" err="1" smtClean="0"/>
+              <a:t>identificacion</a:t>
+            </a:r>
+            <a:r>
+              <a:rPr lang="es-ES" dirty="0" smtClean="0"/>
+              <a:t> de otros QAs</a:t>
+            </a:r>
+          </a:p>
+          <a:p>
+            <a:r>
+              <a:rPr lang="es-ES" dirty="0" smtClean="0"/>
+              <a:t>Desventajas</a:t>
+            </a:r>
+          </a:p>
+          <a:p>
+            <a:pPr lvl="1"/>
+            <a:r>
+              <a:rPr lang="es-ES" dirty="0" smtClean="0"/>
+              <a:t>Dependencia de los aspectos encontrados.</a:t>
+            </a:r>
+          </a:p>
+          <a:p>
+            <a:pPr lvl="1"/>
+            <a:r>
+              <a:rPr lang="es-ES" dirty="0" smtClean="0"/>
+              <a:t>QAs no relacionados con aspectos.</a:t>
+            </a:r>
+          </a:p>
+          <a:p>
+            <a:pPr lvl="1"/>
+            <a:r>
+              <a:rPr lang="es-ES" dirty="0" err="1" smtClean="0"/>
+              <a:t>Definción</a:t>
+            </a:r>
+            <a:r>
+              <a:rPr lang="es-ES" dirty="0" smtClean="0"/>
+              <a:t> de una ontología</a:t>
+            </a:r>
+          </a:p>
+          <a:p>
+            <a:pPr lvl="1"/>
+            <a:r>
+              <a:rPr lang="es-ES" dirty="0" smtClean="0"/>
+              <a:t>Limitaciones del lenguaje</a:t>
+            </a:r>
+          </a:p>
+          <a:p>
+            <a:pPr lvl="1"/>
+            <a:r>
+              <a:rPr lang="es-ES" dirty="0" smtClean="0"/>
+              <a:t>Aprendizaje</a:t>
+            </a:r>
             <a:endParaRPr lang="es-ES" dirty="0"/>
           </a:p>
         </p:txBody>
@@ -4302,14 +4367,12 @@
         </p:nvSpPr>
         <p:spPr/>
         <p:txBody>
-          <a:bodyPr>
-            <a:normAutofit/>
-          </a:bodyPr>
-          <a:lstStyle/>
-          <a:p>
-            <a:r>
-              <a:rPr lang="es-ES" dirty="0" smtClean="0"/>
-              <a:t>Ventajas y Desventajas</a:t>
+          <a:bodyPr/>
+          <a:lstStyle/>
+          <a:p>
+            <a:r>
+              <a:rPr lang="es-ES" dirty="0" smtClean="0"/>
+              <a:t>Trabajos Futuros</a:t>
             </a:r>
             <a:endParaRPr lang="es-ES" dirty="0"/>
           </a:p>
@@ -4327,119 +4390,36 @@
         </p:nvSpPr>
         <p:spPr/>
         <p:txBody>
-          <a:bodyPr>
-            <a:normAutofit fontScale="85000" lnSpcReduction="20000"/>
-          </a:bodyPr>
-          <a:lstStyle/>
-          <a:p>
-            <a:r>
-              <a:rPr lang="es-ES" dirty="0" smtClean="0"/>
-              <a:t>Ventajas</a:t>
-            </a:r>
-          </a:p>
-          <a:p>
-            <a:pPr lvl="1"/>
-            <a:r>
-              <a:rPr lang="es-ES" dirty="0" err="1" smtClean="0"/>
-              <a:t>Recall</a:t>
-            </a:r>
-            <a:r>
-              <a:rPr lang="es-ES" dirty="0" smtClean="0"/>
-              <a:t>.</a:t>
-            </a:r>
-          </a:p>
-          <a:p>
-            <a:pPr lvl="1"/>
-            <a:r>
-              <a:rPr lang="es-ES" dirty="0" smtClean="0"/>
-              <a:t>Tiempo de ejecución.</a:t>
-            </a:r>
-          </a:p>
-          <a:p>
-            <a:pPr lvl="1"/>
-            <a:r>
-              <a:rPr lang="es-ES" dirty="0" smtClean="0"/>
-              <a:t>Nivel de automatización.</a:t>
-            </a:r>
-          </a:p>
-          <a:p>
-            <a:pPr lvl="1"/>
-            <a:r>
-              <a:rPr lang="es-ES" dirty="0" err="1" smtClean="0"/>
-              <a:t>Extension</a:t>
-            </a:r>
-            <a:r>
-              <a:rPr lang="es-ES" dirty="0" smtClean="0"/>
-              <a:t> a otros documentos.</a:t>
-            </a:r>
-          </a:p>
-          <a:p>
-            <a:pPr lvl="1"/>
-            <a:r>
-              <a:rPr lang="es-ES" dirty="0" smtClean="0"/>
-              <a:t>Extensibilidad para la </a:t>
-            </a:r>
-            <a:r>
-              <a:rPr lang="es-ES" dirty="0" err="1" smtClean="0"/>
-              <a:t>identificacion</a:t>
-            </a:r>
-            <a:r>
-              <a:rPr lang="es-ES" dirty="0" smtClean="0"/>
-              <a:t> de otros </a:t>
-            </a:r>
-            <a:r>
-              <a:rPr lang="es-ES" dirty="0" err="1" smtClean="0"/>
-              <a:t>QAs</a:t>
-            </a:r>
-            <a:endParaRPr lang="es-ES" dirty="0" smtClean="0"/>
-          </a:p>
-          <a:p>
-            <a:r>
-              <a:rPr lang="es-ES" dirty="0" smtClean="0"/>
-              <a:t>Desventajas</a:t>
-            </a:r>
-          </a:p>
-          <a:p>
-            <a:pPr lvl="1"/>
-            <a:r>
-              <a:rPr lang="es-ES" dirty="0" smtClean="0"/>
-              <a:t>Dependencia de los aspectos encontrados.</a:t>
-            </a:r>
-          </a:p>
-          <a:p>
-            <a:pPr lvl="1"/>
-            <a:r>
-              <a:rPr lang="es-ES" dirty="0" err="1" smtClean="0"/>
-              <a:t>QAs</a:t>
-            </a:r>
-            <a:r>
-              <a:rPr lang="es-ES" dirty="0" smtClean="0"/>
-              <a:t> no relacionados con aspectos.</a:t>
-            </a:r>
-          </a:p>
-          <a:p>
-            <a:pPr lvl="1"/>
-            <a:r>
-              <a:rPr lang="es-ES" dirty="0" err="1" smtClean="0"/>
-              <a:t>Definción</a:t>
-            </a:r>
-            <a:r>
-              <a:rPr lang="es-ES" dirty="0" smtClean="0"/>
-              <a:t> de una ontología</a:t>
-            </a:r>
-          </a:p>
-          <a:p>
-            <a:pPr lvl="1"/>
-            <a:r>
-              <a:rPr lang="es-ES" dirty="0" smtClean="0"/>
-              <a:t>Limitaciones del lenguaje</a:t>
-            </a:r>
-          </a:p>
-          <a:p>
-            <a:pPr lvl="1"/>
+          <a:bodyPr/>
+          <a:lstStyle/>
+          <a:p>
+            <a:r>
+              <a:rPr lang="es-ES" dirty="0" smtClean="0"/>
+              <a:t>Mejoramiento de la ontología</a:t>
+            </a:r>
+          </a:p>
+          <a:p>
+            <a:r>
+              <a:rPr lang="es-ES" dirty="0" smtClean="0"/>
+              <a:t>Atributos de los tokens</a:t>
+            </a:r>
+          </a:p>
+          <a:p>
+            <a:r>
+              <a:rPr lang="es-ES" dirty="0" smtClean="0"/>
+              <a:t>Minar QAs desde otros documentos</a:t>
+            </a:r>
+          </a:p>
+          <a:p>
             <a:r>
               <a:rPr lang="es-ES" dirty="0" smtClean="0"/>
               <a:t>Aprendizaje</a:t>
+            </a:r>
+          </a:p>
+          <a:p>
+            <a:r>
+              <a:rPr lang="es-ES" dirty="0" smtClean="0"/>
+              <a:t>Arquitecturas orientadas a aspectos</a:t>
             </a:r>
             <a:endParaRPr lang="es-ES" dirty="0"/>
           </a:p>
@@ -4487,7 +4467,7 @@
           <a:p>
             <a:r>
               <a:rPr lang="es-ES" dirty="0" smtClean="0"/>
-              <a:t>Trabajos Futuros</a:t>
+              <a:t>Preguntas</a:t>
             </a:r>
             <a:endParaRPr lang="es-ES" dirty="0"/>
           </a:p>
@@ -4508,46 +4488,12 @@
           <a:bodyPr/>
           <a:lstStyle/>
           <a:p>
-            <a:r>
-              <a:rPr lang="es-ES" dirty="0" smtClean="0"/>
-              <a:t>Mejoramiento de la ontología</a:t>
-            </a:r>
-          </a:p>
-          <a:p>
-            <a:r>
-              <a:rPr lang="es-ES" dirty="0" smtClean="0"/>
-              <a:t>Atributos de los </a:t>
-            </a:r>
-            <a:r>
-              <a:rPr lang="es-ES" dirty="0" err="1" smtClean="0"/>
-              <a:t>tokens</a:t>
-            </a:r>
-            <a:endParaRPr lang="es-ES" dirty="0" smtClean="0"/>
-          </a:p>
-          <a:p>
-            <a:r>
-              <a:rPr lang="es-ES" dirty="0" smtClean="0"/>
-              <a:t>Minar </a:t>
-            </a:r>
-            <a:r>
-              <a:rPr lang="es-ES" dirty="0" err="1" smtClean="0"/>
-              <a:t>QAs</a:t>
-            </a:r>
-            <a:r>
-              <a:rPr lang="es-ES" dirty="0" smtClean="0"/>
-              <a:t> desde otros documentos</a:t>
-            </a:r>
-          </a:p>
-          <a:p>
-            <a:r>
-              <a:rPr lang="es-ES" dirty="0" smtClean="0"/>
-              <a:t>Aprendizaje</a:t>
-            </a:r>
-          </a:p>
-          <a:p>
-            <a:r>
-              <a:rPr lang="es-ES" dirty="0" smtClean="0"/>
-              <a:t>Arquitecturas orientadas a aspectos</a:t>
+            <a:pPr algn="ctr">
+              <a:buNone/>
+            </a:pPr>
+            <a:r>
+              <a:rPr lang="es-ES" dirty="0" smtClean="0"/>
+              <a:t>¿?</a:t>
             </a:r>
             <a:endParaRPr lang="es-ES" dirty="0"/>
           </a:p>
@@ -4595,80 +4541,6 @@
           <a:p>
             <a:r>
               <a:rPr lang="es-ES" dirty="0" smtClean="0"/>
-              <a:t>Preguntas</a:t>
-            </a:r>
-            <a:endParaRPr lang="es-ES" dirty="0"/>
-          </a:p>
-        </p:txBody>
-      </p:sp>
-      <p:sp>
-        <p:nvSpPr>
-          <p:cNvPr id="3" name="2 Marcador de contenido"/>
-          <p:cNvSpPr>
-            <a:spLocks noGrp="1"/>
-          </p:cNvSpPr>
-          <p:nvPr>
-            <p:ph idx="1"/>
-          </p:nvPr>
-        </p:nvSpPr>
-        <p:spPr/>
-        <p:txBody>
-          <a:bodyPr/>
-          <a:lstStyle/>
-          <a:p>
-            <a:pPr algn="ctr">
-              <a:buNone/>
-            </a:pPr>
-            <a:r>
-              <a:rPr lang="es-ES" dirty="0" smtClean="0"/>
-              <a:t>¿?</a:t>
-            </a:r>
-            <a:endParaRPr lang="es-ES" dirty="0"/>
-          </a:p>
-        </p:txBody>
-      </p:sp>
-    </p:spTree>
-  </p:cSld>
-  <p:clrMapOvr>
-    <a:masterClrMapping/>
-  </p:clrMapOvr>
-</p:sld>
-</file>
-
-<file path=ppt/slides/slide19.xml><?xml version="1.0" encoding="utf-8"?>
-<p:sld xmlns:a="http://schemas.openxmlformats.org/drawingml/2006/main" xmlns:r="http://schemas.openxmlformats.org/officeDocument/2006/relationships" xmlns:p="http://schemas.openxmlformats.org/presentationml/2006/main">
-  <p:cSld>
-    <p:spTree>
-      <p:nvGrpSpPr>
-        <p:cNvPr id="1" name=""/>
-        <p:cNvGrpSpPr/>
-        <p:nvPr/>
-      </p:nvGrpSpPr>
-      <p:grpSpPr>
-        <a:xfrm>
-          <a:off x="0" y="0"/>
-          <a:ext cx="0" cy="0"/>
-          <a:chOff x="0" y="0"/>
-          <a:chExt cx="0" cy="0"/>
-        </a:xfrm>
-      </p:grpSpPr>
-      <p:sp>
-        <p:nvSpPr>
-          <p:cNvPr id="2" name="1 Título"/>
-          <p:cNvSpPr>
-            <a:spLocks noGrp="1"/>
-          </p:cNvSpPr>
-          <p:nvPr>
-            <p:ph type="title"/>
-          </p:nvPr>
-        </p:nvSpPr>
-        <p:spPr/>
-        <p:txBody>
-          <a:bodyPr/>
-          <a:lstStyle/>
-          <a:p>
-            <a:r>
-              <a:rPr lang="es-ES" dirty="0" smtClean="0"/>
               <a:t>GRACIAS!!!!</a:t>
             </a:r>
             <a:endParaRPr lang="es-ES" dirty="0"/>
@@ -4752,16 +4624,21 @@
             <p:ph idx="1"/>
           </p:nvPr>
         </p:nvSpPr>
-        <p:spPr/>
+        <p:spPr>
+          <a:xfrm>
+            <a:off x="457200" y="1268760"/>
+            <a:ext cx="8507288" cy="5472608"/>
+          </a:xfrm>
+        </p:spPr>
         <p:txBody>
           <a:bodyPr>
-            <a:normAutofit fontScale="92500" lnSpcReduction="20000"/>
+            <a:normAutofit fontScale="62500" lnSpcReduction="20000"/>
           </a:bodyPr>
           <a:lstStyle/>
           <a:p>
             <a:r>
-              <a:rPr lang="es-ES" dirty="0" err="1" smtClean="0"/>
-              <a:t>Introduccion</a:t>
+              <a:rPr lang="es-ES" dirty="0" smtClean="0"/>
+              <a:t>Introducción</a:t>
             </a:r>
             <a:endParaRPr lang="es-ES" dirty="0" smtClean="0"/>
           </a:p>
@@ -4782,11 +4659,7 @@
           <a:p>
             <a:r>
               <a:rPr lang="es-ES" dirty="0" smtClean="0"/>
-              <a:t>Atributos de calidad y aspectos </a:t>
-            </a:r>
-            <a:r>
-              <a:rPr lang="es-ES" dirty="0" smtClean="0"/>
-              <a:t>tempranos</a:t>
+              <a:t>Atributos de calidad y aspectos tempranos</a:t>
             </a:r>
           </a:p>
           <a:p>
@@ -4795,27 +4668,13 @@
               <a:rPr lang="es-ES" dirty="0" smtClean="0"/>
               <a:t>Aspectos tempranos</a:t>
             </a:r>
-            <a:endParaRPr lang="es-ES" dirty="0" smtClean="0"/>
           </a:p>
           <a:p>
             <a:pPr lvl="1"/>
             <a:r>
               <a:rPr lang="es-ES" dirty="0" smtClean="0"/>
-              <a:t>Relación entre </a:t>
-            </a:r>
-            <a:r>
-              <a:rPr lang="es-ES" dirty="0" err="1" smtClean="0"/>
-              <a:t>QAs</a:t>
-            </a:r>
-            <a:r>
-              <a:rPr lang="es-ES" dirty="0" smtClean="0"/>
-              <a:t> y </a:t>
-            </a:r>
-            <a:r>
-              <a:rPr lang="es-ES" dirty="0" err="1" smtClean="0"/>
-              <a:t>EAs</a:t>
-            </a:r>
-            <a:endParaRPr lang="es-ES" dirty="0" smtClean="0"/>
+              <a:t>Relación entre QAs y EAs</a:t>
+            </a:r>
           </a:p>
           <a:p>
             <a:r>
@@ -4844,9 +4703,67 @@
               <a:t>QA </a:t>
             </a:r>
             <a:r>
-              <a:rPr lang="es-ES" dirty="0" err="1" smtClean="0"/>
+              <a:rPr lang="es-ES" dirty="0" smtClean="0"/>
               <a:t>Miner</a:t>
             </a:r>
+          </a:p>
+          <a:p>
+            <a:r>
+              <a:rPr lang="es-ES" dirty="0" smtClean="0"/>
+              <a:t>Evaluación</a:t>
+            </a:r>
+          </a:p>
+          <a:p>
+            <a:pPr lvl="1"/>
+            <a:r>
+              <a:rPr lang="es-ES" dirty="0" smtClean="0"/>
+              <a:t>Métricas</a:t>
+            </a:r>
+          </a:p>
+          <a:p>
+            <a:pPr lvl="1"/>
+            <a:r>
+              <a:rPr lang="es-ES" dirty="0" smtClean="0"/>
+              <a:t>Caso de Estudio I</a:t>
+            </a:r>
+          </a:p>
+          <a:p>
+            <a:pPr lvl="1"/>
+            <a:r>
+              <a:rPr lang="es-ES" dirty="0" smtClean="0"/>
+              <a:t>Caso de Estudio II</a:t>
+            </a:r>
+          </a:p>
+          <a:p>
+            <a:r>
+              <a:rPr lang="es-ES" dirty="0" smtClean="0"/>
+              <a:t>Conclusiones</a:t>
+            </a:r>
+          </a:p>
+          <a:p>
+            <a:pPr lvl="1"/>
+            <a:r>
+              <a:rPr lang="es-ES" dirty="0" smtClean="0"/>
+              <a:t>Ventajas y desventajas</a:t>
+            </a:r>
+          </a:p>
+          <a:p>
+            <a:pPr lvl="1"/>
+            <a:r>
+              <a:rPr lang="es-ES" dirty="0" smtClean="0"/>
+              <a:t>Trabajos futuros</a:t>
+            </a:r>
+          </a:p>
+          <a:p>
+            <a:r>
+              <a:rPr lang="es-ES" dirty="0" smtClean="0"/>
+              <a:t>Preguntas</a:t>
+            </a:r>
+          </a:p>
+          <a:p>
+            <a:pPr lvl="1">
+              <a:buNone/>
+            </a:pPr>
             <a:endParaRPr lang="es-ES" dirty="0" smtClean="0"/>
           </a:p>
           <a:p>
@@ -4890,6 +4807,29 @@
       </p:grpSpPr>
       <p:sp>
         <p:nvSpPr>
+          <p:cNvPr id="2" name="1 Título"/>
+          <p:cNvSpPr>
+            <a:spLocks noGrp="1"/>
+          </p:cNvSpPr>
+          <p:nvPr>
+            <p:ph type="title"/>
+          </p:nvPr>
+        </p:nvSpPr>
+        <p:spPr/>
+        <p:txBody>
+          <a:bodyPr/>
+          <a:lstStyle/>
+          <a:p>
+            <a:r>
+              <a:rPr lang="es-ES" dirty="0" smtClean="0"/>
+              <a:t>Contexto</a:t>
+            </a:r>
+            <a:endParaRPr lang="es-ES" dirty="0"/>
+          </a:p>
+        </p:txBody>
+      </p:sp>
+      <p:sp>
+        <p:nvSpPr>
           <p:cNvPr id="3" name="2 Marcador de contenido"/>
           <p:cNvSpPr>
             <a:spLocks noGrp="1"/>
@@ -4898,76 +4838,32 @@
             <p:ph idx="1"/>
           </p:nvPr>
         </p:nvSpPr>
-        <p:spPr>
-          <a:xfrm>
-            <a:off x="457200" y="428604"/>
-            <a:ext cx="8229600" cy="5697559"/>
-          </a:xfrm>
-        </p:spPr>
-        <p:txBody>
-          <a:bodyPr/>
-          <a:lstStyle/>
-          <a:p>
-            <a:r>
-              <a:rPr lang="es-ES" dirty="0" smtClean="0"/>
-              <a:t>Evaluación</a:t>
-            </a:r>
+        <p:spPr/>
+        <p:txBody>
+          <a:bodyPr>
+            <a:normAutofit/>
+          </a:bodyPr>
+          <a:lstStyle/>
+          <a:p>
+            <a:r>
+              <a:rPr lang="es-ES" dirty="0" smtClean="0"/>
+              <a:t>Los atributos de calidad (QAs) son propiedades deseadas o requerimientos adicionales de un sistema.</a:t>
+            </a:r>
+          </a:p>
+          <a:p>
+            <a:r>
+              <a:rPr lang="es-ES" dirty="0" smtClean="0"/>
+              <a:t>Necesidad de identificar los QAs de un sistema en la etapas tempranas de desarrollo.</a:t>
+            </a:r>
+          </a:p>
+          <a:p>
+            <a:r>
+              <a:rPr lang="es-ES" dirty="0" smtClean="0"/>
+              <a:t>Una incorrecta identificación podría llevar al fracaso del sistema.</a:t>
+            </a:r>
+          </a:p>
+          <a:p>
             <a:endParaRPr lang="es-ES" dirty="0"/>
-          </a:p>
-          <a:p>
-            <a:pPr lvl="1"/>
-            <a:r>
-              <a:rPr lang="es-ES" dirty="0" smtClean="0"/>
-              <a:t>Métricas</a:t>
-            </a:r>
-          </a:p>
-          <a:p>
-            <a:pPr lvl="1"/>
-            <a:r>
-              <a:rPr lang="es-ES" dirty="0" smtClean="0"/>
-              <a:t>Caso de Estudio I</a:t>
-            </a:r>
-          </a:p>
-          <a:p>
-            <a:pPr lvl="1"/>
-            <a:r>
-              <a:rPr lang="es-ES" dirty="0" smtClean="0"/>
-              <a:t>Caso de Estudio </a:t>
-            </a:r>
-            <a:r>
-              <a:rPr lang="es-ES" dirty="0" smtClean="0"/>
-              <a:t>II</a:t>
-            </a:r>
-          </a:p>
-          <a:p>
-            <a:r>
-              <a:rPr lang="es-ES" dirty="0" smtClean="0"/>
-              <a:t>Conclusiones</a:t>
-            </a:r>
-          </a:p>
-          <a:p>
-            <a:pPr lvl="1"/>
-            <a:r>
-              <a:rPr lang="es-ES" dirty="0" smtClean="0"/>
-              <a:t>Ventajas y desventajas</a:t>
-            </a:r>
-          </a:p>
-          <a:p>
-            <a:pPr lvl="1"/>
-            <a:r>
-              <a:rPr lang="es-ES" dirty="0" smtClean="0"/>
-              <a:t>Trabajos futuros</a:t>
-            </a:r>
-            <a:endParaRPr lang="es-ES" dirty="0" smtClean="0"/>
-          </a:p>
-          <a:p>
-            <a:r>
-              <a:rPr lang="es-ES" dirty="0" smtClean="0"/>
-              <a:t>Preguntas</a:t>
-            </a:r>
-          </a:p>
-          <a:p>
-            <a:endParaRPr lang="es-ES" dirty="0" smtClean="0"/>
           </a:p>
         </p:txBody>
       </p:sp>
@@ -5013,7 +4909,7 @@
           <a:p>
             <a:r>
               <a:rPr lang="es-ES" dirty="0" smtClean="0"/>
-              <a:t>Contexto</a:t>
+              <a:t>Problemática</a:t>
             </a:r>
             <a:endParaRPr lang="es-ES" dirty="0"/>
           </a:p>
@@ -5031,67 +4927,41 @@
         </p:nvSpPr>
         <p:spPr/>
         <p:txBody>
-          <a:bodyPr>
-            <a:normAutofit/>
-          </a:bodyPr>
-          <a:lstStyle/>
-          <a:p>
-            <a:r>
-              <a:rPr lang="es-ES" dirty="0" smtClean="0"/>
-              <a:t>Los atributos de calidad (</a:t>
-            </a:r>
-            <a:r>
-              <a:rPr lang="es-ES" dirty="0" err="1" smtClean="0"/>
-              <a:t>QAs</a:t>
-            </a:r>
-            <a:r>
-              <a:rPr lang="es-ES" dirty="0" smtClean="0"/>
-              <a:t>) son propiedades deseadas o requerimientos adicionales de un</a:t>
-            </a:r>
-            <a:r>
-              <a:rPr lang="es-ES" dirty="0" smtClean="0"/>
-              <a:t> sistema.</a:t>
-            </a:r>
+          <a:bodyPr/>
+          <a:lstStyle/>
+          <a:p>
+            <a:r>
+              <a:rPr lang="es-ES" dirty="0" smtClean="0"/>
+              <a:t>Puede llegar a ser una tarea muy dificultosa para el analista.</a:t>
+            </a:r>
+          </a:p>
+          <a:p>
+            <a:pPr lvl="1"/>
+            <a:r>
+              <a:rPr lang="es-ES" dirty="0" smtClean="0"/>
+              <a:t>Varios casos de uso de gran extensión.</a:t>
+            </a:r>
+          </a:p>
+          <a:p>
+            <a:pPr lvl="1"/>
+            <a:r>
+              <a:rPr lang="es-ES" dirty="0" smtClean="0"/>
+              <a:t>Utilización de lenguaje natural, sin estructurar los </a:t>
+            </a:r>
+            <a:r>
+              <a:rPr lang="es-ES" dirty="0" smtClean="0"/>
+              <a:t>QAs </a:t>
+            </a:r>
+            <a:r>
+              <a:rPr lang="es-ES" dirty="0" smtClean="0"/>
+              <a:t>formalmente.</a:t>
+            </a:r>
+          </a:p>
+          <a:p>
+            <a:pPr lvl="1">
+              <a:buNone/>
+            </a:pPr>
             <a:endParaRPr lang="es-ES" dirty="0" smtClean="0"/>
-          </a:p>
-          <a:p>
-            <a:r>
-              <a:rPr lang="es-ES" dirty="0" smtClean="0"/>
-              <a:t>Necesidad de identificar los </a:t>
-            </a:r>
-            <a:r>
-              <a:rPr lang="es-ES" dirty="0" err="1" smtClean="0"/>
-              <a:t>QAs</a:t>
-            </a:r>
-            <a:r>
-              <a:rPr lang="es-ES" dirty="0" smtClean="0"/>
-              <a:t> </a:t>
-            </a:r>
-            <a:r>
-              <a:rPr lang="es-ES" dirty="0" smtClean="0"/>
-              <a:t>de un sistema en la etapas tempranas de desarrollo.</a:t>
-            </a:r>
-          </a:p>
-          <a:p>
-            <a:r>
-              <a:rPr lang="es-ES" dirty="0" smtClean="0"/>
-              <a:t>Una </a:t>
-            </a:r>
-            <a:r>
-              <a:rPr lang="es-ES" dirty="0" smtClean="0"/>
-              <a:t>incorrecta identificación </a:t>
-            </a:r>
-            <a:r>
-              <a:rPr lang="es-ES" dirty="0" smtClean="0"/>
-              <a:t>podría llevar </a:t>
-            </a:r>
-            <a:r>
-              <a:rPr lang="es-ES" dirty="0" smtClean="0"/>
-              <a:t>al fracaso del sistema.</a:t>
-            </a:r>
-          </a:p>
-          <a:p>
-            <a:endParaRPr lang="es-ES" dirty="0"/>
           </a:p>
         </p:txBody>
       </p:sp>
@@ -5132,12 +5002,14 @@
         </p:nvSpPr>
         <p:spPr/>
         <p:txBody>
-          <a:bodyPr/>
-          <a:lstStyle/>
-          <a:p>
-            <a:r>
-              <a:rPr lang="es-ES" dirty="0" smtClean="0"/>
-              <a:t>Problemática</a:t>
+          <a:bodyPr>
+            <a:normAutofit/>
+          </a:bodyPr>
+          <a:lstStyle/>
+          <a:p>
+            <a:r>
+              <a:rPr lang="es-ES" dirty="0" smtClean="0"/>
+              <a:t>Aspectos tempranos</a:t>
             </a:r>
             <a:endParaRPr lang="es-ES" dirty="0"/>
           </a:p>
@@ -5160,36 +5032,44 @@
           <a:p>
             <a:r>
               <a:rPr lang="es-ES" dirty="0" smtClean="0"/>
-              <a:t>Puede llegar a ser una tarea muy dificultosa para el analista.</a:t>
-            </a:r>
-          </a:p>
-          <a:p>
-            <a:pPr lvl="1"/>
-            <a:r>
-              <a:rPr lang="es-ES" dirty="0" smtClean="0"/>
-              <a:t>Varios casos de uso de gran extensión.</a:t>
-            </a:r>
-          </a:p>
-          <a:p>
-            <a:pPr lvl="1"/>
-            <a:r>
-              <a:rPr lang="es-ES" dirty="0" smtClean="0"/>
-              <a:t>Utilización de lenguaje natural, sin estructurar los </a:t>
-            </a:r>
-            <a:r>
-              <a:rPr lang="es-ES" dirty="0" err="1" smtClean="0"/>
-              <a:t>Qas</a:t>
-            </a:r>
-            <a:r>
-              <a:rPr lang="es-ES" dirty="0" smtClean="0"/>
-              <a:t> formalmente.</a:t>
-            </a:r>
-          </a:p>
-          <a:p>
-            <a:pPr lvl="1">
-              <a:buNone/>
-            </a:pPr>
-            <a:endParaRPr lang="es-ES" dirty="0" smtClean="0"/>
+              <a:t>Un concern es cualquier asunto de interés en un sistema de software.</a:t>
+            </a:r>
+          </a:p>
+          <a:p>
+            <a:r>
+              <a:rPr lang="es-ES" i="1" dirty="0" smtClean="0"/>
+              <a:t>Los </a:t>
+            </a:r>
+            <a:r>
+              <a:rPr lang="es-AR" b="1" i="1" dirty="0" smtClean="0"/>
+              <a:t>Aspectos Tempranos</a:t>
+            </a:r>
+            <a:r>
+              <a:rPr lang="es-AR" dirty="0" smtClean="0"/>
+              <a:t> son concerns que se encuentran mezclados en los requerimientos y/o artefactos </a:t>
+            </a:r>
+            <a:r>
+              <a:rPr lang="es-AR" dirty="0" smtClean="0"/>
+              <a:t>arquitectónicos </a:t>
+            </a:r>
+            <a:r>
+              <a:rPr lang="es-AR" dirty="0" smtClean="0"/>
+              <a:t>del sistema.</a:t>
+            </a:r>
+          </a:p>
+          <a:p>
+            <a:r>
+              <a:rPr lang="es-AR" dirty="0" smtClean="0"/>
+              <a:t>Los </a:t>
+            </a:r>
+            <a:r>
+              <a:rPr lang="es-AR" b="1" i="1" dirty="0" smtClean="0"/>
+              <a:t>Aspectos Tempranos</a:t>
+            </a:r>
+            <a:r>
+              <a:rPr lang="es-AR" dirty="0" smtClean="0"/>
+              <a:t> se refieren a aspectos que ocurren en etapas iníciales del desarrollo.</a:t>
+            </a:r>
           </a:p>
         </p:txBody>
       </p:sp>
@@ -5260,73 +5140,14 @@
           <a:p>
             <a:r>
               <a:rPr lang="es-ES" dirty="0" smtClean="0"/>
-              <a:t>Un </a:t>
-            </a:r>
-            <a:r>
-              <a:rPr lang="es-ES" dirty="0" err="1" smtClean="0"/>
-              <a:t>concern</a:t>
-            </a:r>
-            <a:r>
-              <a:rPr lang="es-ES" dirty="0" smtClean="0"/>
-              <a:t> es cualquier asunto de interés en un sistema de software.</a:t>
-            </a:r>
-          </a:p>
-          <a:p>
-            <a:r>
-              <a:rPr lang="es-ES" i="1" dirty="0" smtClean="0"/>
-              <a:t>Los </a:t>
-            </a:r>
-            <a:r>
-              <a:rPr lang="es-AR" b="1" i="1" dirty="0" smtClean="0"/>
-              <a:t>Aspectos </a:t>
-            </a:r>
-            <a:r>
-              <a:rPr lang="es-AR" b="1" i="1" dirty="0" smtClean="0"/>
-              <a:t>Tempranos</a:t>
-            </a:r>
-            <a:r>
-              <a:rPr lang="es-AR" dirty="0" smtClean="0"/>
-              <a:t> </a:t>
-            </a:r>
-            <a:r>
-              <a:rPr lang="es-AR" dirty="0" smtClean="0"/>
-              <a:t>son </a:t>
-            </a:r>
-            <a:r>
-              <a:rPr lang="es-AR" dirty="0" err="1" smtClean="0"/>
-              <a:t>concerns</a:t>
-            </a:r>
-            <a:r>
-              <a:rPr lang="es-AR" dirty="0" smtClean="0"/>
-              <a:t> que se encuentran mezclados en los requerimientos y/o artefactos </a:t>
-            </a:r>
-            <a:r>
-              <a:rPr lang="es-AR" dirty="0" err="1" smtClean="0"/>
-              <a:t>arquitectonicos</a:t>
-            </a:r>
-            <a:r>
-              <a:rPr lang="es-AR" dirty="0" smtClean="0"/>
-              <a:t> del sistema.</a:t>
-            </a:r>
-          </a:p>
-          <a:p>
-            <a:r>
-              <a:rPr lang="es-AR" dirty="0" smtClean="0"/>
-              <a:t>Los </a:t>
-            </a:r>
-            <a:r>
-              <a:rPr lang="es-AR" b="1" i="1" dirty="0" smtClean="0"/>
-              <a:t>Aspectos Tempranos</a:t>
-            </a:r>
-            <a:r>
-              <a:rPr lang="es-AR" dirty="0" smtClean="0"/>
-              <a:t> se refieren a aspectos que ocurren en etapas iníciales del </a:t>
-            </a:r>
-            <a:r>
-              <a:rPr lang="es-AR" dirty="0" smtClean="0"/>
-              <a:t>desarrollo.</a:t>
-            </a:r>
-            <a:endParaRPr lang="es-AR" dirty="0" smtClean="0"/>
+              <a:t>(Poner imagen de los casos de uso que son “atravesados” por los aspectos )</a:t>
+            </a:r>
+          </a:p>
+          <a:p>
+            <a:pPr>
+              <a:buNone/>
+            </a:pPr>
+            <a:endParaRPr lang="es-ES" dirty="0"/>
           </a:p>
         </p:txBody>
       </p:sp>
@@ -5374,7 +5195,7 @@
           <a:p>
             <a:r>
               <a:rPr lang="es-ES" dirty="0" smtClean="0"/>
-              <a:t>Aspectos tempranos</a:t>
+              <a:t>Relación entre QAs y EAs</a:t>
             </a:r>
             <a:endParaRPr lang="es-ES" dirty="0"/>
           </a:p>
@@ -5397,13 +5218,22 @@
           <a:p>
             <a:r>
               <a:rPr lang="es-ES" dirty="0" smtClean="0"/>
-              <a:t>(Poner imagen de los casos de uso que son “atravesados” por los aspectos )</a:t>
-            </a:r>
-          </a:p>
-          <a:p>
-            <a:pPr>
-              <a:buNone/>
-            </a:pPr>
+              <a:t>Muchos atributos de calidad se relacionan con aspectos tempranos del mismo.</a:t>
+            </a:r>
+          </a:p>
+          <a:p>
+            <a:r>
+              <a:rPr lang="es-ES" dirty="0" smtClean="0"/>
+              <a:t>Un aspecto temprano podría proporcionar pistas para el descubrimiento de QAs.</a:t>
+            </a:r>
+          </a:p>
+          <a:p>
+            <a:r>
+              <a:rPr lang="es-ES" dirty="0" smtClean="0"/>
+              <a:t>Ejemplo: autentificación con seguridad ó interfaz de usuario con usabilidad.</a:t>
+            </a:r>
+          </a:p>
+          <a:p>
             <a:endParaRPr lang="es-ES" dirty="0"/>
           </a:p>
         </p:txBody>
@@ -5445,70 +5275,49 @@
         </p:nvSpPr>
         <p:spPr/>
         <p:txBody>
-          <a:bodyPr>
-            <a:normAutofit/>
-          </a:bodyPr>
-          <a:lstStyle/>
-          <a:p>
-            <a:r>
-              <a:rPr lang="es-ES" dirty="0" smtClean="0"/>
-              <a:t>Relación entre </a:t>
+          <a:bodyPr/>
+          <a:lstStyle/>
+          <a:p>
+            <a:r>
+              <a:rPr lang="es-ES" dirty="0" smtClean="0"/>
+              <a:t>Propuesta</a:t>
+            </a:r>
+            <a:endParaRPr lang="es-ES" dirty="0"/>
+          </a:p>
+        </p:txBody>
+      </p:sp>
+      <p:sp>
+        <p:nvSpPr>
+          <p:cNvPr id="3" name="2 Marcador de contenido"/>
+          <p:cNvSpPr>
+            <a:spLocks noGrp="1"/>
+          </p:cNvSpPr>
+          <p:nvPr>
+            <p:ph idx="1"/>
+          </p:nvPr>
+        </p:nvSpPr>
+        <p:spPr/>
+        <p:txBody>
+          <a:bodyPr/>
+          <a:lstStyle/>
+          <a:p>
+            <a:r>
+              <a:rPr lang="es-ES" dirty="0" smtClean="0"/>
+              <a:t>Técnica </a:t>
             </a:r>
             <a:r>
               <a:rPr lang="es-ES" dirty="0" err="1" smtClean="0"/>
-              <a:t>QAs</a:t>
-            </a:r>
-            <a:r>
-              <a:rPr lang="es-ES" dirty="0" smtClean="0"/>
-              <a:t> y </a:t>
-            </a:r>
-            <a:r>
-              <a:rPr lang="es-ES" dirty="0" err="1" smtClean="0"/>
-              <a:t>EAs</a:t>
-            </a:r>
-            <a:endParaRPr lang="es-ES" dirty="0"/>
-          </a:p>
-        </p:txBody>
-      </p:sp>
-      <p:sp>
-        <p:nvSpPr>
-          <p:cNvPr id="3" name="2 Marcador de contenido"/>
-          <p:cNvSpPr>
-            <a:spLocks noGrp="1"/>
-          </p:cNvSpPr>
-          <p:nvPr>
-            <p:ph idx="1"/>
-          </p:nvPr>
-        </p:nvSpPr>
-        <p:spPr/>
-        <p:txBody>
-          <a:bodyPr/>
-          <a:lstStyle/>
-          <a:p>
-            <a:r>
-              <a:rPr lang="es-ES" dirty="0" smtClean="0"/>
-              <a:t>Muchos atributos de calidad se relacionan con aspectos tempranos del mismo.</a:t>
-            </a:r>
-          </a:p>
-          <a:p>
-            <a:r>
-              <a:rPr lang="es-ES" dirty="0" smtClean="0"/>
-              <a:t>Un aspecto temprano podría proporcionar pistas para el descubrimiento de </a:t>
-            </a:r>
-            <a:r>
-              <a:rPr lang="es-ES" dirty="0" err="1" smtClean="0"/>
-              <a:t>QAs</a:t>
-            </a:r>
-            <a:r>
-              <a:rPr lang="es-ES" dirty="0" smtClean="0"/>
-              <a:t>.</a:t>
-            </a:r>
-            <a:endParaRPr lang="es-ES" dirty="0" smtClean="0"/>
-          </a:p>
-          <a:p>
-            <a:r>
-              <a:rPr lang="es-ES" dirty="0" smtClean="0"/>
-              <a:t>Ejemplo: autentificación con seguridad ó interfaz de usuario con usabilidad.</a:t>
+              <a:t>semi</a:t>
+            </a:r>
+            <a:r>
+              <a:rPr lang="es-ES" dirty="0" smtClean="0"/>
+              <a:t>-automática que identifique atributos de calidad.</a:t>
+            </a:r>
+          </a:p>
+          <a:p>
+            <a:r>
+              <a:rPr lang="es-ES" dirty="0" smtClean="0"/>
+              <a:t>Se parte de la relación entre un aspecto temprano, y los casos de uso que éste atraviesa, con los distintos atributos de calidad.</a:t>
             </a:r>
           </a:p>
           <a:p>
@@ -5558,51 +5367,34 @@
           <a:p>
             <a:r>
               <a:rPr lang="es-ES" dirty="0" smtClean="0"/>
-              <a:t>Propuesta</a:t>
+              <a:t>Proceso</a:t>
             </a:r>
             <a:endParaRPr lang="es-ES" dirty="0"/>
           </a:p>
         </p:txBody>
       </p:sp>
-      <p:sp>
-        <p:nvSpPr>
-          <p:cNvPr id="3" name="2 Marcador de contenido"/>
-          <p:cNvSpPr>
-            <a:spLocks noGrp="1"/>
-          </p:cNvSpPr>
+      <p:graphicFrame>
+        <p:nvGraphicFramePr>
+          <p:cNvPr id="1026" name="Object 2"/>
+          <p:cNvGraphicFramePr>
+            <a:graphicFrameLocks noChangeAspect="1"/>
+          </p:cNvGraphicFramePr>
           <p:nvPr>
             <p:ph idx="1"/>
           </p:nvPr>
-        </p:nvSpPr>
-        <p:spPr/>
-        <p:txBody>
-          <a:bodyPr/>
-          <a:lstStyle/>
-          <a:p>
-            <a:r>
-              <a:rPr lang="es-ES" dirty="0" smtClean="0"/>
-              <a:t>Técnica </a:t>
-            </a:r>
-            <a:r>
-              <a:rPr lang="es-ES" dirty="0" err="1" smtClean="0"/>
-              <a:t>semi</a:t>
-            </a:r>
-            <a:r>
-              <a:rPr lang="es-ES" dirty="0" smtClean="0"/>
-              <a:t>-automática que identifique atributos de calidad.</a:t>
-            </a:r>
-          </a:p>
-          <a:p>
-            <a:r>
-              <a:rPr lang="es-ES" dirty="0" smtClean="0"/>
-              <a:t>Se parte de la relación entre un aspecto temprano, y los casos de uso que éste atraviesa, con los distintos atributos de calidad.</a:t>
-            </a:r>
-          </a:p>
-          <a:p>
-            <a:endParaRPr lang="es-ES" dirty="0"/>
-          </a:p>
-        </p:txBody>
-      </p:sp>
+        </p:nvGraphicFramePr>
+        <p:xfrm>
+          <a:off x="1570038" y="1600200"/>
+          <a:ext cx="6003925" cy="4525963"/>
+        </p:xfrm>
+        <a:graphic>
+          <a:graphicData uri="http://schemas.openxmlformats.org/presentationml/2006/ole">
+            <p:oleObj spid="_x0000_s1026" name="Visio" r:id="rId3" imgW="6961529" imgH="5247359" progId="Visio.Drawing.11">
+              <p:embed/>
+            </p:oleObj>
+          </a:graphicData>
+        </a:graphic>
+      </p:graphicFrame>
     </p:spTree>
   </p:cSld>
   <p:clrMapOvr>

--- a/Capitulos Finales/filiminasPeladas.pptx
+++ b/Capitulos Finales/filiminasPeladas.pptx
@@ -125,6 +125,12 @@
     </a:lvl9pPr>
   </p:defaultTextStyle>
 </p:presentation>
+</file>
+
+<file path=ppt/commentAuthors.xml><?xml version="1.0" encoding="utf-8"?>
+<p:cmAuthorLst xmlns:a="http://schemas.openxmlformats.org/drawingml/2006/main" xmlns:r="http://schemas.openxmlformats.org/officeDocument/2006/relationships" xmlns:p="http://schemas.openxmlformats.org/presentationml/2006/main">
+  <p:cmAuthor id="0" name="WinuE" initials="W" lastIdx="1" clrIdx="0"/>
+</p:cmAuthorLst>
 </file>
 
 <file path=ppt/notesMasters/notesMaster1.xml><?xml version="1.0" encoding="utf-8"?>
@@ -4640,7 +4646,6 @@
               <a:rPr lang="es-ES" dirty="0" smtClean="0"/>
               <a:t>Introducción</a:t>
             </a:r>
-            <a:endParaRPr lang="es-ES" dirty="0" smtClean="0"/>
           </a:p>
           <a:p>
             <a:pPr lvl="1"/>
@@ -4700,11 +4705,7 @@
             <a:pPr lvl="1"/>
             <a:r>
               <a:rPr lang="es-ES" dirty="0" smtClean="0"/>
-              <a:t>QA </a:t>
-            </a:r>
-            <a:r>
-              <a:rPr lang="es-ES" dirty="0" smtClean="0"/>
-              <a:t>Miner</a:t>
+              <a:t>QA Miner</a:t>
             </a:r>
           </a:p>
           <a:p>
@@ -4946,15 +4947,7 @@
             <a:pPr lvl="1"/>
             <a:r>
               <a:rPr lang="es-ES" dirty="0" smtClean="0"/>
-              <a:t>Utilización de lenguaje natural, sin estructurar los </a:t>
-            </a:r>
-            <a:r>
-              <a:rPr lang="es-ES" dirty="0" smtClean="0"/>
-              <a:t>QAs </a:t>
-            </a:r>
-            <a:r>
-              <a:rPr lang="es-ES" dirty="0" smtClean="0"/>
-              <a:t>formalmente.</a:t>
+              <a:t>Utilización de lenguaje natural, sin estructurar los QAs formalmente.</a:t>
             </a:r>
           </a:p>
           <a:p>
@@ -5046,15 +5039,7 @@
             </a:r>
             <a:r>
               <a:rPr lang="es-AR" dirty="0" smtClean="0"/>
-              <a:t> son concerns que se encuentran mezclados en los requerimientos y/o artefactos </a:t>
-            </a:r>
-            <a:r>
-              <a:rPr lang="es-AR" dirty="0" smtClean="0"/>
-              <a:t>arquitectónicos </a:t>
-            </a:r>
-            <a:r>
-              <a:rPr lang="es-AR" dirty="0" smtClean="0"/>
-              <a:t>del sistema.</a:t>
+              <a:t> son concerns que se encuentran mezclados en los requerimientos y/o artefactos arquitectónicos del sistema.</a:t>
             </a:r>
           </a:p>
           <a:p>
@@ -5298,7 +5283,9 @@
         </p:nvSpPr>
         <p:spPr/>
         <p:txBody>
-          <a:bodyPr/>
+          <a:bodyPr>
+            <a:normAutofit fontScale="85000" lnSpcReduction="10000"/>
+          </a:bodyPr>
           <a:lstStyle/>
           <a:p>
             <a:r>
@@ -5317,8 +5304,61 @@
           <a:p>
             <a:r>
               <a:rPr lang="es-ES" dirty="0" smtClean="0"/>
-              <a:t>Se parte de la relación entre un aspecto temprano, y los casos de uso que éste atraviesa, con los distintos atributos de calidad.</a:t>
-            </a:r>
+              <a:t>Se parte de la relación entre un aspecto temprano, y los casos de uso que éste atraviesa, con los distintos atributos de calidad</a:t>
+            </a:r>
+            <a:r>
+              <a:rPr lang="es-ES" dirty="0" smtClean="0"/>
+              <a:t>. </a:t>
+            </a:r>
+            <a:r>
+              <a:rPr lang="es-ES_tradnl" dirty="0" smtClean="0">
+                <a:solidFill>
+                  <a:srgbClr val="FF0000"/>
+                </a:solidFill>
+              </a:rPr>
+              <a:t>no queda muy </a:t>
+            </a:r>
+            <a:r>
+              <a:rPr lang="es-ES_tradnl" dirty="0" smtClean="0">
+                <a:solidFill>
+                  <a:srgbClr val="FF0000"/>
+                </a:solidFill>
+              </a:rPr>
+              <a:t>bien este párrafo</a:t>
+            </a:r>
+          </a:p>
+          <a:p>
+            <a:r>
+              <a:rPr lang="es-ES_tradnl" dirty="0" smtClean="0">
+                <a:solidFill>
+                  <a:srgbClr val="FF0000"/>
+                </a:solidFill>
+              </a:rPr>
+              <a:t>El proceso toma como entrada un aspecto temprano y los casos de uso al que éste hace referencia o atraviesa</a:t>
+            </a:r>
+          </a:p>
+          <a:p>
+            <a:r>
+              <a:rPr lang="es-ES_tradnl" dirty="0" smtClean="0">
+                <a:solidFill>
+                  <a:srgbClr val="FF0000"/>
+                </a:solidFill>
+              </a:rPr>
+              <a:t>O se podría continuar el punto anterior.. “a partir de un aspecto temprano …” y poner un segundo punto que diga algo de QA </a:t>
+            </a:r>
+            <a:r>
+              <a:rPr lang="es-ES_tradnl" smtClean="0">
+                <a:solidFill>
+                  <a:srgbClr val="FF0000"/>
+                </a:solidFill>
+              </a:rPr>
+              <a:t>Miner</a:t>
+            </a:r>
+            <a:endParaRPr lang="es-ES_tradnl" dirty="0" smtClean="0">
+              <a:solidFill>
+                <a:srgbClr val="FF0000"/>
+              </a:solidFill>
+            </a:endParaRPr>
           </a:p>
           <a:p>
             <a:endParaRPr lang="es-ES" dirty="0"/>

--- a/Capitulos Finales/filiminasPeladas.pptx
+++ b/Capitulos Finales/filiminasPeladas.pptx
@@ -5,7 +5,7 @@
     <p:sldMasterId id="2147483684" r:id="rId1"/>
   </p:sldMasterIdLst>
   <p:notesMasterIdLst>
-    <p:notesMasterId r:id="rId20"/>
+    <p:notesMasterId r:id="rId22"/>
   </p:notesMasterIdLst>
   <p:sldIdLst>
     <p:sldId id="256" r:id="rId2"/>
@@ -20,12 +20,14 @@
     <p:sldId id="268" r:id="rId11"/>
     <p:sldId id="269" r:id="rId12"/>
     <p:sldId id="270" r:id="rId13"/>
-    <p:sldId id="271" r:id="rId14"/>
-    <p:sldId id="274" r:id="rId15"/>
-    <p:sldId id="272" r:id="rId16"/>
-    <p:sldId id="273" r:id="rId17"/>
-    <p:sldId id="275" r:id="rId18"/>
-    <p:sldId id="276" r:id="rId19"/>
+    <p:sldId id="277" r:id="rId14"/>
+    <p:sldId id="271" r:id="rId15"/>
+    <p:sldId id="278" r:id="rId16"/>
+    <p:sldId id="274" r:id="rId17"/>
+    <p:sldId id="272" r:id="rId18"/>
+    <p:sldId id="273" r:id="rId19"/>
+    <p:sldId id="275" r:id="rId20"/>
+    <p:sldId id="276" r:id="rId21"/>
   </p:sldIdLst>
   <p:sldSz cx="9144000" cy="6858000" type="screen4x3"/>
   <p:notesSz cx="6858000" cy="9144000"/>
@@ -216,7 +218,7 @@
             <a:fld id="{42D63BFC-F4BA-48C9-8576-4CE39202FED6}" type="datetimeFigureOut">
               <a:rPr lang="es-ES" smtClean="0"/>
               <a:pPr/>
-              <a:t>09/11/2010</a:t>
+              <a:t>10/11/2010</a:t>
             </a:fld>
             <a:endParaRPr lang="es-ES"/>
           </a:p>
@@ -746,7 +748,7 @@
             <a:fld id="{F7222BF2-5C0F-41D6-AF26-3ACA31A5334A}" type="datetimeFigureOut">
               <a:rPr lang="es-ES" smtClean="0"/>
               <a:pPr/>
-              <a:t>09/11/2010</a:t>
+              <a:t>10/11/2010</a:t>
             </a:fld>
             <a:endParaRPr lang="es-ES"/>
           </a:p>
@@ -913,7 +915,7 @@
             <a:fld id="{F7222BF2-5C0F-41D6-AF26-3ACA31A5334A}" type="datetimeFigureOut">
               <a:rPr lang="es-ES" smtClean="0"/>
               <a:pPr/>
-              <a:t>09/11/2010</a:t>
+              <a:t>10/11/2010</a:t>
             </a:fld>
             <a:endParaRPr lang="es-ES"/>
           </a:p>
@@ -1090,7 +1092,7 @@
             <a:fld id="{F7222BF2-5C0F-41D6-AF26-3ACA31A5334A}" type="datetimeFigureOut">
               <a:rPr lang="es-ES" smtClean="0"/>
               <a:pPr/>
-              <a:t>09/11/2010</a:t>
+              <a:t>10/11/2010</a:t>
             </a:fld>
             <a:endParaRPr lang="es-ES"/>
           </a:p>
@@ -1257,7 +1259,7 @@
             <a:fld id="{F7222BF2-5C0F-41D6-AF26-3ACA31A5334A}" type="datetimeFigureOut">
               <a:rPr lang="es-ES" smtClean="0"/>
               <a:pPr/>
-              <a:t>09/11/2010</a:t>
+              <a:t>10/11/2010</a:t>
             </a:fld>
             <a:endParaRPr lang="es-ES"/>
           </a:p>
@@ -1500,7 +1502,7 @@
             <a:fld id="{F7222BF2-5C0F-41D6-AF26-3ACA31A5334A}" type="datetimeFigureOut">
               <a:rPr lang="es-ES" smtClean="0"/>
               <a:pPr/>
-              <a:t>09/11/2010</a:t>
+              <a:t>10/11/2010</a:t>
             </a:fld>
             <a:endParaRPr lang="es-ES"/>
           </a:p>
@@ -1785,7 +1787,7 @@
             <a:fld id="{F7222BF2-5C0F-41D6-AF26-3ACA31A5334A}" type="datetimeFigureOut">
               <a:rPr lang="es-ES" smtClean="0"/>
               <a:pPr/>
-              <a:t>09/11/2010</a:t>
+              <a:t>10/11/2010</a:t>
             </a:fld>
             <a:endParaRPr lang="es-ES"/>
           </a:p>
@@ -2204,7 +2206,7 @@
             <a:fld id="{F7222BF2-5C0F-41D6-AF26-3ACA31A5334A}" type="datetimeFigureOut">
               <a:rPr lang="es-ES" smtClean="0"/>
               <a:pPr/>
-              <a:t>09/11/2010</a:t>
+              <a:t>10/11/2010</a:t>
             </a:fld>
             <a:endParaRPr lang="es-ES"/>
           </a:p>
@@ -2319,7 +2321,7 @@
             <a:fld id="{F7222BF2-5C0F-41D6-AF26-3ACA31A5334A}" type="datetimeFigureOut">
               <a:rPr lang="es-ES" smtClean="0"/>
               <a:pPr/>
-              <a:t>09/11/2010</a:t>
+              <a:t>10/11/2010</a:t>
             </a:fld>
             <a:endParaRPr lang="es-ES"/>
           </a:p>
@@ -2411,7 +2413,7 @@
             <a:fld id="{F7222BF2-5C0F-41D6-AF26-3ACA31A5334A}" type="datetimeFigureOut">
               <a:rPr lang="es-ES" smtClean="0"/>
               <a:pPr/>
-              <a:t>09/11/2010</a:t>
+              <a:t>10/11/2010</a:t>
             </a:fld>
             <a:endParaRPr lang="es-ES"/>
           </a:p>
@@ -2685,7 +2687,7 @@
             <a:fld id="{F7222BF2-5C0F-41D6-AF26-3ACA31A5334A}" type="datetimeFigureOut">
               <a:rPr lang="es-ES" smtClean="0"/>
               <a:pPr/>
-              <a:t>09/11/2010</a:t>
+              <a:t>10/11/2010</a:t>
             </a:fld>
             <a:endParaRPr lang="es-ES"/>
           </a:p>
@@ -2935,7 +2937,7 @@
             <a:fld id="{F7222BF2-5C0F-41D6-AF26-3ACA31A5334A}" type="datetimeFigureOut">
               <a:rPr lang="es-ES" smtClean="0"/>
               <a:pPr/>
-              <a:t>09/11/2010</a:t>
+              <a:t>10/11/2010</a:t>
             </a:fld>
             <a:endParaRPr lang="es-ES"/>
           </a:p>
@@ -3145,7 +3147,7 @@
             <a:fld id="{F7222BF2-5C0F-41D6-AF26-3ACA31A5334A}" type="datetimeFigureOut">
               <a:rPr lang="es-ES" smtClean="0"/>
               <a:pPr/>
-              <a:t>09/11/2010</a:t>
+              <a:t>10/11/2010</a:t>
             </a:fld>
             <a:endParaRPr lang="es-ES"/>
           </a:p>
@@ -3657,15 +3659,44 @@
             <p:ph idx="1"/>
           </p:nvPr>
         </p:nvSpPr>
-        <p:spPr/>
-        <p:txBody>
-          <a:bodyPr/>
-          <a:lstStyle/>
-          <a:p>
-            <a:r>
-              <a:rPr lang="es-ES" dirty="0" smtClean="0"/>
-              <a:t>(Herramienta del QA Miner)</a:t>
-            </a:r>
+        <p:spPr>
+          <a:xfrm>
+            <a:off x="457200" y="1567333"/>
+            <a:ext cx="8229600" cy="4525963"/>
+          </a:xfrm>
+        </p:spPr>
+        <p:txBody>
+          <a:bodyPr/>
+          <a:lstStyle/>
+          <a:p>
+            <a:r>
+              <a:rPr lang="es-ES" dirty="0" err="1" smtClean="0"/>
+              <a:t>Plugin</a:t>
+            </a:r>
+            <a:r>
+              <a:rPr lang="es-ES" dirty="0" smtClean="0"/>
+              <a:t> de Eclipse</a:t>
+            </a:r>
+          </a:p>
+          <a:p>
+            <a:r>
+              <a:rPr lang="es-ES" dirty="0" smtClean="0"/>
+              <a:t>Puntos de configuración</a:t>
+            </a:r>
+          </a:p>
+          <a:p>
+            <a:r>
+              <a:rPr lang="es-ES" dirty="0" smtClean="0"/>
+              <a:t>Proporciona al analista ranking de atributos de calidad por cada conjunto de entrada.</a:t>
+            </a:r>
+          </a:p>
+          <a:p>
+            <a:endParaRPr lang="es-ES" dirty="0" smtClean="0"/>
+          </a:p>
+          <a:p>
+            <a:endParaRPr lang="es-ES" dirty="0" smtClean="0"/>
+          </a:p>
+          <a:p>
             <a:endParaRPr lang="es-ES" dirty="0"/>
           </a:p>
         </p:txBody>
@@ -3813,12 +3844,12 @@
               <a:t> o que se </a:t>
             </a:r>
             <a:r>
-              <a:rPr lang="es-AR" sz="1600" dirty="0" err="1" smtClean="0"/>
-              <a:t>identificarion</a:t>
-            </a:r>
-            <a:r>
               <a:rPr lang="es-AR" sz="1600" dirty="0" smtClean="0"/>
-              <a:t> de manera errónea a partir de los datos de entrada.</a:t>
+              <a:t>identificaron </a:t>
+            </a:r>
+            <a:r>
+              <a:rPr lang="es-AR" sz="1600" dirty="0" smtClean="0"/>
+              <a:t>de manera errónea a partir de los datos de entrada.</a:t>
             </a:r>
           </a:p>
           <a:p>
@@ -3849,6 +3880,12 @@
             <a:endParaRPr lang="es-AR" sz="1600" b="1" i="1" u="sng" dirty="0" smtClean="0"/>
           </a:p>
           <a:p>
+            <a:pPr lvl="1">
+              <a:buNone/>
+            </a:pPr>
+            <a:endParaRPr lang="es-AR" sz="1600" b="1" i="1" u="sng" dirty="0" smtClean="0"/>
+          </a:p>
+          <a:p>
             <a:pPr lvl="1"/>
             <a:endParaRPr lang="es-AR" sz="1600" b="1" i="1" u="sng" dirty="0" smtClean="0"/>
           </a:p>
@@ -3857,14 +3894,6 @@
             <a:endParaRPr lang="es-AR" sz="1600" b="1" i="1" u="sng" dirty="0" smtClean="0"/>
           </a:p>
           <a:p>
-            <a:pPr lvl="1"/>
-            <a:endParaRPr lang="es-AR" sz="1600" b="1" i="1" u="sng" dirty="0" smtClean="0"/>
-          </a:p>
-          <a:p>
-            <a:pPr lvl="1"/>
-            <a:endParaRPr lang="es-AR" sz="1600" b="1" i="1" u="sng" dirty="0" smtClean="0"/>
-          </a:p>
-          <a:p>
             <a:r>
               <a:rPr lang="es-AR" dirty="0" smtClean="0"/>
               <a:t>Tiempos de ejecución</a:t>
@@ -3874,14 +3903,25 @@
       </p:sp>
       <p:pic>
         <p:nvPicPr>
-          <p:cNvPr id="5" name="Picture 10"/>
+          <p:cNvPr id="24584" name="Picture 8"/>
           <p:cNvPicPr>
             <a:picLocks noChangeAspect="1" noChangeArrowheads="1"/>
           </p:cNvPicPr>
           <p:nvPr/>
         </p:nvPicPr>
         <p:blipFill>
-          <a:blip r:embed="rId2" cstate="print"/>
+          <a:blip r:embed="rId2" cstate="print">
+            <a:clrChange>
+              <a:clrFrom>
+                <a:srgbClr val="FFFFFF"/>
+              </a:clrFrom>
+              <a:clrTo>
+                <a:srgbClr val="FFFFFF">
+                  <a:alpha val="0"/>
+                </a:srgbClr>
+              </a:clrTo>
+            </a:clrChange>
+          </a:blip>
           <a:srcRect/>
           <a:stretch>
             <a:fillRect/>
@@ -3889,25 +3929,19 @@
         </p:blipFill>
         <p:spPr bwMode="auto">
           <a:xfrm>
-            <a:off x="5214942" y="3929066"/>
-            <a:ext cx="2714286" cy="785715"/>
+            <a:off x="1331640" y="3933056"/>
+            <a:ext cx="2418365" cy="577974"/>
           </a:xfrm>
-          <a:prstGeom prst="round2DiagRect">
-            <a:avLst>
-              <a:gd name="adj1" fmla="val 16667"/>
-              <a:gd name="adj2" fmla="val 0"/>
-            </a:avLst>
+          <a:prstGeom prst="rect">
+            <a:avLst/>
           </a:prstGeom>
-          <a:ln w="88900" cap="sq">
-            <a:solidFill>
-              <a:srgbClr val="FFFFFF"/>
-            </a:solidFill>
-            <a:miter lim="800000"/>
+          <a:ln>
+            <a:noFill/>
           </a:ln>
           <a:effectLst>
-            <a:outerShdw blurRad="254000" algn="tl" rotWithShape="0">
-              <a:srgbClr val="000000">
-                <a:alpha val="43000"/>
+            <a:outerShdw blurRad="292100" dist="139700" dir="2700000" algn="tl" rotWithShape="0">
+              <a:srgbClr val="333333">
+                <a:alpha val="65000"/>
               </a:srgbClr>
             </a:outerShdw>
           </a:effectLst>
@@ -3915,14 +3949,25 @@
       </p:pic>
       <p:pic>
         <p:nvPicPr>
-          <p:cNvPr id="6" name="Picture 11"/>
+          <p:cNvPr id="24583" name="Picture 7"/>
           <p:cNvPicPr>
             <a:picLocks noChangeAspect="1" noChangeArrowheads="1"/>
           </p:cNvPicPr>
           <p:nvPr/>
         </p:nvPicPr>
         <p:blipFill>
-          <a:blip r:embed="rId3" cstate="print"/>
+          <a:blip r:embed="rId3" cstate="print">
+            <a:clrChange>
+              <a:clrFrom>
+                <a:srgbClr val="FFFFFF"/>
+              </a:clrFrom>
+              <a:clrTo>
+                <a:srgbClr val="FFFFFF">
+                  <a:alpha val="0"/>
+                </a:srgbClr>
+              </a:clrTo>
+            </a:clrChange>
+          </a:blip>
           <a:srcRect/>
           <a:stretch>
             <a:fillRect/>
@@ -3930,30 +3975,100 @@
         </p:blipFill>
         <p:spPr bwMode="auto">
           <a:xfrm>
-            <a:off x="1142976" y="3929066"/>
-            <a:ext cx="3042858" cy="785715"/>
+            <a:off x="4572000" y="3933056"/>
+            <a:ext cx="2129378" cy="577974"/>
           </a:xfrm>
-          <a:prstGeom prst="round2DiagRect">
-            <a:avLst>
-              <a:gd name="adj1" fmla="val 16667"/>
-              <a:gd name="adj2" fmla="val 0"/>
-            </a:avLst>
+          <a:prstGeom prst="rect">
+            <a:avLst/>
           </a:prstGeom>
-          <a:ln w="88900" cap="sq">
-            <a:solidFill>
-              <a:srgbClr val="FFFFFF"/>
-            </a:solidFill>
-            <a:miter lim="800000"/>
+          <a:ln>
+            <a:noFill/>
           </a:ln>
           <a:effectLst>
-            <a:outerShdw blurRad="254000" algn="tl" rotWithShape="0">
-              <a:srgbClr val="000000">
-                <a:alpha val="43000"/>
+            <a:outerShdw blurRad="292100" dist="139700" dir="2700000" algn="tl" rotWithShape="0">
+              <a:srgbClr val="333333">
+                <a:alpha val="65000"/>
               </a:srgbClr>
             </a:outerShdw>
           </a:effectLst>
         </p:spPr>
       </p:pic>
+      <p:sp>
+        <p:nvSpPr>
+          <p:cNvPr id="24585" name="Rectangle 9"/>
+          <p:cNvSpPr>
+            <a:spLocks noChangeArrowheads="1"/>
+          </p:cNvSpPr>
+          <p:nvPr/>
+        </p:nvSpPr>
+        <p:spPr bwMode="auto">
+          <a:xfrm>
+            <a:off x="0" y="0"/>
+            <a:ext cx="9144000" cy="457200"/>
+          </a:xfrm>
+          <a:prstGeom prst="rect">
+            <a:avLst/>
+          </a:prstGeom>
+          <a:noFill/>
+          <a:ln w="9525">
+            <a:noFill/>
+            <a:miter lim="800000"/>
+            <a:headEnd/>
+            <a:tailEnd/>
+          </a:ln>
+          <a:effectLst/>
+        </p:spPr>
+        <p:txBody>
+          <a:bodyPr vert="horz" wrap="none" lIns="91440" tIns="45720" rIns="91440" bIns="45720" numCol="1" anchor="ctr" anchorCtr="0" compatLnSpc="1">
+            <a:prstTxWarp prst="textNoShape">
+              <a:avLst/>
+            </a:prstTxWarp>
+            <a:spAutoFit/>
+          </a:bodyPr>
+          <a:lstStyle/>
+          <a:p>
+            <a:endParaRPr lang="es-AR"/>
+          </a:p>
+        </p:txBody>
+      </p:sp>
+      <p:sp>
+        <p:nvSpPr>
+          <p:cNvPr id="24586" name="Rectangle 10"/>
+          <p:cNvSpPr>
+            <a:spLocks noChangeArrowheads="1"/>
+          </p:cNvSpPr>
+          <p:nvPr/>
+        </p:nvSpPr>
+        <p:spPr bwMode="auto">
+          <a:xfrm>
+            <a:off x="0" y="819150"/>
+            <a:ext cx="9144000" cy="457200"/>
+          </a:xfrm>
+          <a:prstGeom prst="rect">
+            <a:avLst/>
+          </a:prstGeom>
+          <a:noFill/>
+          <a:ln w="9525">
+            <a:noFill/>
+            <a:miter lim="800000"/>
+            <a:headEnd/>
+            <a:tailEnd/>
+          </a:ln>
+          <a:effectLst/>
+        </p:spPr>
+        <p:txBody>
+          <a:bodyPr vert="horz" wrap="none" lIns="91440" tIns="45720" rIns="91440" bIns="45720" numCol="1" anchor="ctr" anchorCtr="0" compatLnSpc="1">
+            <a:prstTxWarp prst="textNoShape">
+              <a:avLst/>
+            </a:prstTxWarp>
+            <a:spAutoFit/>
+          </a:bodyPr>
+          <a:lstStyle/>
+          <a:p>
+            <a:endParaRPr lang="es-AR"/>
+          </a:p>
+        </p:txBody>
+      </p:sp>
     </p:spTree>
   </p:cSld>
   <p:clrMapOvr>
@@ -4016,13 +4131,76 @@
         </p:nvSpPr>
         <p:spPr/>
         <p:txBody>
-          <a:bodyPr/>
-          <a:lstStyle/>
-          <a:p>
-            <a:r>
-              <a:rPr lang="es-ES" dirty="0" smtClean="0"/>
-              <a:t>(¿Mostrar la imagen de la tesis con todos los aspectos y las flechas y globos?)</a:t>
-            </a:r>
+          <a:bodyPr>
+            <a:normAutofit/>
+          </a:bodyPr>
+          <a:lstStyle/>
+          <a:p>
+            <a:r>
+              <a:rPr lang="es-ES" dirty="0" smtClean="0"/>
+              <a:t>Sistema de salud Vigía</a:t>
+            </a:r>
+          </a:p>
+          <a:p>
+            <a:r>
+              <a:rPr lang="es-ES" dirty="0" smtClean="0"/>
+              <a:t>9 casos de uso (aproximadamente 2300 palabras)</a:t>
+            </a:r>
+          </a:p>
+          <a:p>
+            <a:r>
+              <a:rPr lang="es-ES" dirty="0" smtClean="0"/>
+              <a:t>6 aspectos </a:t>
+            </a:r>
+            <a:r>
+              <a:rPr lang="es-ES" dirty="0" smtClean="0"/>
+              <a:t>candidatos</a:t>
+            </a:r>
+          </a:p>
+          <a:p>
+            <a:r>
+              <a:rPr lang="es-ES" dirty="0" smtClean="0"/>
+              <a:t>QA buscados detectados a través del análisis de las arquitecturas del sistema: </a:t>
+            </a:r>
+            <a:r>
+              <a:rPr lang="es-ES" dirty="0" err="1" smtClean="0"/>
+              <a:t>usability</a:t>
+            </a:r>
+            <a:r>
+              <a:rPr lang="es-ES" dirty="0" smtClean="0"/>
+              <a:t>, </a:t>
+            </a:r>
+            <a:r>
+              <a:rPr lang="es-ES" dirty="0" err="1" smtClean="0"/>
+              <a:t>availability</a:t>
+            </a:r>
+            <a:r>
+              <a:rPr lang="es-ES" dirty="0" smtClean="0"/>
+              <a:t>, performance, </a:t>
+            </a:r>
+            <a:r>
+              <a:rPr lang="es-ES" dirty="0" err="1" smtClean="0"/>
+              <a:t>scalability</a:t>
+            </a:r>
+            <a:r>
+              <a:rPr lang="es-ES" dirty="0" smtClean="0"/>
+              <a:t>, </a:t>
+            </a:r>
+            <a:r>
+              <a:rPr lang="es-ES" dirty="0" err="1" smtClean="0"/>
+              <a:t>security</a:t>
+            </a:r>
+            <a:r>
+              <a:rPr lang="es-ES" dirty="0" smtClean="0"/>
+              <a:t>, </a:t>
+            </a:r>
+            <a:r>
+              <a:rPr lang="es-ES" dirty="0" err="1" smtClean="0"/>
+              <a:t>persistence</a:t>
+            </a:r>
+            <a:endParaRPr lang="es-ES" dirty="0" smtClean="0"/>
+          </a:p>
+          <a:p>
             <a:endParaRPr lang="es-ES" dirty="0"/>
           </a:p>
         </p:txBody>
@@ -4064,12 +4242,14 @@
         </p:nvSpPr>
         <p:spPr/>
         <p:txBody>
-          <a:bodyPr/>
-          <a:lstStyle/>
-          <a:p>
-            <a:r>
-              <a:rPr lang="es-ES" dirty="0" smtClean="0"/>
-              <a:t>Caso de estudio CRS</a:t>
+          <a:bodyPr>
+            <a:normAutofit/>
+          </a:bodyPr>
+          <a:lstStyle/>
+          <a:p>
+            <a:r>
+              <a:rPr lang="es-ES" dirty="0" smtClean="0"/>
+              <a:t>Caso de estudio HWS</a:t>
             </a:r>
             <a:endParaRPr lang="es-ES" dirty="0"/>
           </a:p>
@@ -4087,14 +4267,854 @@
         </p:nvSpPr>
         <p:spPr/>
         <p:txBody>
-          <a:bodyPr/>
-          <a:lstStyle/>
-          <a:p>
-            <a:r>
-              <a:rPr lang="es-ES" dirty="0" smtClean="0"/>
-              <a:t>(¿Mostrar la imagen de la tesis con todos los aspectos y las flechas y globos?)</a:t>
-            </a:r>
+          <a:bodyPr>
+            <a:normAutofit/>
+          </a:bodyPr>
+          <a:lstStyle/>
+          <a:p>
+            <a:endParaRPr lang="es-ES" dirty="0" smtClean="0"/>
+          </a:p>
+          <a:p>
+            <a:endParaRPr lang="es-ES" dirty="0" smtClean="0"/>
+          </a:p>
+          <a:p>
             <a:endParaRPr lang="es-ES" dirty="0"/>
+          </a:p>
+        </p:txBody>
+      </p:sp>
+      <p:graphicFrame>
+        <p:nvGraphicFramePr>
+          <p:cNvPr id="4" name="3 Tabla"/>
+          <p:cNvGraphicFramePr>
+            <a:graphicFrameLocks noGrp="1"/>
+          </p:cNvGraphicFramePr>
+          <p:nvPr/>
+        </p:nvGraphicFramePr>
+        <p:xfrm>
+          <a:off x="539552" y="4437112"/>
+          <a:ext cx="2520280" cy="1627495"/>
+        </p:xfrm>
+        <a:graphic>
+          <a:graphicData uri="http://schemas.openxmlformats.org/drawingml/2006/table">
+            <a:tbl>
+              <a:tblPr/>
+              <a:tblGrid>
+                <a:gridCol w="1704868"/>
+                <a:gridCol w="815412"/>
+              </a:tblGrid>
+              <a:tr h="325499">
+                <a:tc>
+                  <a:txBody>
+                    <a:bodyPr/>
+                    <a:lstStyle/>
+                    <a:p>
+                      <a:pPr algn="ctr">
+                        <a:lnSpc>
+                          <a:spcPct val="115000"/>
+                        </a:lnSpc>
+                        <a:spcAft>
+                          <a:spcPts val="0"/>
+                        </a:spcAft>
+                      </a:pPr>
+                      <a:r>
+                        <a:rPr lang="es-AR" sz="1100" b="1" dirty="0">
+                          <a:solidFill>
+                            <a:srgbClr val="FFFFFF"/>
+                          </a:solidFill>
+                          <a:latin typeface="Calibri"/>
+                          <a:ea typeface="Calibri"/>
+                          <a:cs typeface="Times New Roman"/>
+                        </a:rPr>
+                        <a:t>Caso de Estudio</a:t>
+                      </a:r>
+                      <a:endParaRPr lang="es-AR" sz="1100" dirty="0">
+                        <a:latin typeface="Calibri"/>
+                        <a:ea typeface="Times New Roman"/>
+                        <a:cs typeface="Times New Roman"/>
+                      </a:endParaRPr>
+                    </a:p>
+                  </a:txBody>
+                  <a:tcPr marL="68580" marR="68580" marT="0" marB="0">
+                    <a:lnL w="12700" cap="flat" cmpd="sng" algn="ctr">
+                      <a:solidFill>
+                        <a:srgbClr val="4F81BD"/>
+                      </a:solidFill>
+                      <a:prstDash val="solid"/>
+                      <a:round/>
+                      <a:headEnd type="none" w="med" len="med"/>
+                      <a:tailEnd type="none" w="med" len="med"/>
+                    </a:lnL>
+                    <a:lnR>
+                      <a:noFill/>
+                    </a:lnR>
+                    <a:lnT w="12700" cap="flat" cmpd="sng" algn="ctr">
+                      <a:solidFill>
+                        <a:srgbClr val="4F81BD"/>
+                      </a:solidFill>
+                      <a:prstDash val="solid"/>
+                      <a:round/>
+                      <a:headEnd type="none" w="med" len="med"/>
+                      <a:tailEnd type="none" w="med" len="med"/>
+                    </a:lnT>
+                    <a:lnB w="12700" cap="flat" cmpd="sng" algn="ctr">
+                      <a:solidFill>
+                        <a:srgbClr val="4F81BD"/>
+                      </a:solidFill>
+                      <a:prstDash val="solid"/>
+                      <a:round/>
+                      <a:headEnd type="none" w="med" len="med"/>
+                      <a:tailEnd type="none" w="med" len="med"/>
+                    </a:lnB>
+                    <a:solidFill>
+                      <a:srgbClr val="4F81BD"/>
+                    </a:solidFill>
+                  </a:tcPr>
+                </a:tc>
+                <a:tc>
+                  <a:txBody>
+                    <a:bodyPr/>
+                    <a:lstStyle/>
+                    <a:p>
+                      <a:pPr algn="ctr">
+                        <a:lnSpc>
+                          <a:spcPct val="115000"/>
+                        </a:lnSpc>
+                        <a:spcAft>
+                          <a:spcPts val="0"/>
+                        </a:spcAft>
+                      </a:pPr>
+                      <a:r>
+                        <a:rPr lang="es-AR" sz="1100" b="1" dirty="0">
+                          <a:solidFill>
+                            <a:srgbClr val="FFFFFF"/>
+                          </a:solidFill>
+                          <a:latin typeface="Calibri"/>
+                          <a:ea typeface="Calibri"/>
+                          <a:cs typeface="Times New Roman"/>
+                        </a:rPr>
+                        <a:t>HWS</a:t>
+                      </a:r>
+                      <a:endParaRPr lang="es-AR" sz="1100" dirty="0">
+                        <a:latin typeface="Calibri"/>
+                        <a:ea typeface="Times New Roman"/>
+                        <a:cs typeface="Times New Roman"/>
+                      </a:endParaRPr>
+                    </a:p>
+                  </a:txBody>
+                  <a:tcPr marL="68580" marR="68580" marT="0" marB="0">
+                    <a:lnL>
+                      <a:noFill/>
+                    </a:lnL>
+                    <a:lnR w="12700" cap="flat" cmpd="sng" algn="ctr">
+                      <a:solidFill>
+                        <a:srgbClr val="4F81BD"/>
+                      </a:solidFill>
+                      <a:prstDash val="solid"/>
+                      <a:round/>
+                      <a:headEnd type="none" w="med" len="med"/>
+                      <a:tailEnd type="none" w="med" len="med"/>
+                    </a:lnR>
+                    <a:lnT w="12700" cap="flat" cmpd="sng" algn="ctr">
+                      <a:solidFill>
+                        <a:srgbClr val="4F81BD"/>
+                      </a:solidFill>
+                      <a:prstDash val="solid"/>
+                      <a:round/>
+                      <a:headEnd type="none" w="med" len="med"/>
+                      <a:tailEnd type="none" w="med" len="med"/>
+                    </a:lnT>
+                    <a:lnB w="12700" cap="flat" cmpd="sng" algn="ctr">
+                      <a:solidFill>
+                        <a:srgbClr val="4F81BD"/>
+                      </a:solidFill>
+                      <a:prstDash val="solid"/>
+                      <a:round/>
+                      <a:headEnd type="none" w="med" len="med"/>
+                      <a:tailEnd type="none" w="med" len="med"/>
+                    </a:lnB>
+                    <a:solidFill>
+                      <a:srgbClr val="4F81BD"/>
+                    </a:solidFill>
+                  </a:tcPr>
+                </a:tc>
+              </a:tr>
+              <a:tr h="325499">
+                <a:tc>
+                  <a:txBody>
+                    <a:bodyPr/>
+                    <a:lstStyle/>
+                    <a:p>
+                      <a:pPr algn="ctr">
+                        <a:lnSpc>
+                          <a:spcPct val="115000"/>
+                        </a:lnSpc>
+                        <a:spcAft>
+                          <a:spcPts val="0"/>
+                        </a:spcAft>
+                      </a:pPr>
+                      <a:r>
+                        <a:rPr lang="es-AR" sz="1100" b="1">
+                          <a:latin typeface="Calibri"/>
+                          <a:ea typeface="Calibri"/>
+                          <a:cs typeface="Times New Roman"/>
+                        </a:rPr>
+                        <a:t>QVP</a:t>
+                      </a:r>
+                      <a:endParaRPr lang="es-AR" sz="1100">
+                        <a:latin typeface="Calibri"/>
+                        <a:ea typeface="Times New Roman"/>
+                        <a:cs typeface="Times New Roman"/>
+                      </a:endParaRPr>
+                    </a:p>
+                  </a:txBody>
+                  <a:tcPr marL="68580" marR="68580" marT="0" marB="0">
+                    <a:lnL w="12700" cap="flat" cmpd="sng" algn="ctr">
+                      <a:solidFill>
+                        <a:srgbClr val="4F81BD"/>
+                      </a:solidFill>
+                      <a:prstDash val="solid"/>
+                      <a:round/>
+                      <a:headEnd type="none" w="med" len="med"/>
+                      <a:tailEnd type="none" w="med" len="med"/>
+                    </a:lnL>
+                    <a:lnR>
+                      <a:noFill/>
+                    </a:lnR>
+                    <a:lnT w="12700" cap="flat" cmpd="sng" algn="ctr">
+                      <a:solidFill>
+                        <a:srgbClr val="4F81BD"/>
+                      </a:solidFill>
+                      <a:prstDash val="solid"/>
+                      <a:round/>
+                      <a:headEnd type="none" w="med" len="med"/>
+                      <a:tailEnd type="none" w="med" len="med"/>
+                    </a:lnT>
+                    <a:lnB w="12700" cap="flat" cmpd="sng" algn="ctr">
+                      <a:solidFill>
+                        <a:srgbClr val="4F81BD"/>
+                      </a:solidFill>
+                      <a:prstDash val="solid"/>
+                      <a:round/>
+                      <a:headEnd type="none" w="med" len="med"/>
+                      <a:tailEnd type="none" w="med" len="med"/>
+                    </a:lnB>
+                  </a:tcPr>
+                </a:tc>
+                <a:tc>
+                  <a:txBody>
+                    <a:bodyPr/>
+                    <a:lstStyle/>
+                    <a:p>
+                      <a:pPr algn="ctr">
+                        <a:lnSpc>
+                          <a:spcPct val="115000"/>
+                        </a:lnSpc>
+                        <a:spcAft>
+                          <a:spcPts val="0"/>
+                        </a:spcAft>
+                      </a:pPr>
+                      <a:r>
+                        <a:rPr lang="es-AR" sz="1100">
+                          <a:latin typeface="Calibri"/>
+                          <a:ea typeface="Calibri"/>
+                          <a:cs typeface="Times New Roman"/>
+                        </a:rPr>
+                        <a:t>3</a:t>
+                      </a:r>
+                      <a:endParaRPr lang="es-AR" sz="1100">
+                        <a:latin typeface="Calibri"/>
+                        <a:ea typeface="Times New Roman"/>
+                        <a:cs typeface="Times New Roman"/>
+                      </a:endParaRPr>
+                    </a:p>
+                  </a:txBody>
+                  <a:tcPr marL="68580" marR="68580" marT="0" marB="0">
+                    <a:lnL>
+                      <a:noFill/>
+                    </a:lnL>
+                    <a:lnR w="12700" cap="flat" cmpd="sng" algn="ctr">
+                      <a:solidFill>
+                        <a:srgbClr val="4F81BD"/>
+                      </a:solidFill>
+                      <a:prstDash val="solid"/>
+                      <a:round/>
+                      <a:headEnd type="none" w="med" len="med"/>
+                      <a:tailEnd type="none" w="med" len="med"/>
+                    </a:lnR>
+                    <a:lnT w="12700" cap="flat" cmpd="sng" algn="ctr">
+                      <a:solidFill>
+                        <a:srgbClr val="4F81BD"/>
+                      </a:solidFill>
+                      <a:prstDash val="solid"/>
+                      <a:round/>
+                      <a:headEnd type="none" w="med" len="med"/>
+                      <a:tailEnd type="none" w="med" len="med"/>
+                    </a:lnT>
+                    <a:lnB w="12700" cap="flat" cmpd="sng" algn="ctr">
+                      <a:solidFill>
+                        <a:srgbClr val="4F81BD"/>
+                      </a:solidFill>
+                      <a:prstDash val="solid"/>
+                      <a:round/>
+                      <a:headEnd type="none" w="med" len="med"/>
+                      <a:tailEnd type="none" w="med" len="med"/>
+                    </a:lnB>
+                  </a:tcPr>
+                </a:tc>
+              </a:tr>
+              <a:tr h="325499">
+                <a:tc>
+                  <a:txBody>
+                    <a:bodyPr/>
+                    <a:lstStyle/>
+                    <a:p>
+                      <a:pPr algn="ctr">
+                        <a:lnSpc>
+                          <a:spcPct val="115000"/>
+                        </a:lnSpc>
+                        <a:spcAft>
+                          <a:spcPts val="0"/>
+                        </a:spcAft>
+                      </a:pPr>
+                      <a:r>
+                        <a:rPr lang="es-AR" sz="1100" b="1" dirty="0">
+                          <a:latin typeface="Calibri"/>
+                          <a:ea typeface="Calibri"/>
+                          <a:cs typeface="Times New Roman"/>
+                        </a:rPr>
+                        <a:t>QFP</a:t>
+                      </a:r>
+                      <a:endParaRPr lang="es-AR" sz="1100" dirty="0">
+                        <a:latin typeface="Calibri"/>
+                        <a:ea typeface="Times New Roman"/>
+                        <a:cs typeface="Times New Roman"/>
+                      </a:endParaRPr>
+                    </a:p>
+                  </a:txBody>
+                  <a:tcPr marL="68580" marR="68580" marT="0" marB="0">
+                    <a:lnL w="12700" cap="flat" cmpd="sng" algn="ctr">
+                      <a:solidFill>
+                        <a:srgbClr val="4F81BD"/>
+                      </a:solidFill>
+                      <a:prstDash val="solid"/>
+                      <a:round/>
+                      <a:headEnd type="none" w="med" len="med"/>
+                      <a:tailEnd type="none" w="med" len="med"/>
+                    </a:lnL>
+                    <a:lnR>
+                      <a:noFill/>
+                    </a:lnR>
+                    <a:lnT w="12700" cap="flat" cmpd="sng" algn="ctr">
+                      <a:solidFill>
+                        <a:srgbClr val="4F81BD"/>
+                      </a:solidFill>
+                      <a:prstDash val="solid"/>
+                      <a:round/>
+                      <a:headEnd type="none" w="med" len="med"/>
+                      <a:tailEnd type="none" w="med" len="med"/>
+                    </a:lnT>
+                    <a:lnB w="12700" cap="flat" cmpd="sng" algn="ctr">
+                      <a:solidFill>
+                        <a:srgbClr val="4F81BD"/>
+                      </a:solidFill>
+                      <a:prstDash val="solid"/>
+                      <a:round/>
+                      <a:headEnd type="none" w="med" len="med"/>
+                      <a:tailEnd type="none" w="med" len="med"/>
+                    </a:lnB>
+                  </a:tcPr>
+                </a:tc>
+                <a:tc>
+                  <a:txBody>
+                    <a:bodyPr/>
+                    <a:lstStyle/>
+                    <a:p>
+                      <a:pPr algn="ctr">
+                        <a:lnSpc>
+                          <a:spcPct val="115000"/>
+                        </a:lnSpc>
+                        <a:spcAft>
+                          <a:spcPts val="0"/>
+                        </a:spcAft>
+                      </a:pPr>
+                      <a:r>
+                        <a:rPr lang="es-AR" sz="1100">
+                          <a:latin typeface="Calibri"/>
+                          <a:ea typeface="Calibri"/>
+                          <a:cs typeface="Times New Roman"/>
+                        </a:rPr>
+                        <a:t>3</a:t>
+                      </a:r>
+                      <a:endParaRPr lang="es-AR" sz="1100">
+                        <a:latin typeface="Calibri"/>
+                        <a:ea typeface="Times New Roman"/>
+                        <a:cs typeface="Times New Roman"/>
+                      </a:endParaRPr>
+                    </a:p>
+                  </a:txBody>
+                  <a:tcPr marL="68580" marR="68580" marT="0" marB="0">
+                    <a:lnL>
+                      <a:noFill/>
+                    </a:lnL>
+                    <a:lnR w="12700" cap="flat" cmpd="sng" algn="ctr">
+                      <a:solidFill>
+                        <a:srgbClr val="4F81BD"/>
+                      </a:solidFill>
+                      <a:prstDash val="solid"/>
+                      <a:round/>
+                      <a:headEnd type="none" w="med" len="med"/>
+                      <a:tailEnd type="none" w="med" len="med"/>
+                    </a:lnR>
+                    <a:lnT w="12700" cap="flat" cmpd="sng" algn="ctr">
+                      <a:solidFill>
+                        <a:srgbClr val="4F81BD"/>
+                      </a:solidFill>
+                      <a:prstDash val="solid"/>
+                      <a:round/>
+                      <a:headEnd type="none" w="med" len="med"/>
+                      <a:tailEnd type="none" w="med" len="med"/>
+                    </a:lnT>
+                    <a:lnB w="12700" cap="flat" cmpd="sng" algn="ctr">
+                      <a:solidFill>
+                        <a:srgbClr val="4F81BD"/>
+                      </a:solidFill>
+                      <a:prstDash val="solid"/>
+                      <a:round/>
+                      <a:headEnd type="none" w="med" len="med"/>
+                      <a:tailEnd type="none" w="med" len="med"/>
+                    </a:lnB>
+                  </a:tcPr>
+                </a:tc>
+              </a:tr>
+              <a:tr h="325499">
+                <a:tc>
+                  <a:txBody>
+                    <a:bodyPr/>
+                    <a:lstStyle/>
+                    <a:p>
+                      <a:pPr algn="ctr">
+                        <a:lnSpc>
+                          <a:spcPct val="115000"/>
+                        </a:lnSpc>
+                        <a:spcAft>
+                          <a:spcPts val="0"/>
+                        </a:spcAft>
+                      </a:pPr>
+                      <a:r>
+                        <a:rPr lang="es-AR" sz="1100" b="1" dirty="0">
+                          <a:latin typeface="Calibri"/>
+                          <a:ea typeface="Calibri"/>
+                          <a:cs typeface="Times New Roman"/>
+                        </a:rPr>
+                        <a:t>QFN</a:t>
+                      </a:r>
+                      <a:endParaRPr lang="es-AR" sz="1100" dirty="0">
+                        <a:latin typeface="Calibri"/>
+                        <a:ea typeface="Times New Roman"/>
+                        <a:cs typeface="Times New Roman"/>
+                      </a:endParaRPr>
+                    </a:p>
+                  </a:txBody>
+                  <a:tcPr marL="68580" marR="68580" marT="0" marB="0">
+                    <a:lnL w="12700" cap="flat" cmpd="sng" algn="ctr">
+                      <a:solidFill>
+                        <a:srgbClr val="4F81BD"/>
+                      </a:solidFill>
+                      <a:prstDash val="solid"/>
+                      <a:round/>
+                      <a:headEnd type="none" w="med" len="med"/>
+                      <a:tailEnd type="none" w="med" len="med"/>
+                    </a:lnL>
+                    <a:lnR>
+                      <a:noFill/>
+                    </a:lnR>
+                    <a:lnT w="12700" cap="flat" cmpd="sng" algn="ctr">
+                      <a:solidFill>
+                        <a:srgbClr val="4F81BD"/>
+                      </a:solidFill>
+                      <a:prstDash val="solid"/>
+                      <a:round/>
+                      <a:headEnd type="none" w="med" len="med"/>
+                      <a:tailEnd type="none" w="med" len="med"/>
+                    </a:lnT>
+                    <a:lnB w="12700" cap="flat" cmpd="sng" algn="ctr">
+                      <a:solidFill>
+                        <a:srgbClr val="4F81BD"/>
+                      </a:solidFill>
+                      <a:prstDash val="solid"/>
+                      <a:round/>
+                      <a:headEnd type="none" w="med" len="med"/>
+                      <a:tailEnd type="none" w="med" len="med"/>
+                    </a:lnB>
+                  </a:tcPr>
+                </a:tc>
+                <a:tc>
+                  <a:txBody>
+                    <a:bodyPr/>
+                    <a:lstStyle/>
+                    <a:p>
+                      <a:pPr algn="ctr">
+                        <a:lnSpc>
+                          <a:spcPct val="115000"/>
+                        </a:lnSpc>
+                        <a:spcAft>
+                          <a:spcPts val="0"/>
+                        </a:spcAft>
+                      </a:pPr>
+                      <a:r>
+                        <a:rPr lang="es-AR" sz="1100">
+                          <a:latin typeface="Calibri"/>
+                          <a:ea typeface="Calibri"/>
+                          <a:cs typeface="Times New Roman"/>
+                        </a:rPr>
+                        <a:t>3</a:t>
+                      </a:r>
+                      <a:endParaRPr lang="es-AR" sz="1100">
+                        <a:latin typeface="Calibri"/>
+                        <a:ea typeface="Times New Roman"/>
+                        <a:cs typeface="Times New Roman"/>
+                      </a:endParaRPr>
+                    </a:p>
+                  </a:txBody>
+                  <a:tcPr marL="68580" marR="68580" marT="0" marB="0">
+                    <a:lnL>
+                      <a:noFill/>
+                    </a:lnL>
+                    <a:lnR w="12700" cap="flat" cmpd="sng" algn="ctr">
+                      <a:solidFill>
+                        <a:srgbClr val="4F81BD"/>
+                      </a:solidFill>
+                      <a:prstDash val="solid"/>
+                      <a:round/>
+                      <a:headEnd type="none" w="med" len="med"/>
+                      <a:tailEnd type="none" w="med" len="med"/>
+                    </a:lnR>
+                    <a:lnT w="12700" cap="flat" cmpd="sng" algn="ctr">
+                      <a:solidFill>
+                        <a:srgbClr val="4F81BD"/>
+                      </a:solidFill>
+                      <a:prstDash val="solid"/>
+                      <a:round/>
+                      <a:headEnd type="none" w="med" len="med"/>
+                      <a:tailEnd type="none" w="med" len="med"/>
+                    </a:lnT>
+                    <a:lnB w="12700" cap="flat" cmpd="sng" algn="ctr">
+                      <a:solidFill>
+                        <a:srgbClr val="4F81BD"/>
+                      </a:solidFill>
+                      <a:prstDash val="solid"/>
+                      <a:round/>
+                      <a:headEnd type="none" w="med" len="med"/>
+                      <a:tailEnd type="none" w="med" len="med"/>
+                    </a:lnB>
+                  </a:tcPr>
+                </a:tc>
+              </a:tr>
+              <a:tr h="325499">
+                <a:tc>
+                  <a:txBody>
+                    <a:bodyPr/>
+                    <a:lstStyle/>
+                    <a:p>
+                      <a:pPr algn="ctr">
+                        <a:lnSpc>
+                          <a:spcPct val="115000"/>
+                        </a:lnSpc>
+                        <a:spcAft>
+                          <a:spcPts val="0"/>
+                        </a:spcAft>
+                      </a:pPr>
+                      <a:r>
+                        <a:rPr lang="es-AR" sz="1100" b="1">
+                          <a:latin typeface="Calibri"/>
+                          <a:ea typeface="Calibri"/>
+                          <a:cs typeface="Times New Roman"/>
+                        </a:rPr>
+                        <a:t>QV</a:t>
+                      </a:r>
+                      <a:endParaRPr lang="es-AR" sz="1100">
+                        <a:latin typeface="Calibri"/>
+                        <a:ea typeface="Times New Roman"/>
+                        <a:cs typeface="Times New Roman"/>
+                      </a:endParaRPr>
+                    </a:p>
+                  </a:txBody>
+                  <a:tcPr marL="68580" marR="68580" marT="0" marB="0">
+                    <a:lnL w="12700" cap="flat" cmpd="sng" algn="ctr">
+                      <a:solidFill>
+                        <a:srgbClr val="4F81BD"/>
+                      </a:solidFill>
+                      <a:prstDash val="solid"/>
+                      <a:round/>
+                      <a:headEnd type="none" w="med" len="med"/>
+                      <a:tailEnd type="none" w="med" len="med"/>
+                    </a:lnL>
+                    <a:lnR>
+                      <a:noFill/>
+                    </a:lnR>
+                    <a:lnT w="12700" cap="flat" cmpd="sng" algn="ctr">
+                      <a:solidFill>
+                        <a:srgbClr val="4F81BD"/>
+                      </a:solidFill>
+                      <a:prstDash val="solid"/>
+                      <a:round/>
+                      <a:headEnd type="none" w="med" len="med"/>
+                      <a:tailEnd type="none" w="med" len="med"/>
+                    </a:lnT>
+                    <a:lnB w="12700" cap="flat" cmpd="sng" algn="ctr">
+                      <a:solidFill>
+                        <a:srgbClr val="4F81BD"/>
+                      </a:solidFill>
+                      <a:prstDash val="solid"/>
+                      <a:round/>
+                      <a:headEnd type="none" w="med" len="med"/>
+                      <a:tailEnd type="none" w="med" len="med"/>
+                    </a:lnB>
+                  </a:tcPr>
+                </a:tc>
+                <a:tc>
+                  <a:txBody>
+                    <a:bodyPr/>
+                    <a:lstStyle/>
+                    <a:p>
+                      <a:pPr algn="ctr">
+                        <a:lnSpc>
+                          <a:spcPct val="115000"/>
+                        </a:lnSpc>
+                        <a:spcAft>
+                          <a:spcPts val="0"/>
+                        </a:spcAft>
+                      </a:pPr>
+                      <a:r>
+                        <a:rPr lang="es-AR" sz="1100" dirty="0">
+                          <a:latin typeface="Calibri"/>
+                          <a:ea typeface="Calibri"/>
+                          <a:cs typeface="Times New Roman"/>
+                        </a:rPr>
+                        <a:t>6</a:t>
+                      </a:r>
+                      <a:endParaRPr lang="es-AR" sz="1100" dirty="0">
+                        <a:latin typeface="Calibri"/>
+                        <a:ea typeface="Times New Roman"/>
+                        <a:cs typeface="Times New Roman"/>
+                      </a:endParaRPr>
+                    </a:p>
+                  </a:txBody>
+                  <a:tcPr marL="68580" marR="68580" marT="0" marB="0">
+                    <a:lnL>
+                      <a:noFill/>
+                    </a:lnL>
+                    <a:lnR w="12700" cap="flat" cmpd="sng" algn="ctr">
+                      <a:solidFill>
+                        <a:srgbClr val="4F81BD"/>
+                      </a:solidFill>
+                      <a:prstDash val="solid"/>
+                      <a:round/>
+                      <a:headEnd type="none" w="med" len="med"/>
+                      <a:tailEnd type="none" w="med" len="med"/>
+                    </a:lnR>
+                    <a:lnT w="12700" cap="flat" cmpd="sng" algn="ctr">
+                      <a:solidFill>
+                        <a:srgbClr val="4F81BD"/>
+                      </a:solidFill>
+                      <a:prstDash val="solid"/>
+                      <a:round/>
+                      <a:headEnd type="none" w="med" len="med"/>
+                      <a:tailEnd type="none" w="med" len="med"/>
+                    </a:lnT>
+                    <a:lnB w="12700" cap="flat" cmpd="sng" algn="ctr">
+                      <a:solidFill>
+                        <a:srgbClr val="4F81BD"/>
+                      </a:solidFill>
+                      <a:prstDash val="solid"/>
+                      <a:round/>
+                      <a:headEnd type="none" w="med" len="med"/>
+                      <a:tailEnd type="none" w="med" len="med"/>
+                    </a:lnB>
+                  </a:tcPr>
+                </a:tc>
+              </a:tr>
+            </a:tbl>
+          </a:graphicData>
+        </a:graphic>
+      </p:graphicFrame>
+      <p:pic>
+        <p:nvPicPr>
+          <p:cNvPr id="5" name="4 Imagen" descr="C:\Documents and Settings\Administrador\Escritorio\hws1.JPG"/>
+          <p:cNvPicPr/>
+          <p:nvPr/>
+        </p:nvPicPr>
+        <p:blipFill>
+          <a:blip r:embed="rId2" cstate="print"/>
+          <a:srcRect/>
+          <a:stretch>
+            <a:fillRect/>
+          </a:stretch>
+        </p:blipFill>
+        <p:spPr bwMode="auto">
+          <a:xfrm>
+            <a:off x="467544" y="1412776"/>
+            <a:ext cx="7992888" cy="2592288"/>
+          </a:xfrm>
+          <a:prstGeom prst="rect">
+            <a:avLst/>
+          </a:prstGeom>
+          <a:noFill/>
+          <a:ln w="9525">
+            <a:noFill/>
+            <a:miter lim="800000"/>
+            <a:headEnd/>
+            <a:tailEnd/>
+          </a:ln>
+        </p:spPr>
+      </p:pic>
+      <p:pic>
+        <p:nvPicPr>
+          <p:cNvPr id="25602" name="Picture 2"/>
+          <p:cNvPicPr>
+            <a:picLocks noChangeAspect="1" noChangeArrowheads="1"/>
+          </p:cNvPicPr>
+          <p:nvPr/>
+        </p:nvPicPr>
+        <p:blipFill>
+          <a:blip r:embed="rId3" cstate="print">
+            <a:clrChange>
+              <a:clrFrom>
+                <a:srgbClr val="FFFFFF"/>
+              </a:clrFrom>
+              <a:clrTo>
+                <a:srgbClr val="FFFFFF">
+                  <a:alpha val="0"/>
+                </a:srgbClr>
+              </a:clrTo>
+            </a:clrChange>
+          </a:blip>
+          <a:srcRect/>
+          <a:stretch>
+            <a:fillRect/>
+          </a:stretch>
+        </p:blipFill>
+        <p:spPr bwMode="auto">
+          <a:xfrm>
+            <a:off x="4067944" y="4653136"/>
+            <a:ext cx="3510991" cy="519135"/>
+          </a:xfrm>
+          <a:prstGeom prst="rect">
+            <a:avLst/>
+          </a:prstGeom>
+          <a:noFill/>
+        </p:spPr>
+      </p:pic>
+      <p:pic>
+        <p:nvPicPr>
+          <p:cNvPr id="25601" name="Picture 1"/>
+          <p:cNvPicPr>
+            <a:picLocks noChangeAspect="1" noChangeArrowheads="1"/>
+          </p:cNvPicPr>
+          <p:nvPr/>
+        </p:nvPicPr>
+        <p:blipFill>
+          <a:blip r:embed="rId4" cstate="print">
+            <a:clrChange>
+              <a:clrFrom>
+                <a:srgbClr val="FFFFFF"/>
+              </a:clrFrom>
+              <a:clrTo>
+                <a:srgbClr val="FFFFFF">
+                  <a:alpha val="0"/>
+                </a:srgbClr>
+              </a:clrTo>
+            </a:clrChange>
+          </a:blip>
+          <a:srcRect/>
+          <a:stretch>
+            <a:fillRect/>
+          </a:stretch>
+        </p:blipFill>
+        <p:spPr bwMode="auto">
+          <a:xfrm>
+            <a:off x="4139952" y="5445224"/>
+            <a:ext cx="3103924" cy="504056"/>
+          </a:xfrm>
+          <a:prstGeom prst="rect">
+            <a:avLst/>
+          </a:prstGeom>
+          <a:noFill/>
+        </p:spPr>
+      </p:pic>
+      <p:sp>
+        <p:nvSpPr>
+          <p:cNvPr id="25603" name="Rectangle 3"/>
+          <p:cNvSpPr>
+            <a:spLocks noChangeArrowheads="1"/>
+          </p:cNvSpPr>
+          <p:nvPr/>
+        </p:nvSpPr>
+        <p:spPr bwMode="auto">
+          <a:xfrm>
+            <a:off x="0" y="0"/>
+            <a:ext cx="9144000" cy="457200"/>
+          </a:xfrm>
+          <a:prstGeom prst="rect">
+            <a:avLst/>
+          </a:prstGeom>
+          <a:noFill/>
+          <a:ln w="9525">
+            <a:noFill/>
+            <a:miter lim="800000"/>
+            <a:headEnd/>
+            <a:tailEnd/>
+          </a:ln>
+          <a:effectLst/>
+        </p:spPr>
+        <p:txBody>
+          <a:bodyPr vert="horz" wrap="none" lIns="91440" tIns="45720" rIns="91440" bIns="45720" numCol="1" anchor="ctr" anchorCtr="0" compatLnSpc="1">
+            <a:prstTxWarp prst="textNoShape">
+              <a:avLst/>
+            </a:prstTxWarp>
+            <a:spAutoFit/>
+          </a:bodyPr>
+          <a:lstStyle/>
+          <a:p>
+            <a:endParaRPr lang="es-AR"/>
+          </a:p>
+        </p:txBody>
+      </p:sp>
+      <p:sp>
+        <p:nvSpPr>
+          <p:cNvPr id="25604" name="Rectangle 4"/>
+          <p:cNvSpPr>
+            <a:spLocks noChangeArrowheads="1"/>
+          </p:cNvSpPr>
+          <p:nvPr/>
+        </p:nvSpPr>
+        <p:spPr bwMode="auto">
+          <a:xfrm>
+            <a:off x="0" y="819150"/>
+            <a:ext cx="9144000" cy="457200"/>
+          </a:xfrm>
+          <a:prstGeom prst="rect">
+            <a:avLst/>
+          </a:prstGeom>
+          <a:noFill/>
+          <a:ln w="9525">
+            <a:noFill/>
+            <a:miter lim="800000"/>
+            <a:headEnd/>
+            <a:tailEnd/>
+          </a:ln>
+          <a:effectLst/>
+        </p:spPr>
+        <p:txBody>
+          <a:bodyPr vert="horz" wrap="none" lIns="91440" tIns="45720" rIns="91440" bIns="45720" numCol="1" anchor="ctr" anchorCtr="0" compatLnSpc="1">
+            <a:prstTxWarp prst="textNoShape">
+              <a:avLst/>
+            </a:prstTxWarp>
+            <a:spAutoFit/>
+          </a:bodyPr>
+          <a:lstStyle/>
+          <a:p>
+            <a:endParaRPr lang="es-AR"/>
           </a:p>
         </p:txBody>
       </p:sp>
@@ -4140,7 +5160,7 @@
           <a:p>
             <a:r>
               <a:rPr lang="es-ES" dirty="0" smtClean="0"/>
-              <a:t>Conclusiones generales</a:t>
+              <a:t>Caso de estudio CRS</a:t>
             </a:r>
             <a:endParaRPr lang="es-ES" dirty="0"/>
           </a:p>
@@ -4160,6 +5180,41 @@
         <p:txBody>
           <a:bodyPr/>
           <a:lstStyle/>
+          <a:p>
+            <a:r>
+              <a:rPr lang="es-ES" dirty="0" smtClean="0"/>
+              <a:t>Sistema de registro de cursos</a:t>
+            </a:r>
+          </a:p>
+          <a:p>
+            <a:r>
+              <a:rPr lang="es-ES" dirty="0" smtClean="0"/>
+              <a:t>8 casos de uso (aproximadamente 3900 palabras)</a:t>
+            </a:r>
+          </a:p>
+          <a:p>
+            <a:r>
+              <a:rPr lang="es-ES" dirty="0" smtClean="0"/>
+              <a:t>7</a:t>
+            </a:r>
+            <a:r>
+              <a:rPr lang="es-ES" dirty="0" smtClean="0"/>
+              <a:t> aspectos candidatos</a:t>
+            </a:r>
+          </a:p>
+          <a:p>
+            <a:r>
+              <a:rPr lang="es-ES" dirty="0" err="1" smtClean="0"/>
+              <a:t>QAs</a:t>
+            </a:r>
+            <a:r>
+              <a:rPr lang="es-ES" dirty="0" smtClean="0"/>
+              <a:t> buscados obtenidos del análisis manual o ad-hoc de las especificaciones de requerimientos</a:t>
+            </a:r>
+          </a:p>
+          <a:p>
+            <a:endParaRPr lang="es-ES" dirty="0" smtClean="0"/>
+          </a:p>
           <a:p>
             <a:endParaRPr lang="es-ES" dirty="0"/>
           </a:p>
@@ -4202,14 +5257,12 @@
         </p:nvSpPr>
         <p:spPr/>
         <p:txBody>
-          <a:bodyPr>
-            <a:normAutofit/>
-          </a:bodyPr>
-          <a:lstStyle/>
-          <a:p>
-            <a:r>
-              <a:rPr lang="es-ES" dirty="0" smtClean="0"/>
-              <a:t>Ventajas y Desventajas</a:t>
+          <a:bodyPr/>
+          <a:lstStyle/>
+          <a:p>
+            <a:r>
+              <a:rPr lang="es-ES" dirty="0" smtClean="0"/>
+              <a:t>Caso de estudio CRS</a:t>
             </a:r>
             <a:endParaRPr lang="es-ES" dirty="0"/>
           </a:p>
@@ -4227,111 +5280,44 @@
         </p:nvSpPr>
         <p:spPr/>
         <p:txBody>
-          <a:bodyPr>
-            <a:normAutofit fontScale="85000" lnSpcReduction="20000"/>
-          </a:bodyPr>
-          <a:lstStyle/>
-          <a:p>
-            <a:r>
-              <a:rPr lang="es-ES" dirty="0" smtClean="0"/>
-              <a:t>Ventajas</a:t>
-            </a:r>
-          </a:p>
-          <a:p>
-            <a:pPr lvl="1"/>
+          <a:bodyPr/>
+          <a:lstStyle/>
+          <a:p>
+            <a:r>
+              <a:rPr lang="es-ES" dirty="0" smtClean="0"/>
+              <a:t>Sistema de registro de cursos</a:t>
+            </a:r>
+          </a:p>
+          <a:p>
+            <a:r>
+              <a:rPr lang="es-ES" dirty="0" smtClean="0"/>
+              <a:t>8 casos de uso (aproximadamente 3900 palabras)</a:t>
+            </a:r>
+          </a:p>
+          <a:p>
+            <a:r>
+              <a:rPr lang="es-ES" dirty="0" smtClean="0"/>
+              <a:t>7</a:t>
+            </a:r>
+            <a:r>
+              <a:rPr lang="es-ES" dirty="0" smtClean="0"/>
+              <a:t> aspectos candidatos</a:t>
+            </a:r>
+          </a:p>
+          <a:p>
             <a:r>
               <a:rPr lang="es-ES" dirty="0" err="1" smtClean="0"/>
-              <a:t>Recall</a:t>
-            </a:r>
-            <a:r>
-              <a:rPr lang="es-ES" dirty="0" smtClean="0"/>
-              <a:t>.</a:t>
-            </a:r>
-          </a:p>
-          <a:p>
-            <a:pPr lvl="1"/>
-            <a:r>
-              <a:rPr lang="es-ES" dirty="0" smtClean="0"/>
-              <a:t>Tiempo de ejecución.</a:t>
-            </a:r>
-          </a:p>
-          <a:p>
-            <a:pPr lvl="1"/>
-            <a:r>
-              <a:rPr lang="es-ES" dirty="0" smtClean="0"/>
-              <a:t>Nivel de automatización.</a:t>
-            </a:r>
-          </a:p>
-          <a:p>
-            <a:pPr lvl="1"/>
-            <a:r>
-              <a:rPr lang="es-ES" dirty="0" err="1" smtClean="0"/>
-              <a:t>Extension</a:t>
-            </a:r>
-            <a:r>
-              <a:rPr lang="es-ES" dirty="0" smtClean="0"/>
-              <a:t> a otros documentos.</a:t>
-            </a:r>
-          </a:p>
-          <a:p>
-            <a:pPr lvl="1"/>
-            <a:r>
-              <a:rPr lang="es-ES" dirty="0" smtClean="0"/>
-              <a:t>Extensibilidad para la </a:t>
-            </a:r>
-            <a:r>
-              <a:rPr lang="es-ES" dirty="0" err="1" smtClean="0"/>
-              <a:t>identificacion</a:t>
-            </a:r>
-            <a:r>
-              <a:rPr lang="es-ES" dirty="0" smtClean="0"/>
-              <a:t> de otros QAs</a:t>
-            </a:r>
-          </a:p>
-          <a:p>
-            <a:r>
-              <a:rPr lang="es-ES" dirty="0" smtClean="0"/>
-              <a:t>Desventajas</a:t>
-            </a:r>
-          </a:p>
-          <a:p>
-            <a:pPr lvl="1"/>
-            <a:r>
-              <a:rPr lang="es-ES" dirty="0" smtClean="0"/>
-              <a:t>Dependencia de los aspectos encontrados.</a:t>
-            </a:r>
-          </a:p>
-          <a:p>
-            <a:pPr lvl="1"/>
-            <a:r>
-              <a:rPr lang="es-ES" dirty="0" smtClean="0"/>
-              <a:t>QAs no relacionados con aspectos.</a:t>
-            </a:r>
-          </a:p>
-          <a:p>
-            <a:pPr lvl="1"/>
-            <a:r>
-              <a:rPr lang="es-ES" dirty="0" err="1" smtClean="0"/>
-              <a:t>Definción</a:t>
-            </a:r>
-            <a:r>
-              <a:rPr lang="es-ES" dirty="0" smtClean="0"/>
-              <a:t> de una ontología</a:t>
-            </a:r>
-          </a:p>
-          <a:p>
-            <a:pPr lvl="1"/>
-            <a:r>
-              <a:rPr lang="es-ES" dirty="0" smtClean="0"/>
-              <a:t>Limitaciones del lenguaje</a:t>
-            </a:r>
-          </a:p>
-          <a:p>
-            <a:pPr lvl="1"/>
-            <a:r>
-              <a:rPr lang="es-ES" dirty="0" smtClean="0"/>
-              <a:t>Aprendizaje</a:t>
-            </a:r>
+              <a:t>QAs</a:t>
+            </a:r>
+            <a:r>
+              <a:rPr lang="es-ES" dirty="0" smtClean="0"/>
+              <a:t> buscados obtenidos del análisis manual o ad-hoc de las especificaciones de requerimientos</a:t>
+            </a:r>
+          </a:p>
+          <a:p>
+            <a:endParaRPr lang="es-ES" dirty="0" smtClean="0"/>
+          </a:p>
+          <a:p>
             <a:endParaRPr lang="es-ES" dirty="0"/>
           </a:p>
         </p:txBody>
@@ -4378,7 +5364,7 @@
           <a:p>
             <a:r>
               <a:rPr lang="es-ES" dirty="0" smtClean="0"/>
-              <a:t>Trabajos Futuros</a:t>
+              <a:t>Conclusiones</a:t>
             </a:r>
             <a:endParaRPr lang="es-ES" dirty="0"/>
           </a:p>
@@ -4399,34 +5385,6 @@
           <a:bodyPr/>
           <a:lstStyle/>
           <a:p>
-            <a:r>
-              <a:rPr lang="es-ES" dirty="0" smtClean="0"/>
-              <a:t>Mejoramiento de la ontología</a:t>
-            </a:r>
-          </a:p>
-          <a:p>
-            <a:r>
-              <a:rPr lang="es-ES" dirty="0" smtClean="0"/>
-              <a:t>Atributos de los tokens</a:t>
-            </a:r>
-          </a:p>
-          <a:p>
-            <a:r>
-              <a:rPr lang="es-ES" dirty="0" smtClean="0"/>
-              <a:t>Minar QAs desde otros documentos</a:t>
-            </a:r>
-          </a:p>
-          <a:p>
-            <a:r>
-              <a:rPr lang="es-ES" dirty="0" smtClean="0"/>
-              <a:t>Aprendizaje</a:t>
-            </a:r>
-          </a:p>
-          <a:p>
-            <a:r>
-              <a:rPr lang="es-ES" dirty="0" smtClean="0"/>
-              <a:t>Arquitecturas orientadas a aspectos</a:t>
-            </a:r>
             <a:endParaRPr lang="es-ES" dirty="0"/>
           </a:p>
         </p:txBody>
@@ -4468,12 +5426,14 @@
         </p:nvSpPr>
         <p:spPr/>
         <p:txBody>
-          <a:bodyPr/>
-          <a:lstStyle/>
-          <a:p>
-            <a:r>
-              <a:rPr lang="es-ES" dirty="0" smtClean="0"/>
-              <a:t>Preguntas</a:t>
+          <a:bodyPr>
+            <a:normAutofit/>
+          </a:bodyPr>
+          <a:lstStyle/>
+          <a:p>
+            <a:r>
+              <a:rPr lang="es-ES" dirty="0" smtClean="0"/>
+              <a:t>Ventajas y Desventajas</a:t>
             </a:r>
             <a:endParaRPr lang="es-ES" dirty="0"/>
           </a:p>
@@ -4491,15 +5451,110 @@
         </p:nvSpPr>
         <p:spPr/>
         <p:txBody>
-          <a:bodyPr/>
-          <a:lstStyle/>
-          <a:p>
-            <a:pPr algn="ctr">
-              <a:buNone/>
-            </a:pPr>
-            <a:r>
-              <a:rPr lang="es-ES" dirty="0" smtClean="0"/>
-              <a:t>¿?</a:t>
+          <a:bodyPr>
+            <a:normAutofit fontScale="85000" lnSpcReduction="20000"/>
+          </a:bodyPr>
+          <a:lstStyle/>
+          <a:p>
+            <a:r>
+              <a:rPr lang="es-ES" dirty="0" smtClean="0"/>
+              <a:t>Ventajas</a:t>
+            </a:r>
+          </a:p>
+          <a:p>
+            <a:pPr lvl="1"/>
+            <a:r>
+              <a:rPr lang="es-ES" dirty="0" err="1" smtClean="0"/>
+              <a:t>Recall</a:t>
+            </a:r>
+            <a:r>
+              <a:rPr lang="es-ES" dirty="0" smtClean="0"/>
+              <a:t>.</a:t>
+            </a:r>
+          </a:p>
+          <a:p>
+            <a:pPr lvl="1"/>
+            <a:r>
+              <a:rPr lang="es-ES" dirty="0" smtClean="0"/>
+              <a:t>Tiempo de ejecución.</a:t>
+            </a:r>
+          </a:p>
+          <a:p>
+            <a:pPr lvl="1"/>
+            <a:r>
+              <a:rPr lang="es-ES" dirty="0" smtClean="0"/>
+              <a:t>Nivel de automatización.</a:t>
+            </a:r>
+          </a:p>
+          <a:p>
+            <a:pPr lvl="1"/>
+            <a:r>
+              <a:rPr lang="es-ES" dirty="0" smtClean="0"/>
+              <a:t>Extensión </a:t>
+            </a:r>
+            <a:r>
+              <a:rPr lang="es-ES" dirty="0" smtClean="0"/>
+              <a:t>a otros documentos.</a:t>
+            </a:r>
+          </a:p>
+          <a:p>
+            <a:pPr lvl="1"/>
+            <a:r>
+              <a:rPr lang="es-ES" dirty="0" smtClean="0"/>
+              <a:t>Extensibilidad para la </a:t>
+            </a:r>
+            <a:r>
+              <a:rPr lang="es-ES" dirty="0" smtClean="0"/>
+              <a:t>identificación </a:t>
+            </a:r>
+            <a:r>
+              <a:rPr lang="es-ES" dirty="0" smtClean="0"/>
+              <a:t>de otros QAs</a:t>
+            </a:r>
+          </a:p>
+          <a:p>
+            <a:r>
+              <a:rPr lang="es-ES" dirty="0" smtClean="0"/>
+              <a:t>Desventajas</a:t>
+            </a:r>
+          </a:p>
+          <a:p>
+            <a:pPr lvl="1"/>
+            <a:r>
+              <a:rPr lang="es-ES" dirty="0" smtClean="0"/>
+              <a:t>Dependencia de los aspectos encontrados.</a:t>
+            </a:r>
+          </a:p>
+          <a:p>
+            <a:pPr lvl="1"/>
+            <a:r>
+              <a:rPr lang="es-ES" dirty="0" smtClean="0"/>
+              <a:t>QAs no relacionados con aspectos.</a:t>
+            </a:r>
+          </a:p>
+          <a:p>
+            <a:pPr lvl="1"/>
+            <a:r>
+              <a:rPr lang="es-ES" dirty="0" smtClean="0"/>
+              <a:t>Definición </a:t>
+            </a:r>
+            <a:r>
+              <a:rPr lang="es-ES" dirty="0" smtClean="0"/>
+              <a:t>de una ontología</a:t>
+            </a:r>
+          </a:p>
+          <a:p>
+            <a:pPr lvl="1"/>
+            <a:r>
+              <a:rPr lang="es-ES" dirty="0" smtClean="0"/>
+              <a:t>Limitaciones del lenguaje</a:t>
+            </a:r>
+          </a:p>
+          <a:p>
+            <a:pPr lvl="1"/>
+            <a:r>
+              <a:rPr lang="es-ES" dirty="0" smtClean="0"/>
+              <a:t>Aprendizaje</a:t>
             </a:r>
             <a:endParaRPr lang="es-ES" dirty="0"/>
           </a:p>
@@ -4547,7 +5602,7 @@
           <a:p>
             <a:r>
               <a:rPr lang="es-ES" dirty="0" smtClean="0"/>
-              <a:t>GRACIAS!!!!</a:t>
+              <a:t>Trabajos Futuros</a:t>
             </a:r>
             <a:endParaRPr lang="es-ES" dirty="0"/>
           </a:p>
@@ -4568,7 +5623,113 @@
           <a:bodyPr/>
           <a:lstStyle/>
           <a:p>
-            <a:endParaRPr lang="es-ES"/>
+            <a:r>
+              <a:rPr lang="es-ES" dirty="0" smtClean="0"/>
+              <a:t>Mejora </a:t>
+            </a:r>
+            <a:r>
+              <a:rPr lang="es-ES" dirty="0" smtClean="0"/>
+              <a:t>de la ontología</a:t>
+            </a:r>
+          </a:p>
+          <a:p>
+            <a:r>
+              <a:rPr lang="es-ES" dirty="0" smtClean="0"/>
+              <a:t>Atributos de los tokens</a:t>
+            </a:r>
+          </a:p>
+          <a:p>
+            <a:r>
+              <a:rPr lang="es-ES" dirty="0" smtClean="0"/>
+              <a:t>Minar QAs desde otros documentos</a:t>
+            </a:r>
+          </a:p>
+          <a:p>
+            <a:r>
+              <a:rPr lang="es-ES" dirty="0" smtClean="0"/>
+              <a:t>Aprendizaje</a:t>
+            </a:r>
+          </a:p>
+          <a:p>
+            <a:r>
+              <a:rPr lang="es-ES" dirty="0" smtClean="0"/>
+              <a:t>Arquitecturas orientadas a aspectos</a:t>
+            </a:r>
+            <a:endParaRPr lang="es-ES" dirty="0"/>
+          </a:p>
+        </p:txBody>
+      </p:sp>
+    </p:spTree>
+  </p:cSld>
+  <p:clrMapOvr>
+    <a:masterClrMapping/>
+  </p:clrMapOvr>
+</p:sld>
+</file>
+
+<file path=ppt/slides/slide19.xml><?xml version="1.0" encoding="utf-8"?>
+<p:sld xmlns:a="http://schemas.openxmlformats.org/drawingml/2006/main" xmlns:r="http://schemas.openxmlformats.org/officeDocument/2006/relationships" xmlns:p="http://schemas.openxmlformats.org/presentationml/2006/main">
+  <p:cSld>
+    <p:spTree>
+      <p:nvGrpSpPr>
+        <p:cNvPr id="1" name=""/>
+        <p:cNvGrpSpPr/>
+        <p:nvPr/>
+      </p:nvGrpSpPr>
+      <p:grpSpPr>
+        <a:xfrm>
+          <a:off x="0" y="0"/>
+          <a:ext cx="0" cy="0"/>
+          <a:chOff x="0" y="0"/>
+          <a:chExt cx="0" cy="0"/>
+        </a:xfrm>
+      </p:grpSpPr>
+      <p:sp>
+        <p:nvSpPr>
+          <p:cNvPr id="2" name="1 Título"/>
+          <p:cNvSpPr>
+            <a:spLocks noGrp="1"/>
+          </p:cNvSpPr>
+          <p:nvPr>
+            <p:ph type="title"/>
+          </p:nvPr>
+        </p:nvSpPr>
+        <p:spPr/>
+        <p:txBody>
+          <a:bodyPr/>
+          <a:lstStyle/>
+          <a:p>
+            <a:r>
+              <a:rPr lang="es-ES" dirty="0" smtClean="0"/>
+              <a:t>Preguntas</a:t>
+            </a:r>
+            <a:endParaRPr lang="es-ES" dirty="0"/>
+          </a:p>
+        </p:txBody>
+      </p:sp>
+      <p:sp>
+        <p:nvSpPr>
+          <p:cNvPr id="3" name="2 Marcador de contenido"/>
+          <p:cNvSpPr>
+            <a:spLocks noGrp="1"/>
+          </p:cNvSpPr>
+          <p:nvPr>
+            <p:ph idx="1"/>
+          </p:nvPr>
+        </p:nvSpPr>
+        <p:spPr/>
+        <p:txBody>
+          <a:bodyPr/>
+          <a:lstStyle/>
+          <a:p>
+            <a:pPr algn="ctr">
+              <a:buNone/>
+            </a:pPr>
+            <a:r>
+              <a:rPr lang="es-ES" dirty="0" smtClean="0"/>
+              <a:t>¿?</a:t>
+            </a:r>
+            <a:endParaRPr lang="es-ES" dirty="0"/>
           </a:p>
         </p:txBody>
       </p:sp>
@@ -4789,6 +5950,73 @@
 </p:sld>
 </file>
 
+<file path=ppt/slides/slide20.xml><?xml version="1.0" encoding="utf-8"?>
+<p:sld xmlns:a="http://schemas.openxmlformats.org/drawingml/2006/main" xmlns:r="http://schemas.openxmlformats.org/officeDocument/2006/relationships" xmlns:p="http://schemas.openxmlformats.org/presentationml/2006/main">
+  <p:cSld>
+    <p:spTree>
+      <p:nvGrpSpPr>
+        <p:cNvPr id="1" name=""/>
+        <p:cNvGrpSpPr/>
+        <p:nvPr/>
+      </p:nvGrpSpPr>
+      <p:grpSpPr>
+        <a:xfrm>
+          <a:off x="0" y="0"/>
+          <a:ext cx="0" cy="0"/>
+          <a:chOff x="0" y="0"/>
+          <a:chExt cx="0" cy="0"/>
+        </a:xfrm>
+      </p:grpSpPr>
+      <p:sp>
+        <p:nvSpPr>
+          <p:cNvPr id="2" name="1 Título"/>
+          <p:cNvSpPr>
+            <a:spLocks noGrp="1"/>
+          </p:cNvSpPr>
+          <p:nvPr>
+            <p:ph type="title"/>
+          </p:nvPr>
+        </p:nvSpPr>
+        <p:spPr/>
+        <p:txBody>
+          <a:bodyPr/>
+          <a:lstStyle/>
+          <a:p>
+            <a:r>
+              <a:rPr lang="es-ES" dirty="0" smtClean="0"/>
+              <a:t>GRACIAS!!!!</a:t>
+            </a:r>
+            <a:endParaRPr lang="es-ES" dirty="0"/>
+          </a:p>
+        </p:txBody>
+      </p:sp>
+      <p:sp>
+        <p:nvSpPr>
+          <p:cNvPr id="3" name="2 Marcador de contenido"/>
+          <p:cNvSpPr>
+            <a:spLocks noGrp="1"/>
+          </p:cNvSpPr>
+          <p:nvPr>
+            <p:ph idx="1"/>
+          </p:nvPr>
+        </p:nvSpPr>
+        <p:spPr/>
+        <p:txBody>
+          <a:bodyPr/>
+          <a:lstStyle/>
+          <a:p>
+            <a:endParaRPr lang="es-ES"/>
+          </a:p>
+        </p:txBody>
+      </p:sp>
+    </p:spTree>
+  </p:cSld>
+  <p:clrMapOvr>
+    <a:masterClrMapping/>
+  </p:clrMapOvr>
+</p:sld>
+</file>
+
 <file path=ppt/slides/slide3.xml><?xml version="1.0" encoding="utf-8"?>
 <p:sld xmlns:a="http://schemas.openxmlformats.org/drawingml/2006/main" xmlns:r="http://schemas.openxmlformats.org/officeDocument/2006/relationships" xmlns:p="http://schemas.openxmlformats.org/presentationml/2006/main">
   <p:cSld>
@@ -5110,32 +6338,62 @@
       </p:sp>
       <p:sp>
         <p:nvSpPr>
-          <p:cNvPr id="3" name="2 Marcador de contenido"/>
-          <p:cNvSpPr>
-            <a:spLocks noGrp="1"/>
-          </p:cNvSpPr>
-          <p:nvPr>
-            <p:ph idx="1"/>
-          </p:nvPr>
-        </p:nvSpPr>
-        <p:spPr/>
-        <p:txBody>
-          <a:bodyPr/>
-          <a:lstStyle/>
-          <a:p>
-            <a:r>
-              <a:rPr lang="es-ES" dirty="0" smtClean="0"/>
-              <a:t>(Poner imagen de los casos de uso que son “atravesados” por los aspectos )</a:t>
-            </a:r>
-          </a:p>
-          <a:p>
-            <a:pPr>
-              <a:buNone/>
-            </a:pPr>
-            <a:endParaRPr lang="es-ES" dirty="0"/>
-          </a:p>
-        </p:txBody>
-      </p:sp>
+          <p:cNvPr id="4098" name="Rectangle 2"/>
+          <p:cNvSpPr>
+            <a:spLocks noChangeArrowheads="1"/>
+          </p:cNvSpPr>
+          <p:nvPr/>
+        </p:nvSpPr>
+        <p:spPr bwMode="auto">
+          <a:xfrm>
+            <a:off x="0" y="0"/>
+            <a:ext cx="9144000" cy="0"/>
+          </a:xfrm>
+          <a:prstGeom prst="rect">
+            <a:avLst/>
+          </a:prstGeom>
+          <a:noFill/>
+          <a:ln w="9525">
+            <a:noFill/>
+            <a:miter lim="800000"/>
+            <a:headEnd/>
+            <a:tailEnd/>
+          </a:ln>
+          <a:effectLst/>
+        </p:spPr>
+        <p:txBody>
+          <a:bodyPr vert="horz" wrap="none" lIns="91440" tIns="45720" rIns="91440" bIns="45720" numCol="1" anchor="ctr" anchorCtr="0" compatLnSpc="1">
+            <a:prstTxWarp prst="textNoShape">
+              <a:avLst/>
+            </a:prstTxWarp>
+            <a:spAutoFit/>
+          </a:bodyPr>
+          <a:lstStyle/>
+          <a:p>
+            <a:endParaRPr lang="es-AR"/>
+          </a:p>
+        </p:txBody>
+      </p:sp>
+      <p:graphicFrame>
+        <p:nvGraphicFramePr>
+          <p:cNvPr id="4097" name="Object 1"/>
+          <p:cNvGraphicFramePr>
+            <a:graphicFrameLocks noChangeAspect="1"/>
+          </p:cNvGraphicFramePr>
+          <p:nvPr/>
+        </p:nvGraphicFramePr>
+        <p:xfrm>
+          <a:off x="755576" y="1700808"/>
+          <a:ext cx="7560840" cy="4608512"/>
+        </p:xfrm>
+        <a:graphic>
+          <a:graphicData uri="http://schemas.openxmlformats.org/presentationml/2006/ole">
+            <p:oleObj spid="_x0000_s4097" name="Visio" r:id="rId3" imgW="7696786" imgH="6188026" progId="Visio.Drawing.11">
+              <p:embed/>
+            </p:oleObj>
+          </a:graphicData>
+        </a:graphic>
+      </p:graphicFrame>
     </p:spTree>
   </p:cSld>
   <p:clrMapOvr>
@@ -5203,8 +6461,13 @@
           <a:p>
             <a:r>
               <a:rPr lang="es-ES" dirty="0" smtClean="0"/>
-              <a:t>Muchos atributos de calidad se relacionan con aspectos tempranos del mismo.</a:t>
-            </a:r>
+              <a:t>Muchos atributos de calidad se relacionan con aspectos tempranos del </a:t>
+            </a:r>
+            <a:r>
+              <a:rPr lang="es-ES" dirty="0" smtClean="0"/>
+              <a:t>sistema.</a:t>
+            </a:r>
+            <a:endParaRPr lang="es-ES" dirty="0" smtClean="0"/>
           </a:p>
           <a:p>
             <a:r>
@@ -5284,81 +6547,45 @@
         <p:spPr/>
         <p:txBody>
           <a:bodyPr>
-            <a:normAutofit fontScale="85000" lnSpcReduction="10000"/>
+            <a:normAutofit/>
           </a:bodyPr>
           <a:lstStyle/>
           <a:p>
             <a:r>
               <a:rPr lang="es-ES" dirty="0" smtClean="0"/>
-              <a:t>Técnica </a:t>
-            </a:r>
-            <a:r>
-              <a:rPr lang="es-ES" dirty="0" err="1" smtClean="0"/>
-              <a:t>semi</a:t>
-            </a:r>
-            <a:r>
-              <a:rPr lang="es-ES" dirty="0" smtClean="0"/>
-              <a:t>-automática que identifique atributos de calidad.</a:t>
-            </a:r>
-          </a:p>
-          <a:p>
-            <a:r>
-              <a:rPr lang="es-ES" dirty="0" smtClean="0"/>
-              <a:t>Se parte de la relación entre un aspecto temprano, y los casos de uso que éste atraviesa, con los distintos atributos de calidad</a:t>
-            </a:r>
-            <a:r>
-              <a:rPr lang="es-ES" dirty="0" smtClean="0"/>
-              <a:t>. </a:t>
-            </a:r>
-            <a:r>
-              <a:rPr lang="es-ES_tradnl" dirty="0" smtClean="0">
-                <a:solidFill>
-                  <a:srgbClr val="FF0000"/>
-                </a:solidFill>
-              </a:rPr>
-              <a:t>no queda muy </a:t>
-            </a:r>
-            <a:r>
-              <a:rPr lang="es-ES_tradnl" dirty="0" smtClean="0">
-                <a:solidFill>
-                  <a:srgbClr val="FF0000"/>
-                </a:solidFill>
-              </a:rPr>
-              <a:t>bien este párrafo</a:t>
-            </a:r>
-          </a:p>
-          <a:p>
-            <a:r>
-              <a:rPr lang="es-ES_tradnl" dirty="0" smtClean="0">
-                <a:solidFill>
-                  <a:srgbClr val="FF0000"/>
-                </a:solidFill>
-              </a:rPr>
-              <a:t>El proceso toma como entrada un aspecto temprano y los casos de uso al que éste hace referencia o atraviesa</a:t>
-            </a:r>
-          </a:p>
-          <a:p>
-            <a:r>
-              <a:rPr lang="es-ES_tradnl" dirty="0" smtClean="0">
-                <a:solidFill>
-                  <a:srgbClr val="FF0000"/>
-                </a:solidFill>
-              </a:rPr>
-              <a:t>O se podría continuar el punto anterior.. “a partir de un aspecto temprano …” y poner un segundo punto que diga algo de QA </a:t>
-            </a:r>
-            <a:r>
-              <a:rPr lang="es-ES_tradnl" smtClean="0">
-                <a:solidFill>
-                  <a:srgbClr val="FF0000"/>
-                </a:solidFill>
-              </a:rPr>
+              <a:t>Técnica semi-automática que identifique atributos de </a:t>
+            </a:r>
+            <a:r>
+              <a:rPr lang="es-ES" dirty="0" smtClean="0"/>
+              <a:t>calidad </a:t>
+            </a:r>
+            <a:r>
+              <a:rPr lang="es-ES_tradnl" dirty="0" smtClean="0"/>
+              <a:t>a </a:t>
+            </a:r>
+            <a:r>
+              <a:rPr lang="es-ES_tradnl" dirty="0" smtClean="0"/>
+              <a:t>partir de un </a:t>
+            </a:r>
+            <a:r>
+              <a:rPr lang="es-ES_tradnl" dirty="0" smtClean="0"/>
+              <a:t>conjunto de aspectos tempranos y casos de uso relacionados</a:t>
+            </a:r>
+          </a:p>
+          <a:p>
+            <a:r>
+              <a:rPr lang="es-ES_tradnl" dirty="0" smtClean="0"/>
+              <a:t>Desarrollo de una herramienta para soportar la técnica: </a:t>
+            </a:r>
+            <a:r>
+              <a:rPr lang="es-ES_tradnl" dirty="0" smtClean="0"/>
+              <a:t>QA </a:t>
+            </a:r>
+            <a:r>
+              <a:rPr lang="es-ES_tradnl" dirty="0" err="1" smtClean="0"/>
               <a:t>Miner</a:t>
             </a:r>
-            <a:endParaRPr lang="es-ES_tradnl" dirty="0" smtClean="0">
-              <a:solidFill>
-                <a:srgbClr val="FF0000"/>
-              </a:solidFill>
-            </a:endParaRPr>
+            <a:endParaRPr lang="es-ES_tradnl" dirty="0" smtClean="0"/>
           </a:p>
           <a:p>
             <a:endParaRPr lang="es-ES" dirty="0"/>

--- a/Capitulos Finales/filiminasPeladas.pptx
+++ b/Capitulos Finales/filiminasPeladas.pptx
@@ -5,7 +5,7 @@
     <p:sldMasterId id="2147483684" r:id="rId1"/>
   </p:sldMasterIdLst>
   <p:notesMasterIdLst>
-    <p:notesMasterId r:id="rId22"/>
+    <p:notesMasterId r:id="rId21"/>
   </p:notesMasterIdLst>
   <p:sldIdLst>
     <p:sldId id="256" r:id="rId2"/>
@@ -23,11 +23,10 @@
     <p:sldId id="277" r:id="rId14"/>
     <p:sldId id="271" r:id="rId15"/>
     <p:sldId id="278" r:id="rId16"/>
-    <p:sldId id="274" r:id="rId17"/>
-    <p:sldId id="272" r:id="rId18"/>
-    <p:sldId id="273" r:id="rId19"/>
-    <p:sldId id="275" r:id="rId20"/>
-    <p:sldId id="276" r:id="rId21"/>
+    <p:sldId id="272" r:id="rId17"/>
+    <p:sldId id="273" r:id="rId18"/>
+    <p:sldId id="275" r:id="rId19"/>
+    <p:sldId id="276" r:id="rId20"/>
   </p:sldIdLst>
   <p:sldSz cx="9144000" cy="6858000" type="screen4x3"/>
   <p:notesSz cx="6858000" cy="9144000"/>
@@ -3606,6 +3605,13 @@
   <p:clrMapOvr>
     <a:masterClrMapping/>
   </p:clrMapOvr>
+  <p:timing>
+    <p:tnLst>
+      <p:par>
+        <p:cTn id="1" dur="indefinite" restart="never" nodeType="tmRoot"/>
+      </p:par>
+    </p:tnLst>
+  </p:timing>
 </p:sld>
 </file>
 
@@ -3706,6 +3712,13 @@
   <p:clrMapOvr>
     <a:masterClrMapping/>
   </p:clrMapOvr>
+  <p:timing>
+    <p:tnLst>
+      <p:par>
+        <p:cTn id="1" dur="indefinite" restart="never" nodeType="tmRoot"/>
+      </p:par>
+    </p:tnLst>
+  </p:timing>
 </p:sld>
 </file>
 
@@ -3841,15 +3854,7 @@
             </a:r>
             <a:r>
               <a:rPr lang="es-AR" sz="1600" dirty="0" smtClean="0"/>
-              <a:t> o que se </a:t>
-            </a:r>
-            <a:r>
-              <a:rPr lang="es-AR" sz="1600" dirty="0" smtClean="0"/>
-              <a:t>identificaron </a:t>
-            </a:r>
-            <a:r>
-              <a:rPr lang="es-AR" sz="1600" dirty="0" smtClean="0"/>
-              <a:t>de manera errónea a partir de los datos de entrada.</a:t>
+              <a:t> o que se identificaron de manera errónea a partir de los datos de entrada.</a:t>
             </a:r>
           </a:p>
           <a:p>
@@ -4074,6 +4079,13 @@
   <p:clrMapOvr>
     <a:masterClrMapping/>
   </p:clrMapOvr>
+  <p:timing>
+    <p:tnLst>
+      <p:par>
+        <p:cTn id="1" dur="indefinite" restart="never" nodeType="tmRoot"/>
+      </p:par>
+    </p:tnLst>
+  </p:timing>
 </p:sld>
 </file>
 
@@ -4138,7 +4150,19 @@
           <a:p>
             <a:r>
               <a:rPr lang="es-ES" dirty="0" smtClean="0"/>
-              <a:t>Sistema de salud Vigía</a:t>
+              <a:t>Sistema de </a:t>
+            </a:r>
+            <a:r>
+              <a:rPr lang="es-ES" dirty="0" smtClean="0"/>
+              <a:t>S</a:t>
+            </a:r>
+            <a:r>
+              <a:rPr lang="es-ES" dirty="0" smtClean="0"/>
+              <a:t>alud </a:t>
+            </a:r>
+            <a:r>
+              <a:rPr lang="es-ES" dirty="0" smtClean="0"/>
+              <a:t>Vigía</a:t>
             </a:r>
           </a:p>
           <a:p>
@@ -4150,11 +4174,7 @@
           <a:p>
             <a:r>
               <a:rPr lang="es-ES" dirty="0" smtClean="0"/>
-              <a:t>6 aspectos </a:t>
-            </a:r>
-            <a:r>
-              <a:rPr lang="es-ES" dirty="0" smtClean="0"/>
-              <a:t>candidatos</a:t>
+              <a:t>6 aspectos candidatos</a:t>
             </a:r>
           </a:p>
           <a:p>
@@ -4210,6 +4230,13 @@
   <p:clrMapOvr>
     <a:masterClrMapping/>
   </p:clrMapOvr>
+  <p:timing>
+    <p:tnLst>
+      <p:par>
+        <p:cTn id="1" dur="indefinite" restart="never" nodeType="tmRoot"/>
+      </p:par>
+    </p:tnLst>
+  </p:timing>
 </p:sld>
 </file>
 
@@ -5123,6 +5150,13 @@
   <p:clrMapOvr>
     <a:masterClrMapping/>
   </p:clrMapOvr>
+  <p:timing>
+    <p:tnLst>
+      <p:par>
+        <p:cTn id="1" dur="indefinite" restart="never" nodeType="tmRoot"/>
+      </p:par>
+    </p:tnLst>
+  </p:timing>
 </p:sld>
 </file>
 
@@ -5183,8 +5217,21 @@
           <a:p>
             <a:r>
               <a:rPr lang="es-ES" dirty="0" smtClean="0"/>
-              <a:t>Sistema de registro de cursos</a:t>
-            </a:r>
+              <a:t>Sistema de </a:t>
+            </a:r>
+            <a:r>
+              <a:rPr lang="es-ES" dirty="0" smtClean="0"/>
+              <a:t>Registro </a:t>
+            </a:r>
+            <a:r>
+              <a:rPr lang="es-ES" dirty="0" smtClean="0"/>
+              <a:t>de </a:t>
+            </a:r>
+            <a:r>
+              <a:rPr lang="es-ES" dirty="0" smtClean="0"/>
+              <a:t>Cursos</a:t>
+            </a:r>
+            <a:endParaRPr lang="es-ES" dirty="0" smtClean="0"/>
           </a:p>
           <a:p>
             <a:r>
@@ -5195,11 +5242,7 @@
           <a:p>
             <a:r>
               <a:rPr lang="es-ES" dirty="0" smtClean="0"/>
-              <a:t>7</a:t>
-            </a:r>
-            <a:r>
-              <a:rPr lang="es-ES" dirty="0" smtClean="0"/>
-              <a:t> aspectos candidatos</a:t>
+              <a:t>7 aspectos candidatos</a:t>
             </a:r>
           </a:p>
           <a:p>
@@ -5209,7 +5252,15 @@
             </a:r>
             <a:r>
               <a:rPr lang="es-ES" dirty="0" smtClean="0"/>
-              <a:t> buscados obtenidos del análisis manual o ad-hoc de las especificaciones de requerimientos</a:t>
+              <a:t> buscados obtenidos del análisis manual </a:t>
+            </a:r>
+            <a:r>
+              <a:rPr lang="es-ES" dirty="0" smtClean="0"/>
+              <a:t>(ad-hoc) </a:t>
+            </a:r>
+            <a:r>
+              <a:rPr lang="es-ES" dirty="0" smtClean="0"/>
+              <a:t>de las especificaciones de requerimientos</a:t>
             </a:r>
           </a:p>
           <a:p>
@@ -5225,6 +5276,13 @@
   <p:clrMapOvr>
     <a:masterClrMapping/>
   </p:clrMapOvr>
+  <p:timing>
+    <p:tnLst>
+      <p:par>
+        <p:cTn id="1" dur="indefinite" restart="never" nodeType="tmRoot"/>
+      </p:par>
+    </p:tnLst>
+  </p:timing>
 </p:sld>
 </file>
 
@@ -5283,38 +5341,6 @@
           <a:bodyPr/>
           <a:lstStyle/>
           <a:p>
-            <a:r>
-              <a:rPr lang="es-ES" dirty="0" smtClean="0"/>
-              <a:t>Sistema de registro de cursos</a:t>
-            </a:r>
-          </a:p>
-          <a:p>
-            <a:r>
-              <a:rPr lang="es-ES" dirty="0" smtClean="0"/>
-              <a:t>8 casos de uso (aproximadamente 3900 palabras)</a:t>
-            </a:r>
-          </a:p>
-          <a:p>
-            <a:r>
-              <a:rPr lang="es-ES" dirty="0" smtClean="0"/>
-              <a:t>7</a:t>
-            </a:r>
-            <a:r>
-              <a:rPr lang="es-ES" dirty="0" smtClean="0"/>
-              <a:t> aspectos candidatos</a:t>
-            </a:r>
-          </a:p>
-          <a:p>
-            <a:r>
-              <a:rPr lang="es-ES" dirty="0" err="1" smtClean="0"/>
-              <a:t>QAs</a:t>
-            </a:r>
-            <a:r>
-              <a:rPr lang="es-ES" dirty="0" smtClean="0"/>
-              <a:t> buscados obtenidos del análisis manual o ad-hoc de las especificaciones de requerimientos</a:t>
-            </a:r>
-          </a:p>
-          <a:p>
             <a:endParaRPr lang="es-ES" dirty="0" smtClean="0"/>
           </a:p>
           <a:p>
@@ -5327,6 +5353,13 @@
   <p:clrMapOvr>
     <a:masterClrMapping/>
   </p:clrMapOvr>
+  <p:timing>
+    <p:tnLst>
+      <p:par>
+        <p:cTn id="1" dur="indefinite" restart="never" nodeType="tmRoot"/>
+      </p:par>
+    </p:tnLst>
+  </p:timing>
 </p:sld>
 </file>
 
@@ -5359,12 +5392,14 @@
         </p:nvSpPr>
         <p:spPr/>
         <p:txBody>
-          <a:bodyPr/>
-          <a:lstStyle/>
-          <a:p>
-            <a:r>
-              <a:rPr lang="es-ES" dirty="0" smtClean="0"/>
-              <a:t>Conclusiones</a:t>
+          <a:bodyPr>
+            <a:normAutofit/>
+          </a:bodyPr>
+          <a:lstStyle/>
+          <a:p>
+            <a:r>
+              <a:rPr lang="es-ES" dirty="0" smtClean="0"/>
+              <a:t>Ventajas y Desventajas</a:t>
             </a:r>
             <a:endParaRPr lang="es-ES" dirty="0"/>
           </a:p>
@@ -5382,9 +5417,117 @@
         </p:nvSpPr>
         <p:spPr/>
         <p:txBody>
-          <a:bodyPr/>
-          <a:lstStyle/>
-          <a:p>
+          <a:bodyPr>
+            <a:normAutofit fontScale="85000" lnSpcReduction="20000"/>
+          </a:bodyPr>
+          <a:lstStyle/>
+          <a:p>
+            <a:r>
+              <a:rPr lang="es-ES" dirty="0" smtClean="0"/>
+              <a:t>Ventajas</a:t>
+            </a:r>
+          </a:p>
+          <a:p>
+            <a:pPr lvl="1"/>
+            <a:r>
+              <a:rPr lang="es-ES" dirty="0" err="1" smtClean="0"/>
+              <a:t>Recall</a:t>
+            </a:r>
+            <a:endParaRPr lang="es-ES" dirty="0" smtClean="0"/>
+          </a:p>
+          <a:p>
+            <a:pPr lvl="1"/>
+            <a:r>
+              <a:rPr lang="es-ES" dirty="0" smtClean="0"/>
+              <a:t>Tiempo de </a:t>
+            </a:r>
+            <a:r>
+              <a:rPr lang="es-ES" dirty="0" smtClean="0"/>
+              <a:t>ejecución</a:t>
+            </a:r>
+            <a:endParaRPr lang="es-ES" dirty="0" smtClean="0"/>
+          </a:p>
+          <a:p>
+            <a:pPr lvl="1"/>
+            <a:r>
+              <a:rPr lang="es-ES" dirty="0" smtClean="0"/>
+              <a:t>Nivel de </a:t>
+            </a:r>
+            <a:r>
+              <a:rPr lang="es-ES" dirty="0" smtClean="0"/>
+              <a:t>automatización</a:t>
+            </a:r>
+            <a:endParaRPr lang="es-ES" dirty="0" smtClean="0"/>
+          </a:p>
+          <a:p>
+            <a:pPr lvl="1"/>
+            <a:r>
+              <a:rPr lang="es-ES" dirty="0" smtClean="0"/>
+              <a:t>Extensión a otros </a:t>
+            </a:r>
+            <a:r>
+              <a:rPr lang="es-ES" dirty="0" smtClean="0"/>
+              <a:t>documentos</a:t>
+            </a:r>
+            <a:endParaRPr lang="es-ES" dirty="0" smtClean="0"/>
+          </a:p>
+          <a:p>
+            <a:pPr lvl="1"/>
+            <a:r>
+              <a:rPr lang="es-ES" dirty="0" smtClean="0"/>
+              <a:t>Extensibilidad para la identificación de otros QAs</a:t>
+            </a:r>
+          </a:p>
+          <a:p>
+            <a:r>
+              <a:rPr lang="es-ES" dirty="0" smtClean="0"/>
+              <a:t>Desventajas</a:t>
+            </a:r>
+          </a:p>
+          <a:p>
+            <a:pPr lvl="1"/>
+            <a:r>
+              <a:rPr lang="es-ES" dirty="0" smtClean="0"/>
+              <a:t>Dependencia de los aspectos </a:t>
+            </a:r>
+            <a:r>
+              <a:rPr lang="es-ES" dirty="0" smtClean="0"/>
+              <a:t>encontrados</a:t>
+            </a:r>
+            <a:endParaRPr lang="es-ES" dirty="0" smtClean="0"/>
+          </a:p>
+          <a:p>
+            <a:pPr lvl="1"/>
+            <a:r>
+              <a:rPr lang="es-ES" dirty="0" smtClean="0"/>
+              <a:t>QAs no relacionados con </a:t>
+            </a:r>
+            <a:r>
+              <a:rPr lang="es-ES" dirty="0" smtClean="0"/>
+              <a:t>aspectos</a:t>
+            </a:r>
+            <a:endParaRPr lang="es-ES" dirty="0" smtClean="0"/>
+          </a:p>
+          <a:p>
+            <a:pPr lvl="1"/>
+            <a:r>
+              <a:rPr lang="es-ES" dirty="0" smtClean="0"/>
+              <a:t>Definición de una ontología</a:t>
+            </a:r>
+          </a:p>
+          <a:p>
+            <a:pPr lvl="1"/>
+            <a:r>
+              <a:rPr lang="es-ES" dirty="0" smtClean="0"/>
+              <a:t>Limitaciones del lenguaje</a:t>
+            </a:r>
+          </a:p>
+          <a:p>
+            <a:pPr lvl="1"/>
+            <a:r>
+              <a:rPr lang="es-ES" dirty="0" smtClean="0"/>
+              <a:t>Aprendizaje</a:t>
+            </a:r>
             <a:endParaRPr lang="es-ES" dirty="0"/>
           </a:p>
         </p:txBody>
@@ -5394,6 +5537,13 @@
   <p:clrMapOvr>
     <a:masterClrMapping/>
   </p:clrMapOvr>
+  <p:timing>
+    <p:tnLst>
+      <p:par>
+        <p:cTn id="1" dur="indefinite" restart="never" nodeType="tmRoot"/>
+      </p:par>
+    </p:tnLst>
+  </p:timing>
 </p:sld>
 </file>
 
@@ -5426,14 +5576,12 @@
         </p:nvSpPr>
         <p:spPr/>
         <p:txBody>
-          <a:bodyPr>
-            <a:normAutofit/>
-          </a:bodyPr>
-          <a:lstStyle/>
-          <a:p>
-            <a:r>
-              <a:rPr lang="es-ES" dirty="0" smtClean="0"/>
-              <a:t>Ventajas y Desventajas</a:t>
+          <a:bodyPr/>
+          <a:lstStyle/>
+          <a:p>
+            <a:r>
+              <a:rPr lang="es-ES" dirty="0" smtClean="0"/>
+              <a:t>Trabajos Futuros</a:t>
             </a:r>
             <a:endParaRPr lang="es-ES" dirty="0"/>
           </a:p>
@@ -5451,110 +5599,36 @@
         </p:nvSpPr>
         <p:spPr/>
         <p:txBody>
-          <a:bodyPr>
-            <a:normAutofit fontScale="85000" lnSpcReduction="20000"/>
-          </a:bodyPr>
-          <a:lstStyle/>
-          <a:p>
-            <a:r>
-              <a:rPr lang="es-ES" dirty="0" smtClean="0"/>
-              <a:t>Ventajas</a:t>
-            </a:r>
-          </a:p>
-          <a:p>
-            <a:pPr lvl="1"/>
-            <a:r>
-              <a:rPr lang="es-ES" dirty="0" err="1" smtClean="0"/>
-              <a:t>Recall</a:t>
-            </a:r>
-            <a:r>
-              <a:rPr lang="es-ES" dirty="0" smtClean="0"/>
-              <a:t>.</a:t>
-            </a:r>
-          </a:p>
-          <a:p>
-            <a:pPr lvl="1"/>
-            <a:r>
-              <a:rPr lang="es-ES" dirty="0" smtClean="0"/>
-              <a:t>Tiempo de ejecución.</a:t>
-            </a:r>
-          </a:p>
-          <a:p>
-            <a:pPr lvl="1"/>
-            <a:r>
-              <a:rPr lang="es-ES" dirty="0" smtClean="0"/>
-              <a:t>Nivel de automatización.</a:t>
-            </a:r>
-          </a:p>
-          <a:p>
-            <a:pPr lvl="1"/>
-            <a:r>
-              <a:rPr lang="es-ES" dirty="0" smtClean="0"/>
-              <a:t>Extensión </a:t>
-            </a:r>
-            <a:r>
-              <a:rPr lang="es-ES" dirty="0" smtClean="0"/>
-              <a:t>a otros documentos.</a:t>
-            </a:r>
-          </a:p>
-          <a:p>
-            <a:pPr lvl="1"/>
-            <a:r>
-              <a:rPr lang="es-ES" dirty="0" smtClean="0"/>
-              <a:t>Extensibilidad para la </a:t>
-            </a:r>
-            <a:r>
-              <a:rPr lang="es-ES" dirty="0" smtClean="0"/>
-              <a:t>identificación </a:t>
-            </a:r>
-            <a:r>
-              <a:rPr lang="es-ES" dirty="0" smtClean="0"/>
-              <a:t>de otros QAs</a:t>
-            </a:r>
-          </a:p>
-          <a:p>
-            <a:r>
-              <a:rPr lang="es-ES" dirty="0" smtClean="0"/>
-              <a:t>Desventajas</a:t>
-            </a:r>
-          </a:p>
-          <a:p>
-            <a:pPr lvl="1"/>
-            <a:r>
-              <a:rPr lang="es-ES" dirty="0" smtClean="0"/>
-              <a:t>Dependencia de los aspectos encontrados.</a:t>
-            </a:r>
-          </a:p>
-          <a:p>
-            <a:pPr lvl="1"/>
-            <a:r>
-              <a:rPr lang="es-ES" dirty="0" smtClean="0"/>
-              <a:t>QAs no relacionados con aspectos.</a:t>
-            </a:r>
-          </a:p>
-          <a:p>
-            <a:pPr lvl="1"/>
-            <a:r>
-              <a:rPr lang="es-ES" dirty="0" smtClean="0"/>
-              <a:t>Definición </a:t>
-            </a:r>
-            <a:r>
-              <a:rPr lang="es-ES" dirty="0" smtClean="0"/>
-              <a:t>de una ontología</a:t>
-            </a:r>
-          </a:p>
-          <a:p>
-            <a:pPr lvl="1"/>
-            <a:r>
-              <a:rPr lang="es-ES" dirty="0" smtClean="0"/>
-              <a:t>Limitaciones del lenguaje</a:t>
-            </a:r>
-          </a:p>
-          <a:p>
-            <a:pPr lvl="1"/>
+          <a:bodyPr/>
+          <a:lstStyle/>
+          <a:p>
+            <a:r>
+              <a:rPr lang="es-ES" dirty="0" smtClean="0"/>
+              <a:t>Mejora de la ontología</a:t>
+            </a:r>
+          </a:p>
+          <a:p>
+            <a:r>
+              <a:rPr lang="es-ES" dirty="0" smtClean="0"/>
+              <a:t>Atributos de los tokens</a:t>
+            </a:r>
+          </a:p>
+          <a:p>
+            <a:r>
+              <a:rPr lang="es-ES" dirty="0" smtClean="0"/>
+              <a:t>Minar QAs desde otros documentos</a:t>
+            </a:r>
+          </a:p>
+          <a:p>
             <a:r>
               <a:rPr lang="es-ES" dirty="0" smtClean="0"/>
               <a:t>Aprendizaje</a:t>
+            </a:r>
+          </a:p>
+          <a:p>
+            <a:r>
+              <a:rPr lang="es-ES" dirty="0" smtClean="0"/>
+              <a:t>Arquitecturas orientadas a aspectos</a:t>
             </a:r>
             <a:endParaRPr lang="es-ES" dirty="0"/>
           </a:p>
@@ -5565,6 +5639,13 @@
   <p:clrMapOvr>
     <a:masterClrMapping/>
   </p:clrMapOvr>
+  <p:timing>
+    <p:tnLst>
+      <p:par>
+        <p:cTn id="1" dur="indefinite" restart="never" nodeType="tmRoot"/>
+      </p:par>
+    </p:tnLst>
+  </p:timing>
 </p:sld>
 </file>
 
@@ -5602,7 +5683,7 @@
           <a:p>
             <a:r>
               <a:rPr lang="es-ES" dirty="0" smtClean="0"/>
-              <a:t>Trabajos Futuros</a:t>
+              <a:t>Preguntas</a:t>
             </a:r>
             <a:endParaRPr lang="es-ES" dirty="0"/>
           </a:p>
@@ -5623,37 +5704,12 @@
           <a:bodyPr/>
           <a:lstStyle/>
           <a:p>
-            <a:r>
-              <a:rPr lang="es-ES" dirty="0" smtClean="0"/>
-              <a:t>Mejora </a:t>
-            </a:r>
-            <a:r>
-              <a:rPr lang="es-ES" dirty="0" smtClean="0"/>
-              <a:t>de la ontología</a:t>
-            </a:r>
-          </a:p>
-          <a:p>
-            <a:r>
-              <a:rPr lang="es-ES" dirty="0" smtClean="0"/>
-              <a:t>Atributos de los tokens</a:t>
-            </a:r>
-          </a:p>
-          <a:p>
-            <a:r>
-              <a:rPr lang="es-ES" dirty="0" smtClean="0"/>
-              <a:t>Minar QAs desde otros documentos</a:t>
-            </a:r>
-          </a:p>
-          <a:p>
-            <a:r>
-              <a:rPr lang="es-ES" dirty="0" smtClean="0"/>
-              <a:t>Aprendizaje</a:t>
-            </a:r>
-          </a:p>
-          <a:p>
-            <a:r>
-              <a:rPr lang="es-ES" dirty="0" smtClean="0"/>
-              <a:t>Arquitecturas orientadas a aspectos</a:t>
+            <a:pPr algn="ctr">
+              <a:buNone/>
+            </a:pPr>
+            <a:r>
+              <a:rPr lang="es-ES" dirty="0" smtClean="0"/>
+              <a:t>¿?</a:t>
             </a:r>
             <a:endParaRPr lang="es-ES" dirty="0"/>
           </a:p>
@@ -5664,6 +5720,13 @@
   <p:clrMapOvr>
     <a:masterClrMapping/>
   </p:clrMapOvr>
+  <p:timing>
+    <p:tnLst>
+      <p:par>
+        <p:cTn id="1" dur="indefinite" restart="never" nodeType="tmRoot"/>
+      </p:par>
+    </p:tnLst>
+  </p:timing>
 </p:sld>
 </file>
 
@@ -5701,7 +5764,7 @@
           <a:p>
             <a:r>
               <a:rPr lang="es-ES" dirty="0" smtClean="0"/>
-              <a:t>Preguntas</a:t>
+              <a:t>GRACIAS!!!!</a:t>
             </a:r>
             <a:endParaRPr lang="es-ES" dirty="0"/>
           </a:p>
@@ -5722,14 +5785,7 @@
           <a:bodyPr/>
           <a:lstStyle/>
           <a:p>
-            <a:pPr algn="ctr">
-              <a:buNone/>
-            </a:pPr>
-            <a:r>
-              <a:rPr lang="es-ES" dirty="0" smtClean="0"/>
-              <a:t>¿?</a:t>
-            </a:r>
-            <a:endParaRPr lang="es-ES" dirty="0"/>
+            <a:endParaRPr lang="es-ES"/>
           </a:p>
         </p:txBody>
       </p:sp>
@@ -5738,6 +5794,13 @@
   <p:clrMapOvr>
     <a:masterClrMapping/>
   </p:clrMapOvr>
+  <p:timing>
+    <p:tnLst>
+      <p:par>
+        <p:cTn id="1" dur="indefinite" restart="never" nodeType="tmRoot"/>
+      </p:par>
+    </p:tnLst>
+  </p:timing>
 </p:sld>
 </file>
 
@@ -5947,73 +6010,13 @@
   <p:clrMapOvr>
     <a:masterClrMapping/>
   </p:clrMapOvr>
-</p:sld>
-</file>
-
-<file path=ppt/slides/slide20.xml><?xml version="1.0" encoding="utf-8"?>
-<p:sld xmlns:a="http://schemas.openxmlformats.org/drawingml/2006/main" xmlns:r="http://schemas.openxmlformats.org/officeDocument/2006/relationships" xmlns:p="http://schemas.openxmlformats.org/presentationml/2006/main">
-  <p:cSld>
-    <p:spTree>
-      <p:nvGrpSpPr>
-        <p:cNvPr id="1" name=""/>
-        <p:cNvGrpSpPr/>
-        <p:nvPr/>
-      </p:nvGrpSpPr>
-      <p:grpSpPr>
-        <a:xfrm>
-          <a:off x="0" y="0"/>
-          <a:ext cx="0" cy="0"/>
-          <a:chOff x="0" y="0"/>
-          <a:chExt cx="0" cy="0"/>
-        </a:xfrm>
-      </p:grpSpPr>
-      <p:sp>
-        <p:nvSpPr>
-          <p:cNvPr id="2" name="1 Título"/>
-          <p:cNvSpPr>
-            <a:spLocks noGrp="1"/>
-          </p:cNvSpPr>
-          <p:nvPr>
-            <p:ph type="title"/>
-          </p:nvPr>
-        </p:nvSpPr>
-        <p:spPr/>
-        <p:txBody>
-          <a:bodyPr/>
-          <a:lstStyle/>
-          <a:p>
-            <a:r>
-              <a:rPr lang="es-ES" dirty="0" smtClean="0"/>
-              <a:t>GRACIAS!!!!</a:t>
-            </a:r>
-            <a:endParaRPr lang="es-ES" dirty="0"/>
-          </a:p>
-        </p:txBody>
-      </p:sp>
-      <p:sp>
-        <p:nvSpPr>
-          <p:cNvPr id="3" name="2 Marcador de contenido"/>
-          <p:cNvSpPr>
-            <a:spLocks noGrp="1"/>
-          </p:cNvSpPr>
-          <p:nvPr>
-            <p:ph idx="1"/>
-          </p:nvPr>
-        </p:nvSpPr>
-        <p:spPr/>
-        <p:txBody>
-          <a:bodyPr/>
-          <a:lstStyle/>
-          <a:p>
-            <a:endParaRPr lang="es-ES"/>
-          </a:p>
-        </p:txBody>
-      </p:sp>
-    </p:spTree>
-  </p:cSld>
-  <p:clrMapOvr>
-    <a:masterClrMapping/>
-  </p:clrMapOvr>
+  <p:timing>
+    <p:tnLst>
+      <p:par>
+        <p:cTn id="1" dur="indefinite" restart="never" nodeType="tmRoot"/>
+      </p:par>
+    </p:tnLst>
+  </p:timing>
 </p:sld>
 </file>
 
@@ -6076,20 +6079,35 @@
           <a:p>
             <a:r>
               <a:rPr lang="es-ES" dirty="0" smtClean="0"/>
-              <a:t>Los atributos de calidad (QAs) son propiedades deseadas o requerimientos adicionales de un sistema.</a:t>
-            </a:r>
-          </a:p>
-          <a:p>
-            <a:r>
-              <a:rPr lang="es-ES" dirty="0" smtClean="0"/>
-              <a:t>Necesidad de identificar los QAs de un sistema en la etapas tempranas de desarrollo.</a:t>
-            </a:r>
-          </a:p>
-          <a:p>
-            <a:r>
-              <a:rPr lang="es-ES" dirty="0" smtClean="0"/>
-              <a:t>Una incorrecta identificación podría llevar al fracaso del sistema.</a:t>
-            </a:r>
+              <a:t>Los atributos de calidad (QAs) son propiedades deseadas o requerimientos adicionales de un </a:t>
+            </a:r>
+            <a:r>
+              <a:rPr lang="es-ES" dirty="0" smtClean="0"/>
+              <a:t>sistema</a:t>
+            </a:r>
+            <a:endParaRPr lang="es-ES" dirty="0" smtClean="0"/>
+          </a:p>
+          <a:p>
+            <a:r>
+              <a:rPr lang="es-ES" dirty="0" smtClean="0"/>
+              <a:t>Necesidad de identificar los QAs de un sistema en la etapas tempranas de </a:t>
+            </a:r>
+            <a:r>
+              <a:rPr lang="es-ES" dirty="0" smtClean="0"/>
+              <a:t>desarrollo</a:t>
+            </a:r>
+            <a:endParaRPr lang="es-ES" dirty="0" smtClean="0"/>
+          </a:p>
+          <a:p>
+            <a:r>
+              <a:rPr lang="es-ES" dirty="0" smtClean="0"/>
+              <a:t>Una incorrecta identificación podría llevar al fracaso del </a:t>
+            </a:r>
+            <a:r>
+              <a:rPr lang="es-ES" dirty="0" smtClean="0"/>
+              <a:t>sistema</a:t>
+            </a:r>
+            <a:endParaRPr lang="es-ES" dirty="0" smtClean="0"/>
           </a:p>
           <a:p>
             <a:endParaRPr lang="es-ES" dirty="0"/>
@@ -6101,6 +6119,13 @@
   <p:clrMapOvr>
     <a:masterClrMapping/>
   </p:clrMapOvr>
+  <p:timing>
+    <p:tnLst>
+      <p:par>
+        <p:cTn id="1" dur="indefinite" restart="never" nodeType="tmRoot"/>
+      </p:par>
+    </p:tnLst>
+  </p:timing>
 </p:sld>
 </file>
 
@@ -6161,22 +6186,45 @@
           <a:p>
             <a:r>
               <a:rPr lang="es-ES" dirty="0" smtClean="0"/>
-              <a:t>Puede llegar a ser una tarea muy dificultosa para el analista.</a:t>
-            </a:r>
+              <a:t>Puede llegar a ser una tarea muy dificultosa para el </a:t>
+            </a:r>
+            <a:r>
+              <a:rPr lang="es-ES" dirty="0" smtClean="0"/>
+              <a:t>analista</a:t>
+            </a:r>
+            <a:endParaRPr lang="es-ES" dirty="0" smtClean="0"/>
           </a:p>
           <a:p>
             <a:pPr lvl="1"/>
             <a:r>
               <a:rPr lang="es-ES" dirty="0" smtClean="0"/>
-              <a:t>Varios casos de uso de gran extensión.</a:t>
-            </a:r>
+              <a:t>Varios casos de uso de gran </a:t>
+            </a:r>
+            <a:r>
+              <a:rPr lang="es-ES" dirty="0" smtClean="0"/>
+              <a:t>extensión</a:t>
+            </a:r>
+            <a:endParaRPr lang="es-ES" dirty="0" smtClean="0"/>
           </a:p>
           <a:p>
             <a:pPr lvl="1"/>
             <a:r>
               <a:rPr lang="es-ES" dirty="0" smtClean="0"/>
-              <a:t>Utilización de lenguaje natural, sin estructurar los QAs formalmente.</a:t>
-            </a:r>
+              <a:t>Utilización de lenguaje natural, sin estructurar los </a:t>
+            </a:r>
+            <a:r>
+              <a:rPr lang="es-ES" dirty="0" err="1" smtClean="0"/>
+              <a:t>QAs</a:t>
+            </a:r>
+            <a:r>
+              <a:rPr lang="es-ES" dirty="0" smtClean="0"/>
+              <a:t> </a:t>
+            </a:r>
+            <a:r>
+              <a:rPr lang="es-ES" dirty="0" smtClean="0"/>
+              <a:t>formalmente</a:t>
+            </a:r>
+            <a:endParaRPr lang="es-ES" dirty="0" smtClean="0"/>
           </a:p>
           <a:p>
             <a:pPr lvl="1">
@@ -6191,6 +6239,13 @@
   <p:clrMapOvr>
     <a:masterClrMapping/>
   </p:clrMapOvr>
+  <p:timing>
+    <p:tnLst>
+      <p:par>
+        <p:cTn id="1" dur="indefinite" restart="never" nodeType="tmRoot"/>
+      </p:par>
+    </p:tnLst>
+  </p:timing>
 </p:sld>
 </file>
 
@@ -6253,8 +6308,13 @@
           <a:p>
             <a:r>
               <a:rPr lang="es-ES" dirty="0" smtClean="0"/>
-              <a:t>Un concern es cualquier asunto de interés en un sistema de software.</a:t>
-            </a:r>
+              <a:t>Un concern es cualquier asunto de interés en un sistema de </a:t>
+            </a:r>
+            <a:r>
+              <a:rPr lang="es-ES" dirty="0" smtClean="0"/>
+              <a:t>software</a:t>
+            </a:r>
+            <a:endParaRPr lang="es-ES" dirty="0" smtClean="0"/>
           </a:p>
           <a:p>
             <a:r>
@@ -6267,8 +6327,13 @@
             </a:r>
             <a:r>
               <a:rPr lang="es-AR" dirty="0" smtClean="0"/>
-              <a:t> son concerns que se encuentran mezclados en los requerimientos y/o artefactos arquitectónicos del sistema.</a:t>
-            </a:r>
+              <a:t> son concerns que se encuentran mezclados en los requerimientos y/o artefactos arquitectónicos del </a:t>
+            </a:r>
+            <a:r>
+              <a:rPr lang="es-AR" dirty="0" smtClean="0"/>
+              <a:t>sistema</a:t>
+            </a:r>
+            <a:endParaRPr lang="es-AR" dirty="0" smtClean="0"/>
           </a:p>
           <a:p>
             <a:r>
@@ -6281,8 +6346,13 @@
             </a:r>
             <a:r>
               <a:rPr lang="es-AR" dirty="0" smtClean="0"/>
-              <a:t> se refieren a aspectos que ocurren en etapas iníciales del desarrollo.</a:t>
-            </a:r>
+              <a:t> se refieren a aspectos que ocurren en etapas iníciales del </a:t>
+            </a:r>
+            <a:r>
+              <a:rPr lang="es-AR" dirty="0" smtClean="0"/>
+              <a:t>desarrollo</a:t>
+            </a:r>
+            <a:endParaRPr lang="es-AR" dirty="0" smtClean="0"/>
           </a:p>
         </p:txBody>
       </p:sp>
@@ -6291,6 +6361,13 @@
   <p:clrMapOvr>
     <a:masterClrMapping/>
   </p:clrMapOvr>
+  <p:timing>
+    <p:tnLst>
+      <p:par>
+        <p:cTn id="1" dur="indefinite" restart="never" nodeType="tmRoot"/>
+      </p:par>
+    </p:tnLst>
+  </p:timing>
 </p:sld>
 </file>
 
@@ -6399,6 +6476,13 @@
   <p:clrMapOvr>
     <a:masterClrMapping/>
   </p:clrMapOvr>
+  <p:timing>
+    <p:tnLst>
+      <p:par>
+        <p:cTn id="1" dur="indefinite" restart="never" nodeType="tmRoot"/>
+      </p:par>
+    </p:tnLst>
+  </p:timing>
 </p:sld>
 </file>
 
@@ -6465,21 +6549,31 @@
             </a:r>
             <a:r>
               <a:rPr lang="es-ES" dirty="0" smtClean="0"/>
-              <a:t>sistema.</a:t>
+              <a:t>sistema</a:t>
             </a:r>
             <a:endParaRPr lang="es-ES" dirty="0" smtClean="0"/>
           </a:p>
           <a:p>
             <a:r>
               <a:rPr lang="es-ES" dirty="0" smtClean="0"/>
-              <a:t>Un aspecto temprano podría proporcionar pistas para el descubrimiento de QAs.</a:t>
-            </a:r>
-          </a:p>
-          <a:p>
-            <a:r>
-              <a:rPr lang="es-ES" dirty="0" smtClean="0"/>
-              <a:t>Ejemplo: autentificación con seguridad ó interfaz de usuario con usabilidad.</a:t>
-            </a:r>
+              <a:t>Un aspecto temprano podría proporcionar pistas para el descubrimiento de </a:t>
+            </a:r>
+            <a:r>
+              <a:rPr lang="es-ES" dirty="0" err="1" smtClean="0"/>
+              <a:t>QAs</a:t>
+            </a:r>
+            <a:endParaRPr lang="es-ES" dirty="0" smtClean="0"/>
+          </a:p>
+          <a:p>
+            <a:r>
+              <a:rPr lang="es-ES" dirty="0" smtClean="0"/>
+              <a:t>Ejemplo: autentificación con seguridad ó interfaz de usuario con </a:t>
+            </a:r>
+            <a:r>
+              <a:rPr lang="es-ES" dirty="0" smtClean="0"/>
+              <a:t>usabilidad</a:t>
+            </a:r>
+            <a:endParaRPr lang="es-ES" dirty="0" smtClean="0"/>
           </a:p>
           <a:p>
             <a:endParaRPr lang="es-ES" dirty="0"/>
@@ -6491,6 +6585,13 @@
   <p:clrMapOvr>
     <a:masterClrMapping/>
   </p:clrMapOvr>
+  <p:timing>
+    <p:tnLst>
+      <p:par>
+        <p:cTn id="1" dur="indefinite" restart="never" nodeType="tmRoot"/>
+      </p:par>
+    </p:tnLst>
+  </p:timing>
 </p:sld>
 </file>
 
@@ -6553,29 +6654,21 @@
           <a:p>
             <a:r>
               <a:rPr lang="es-ES" dirty="0" smtClean="0"/>
-              <a:t>Técnica semi-automática que identifique atributos de </a:t>
-            </a:r>
-            <a:r>
-              <a:rPr lang="es-ES" dirty="0" smtClean="0"/>
-              <a:t>calidad </a:t>
+              <a:t>Técnica semi-automática que identifique atributos de calidad </a:t>
             </a:r>
             <a:r>
               <a:rPr lang="es-ES_tradnl" dirty="0" smtClean="0"/>
-              <a:t>a </a:t>
-            </a:r>
+              <a:t>a partir de un conjunto de aspectos tempranos y casos de uso relacionados</a:t>
+            </a:r>
+          </a:p>
+          <a:p>
             <a:r>
               <a:rPr lang="es-ES_tradnl" dirty="0" smtClean="0"/>
-              <a:t>partir de un </a:t>
+              <a:t>Desarrollo de una herramienta para soportar la </a:t>
             </a:r>
             <a:r>
               <a:rPr lang="es-ES_tradnl" dirty="0" smtClean="0"/>
-              <a:t>conjunto de aspectos tempranos y casos de uso relacionados</a:t>
-            </a:r>
-          </a:p>
-          <a:p>
-            <a:r>
-              <a:rPr lang="es-ES_tradnl" dirty="0" smtClean="0"/>
-              <a:t>Desarrollo de una herramienta para soportar la técnica: </a:t>
+              <a:t>técnica y asista al analista: </a:t>
             </a:r>
             <a:r>
               <a:rPr lang="es-ES_tradnl" dirty="0" smtClean="0"/>
@@ -6597,6 +6690,13 @@
   <p:clrMapOvr>
     <a:masterClrMapping/>
   </p:clrMapOvr>
+  <p:timing>
+    <p:tnLst>
+      <p:par>
+        <p:cTn id="1" dur="indefinite" restart="never" nodeType="tmRoot"/>
+      </p:par>
+    </p:tnLst>
+  </p:timing>
 </p:sld>
 </file>
 
@@ -6651,8 +6751,8 @@
           </p:nvPr>
         </p:nvGraphicFramePr>
         <p:xfrm>
-          <a:off x="1570038" y="1600200"/>
-          <a:ext cx="6003925" cy="4525963"/>
+          <a:off x="1255386" y="1556792"/>
+          <a:ext cx="6628982" cy="4997152"/>
         </p:xfrm>
         <a:graphic>
           <a:graphicData uri="http://schemas.openxmlformats.org/presentationml/2006/ole">
@@ -6662,11 +6762,484 @@
           </a:graphicData>
         </a:graphic>
       </p:graphicFrame>
+      <p:sp>
+        <p:nvSpPr>
+          <p:cNvPr id="4" name="3 Elipse"/>
+          <p:cNvSpPr/>
+          <p:nvPr/>
+        </p:nvSpPr>
+        <p:spPr>
+          <a:xfrm>
+            <a:off x="1763688" y="2204864"/>
+            <a:ext cx="3960440" cy="2160240"/>
+          </a:xfrm>
+          <a:prstGeom prst="ellipse">
+            <a:avLst/>
+          </a:prstGeom>
+          <a:noFill/>
+        </p:spPr>
+        <p:style>
+          <a:lnRef idx="2">
+            <a:schemeClr val="accent6"/>
+          </a:lnRef>
+          <a:fillRef idx="1">
+            <a:schemeClr val="lt1"/>
+          </a:fillRef>
+          <a:effectRef idx="0">
+            <a:schemeClr val="accent6"/>
+          </a:effectRef>
+          <a:fontRef idx="minor">
+            <a:schemeClr val="dk1"/>
+          </a:fontRef>
+        </p:style>
+        <p:txBody>
+          <a:bodyPr rtlCol="0" anchor="ctr"/>
+          <a:lstStyle/>
+          <a:p>
+            <a:pPr algn="ctr"/>
+            <a:endParaRPr lang="es-AR"/>
+          </a:p>
+        </p:txBody>
+      </p:sp>
+      <p:sp>
+        <p:nvSpPr>
+          <p:cNvPr id="5" name="4 Elipse"/>
+          <p:cNvSpPr/>
+          <p:nvPr/>
+        </p:nvSpPr>
+        <p:spPr>
+          <a:xfrm>
+            <a:off x="2204120" y="1421160"/>
+            <a:ext cx="2592288" cy="1368152"/>
+          </a:xfrm>
+          <a:prstGeom prst="ellipse">
+            <a:avLst/>
+          </a:prstGeom>
+          <a:noFill/>
+        </p:spPr>
+        <p:style>
+          <a:lnRef idx="2">
+            <a:schemeClr val="accent6"/>
+          </a:lnRef>
+          <a:fillRef idx="1">
+            <a:schemeClr val="lt1"/>
+          </a:fillRef>
+          <a:effectRef idx="0">
+            <a:schemeClr val="accent6"/>
+          </a:effectRef>
+          <a:fontRef idx="minor">
+            <a:schemeClr val="dk1"/>
+          </a:fontRef>
+        </p:style>
+        <p:txBody>
+          <a:bodyPr rtlCol="0" anchor="ctr"/>
+          <a:lstStyle/>
+          <a:p>
+            <a:pPr algn="ctr"/>
+            <a:endParaRPr lang="es-AR"/>
+          </a:p>
+        </p:txBody>
+      </p:sp>
+      <p:sp>
+        <p:nvSpPr>
+          <p:cNvPr id="6" name="5 Elipse"/>
+          <p:cNvSpPr/>
+          <p:nvPr/>
+        </p:nvSpPr>
+        <p:spPr>
+          <a:xfrm>
+            <a:off x="1907704" y="4293096"/>
+            <a:ext cx="5184576" cy="2304256"/>
+          </a:xfrm>
+          <a:prstGeom prst="ellipse">
+            <a:avLst/>
+          </a:prstGeom>
+          <a:noFill/>
+        </p:spPr>
+        <p:style>
+          <a:lnRef idx="2">
+            <a:schemeClr val="accent6"/>
+          </a:lnRef>
+          <a:fillRef idx="1">
+            <a:schemeClr val="lt1"/>
+          </a:fillRef>
+          <a:effectRef idx="0">
+            <a:schemeClr val="accent6"/>
+          </a:effectRef>
+          <a:fontRef idx="minor">
+            <a:schemeClr val="dk1"/>
+          </a:fontRef>
+        </p:style>
+        <p:txBody>
+          <a:bodyPr rtlCol="0" anchor="ctr"/>
+          <a:lstStyle/>
+          <a:p>
+            <a:pPr algn="ctr"/>
+            <a:endParaRPr lang="es-AR"/>
+          </a:p>
+        </p:txBody>
+      </p:sp>
     </p:spTree>
   </p:cSld>
   <p:clrMapOvr>
     <a:masterClrMapping/>
   </p:clrMapOvr>
+  <p:timing>
+    <p:tnLst>
+      <p:par>
+        <p:cTn id="1" dur="indefinite" restart="never" nodeType="tmRoot">
+          <p:childTnLst>
+            <p:seq concurrent="1" nextAc="seek">
+              <p:cTn id="2" dur="indefinite" nodeType="mainSeq">
+                <p:childTnLst>
+                  <p:par>
+                    <p:cTn id="3" fill="hold">
+                      <p:stCondLst>
+                        <p:cond delay="indefinite"/>
+                      </p:stCondLst>
+                      <p:childTnLst>
+                        <p:par>
+                          <p:cTn id="4" fill="hold">
+                            <p:stCondLst>
+                              <p:cond delay="0"/>
+                            </p:stCondLst>
+                            <p:childTnLst>
+                              <p:par>
+                                <p:cTn id="5" presetID="4" presetClass="entr" presetSubtype="16" fill="hold" grpId="0" nodeType="clickEffect">
+                                  <p:stCondLst>
+                                    <p:cond delay="0"/>
+                                  </p:stCondLst>
+                                  <p:childTnLst>
+                                    <p:set>
+                                      <p:cBhvr>
+                                        <p:cTn id="6" dur="1" fill="hold">
+                                          <p:stCondLst>
+                                            <p:cond delay="0"/>
+                                          </p:stCondLst>
+                                        </p:cTn>
+                                        <p:tgtEl>
+                                          <p:spTgt spid="5"/>
+                                        </p:tgtEl>
+                                        <p:attrNameLst>
+                                          <p:attrName>style.visibility</p:attrName>
+                                        </p:attrNameLst>
+                                      </p:cBhvr>
+                                      <p:to>
+                                        <p:strVal val="visible"/>
+                                      </p:to>
+                                    </p:set>
+                                    <p:animEffect transition="in" filter="box(in)">
+                                      <p:cBhvr>
+                                        <p:cTn id="7" dur="500"/>
+                                        <p:tgtEl>
+                                          <p:spTgt spid="5"/>
+                                        </p:tgtEl>
+                                      </p:cBhvr>
+                                    </p:animEffect>
+                                  </p:childTnLst>
+                                </p:cTn>
+                              </p:par>
+                            </p:childTnLst>
+                          </p:cTn>
+                        </p:par>
+                      </p:childTnLst>
+                    </p:cTn>
+                  </p:par>
+                  <p:par>
+                    <p:cTn id="8" fill="hold">
+                      <p:stCondLst>
+                        <p:cond delay="indefinite"/>
+                      </p:stCondLst>
+                      <p:childTnLst>
+                        <p:par>
+                          <p:cTn id="9" fill="hold">
+                            <p:stCondLst>
+                              <p:cond delay="0"/>
+                            </p:stCondLst>
+                            <p:childTnLst>
+                              <p:par>
+                                <p:cTn id="10" presetID="4" presetClass="exit" presetSubtype="16" fill="hold" grpId="1" nodeType="clickEffect">
+                                  <p:stCondLst>
+                                    <p:cond delay="0"/>
+                                  </p:stCondLst>
+                                  <p:childTnLst>
+                                    <p:animEffect transition="out" filter="box(in)">
+                                      <p:cBhvr>
+                                        <p:cTn id="11" dur="500"/>
+                                        <p:tgtEl>
+                                          <p:spTgt spid="5"/>
+                                        </p:tgtEl>
+                                      </p:cBhvr>
+                                    </p:animEffect>
+                                    <p:set>
+                                      <p:cBhvr>
+                                        <p:cTn id="12" dur="1" fill="hold">
+                                          <p:stCondLst>
+                                            <p:cond delay="499"/>
+                                          </p:stCondLst>
+                                        </p:cTn>
+                                        <p:tgtEl>
+                                          <p:spTgt spid="5"/>
+                                        </p:tgtEl>
+                                        <p:attrNameLst>
+                                          <p:attrName>style.visibility</p:attrName>
+                                        </p:attrNameLst>
+                                      </p:cBhvr>
+                                      <p:to>
+                                        <p:strVal val="hidden"/>
+                                      </p:to>
+                                    </p:set>
+                                  </p:childTnLst>
+                                </p:cTn>
+                              </p:par>
+                            </p:childTnLst>
+                          </p:cTn>
+                        </p:par>
+                      </p:childTnLst>
+                    </p:cTn>
+                  </p:par>
+                  <p:par>
+                    <p:cTn id="13" fill="hold">
+                      <p:stCondLst>
+                        <p:cond delay="indefinite"/>
+                      </p:stCondLst>
+                      <p:childTnLst>
+                        <p:par>
+                          <p:cTn id="14" fill="hold">
+                            <p:stCondLst>
+                              <p:cond delay="0"/>
+                            </p:stCondLst>
+                            <p:childTnLst>
+                              <p:par>
+                                <p:cTn id="15" presetID="4" presetClass="entr" presetSubtype="16" fill="hold" grpId="0" nodeType="clickEffect">
+                                  <p:stCondLst>
+                                    <p:cond delay="0"/>
+                                  </p:stCondLst>
+                                  <p:childTnLst>
+                                    <p:set>
+                                      <p:cBhvr>
+                                        <p:cTn id="16" dur="1" fill="hold">
+                                          <p:stCondLst>
+                                            <p:cond delay="0"/>
+                                          </p:stCondLst>
+                                        </p:cTn>
+                                        <p:tgtEl>
+                                          <p:spTgt spid="4"/>
+                                        </p:tgtEl>
+                                        <p:attrNameLst>
+                                          <p:attrName>style.visibility</p:attrName>
+                                        </p:attrNameLst>
+                                      </p:cBhvr>
+                                      <p:to>
+                                        <p:strVal val="visible"/>
+                                      </p:to>
+                                    </p:set>
+                                    <p:animEffect transition="in" filter="box(in)">
+                                      <p:cBhvr>
+                                        <p:cTn id="17" dur="500"/>
+                                        <p:tgtEl>
+                                          <p:spTgt spid="4"/>
+                                        </p:tgtEl>
+                                      </p:cBhvr>
+                                    </p:animEffect>
+                                  </p:childTnLst>
+                                </p:cTn>
+                              </p:par>
+                            </p:childTnLst>
+                          </p:cTn>
+                        </p:par>
+                      </p:childTnLst>
+                    </p:cTn>
+                  </p:par>
+                  <p:par>
+                    <p:cTn id="18" fill="hold">
+                      <p:stCondLst>
+                        <p:cond delay="indefinite"/>
+                      </p:stCondLst>
+                      <p:childTnLst>
+                        <p:par>
+                          <p:cTn id="19" fill="hold">
+                            <p:stCondLst>
+                              <p:cond delay="0"/>
+                            </p:stCondLst>
+                            <p:childTnLst>
+                              <p:par>
+                                <p:cTn id="20" presetID="4" presetClass="exit" presetSubtype="16" fill="hold" grpId="1" nodeType="clickEffect">
+                                  <p:stCondLst>
+                                    <p:cond delay="0"/>
+                                  </p:stCondLst>
+                                  <p:childTnLst>
+                                    <p:animEffect transition="out" filter="box(in)">
+                                      <p:cBhvr>
+                                        <p:cTn id="21" dur="500"/>
+                                        <p:tgtEl>
+                                          <p:spTgt spid="4"/>
+                                        </p:tgtEl>
+                                      </p:cBhvr>
+                                    </p:animEffect>
+                                    <p:set>
+                                      <p:cBhvr>
+                                        <p:cTn id="22" dur="1" fill="hold">
+                                          <p:stCondLst>
+                                            <p:cond delay="499"/>
+                                          </p:stCondLst>
+                                        </p:cTn>
+                                        <p:tgtEl>
+                                          <p:spTgt spid="4"/>
+                                        </p:tgtEl>
+                                        <p:attrNameLst>
+                                          <p:attrName>style.visibility</p:attrName>
+                                        </p:attrNameLst>
+                                      </p:cBhvr>
+                                      <p:to>
+                                        <p:strVal val="hidden"/>
+                                      </p:to>
+                                    </p:set>
+                                  </p:childTnLst>
+                                </p:cTn>
+                              </p:par>
+                            </p:childTnLst>
+                          </p:cTn>
+                        </p:par>
+                      </p:childTnLst>
+                    </p:cTn>
+                  </p:par>
+                  <p:par>
+                    <p:cTn id="23" fill="hold">
+                      <p:stCondLst>
+                        <p:cond delay="indefinite"/>
+                      </p:stCondLst>
+                      <p:childTnLst>
+                        <p:par>
+                          <p:cTn id="24" fill="hold">
+                            <p:stCondLst>
+                              <p:cond delay="0"/>
+                            </p:stCondLst>
+                            <p:childTnLst>
+                              <p:par>
+                                <p:cTn id="25" presetID="4" presetClass="entr" presetSubtype="16" fill="hold" grpId="0" nodeType="clickEffect">
+                                  <p:stCondLst>
+                                    <p:cond delay="0"/>
+                                  </p:stCondLst>
+                                  <p:childTnLst>
+                                    <p:set>
+                                      <p:cBhvr>
+                                        <p:cTn id="26" dur="1" fill="hold">
+                                          <p:stCondLst>
+                                            <p:cond delay="0"/>
+                                          </p:stCondLst>
+                                        </p:cTn>
+                                        <p:tgtEl>
+                                          <p:spTgt spid="6"/>
+                                        </p:tgtEl>
+                                        <p:attrNameLst>
+                                          <p:attrName>style.visibility</p:attrName>
+                                        </p:attrNameLst>
+                                      </p:cBhvr>
+                                      <p:to>
+                                        <p:strVal val="visible"/>
+                                      </p:to>
+                                    </p:set>
+                                    <p:animEffect transition="in" filter="box(in)">
+                                      <p:cBhvr>
+                                        <p:cTn id="27" dur="500"/>
+                                        <p:tgtEl>
+                                          <p:spTgt spid="6"/>
+                                        </p:tgtEl>
+                                      </p:cBhvr>
+                                    </p:animEffect>
+                                  </p:childTnLst>
+                                </p:cTn>
+                              </p:par>
+                            </p:childTnLst>
+                          </p:cTn>
+                        </p:par>
+                      </p:childTnLst>
+                    </p:cTn>
+                  </p:par>
+                  <p:par>
+                    <p:cTn id="28" fill="hold">
+                      <p:stCondLst>
+                        <p:cond delay="indefinite"/>
+                      </p:stCondLst>
+                      <p:childTnLst>
+                        <p:par>
+                          <p:cTn id="29" fill="hold">
+                            <p:stCondLst>
+                              <p:cond delay="0"/>
+                            </p:stCondLst>
+                            <p:childTnLst>
+                              <p:par>
+                                <p:cTn id="30" presetID="4" presetClass="exit" presetSubtype="16" fill="hold" grpId="1" nodeType="clickEffect">
+                                  <p:stCondLst>
+                                    <p:cond delay="0"/>
+                                  </p:stCondLst>
+                                  <p:childTnLst>
+                                    <p:animEffect transition="out" filter="box(in)">
+                                      <p:cBhvr>
+                                        <p:cTn id="31" dur="500"/>
+                                        <p:tgtEl>
+                                          <p:spTgt spid="6"/>
+                                        </p:tgtEl>
+                                      </p:cBhvr>
+                                    </p:animEffect>
+                                    <p:set>
+                                      <p:cBhvr>
+                                        <p:cTn id="32" dur="1" fill="hold">
+                                          <p:stCondLst>
+                                            <p:cond delay="499"/>
+                                          </p:stCondLst>
+                                        </p:cTn>
+                                        <p:tgtEl>
+                                          <p:spTgt spid="6"/>
+                                        </p:tgtEl>
+                                        <p:attrNameLst>
+                                          <p:attrName>style.visibility</p:attrName>
+                                        </p:attrNameLst>
+                                      </p:cBhvr>
+                                      <p:to>
+                                        <p:strVal val="hidden"/>
+                                      </p:to>
+                                    </p:set>
+                                  </p:childTnLst>
+                                </p:cTn>
+                              </p:par>
+                            </p:childTnLst>
+                          </p:cTn>
+                        </p:par>
+                      </p:childTnLst>
+                    </p:cTn>
+                  </p:par>
+                </p:childTnLst>
+              </p:cTn>
+              <p:prevCondLst>
+                <p:cond evt="onPrev" delay="0">
+                  <p:tgtEl>
+                    <p:sldTgt/>
+                  </p:tgtEl>
+                </p:cond>
+              </p:prevCondLst>
+              <p:nextCondLst>
+                <p:cond evt="onNext" delay="0">
+                  <p:tgtEl>
+                    <p:sldTgt/>
+                  </p:tgtEl>
+                </p:cond>
+              </p:nextCondLst>
+            </p:seq>
+          </p:childTnLst>
+        </p:cTn>
+      </p:par>
+    </p:tnLst>
+    <p:bldLst>
+      <p:bldP spid="4" grpId="0" animBg="1"/>
+      <p:bldP spid="4" grpId="1" animBg="1"/>
+      <p:bldP spid="5" grpId="0" animBg="1"/>
+      <p:bldP spid="5" grpId="1" animBg="1"/>
+      <p:bldP spid="6" grpId="0" animBg="1"/>
+      <p:bldP spid="6" grpId="1" animBg="1"/>
+    </p:bldLst>
+  </p:timing>
 </p:sld>
 </file>
 

--- a/Capitulos Finales/filiminasPeladas.pptx
+++ b/Capitulos Finales/filiminasPeladas.pptx
@@ -5,28 +5,33 @@
     <p:sldMasterId id="2147483684" r:id="rId1"/>
   </p:sldMasterIdLst>
   <p:notesMasterIdLst>
-    <p:notesMasterId r:id="rId21"/>
+    <p:notesMasterId r:id="rId26"/>
   </p:notesMasterIdLst>
   <p:sldIdLst>
     <p:sldId id="256" r:id="rId2"/>
     <p:sldId id="257" r:id="rId3"/>
     <p:sldId id="259" r:id="rId4"/>
     <p:sldId id="260" r:id="rId5"/>
-    <p:sldId id="265" r:id="rId6"/>
-    <p:sldId id="266" r:id="rId7"/>
-    <p:sldId id="263" r:id="rId8"/>
-    <p:sldId id="264" r:id="rId9"/>
-    <p:sldId id="267" r:id="rId10"/>
-    <p:sldId id="268" r:id="rId11"/>
-    <p:sldId id="269" r:id="rId12"/>
-    <p:sldId id="270" r:id="rId13"/>
-    <p:sldId id="277" r:id="rId14"/>
-    <p:sldId id="271" r:id="rId15"/>
-    <p:sldId id="278" r:id="rId16"/>
-    <p:sldId id="272" r:id="rId17"/>
-    <p:sldId id="273" r:id="rId18"/>
-    <p:sldId id="275" r:id="rId19"/>
-    <p:sldId id="276" r:id="rId20"/>
+    <p:sldId id="284" r:id="rId6"/>
+    <p:sldId id="265" r:id="rId7"/>
+    <p:sldId id="266" r:id="rId8"/>
+    <p:sldId id="263" r:id="rId9"/>
+    <p:sldId id="285" r:id="rId10"/>
+    <p:sldId id="264" r:id="rId11"/>
+    <p:sldId id="267" r:id="rId12"/>
+    <p:sldId id="268" r:id="rId13"/>
+    <p:sldId id="286" r:id="rId14"/>
+    <p:sldId id="269" r:id="rId15"/>
+    <p:sldId id="270" r:id="rId16"/>
+    <p:sldId id="277" r:id="rId17"/>
+    <p:sldId id="271" r:id="rId18"/>
+    <p:sldId id="278" r:id="rId19"/>
+    <p:sldId id="287" r:id="rId20"/>
+    <p:sldId id="272" r:id="rId21"/>
+    <p:sldId id="273" r:id="rId22"/>
+    <p:sldId id="288" r:id="rId23"/>
+    <p:sldId id="275" r:id="rId24"/>
+    <p:sldId id="276" r:id="rId25"/>
   </p:sldIdLst>
   <p:sldSz cx="9144000" cy="6858000" type="screen4x3"/>
   <p:notesSz cx="6858000" cy="9144000"/>
@@ -3649,7 +3654,7 @@
           <a:p>
             <a:r>
               <a:rPr lang="es-ES" dirty="0" smtClean="0"/>
-              <a:t>QA Miner</a:t>
+              <a:t>Propuesta</a:t>
             </a:r>
             <a:endParaRPr lang="es-ES" dirty="0"/>
           </a:p>
@@ -3665,42 +3670,32 @@
             <p:ph idx="1"/>
           </p:nvPr>
         </p:nvSpPr>
-        <p:spPr>
-          <a:xfrm>
-            <a:off x="457200" y="1567333"/>
-            <a:ext cx="8229600" cy="4525963"/>
-          </a:xfrm>
-        </p:spPr>
-        <p:txBody>
-          <a:bodyPr/>
-          <a:lstStyle/>
-          <a:p>
-            <a:r>
-              <a:rPr lang="es-ES" dirty="0" err="1" smtClean="0"/>
-              <a:t>Plugin</a:t>
-            </a:r>
-            <a:r>
-              <a:rPr lang="es-ES" dirty="0" smtClean="0"/>
-              <a:t> de Eclipse</a:t>
-            </a:r>
-          </a:p>
-          <a:p>
-            <a:r>
-              <a:rPr lang="es-ES" dirty="0" smtClean="0"/>
-              <a:t>Puntos de configuración</a:t>
-            </a:r>
-          </a:p>
-          <a:p>
-            <a:r>
-              <a:rPr lang="es-ES" dirty="0" smtClean="0"/>
-              <a:t>Proporciona al analista ranking de atributos de calidad por cada conjunto de entrada.</a:t>
-            </a:r>
-          </a:p>
-          <a:p>
-            <a:endParaRPr lang="es-ES" dirty="0" smtClean="0"/>
-          </a:p>
-          <a:p>
-            <a:endParaRPr lang="es-ES" dirty="0" smtClean="0"/>
+        <p:spPr/>
+        <p:txBody>
+          <a:bodyPr>
+            <a:normAutofit/>
+          </a:bodyPr>
+          <a:lstStyle/>
+          <a:p>
+            <a:r>
+              <a:rPr lang="es-ES" dirty="0" smtClean="0"/>
+              <a:t>Técnica semi-automática que identifique atributos de calidad </a:t>
+            </a:r>
+            <a:r>
+              <a:rPr lang="es-ES_tradnl" dirty="0" smtClean="0"/>
+              <a:t>a partir de un conjunto de aspectos tempranos y casos de uso relacionados</a:t>
+            </a:r>
+          </a:p>
+          <a:p>
+            <a:r>
+              <a:rPr lang="es-ES_tradnl" dirty="0" smtClean="0"/>
+              <a:t>Desarrollo de una herramienta para soportar la técnica y asista al analista: QA </a:t>
+            </a:r>
+            <a:r>
+              <a:rPr lang="es-ES_tradnl" dirty="0" err="1" smtClean="0"/>
+              <a:t>Miner</a:t>
+            </a:r>
+            <a:endParaRPr lang="es-ES_tradnl" dirty="0" smtClean="0"/>
           </a:p>
           <a:p>
             <a:endParaRPr lang="es-ES" dirty="0"/>
@@ -3723,2984 +3718,6 @@
 </file>
 
 <file path=ppt/slides/slide11.xml><?xml version="1.0" encoding="utf-8"?>
-<p:sld xmlns:a="http://schemas.openxmlformats.org/drawingml/2006/main" xmlns:r="http://schemas.openxmlformats.org/officeDocument/2006/relationships" xmlns:p="http://schemas.openxmlformats.org/presentationml/2006/main">
-  <p:cSld>
-    <p:spTree>
-      <p:nvGrpSpPr>
-        <p:cNvPr id="1" name=""/>
-        <p:cNvGrpSpPr/>
-        <p:nvPr/>
-      </p:nvGrpSpPr>
-      <p:grpSpPr>
-        <a:xfrm>
-          <a:off x="0" y="0"/>
-          <a:ext cx="0" cy="0"/>
-          <a:chOff x="0" y="0"/>
-          <a:chExt cx="0" cy="0"/>
-        </a:xfrm>
-      </p:grpSpPr>
-      <p:sp>
-        <p:nvSpPr>
-          <p:cNvPr id="2" name="1 Título"/>
-          <p:cNvSpPr>
-            <a:spLocks noGrp="1"/>
-          </p:cNvSpPr>
-          <p:nvPr>
-            <p:ph type="title"/>
-          </p:nvPr>
-        </p:nvSpPr>
-        <p:spPr/>
-        <p:txBody>
-          <a:bodyPr/>
-          <a:lstStyle/>
-          <a:p>
-            <a:r>
-              <a:rPr lang="es-ES" dirty="0" smtClean="0"/>
-              <a:t>Métricas</a:t>
-            </a:r>
-            <a:endParaRPr lang="es-ES" dirty="0"/>
-          </a:p>
-        </p:txBody>
-      </p:sp>
-      <p:sp>
-        <p:nvSpPr>
-          <p:cNvPr id="3" name="2 Marcador de contenido"/>
-          <p:cNvSpPr>
-            <a:spLocks noGrp="1"/>
-          </p:cNvSpPr>
-          <p:nvPr>
-            <p:ph idx="1"/>
-          </p:nvPr>
-        </p:nvSpPr>
-        <p:spPr/>
-        <p:txBody>
-          <a:bodyPr/>
-          <a:lstStyle/>
-          <a:p>
-            <a:r>
-              <a:rPr lang="es-AR" dirty="0" smtClean="0"/>
-              <a:t>Definiciones derivadas de IR: </a:t>
-            </a:r>
-          </a:p>
-          <a:p>
-            <a:pPr lvl="1"/>
-            <a:r>
-              <a:rPr lang="es-AR" sz="1600" b="1" dirty="0" smtClean="0"/>
-              <a:t>QVP</a:t>
-            </a:r>
-            <a:r>
-              <a:rPr lang="es-AR" sz="1600" dirty="0" smtClean="0"/>
-              <a:t>: QAs </a:t>
-            </a:r>
-            <a:r>
-              <a:rPr lang="es-AR" sz="1600" b="1" i="1" u="sng" dirty="0" smtClean="0"/>
-              <a:t>identificados</a:t>
-            </a:r>
-            <a:r>
-              <a:rPr lang="es-AR" sz="1600" dirty="0" smtClean="0"/>
-              <a:t>, que </a:t>
-            </a:r>
-            <a:r>
-              <a:rPr lang="es-AR" sz="1600" b="1" i="1" u="sng" dirty="0" smtClean="0"/>
-              <a:t>son realmente QAs.</a:t>
-            </a:r>
-            <a:endParaRPr lang="es-AR" sz="1600" dirty="0" smtClean="0"/>
-          </a:p>
-          <a:p>
-            <a:pPr lvl="1"/>
-            <a:r>
-              <a:rPr lang="es-AR" sz="1600" b="1" dirty="0" smtClean="0"/>
-              <a:t>QVN</a:t>
-            </a:r>
-            <a:r>
-              <a:rPr lang="es-AR" sz="1600" dirty="0" smtClean="0"/>
-              <a:t>: QAs </a:t>
-            </a:r>
-            <a:r>
-              <a:rPr lang="es-AR" sz="1600" b="1" i="1" u="sng" dirty="0" smtClean="0"/>
-              <a:t>no identificados</a:t>
-            </a:r>
-            <a:r>
-              <a:rPr lang="es-AR" sz="1600" dirty="0" smtClean="0"/>
-              <a:t>, que </a:t>
-            </a:r>
-            <a:r>
-              <a:rPr lang="es-AR" sz="1600" b="1" i="1" u="sng" dirty="0" smtClean="0"/>
-              <a:t>no son realmente QAs.</a:t>
-            </a:r>
-            <a:endParaRPr lang="es-AR" sz="1600" dirty="0" smtClean="0"/>
-          </a:p>
-          <a:p>
-            <a:pPr lvl="1"/>
-            <a:r>
-              <a:rPr lang="es-AR" sz="1600" b="1" dirty="0" smtClean="0"/>
-              <a:t>QFP</a:t>
-            </a:r>
-            <a:r>
-              <a:rPr lang="es-AR" sz="1600" dirty="0" smtClean="0"/>
-              <a:t>: QAs </a:t>
-            </a:r>
-            <a:r>
-              <a:rPr lang="es-AR" sz="1600" b="1" i="1" u="sng" dirty="0" smtClean="0"/>
-              <a:t>identificados</a:t>
-            </a:r>
-            <a:r>
-              <a:rPr lang="es-AR" sz="1600" dirty="0" smtClean="0"/>
-              <a:t>, que </a:t>
-            </a:r>
-            <a:r>
-              <a:rPr lang="es-AR" sz="1600" b="1" i="1" u="sng" dirty="0" smtClean="0"/>
-              <a:t>no son realmente QAs </a:t>
-            </a:r>
-            <a:r>
-              <a:rPr lang="es-AR" sz="1600" dirty="0" smtClean="0"/>
-              <a:t> o que se identificaron de manera errónea a partir de los datos de entrada.</a:t>
-            </a:r>
-          </a:p>
-          <a:p>
-            <a:pPr lvl="1"/>
-            <a:r>
-              <a:rPr lang="es-AR" sz="1600" b="1" dirty="0" smtClean="0"/>
-              <a:t>QFN</a:t>
-            </a:r>
-            <a:r>
-              <a:rPr lang="es-AR" sz="1600" dirty="0" smtClean="0"/>
-              <a:t>: QAs </a:t>
-            </a:r>
-            <a:r>
-              <a:rPr lang="es-AR" sz="1600" b="1" i="1" u="sng" dirty="0" smtClean="0"/>
-              <a:t>no identificados</a:t>
-            </a:r>
-            <a:r>
-              <a:rPr lang="es-AR" sz="1600" dirty="0" smtClean="0"/>
-              <a:t>, que </a:t>
-            </a:r>
-            <a:r>
-              <a:rPr lang="es-AR" sz="1600" b="1" i="1" u="sng" dirty="0" smtClean="0"/>
-              <a:t>son realmente QAs.</a:t>
-            </a:r>
-          </a:p>
-          <a:p>
-            <a:pPr lvl="1"/>
-            <a:endParaRPr lang="es-AR" sz="1600" b="1" i="1" u="sng" dirty="0" smtClean="0"/>
-          </a:p>
-          <a:p>
-            <a:pPr lvl="1">
-              <a:buNone/>
-            </a:pPr>
-            <a:endParaRPr lang="es-AR" sz="1600" b="1" i="1" u="sng" dirty="0" smtClean="0"/>
-          </a:p>
-          <a:p>
-            <a:pPr lvl="1"/>
-            <a:endParaRPr lang="es-AR" sz="1600" b="1" i="1" u="sng" dirty="0" smtClean="0"/>
-          </a:p>
-          <a:p>
-            <a:pPr lvl="1"/>
-            <a:endParaRPr lang="es-AR" sz="1600" b="1" i="1" u="sng" dirty="0" smtClean="0"/>
-          </a:p>
-          <a:p>
-            <a:r>
-              <a:rPr lang="es-AR" dirty="0" smtClean="0"/>
-              <a:t>Tiempos de ejecución</a:t>
-            </a:r>
-          </a:p>
-        </p:txBody>
-      </p:sp>
-      <p:pic>
-        <p:nvPicPr>
-          <p:cNvPr id="24584" name="Picture 8"/>
-          <p:cNvPicPr>
-            <a:picLocks noChangeAspect="1" noChangeArrowheads="1"/>
-          </p:cNvPicPr>
-          <p:nvPr/>
-        </p:nvPicPr>
-        <p:blipFill>
-          <a:blip r:embed="rId2" cstate="print">
-            <a:clrChange>
-              <a:clrFrom>
-                <a:srgbClr val="FFFFFF"/>
-              </a:clrFrom>
-              <a:clrTo>
-                <a:srgbClr val="FFFFFF">
-                  <a:alpha val="0"/>
-                </a:srgbClr>
-              </a:clrTo>
-            </a:clrChange>
-          </a:blip>
-          <a:srcRect/>
-          <a:stretch>
-            <a:fillRect/>
-          </a:stretch>
-        </p:blipFill>
-        <p:spPr bwMode="auto">
-          <a:xfrm>
-            <a:off x="1331640" y="3933056"/>
-            <a:ext cx="2418365" cy="577974"/>
-          </a:xfrm>
-          <a:prstGeom prst="rect">
-            <a:avLst/>
-          </a:prstGeom>
-          <a:ln>
-            <a:noFill/>
-          </a:ln>
-          <a:effectLst>
-            <a:outerShdw blurRad="292100" dist="139700" dir="2700000" algn="tl" rotWithShape="0">
-              <a:srgbClr val="333333">
-                <a:alpha val="65000"/>
-              </a:srgbClr>
-            </a:outerShdw>
-          </a:effectLst>
-        </p:spPr>
-      </p:pic>
-      <p:pic>
-        <p:nvPicPr>
-          <p:cNvPr id="24583" name="Picture 7"/>
-          <p:cNvPicPr>
-            <a:picLocks noChangeAspect="1" noChangeArrowheads="1"/>
-          </p:cNvPicPr>
-          <p:nvPr/>
-        </p:nvPicPr>
-        <p:blipFill>
-          <a:blip r:embed="rId3" cstate="print">
-            <a:clrChange>
-              <a:clrFrom>
-                <a:srgbClr val="FFFFFF"/>
-              </a:clrFrom>
-              <a:clrTo>
-                <a:srgbClr val="FFFFFF">
-                  <a:alpha val="0"/>
-                </a:srgbClr>
-              </a:clrTo>
-            </a:clrChange>
-          </a:blip>
-          <a:srcRect/>
-          <a:stretch>
-            <a:fillRect/>
-          </a:stretch>
-        </p:blipFill>
-        <p:spPr bwMode="auto">
-          <a:xfrm>
-            <a:off x="4572000" y="3933056"/>
-            <a:ext cx="2129378" cy="577974"/>
-          </a:xfrm>
-          <a:prstGeom prst="rect">
-            <a:avLst/>
-          </a:prstGeom>
-          <a:ln>
-            <a:noFill/>
-          </a:ln>
-          <a:effectLst>
-            <a:outerShdw blurRad="292100" dist="139700" dir="2700000" algn="tl" rotWithShape="0">
-              <a:srgbClr val="333333">
-                <a:alpha val="65000"/>
-              </a:srgbClr>
-            </a:outerShdw>
-          </a:effectLst>
-        </p:spPr>
-      </p:pic>
-      <p:sp>
-        <p:nvSpPr>
-          <p:cNvPr id="24585" name="Rectangle 9"/>
-          <p:cNvSpPr>
-            <a:spLocks noChangeArrowheads="1"/>
-          </p:cNvSpPr>
-          <p:nvPr/>
-        </p:nvSpPr>
-        <p:spPr bwMode="auto">
-          <a:xfrm>
-            <a:off x="0" y="0"/>
-            <a:ext cx="9144000" cy="457200"/>
-          </a:xfrm>
-          <a:prstGeom prst="rect">
-            <a:avLst/>
-          </a:prstGeom>
-          <a:noFill/>
-          <a:ln w="9525">
-            <a:noFill/>
-            <a:miter lim="800000"/>
-            <a:headEnd/>
-            <a:tailEnd/>
-          </a:ln>
-          <a:effectLst/>
-        </p:spPr>
-        <p:txBody>
-          <a:bodyPr vert="horz" wrap="none" lIns="91440" tIns="45720" rIns="91440" bIns="45720" numCol="1" anchor="ctr" anchorCtr="0" compatLnSpc="1">
-            <a:prstTxWarp prst="textNoShape">
-              <a:avLst/>
-            </a:prstTxWarp>
-            <a:spAutoFit/>
-          </a:bodyPr>
-          <a:lstStyle/>
-          <a:p>
-            <a:endParaRPr lang="es-AR"/>
-          </a:p>
-        </p:txBody>
-      </p:sp>
-      <p:sp>
-        <p:nvSpPr>
-          <p:cNvPr id="24586" name="Rectangle 10"/>
-          <p:cNvSpPr>
-            <a:spLocks noChangeArrowheads="1"/>
-          </p:cNvSpPr>
-          <p:nvPr/>
-        </p:nvSpPr>
-        <p:spPr bwMode="auto">
-          <a:xfrm>
-            <a:off x="0" y="819150"/>
-            <a:ext cx="9144000" cy="457200"/>
-          </a:xfrm>
-          <a:prstGeom prst="rect">
-            <a:avLst/>
-          </a:prstGeom>
-          <a:noFill/>
-          <a:ln w="9525">
-            <a:noFill/>
-            <a:miter lim="800000"/>
-            <a:headEnd/>
-            <a:tailEnd/>
-          </a:ln>
-          <a:effectLst/>
-        </p:spPr>
-        <p:txBody>
-          <a:bodyPr vert="horz" wrap="none" lIns="91440" tIns="45720" rIns="91440" bIns="45720" numCol="1" anchor="ctr" anchorCtr="0" compatLnSpc="1">
-            <a:prstTxWarp prst="textNoShape">
-              <a:avLst/>
-            </a:prstTxWarp>
-            <a:spAutoFit/>
-          </a:bodyPr>
-          <a:lstStyle/>
-          <a:p>
-            <a:endParaRPr lang="es-AR"/>
-          </a:p>
-        </p:txBody>
-      </p:sp>
-    </p:spTree>
-  </p:cSld>
-  <p:clrMapOvr>
-    <a:masterClrMapping/>
-  </p:clrMapOvr>
-  <p:timing>
-    <p:tnLst>
-      <p:par>
-        <p:cTn id="1" dur="indefinite" restart="never" nodeType="tmRoot"/>
-      </p:par>
-    </p:tnLst>
-  </p:timing>
-</p:sld>
-</file>
-
-<file path=ppt/slides/slide12.xml><?xml version="1.0" encoding="utf-8"?>
-<p:sld xmlns:a="http://schemas.openxmlformats.org/drawingml/2006/main" xmlns:r="http://schemas.openxmlformats.org/officeDocument/2006/relationships" xmlns:p="http://schemas.openxmlformats.org/presentationml/2006/main">
-  <p:cSld>
-    <p:spTree>
-      <p:nvGrpSpPr>
-        <p:cNvPr id="1" name=""/>
-        <p:cNvGrpSpPr/>
-        <p:nvPr/>
-      </p:nvGrpSpPr>
-      <p:grpSpPr>
-        <a:xfrm>
-          <a:off x="0" y="0"/>
-          <a:ext cx="0" cy="0"/>
-          <a:chOff x="0" y="0"/>
-          <a:chExt cx="0" cy="0"/>
-        </a:xfrm>
-      </p:grpSpPr>
-      <p:sp>
-        <p:nvSpPr>
-          <p:cNvPr id="2" name="1 Título"/>
-          <p:cNvSpPr>
-            <a:spLocks noGrp="1"/>
-          </p:cNvSpPr>
-          <p:nvPr>
-            <p:ph type="title"/>
-          </p:nvPr>
-        </p:nvSpPr>
-        <p:spPr/>
-        <p:txBody>
-          <a:bodyPr>
-            <a:normAutofit/>
-          </a:bodyPr>
-          <a:lstStyle/>
-          <a:p>
-            <a:r>
-              <a:rPr lang="es-ES" dirty="0" smtClean="0"/>
-              <a:t>Caso de estudio HWS</a:t>
-            </a:r>
-            <a:endParaRPr lang="es-ES" dirty="0"/>
-          </a:p>
-        </p:txBody>
-      </p:sp>
-      <p:sp>
-        <p:nvSpPr>
-          <p:cNvPr id="3" name="2 Marcador de contenido"/>
-          <p:cNvSpPr>
-            <a:spLocks noGrp="1"/>
-          </p:cNvSpPr>
-          <p:nvPr>
-            <p:ph idx="1"/>
-          </p:nvPr>
-        </p:nvSpPr>
-        <p:spPr/>
-        <p:txBody>
-          <a:bodyPr>
-            <a:normAutofit/>
-          </a:bodyPr>
-          <a:lstStyle/>
-          <a:p>
-            <a:r>
-              <a:rPr lang="es-ES" dirty="0" smtClean="0"/>
-              <a:t>Sistema de </a:t>
-            </a:r>
-            <a:r>
-              <a:rPr lang="es-ES" dirty="0" smtClean="0"/>
-              <a:t>S</a:t>
-            </a:r>
-            <a:r>
-              <a:rPr lang="es-ES" dirty="0" smtClean="0"/>
-              <a:t>alud </a:t>
-            </a:r>
-            <a:r>
-              <a:rPr lang="es-ES" dirty="0" smtClean="0"/>
-              <a:t>Vigía</a:t>
-            </a:r>
-          </a:p>
-          <a:p>
-            <a:r>
-              <a:rPr lang="es-ES" dirty="0" smtClean="0"/>
-              <a:t>9 casos de uso (aproximadamente 2300 palabras)</a:t>
-            </a:r>
-          </a:p>
-          <a:p>
-            <a:r>
-              <a:rPr lang="es-ES" dirty="0" smtClean="0"/>
-              <a:t>6 aspectos candidatos</a:t>
-            </a:r>
-          </a:p>
-          <a:p>
-            <a:r>
-              <a:rPr lang="es-ES" dirty="0" smtClean="0"/>
-              <a:t>QA buscados detectados a través del análisis de las arquitecturas del sistema: </a:t>
-            </a:r>
-            <a:r>
-              <a:rPr lang="es-ES" dirty="0" err="1" smtClean="0"/>
-              <a:t>usability</a:t>
-            </a:r>
-            <a:r>
-              <a:rPr lang="es-ES" dirty="0" smtClean="0"/>
-              <a:t>, </a:t>
-            </a:r>
-            <a:r>
-              <a:rPr lang="es-ES" dirty="0" err="1" smtClean="0"/>
-              <a:t>availability</a:t>
-            </a:r>
-            <a:r>
-              <a:rPr lang="es-ES" dirty="0" smtClean="0"/>
-              <a:t>, performance, </a:t>
-            </a:r>
-            <a:r>
-              <a:rPr lang="es-ES" dirty="0" err="1" smtClean="0"/>
-              <a:t>scalability</a:t>
-            </a:r>
-            <a:r>
-              <a:rPr lang="es-ES" dirty="0" smtClean="0"/>
-              <a:t>, </a:t>
-            </a:r>
-            <a:r>
-              <a:rPr lang="es-ES" dirty="0" err="1" smtClean="0"/>
-              <a:t>security</a:t>
-            </a:r>
-            <a:r>
-              <a:rPr lang="es-ES" dirty="0" smtClean="0"/>
-              <a:t>, </a:t>
-            </a:r>
-            <a:r>
-              <a:rPr lang="es-ES" dirty="0" err="1" smtClean="0"/>
-              <a:t>persistence</a:t>
-            </a:r>
-            <a:endParaRPr lang="es-ES" dirty="0" smtClean="0"/>
-          </a:p>
-          <a:p>
-            <a:endParaRPr lang="es-ES" dirty="0"/>
-          </a:p>
-        </p:txBody>
-      </p:sp>
-    </p:spTree>
-  </p:cSld>
-  <p:clrMapOvr>
-    <a:masterClrMapping/>
-  </p:clrMapOvr>
-  <p:timing>
-    <p:tnLst>
-      <p:par>
-        <p:cTn id="1" dur="indefinite" restart="never" nodeType="tmRoot"/>
-      </p:par>
-    </p:tnLst>
-  </p:timing>
-</p:sld>
-</file>
-
-<file path=ppt/slides/slide13.xml><?xml version="1.0" encoding="utf-8"?>
-<p:sld xmlns:a="http://schemas.openxmlformats.org/drawingml/2006/main" xmlns:r="http://schemas.openxmlformats.org/officeDocument/2006/relationships" xmlns:p="http://schemas.openxmlformats.org/presentationml/2006/main">
-  <p:cSld>
-    <p:spTree>
-      <p:nvGrpSpPr>
-        <p:cNvPr id="1" name=""/>
-        <p:cNvGrpSpPr/>
-        <p:nvPr/>
-      </p:nvGrpSpPr>
-      <p:grpSpPr>
-        <a:xfrm>
-          <a:off x="0" y="0"/>
-          <a:ext cx="0" cy="0"/>
-          <a:chOff x="0" y="0"/>
-          <a:chExt cx="0" cy="0"/>
-        </a:xfrm>
-      </p:grpSpPr>
-      <p:sp>
-        <p:nvSpPr>
-          <p:cNvPr id="2" name="1 Título"/>
-          <p:cNvSpPr>
-            <a:spLocks noGrp="1"/>
-          </p:cNvSpPr>
-          <p:nvPr>
-            <p:ph type="title"/>
-          </p:nvPr>
-        </p:nvSpPr>
-        <p:spPr/>
-        <p:txBody>
-          <a:bodyPr>
-            <a:normAutofit/>
-          </a:bodyPr>
-          <a:lstStyle/>
-          <a:p>
-            <a:r>
-              <a:rPr lang="es-ES" dirty="0" smtClean="0"/>
-              <a:t>Caso de estudio HWS</a:t>
-            </a:r>
-            <a:endParaRPr lang="es-ES" dirty="0"/>
-          </a:p>
-        </p:txBody>
-      </p:sp>
-      <p:sp>
-        <p:nvSpPr>
-          <p:cNvPr id="3" name="2 Marcador de contenido"/>
-          <p:cNvSpPr>
-            <a:spLocks noGrp="1"/>
-          </p:cNvSpPr>
-          <p:nvPr>
-            <p:ph idx="1"/>
-          </p:nvPr>
-        </p:nvSpPr>
-        <p:spPr/>
-        <p:txBody>
-          <a:bodyPr>
-            <a:normAutofit/>
-          </a:bodyPr>
-          <a:lstStyle/>
-          <a:p>
-            <a:endParaRPr lang="es-ES" dirty="0" smtClean="0"/>
-          </a:p>
-          <a:p>
-            <a:endParaRPr lang="es-ES" dirty="0" smtClean="0"/>
-          </a:p>
-          <a:p>
-            <a:endParaRPr lang="es-ES" dirty="0"/>
-          </a:p>
-        </p:txBody>
-      </p:sp>
-      <p:graphicFrame>
-        <p:nvGraphicFramePr>
-          <p:cNvPr id="4" name="3 Tabla"/>
-          <p:cNvGraphicFramePr>
-            <a:graphicFrameLocks noGrp="1"/>
-          </p:cNvGraphicFramePr>
-          <p:nvPr/>
-        </p:nvGraphicFramePr>
-        <p:xfrm>
-          <a:off x="539552" y="4437112"/>
-          <a:ext cx="2520280" cy="1627495"/>
-        </p:xfrm>
-        <a:graphic>
-          <a:graphicData uri="http://schemas.openxmlformats.org/drawingml/2006/table">
-            <a:tbl>
-              <a:tblPr/>
-              <a:tblGrid>
-                <a:gridCol w="1704868"/>
-                <a:gridCol w="815412"/>
-              </a:tblGrid>
-              <a:tr h="325499">
-                <a:tc>
-                  <a:txBody>
-                    <a:bodyPr/>
-                    <a:lstStyle/>
-                    <a:p>
-                      <a:pPr algn="ctr">
-                        <a:lnSpc>
-                          <a:spcPct val="115000"/>
-                        </a:lnSpc>
-                        <a:spcAft>
-                          <a:spcPts val="0"/>
-                        </a:spcAft>
-                      </a:pPr>
-                      <a:r>
-                        <a:rPr lang="es-AR" sz="1100" b="1" dirty="0">
-                          <a:solidFill>
-                            <a:srgbClr val="FFFFFF"/>
-                          </a:solidFill>
-                          <a:latin typeface="Calibri"/>
-                          <a:ea typeface="Calibri"/>
-                          <a:cs typeface="Times New Roman"/>
-                        </a:rPr>
-                        <a:t>Caso de Estudio</a:t>
-                      </a:r>
-                      <a:endParaRPr lang="es-AR" sz="1100" dirty="0">
-                        <a:latin typeface="Calibri"/>
-                        <a:ea typeface="Times New Roman"/>
-                        <a:cs typeface="Times New Roman"/>
-                      </a:endParaRPr>
-                    </a:p>
-                  </a:txBody>
-                  <a:tcPr marL="68580" marR="68580" marT="0" marB="0">
-                    <a:lnL w="12700" cap="flat" cmpd="sng" algn="ctr">
-                      <a:solidFill>
-                        <a:srgbClr val="4F81BD"/>
-                      </a:solidFill>
-                      <a:prstDash val="solid"/>
-                      <a:round/>
-                      <a:headEnd type="none" w="med" len="med"/>
-                      <a:tailEnd type="none" w="med" len="med"/>
-                    </a:lnL>
-                    <a:lnR>
-                      <a:noFill/>
-                    </a:lnR>
-                    <a:lnT w="12700" cap="flat" cmpd="sng" algn="ctr">
-                      <a:solidFill>
-                        <a:srgbClr val="4F81BD"/>
-                      </a:solidFill>
-                      <a:prstDash val="solid"/>
-                      <a:round/>
-                      <a:headEnd type="none" w="med" len="med"/>
-                      <a:tailEnd type="none" w="med" len="med"/>
-                    </a:lnT>
-                    <a:lnB w="12700" cap="flat" cmpd="sng" algn="ctr">
-                      <a:solidFill>
-                        <a:srgbClr val="4F81BD"/>
-                      </a:solidFill>
-                      <a:prstDash val="solid"/>
-                      <a:round/>
-                      <a:headEnd type="none" w="med" len="med"/>
-                      <a:tailEnd type="none" w="med" len="med"/>
-                    </a:lnB>
-                    <a:solidFill>
-                      <a:srgbClr val="4F81BD"/>
-                    </a:solidFill>
-                  </a:tcPr>
-                </a:tc>
-                <a:tc>
-                  <a:txBody>
-                    <a:bodyPr/>
-                    <a:lstStyle/>
-                    <a:p>
-                      <a:pPr algn="ctr">
-                        <a:lnSpc>
-                          <a:spcPct val="115000"/>
-                        </a:lnSpc>
-                        <a:spcAft>
-                          <a:spcPts val="0"/>
-                        </a:spcAft>
-                      </a:pPr>
-                      <a:r>
-                        <a:rPr lang="es-AR" sz="1100" b="1" dirty="0">
-                          <a:solidFill>
-                            <a:srgbClr val="FFFFFF"/>
-                          </a:solidFill>
-                          <a:latin typeface="Calibri"/>
-                          <a:ea typeface="Calibri"/>
-                          <a:cs typeface="Times New Roman"/>
-                        </a:rPr>
-                        <a:t>HWS</a:t>
-                      </a:r>
-                      <a:endParaRPr lang="es-AR" sz="1100" dirty="0">
-                        <a:latin typeface="Calibri"/>
-                        <a:ea typeface="Times New Roman"/>
-                        <a:cs typeface="Times New Roman"/>
-                      </a:endParaRPr>
-                    </a:p>
-                  </a:txBody>
-                  <a:tcPr marL="68580" marR="68580" marT="0" marB="0">
-                    <a:lnL>
-                      <a:noFill/>
-                    </a:lnL>
-                    <a:lnR w="12700" cap="flat" cmpd="sng" algn="ctr">
-                      <a:solidFill>
-                        <a:srgbClr val="4F81BD"/>
-                      </a:solidFill>
-                      <a:prstDash val="solid"/>
-                      <a:round/>
-                      <a:headEnd type="none" w="med" len="med"/>
-                      <a:tailEnd type="none" w="med" len="med"/>
-                    </a:lnR>
-                    <a:lnT w="12700" cap="flat" cmpd="sng" algn="ctr">
-                      <a:solidFill>
-                        <a:srgbClr val="4F81BD"/>
-                      </a:solidFill>
-                      <a:prstDash val="solid"/>
-                      <a:round/>
-                      <a:headEnd type="none" w="med" len="med"/>
-                      <a:tailEnd type="none" w="med" len="med"/>
-                    </a:lnT>
-                    <a:lnB w="12700" cap="flat" cmpd="sng" algn="ctr">
-                      <a:solidFill>
-                        <a:srgbClr val="4F81BD"/>
-                      </a:solidFill>
-                      <a:prstDash val="solid"/>
-                      <a:round/>
-                      <a:headEnd type="none" w="med" len="med"/>
-                      <a:tailEnd type="none" w="med" len="med"/>
-                    </a:lnB>
-                    <a:solidFill>
-                      <a:srgbClr val="4F81BD"/>
-                    </a:solidFill>
-                  </a:tcPr>
-                </a:tc>
-              </a:tr>
-              <a:tr h="325499">
-                <a:tc>
-                  <a:txBody>
-                    <a:bodyPr/>
-                    <a:lstStyle/>
-                    <a:p>
-                      <a:pPr algn="ctr">
-                        <a:lnSpc>
-                          <a:spcPct val="115000"/>
-                        </a:lnSpc>
-                        <a:spcAft>
-                          <a:spcPts val="0"/>
-                        </a:spcAft>
-                      </a:pPr>
-                      <a:r>
-                        <a:rPr lang="es-AR" sz="1100" b="1">
-                          <a:latin typeface="Calibri"/>
-                          <a:ea typeface="Calibri"/>
-                          <a:cs typeface="Times New Roman"/>
-                        </a:rPr>
-                        <a:t>QVP</a:t>
-                      </a:r>
-                      <a:endParaRPr lang="es-AR" sz="1100">
-                        <a:latin typeface="Calibri"/>
-                        <a:ea typeface="Times New Roman"/>
-                        <a:cs typeface="Times New Roman"/>
-                      </a:endParaRPr>
-                    </a:p>
-                  </a:txBody>
-                  <a:tcPr marL="68580" marR="68580" marT="0" marB="0">
-                    <a:lnL w="12700" cap="flat" cmpd="sng" algn="ctr">
-                      <a:solidFill>
-                        <a:srgbClr val="4F81BD"/>
-                      </a:solidFill>
-                      <a:prstDash val="solid"/>
-                      <a:round/>
-                      <a:headEnd type="none" w="med" len="med"/>
-                      <a:tailEnd type="none" w="med" len="med"/>
-                    </a:lnL>
-                    <a:lnR>
-                      <a:noFill/>
-                    </a:lnR>
-                    <a:lnT w="12700" cap="flat" cmpd="sng" algn="ctr">
-                      <a:solidFill>
-                        <a:srgbClr val="4F81BD"/>
-                      </a:solidFill>
-                      <a:prstDash val="solid"/>
-                      <a:round/>
-                      <a:headEnd type="none" w="med" len="med"/>
-                      <a:tailEnd type="none" w="med" len="med"/>
-                    </a:lnT>
-                    <a:lnB w="12700" cap="flat" cmpd="sng" algn="ctr">
-                      <a:solidFill>
-                        <a:srgbClr val="4F81BD"/>
-                      </a:solidFill>
-                      <a:prstDash val="solid"/>
-                      <a:round/>
-                      <a:headEnd type="none" w="med" len="med"/>
-                      <a:tailEnd type="none" w="med" len="med"/>
-                    </a:lnB>
-                  </a:tcPr>
-                </a:tc>
-                <a:tc>
-                  <a:txBody>
-                    <a:bodyPr/>
-                    <a:lstStyle/>
-                    <a:p>
-                      <a:pPr algn="ctr">
-                        <a:lnSpc>
-                          <a:spcPct val="115000"/>
-                        </a:lnSpc>
-                        <a:spcAft>
-                          <a:spcPts val="0"/>
-                        </a:spcAft>
-                      </a:pPr>
-                      <a:r>
-                        <a:rPr lang="es-AR" sz="1100">
-                          <a:latin typeface="Calibri"/>
-                          <a:ea typeface="Calibri"/>
-                          <a:cs typeface="Times New Roman"/>
-                        </a:rPr>
-                        <a:t>3</a:t>
-                      </a:r>
-                      <a:endParaRPr lang="es-AR" sz="1100">
-                        <a:latin typeface="Calibri"/>
-                        <a:ea typeface="Times New Roman"/>
-                        <a:cs typeface="Times New Roman"/>
-                      </a:endParaRPr>
-                    </a:p>
-                  </a:txBody>
-                  <a:tcPr marL="68580" marR="68580" marT="0" marB="0">
-                    <a:lnL>
-                      <a:noFill/>
-                    </a:lnL>
-                    <a:lnR w="12700" cap="flat" cmpd="sng" algn="ctr">
-                      <a:solidFill>
-                        <a:srgbClr val="4F81BD"/>
-                      </a:solidFill>
-                      <a:prstDash val="solid"/>
-                      <a:round/>
-                      <a:headEnd type="none" w="med" len="med"/>
-                      <a:tailEnd type="none" w="med" len="med"/>
-                    </a:lnR>
-                    <a:lnT w="12700" cap="flat" cmpd="sng" algn="ctr">
-                      <a:solidFill>
-                        <a:srgbClr val="4F81BD"/>
-                      </a:solidFill>
-                      <a:prstDash val="solid"/>
-                      <a:round/>
-                      <a:headEnd type="none" w="med" len="med"/>
-                      <a:tailEnd type="none" w="med" len="med"/>
-                    </a:lnT>
-                    <a:lnB w="12700" cap="flat" cmpd="sng" algn="ctr">
-                      <a:solidFill>
-                        <a:srgbClr val="4F81BD"/>
-                      </a:solidFill>
-                      <a:prstDash val="solid"/>
-                      <a:round/>
-                      <a:headEnd type="none" w="med" len="med"/>
-                      <a:tailEnd type="none" w="med" len="med"/>
-                    </a:lnB>
-                  </a:tcPr>
-                </a:tc>
-              </a:tr>
-              <a:tr h="325499">
-                <a:tc>
-                  <a:txBody>
-                    <a:bodyPr/>
-                    <a:lstStyle/>
-                    <a:p>
-                      <a:pPr algn="ctr">
-                        <a:lnSpc>
-                          <a:spcPct val="115000"/>
-                        </a:lnSpc>
-                        <a:spcAft>
-                          <a:spcPts val="0"/>
-                        </a:spcAft>
-                      </a:pPr>
-                      <a:r>
-                        <a:rPr lang="es-AR" sz="1100" b="1" dirty="0">
-                          <a:latin typeface="Calibri"/>
-                          <a:ea typeface="Calibri"/>
-                          <a:cs typeface="Times New Roman"/>
-                        </a:rPr>
-                        <a:t>QFP</a:t>
-                      </a:r>
-                      <a:endParaRPr lang="es-AR" sz="1100" dirty="0">
-                        <a:latin typeface="Calibri"/>
-                        <a:ea typeface="Times New Roman"/>
-                        <a:cs typeface="Times New Roman"/>
-                      </a:endParaRPr>
-                    </a:p>
-                  </a:txBody>
-                  <a:tcPr marL="68580" marR="68580" marT="0" marB="0">
-                    <a:lnL w="12700" cap="flat" cmpd="sng" algn="ctr">
-                      <a:solidFill>
-                        <a:srgbClr val="4F81BD"/>
-                      </a:solidFill>
-                      <a:prstDash val="solid"/>
-                      <a:round/>
-                      <a:headEnd type="none" w="med" len="med"/>
-                      <a:tailEnd type="none" w="med" len="med"/>
-                    </a:lnL>
-                    <a:lnR>
-                      <a:noFill/>
-                    </a:lnR>
-                    <a:lnT w="12700" cap="flat" cmpd="sng" algn="ctr">
-                      <a:solidFill>
-                        <a:srgbClr val="4F81BD"/>
-                      </a:solidFill>
-                      <a:prstDash val="solid"/>
-                      <a:round/>
-                      <a:headEnd type="none" w="med" len="med"/>
-                      <a:tailEnd type="none" w="med" len="med"/>
-                    </a:lnT>
-                    <a:lnB w="12700" cap="flat" cmpd="sng" algn="ctr">
-                      <a:solidFill>
-                        <a:srgbClr val="4F81BD"/>
-                      </a:solidFill>
-                      <a:prstDash val="solid"/>
-                      <a:round/>
-                      <a:headEnd type="none" w="med" len="med"/>
-                      <a:tailEnd type="none" w="med" len="med"/>
-                    </a:lnB>
-                  </a:tcPr>
-                </a:tc>
-                <a:tc>
-                  <a:txBody>
-                    <a:bodyPr/>
-                    <a:lstStyle/>
-                    <a:p>
-                      <a:pPr algn="ctr">
-                        <a:lnSpc>
-                          <a:spcPct val="115000"/>
-                        </a:lnSpc>
-                        <a:spcAft>
-                          <a:spcPts val="0"/>
-                        </a:spcAft>
-                      </a:pPr>
-                      <a:r>
-                        <a:rPr lang="es-AR" sz="1100">
-                          <a:latin typeface="Calibri"/>
-                          <a:ea typeface="Calibri"/>
-                          <a:cs typeface="Times New Roman"/>
-                        </a:rPr>
-                        <a:t>3</a:t>
-                      </a:r>
-                      <a:endParaRPr lang="es-AR" sz="1100">
-                        <a:latin typeface="Calibri"/>
-                        <a:ea typeface="Times New Roman"/>
-                        <a:cs typeface="Times New Roman"/>
-                      </a:endParaRPr>
-                    </a:p>
-                  </a:txBody>
-                  <a:tcPr marL="68580" marR="68580" marT="0" marB="0">
-                    <a:lnL>
-                      <a:noFill/>
-                    </a:lnL>
-                    <a:lnR w="12700" cap="flat" cmpd="sng" algn="ctr">
-                      <a:solidFill>
-                        <a:srgbClr val="4F81BD"/>
-                      </a:solidFill>
-                      <a:prstDash val="solid"/>
-                      <a:round/>
-                      <a:headEnd type="none" w="med" len="med"/>
-                      <a:tailEnd type="none" w="med" len="med"/>
-                    </a:lnR>
-                    <a:lnT w="12700" cap="flat" cmpd="sng" algn="ctr">
-                      <a:solidFill>
-                        <a:srgbClr val="4F81BD"/>
-                      </a:solidFill>
-                      <a:prstDash val="solid"/>
-                      <a:round/>
-                      <a:headEnd type="none" w="med" len="med"/>
-                      <a:tailEnd type="none" w="med" len="med"/>
-                    </a:lnT>
-                    <a:lnB w="12700" cap="flat" cmpd="sng" algn="ctr">
-                      <a:solidFill>
-                        <a:srgbClr val="4F81BD"/>
-                      </a:solidFill>
-                      <a:prstDash val="solid"/>
-                      <a:round/>
-                      <a:headEnd type="none" w="med" len="med"/>
-                      <a:tailEnd type="none" w="med" len="med"/>
-                    </a:lnB>
-                  </a:tcPr>
-                </a:tc>
-              </a:tr>
-              <a:tr h="325499">
-                <a:tc>
-                  <a:txBody>
-                    <a:bodyPr/>
-                    <a:lstStyle/>
-                    <a:p>
-                      <a:pPr algn="ctr">
-                        <a:lnSpc>
-                          <a:spcPct val="115000"/>
-                        </a:lnSpc>
-                        <a:spcAft>
-                          <a:spcPts val="0"/>
-                        </a:spcAft>
-                      </a:pPr>
-                      <a:r>
-                        <a:rPr lang="es-AR" sz="1100" b="1" dirty="0">
-                          <a:latin typeface="Calibri"/>
-                          <a:ea typeface="Calibri"/>
-                          <a:cs typeface="Times New Roman"/>
-                        </a:rPr>
-                        <a:t>QFN</a:t>
-                      </a:r>
-                      <a:endParaRPr lang="es-AR" sz="1100" dirty="0">
-                        <a:latin typeface="Calibri"/>
-                        <a:ea typeface="Times New Roman"/>
-                        <a:cs typeface="Times New Roman"/>
-                      </a:endParaRPr>
-                    </a:p>
-                  </a:txBody>
-                  <a:tcPr marL="68580" marR="68580" marT="0" marB="0">
-                    <a:lnL w="12700" cap="flat" cmpd="sng" algn="ctr">
-                      <a:solidFill>
-                        <a:srgbClr val="4F81BD"/>
-                      </a:solidFill>
-                      <a:prstDash val="solid"/>
-                      <a:round/>
-                      <a:headEnd type="none" w="med" len="med"/>
-                      <a:tailEnd type="none" w="med" len="med"/>
-                    </a:lnL>
-                    <a:lnR>
-                      <a:noFill/>
-                    </a:lnR>
-                    <a:lnT w="12700" cap="flat" cmpd="sng" algn="ctr">
-                      <a:solidFill>
-                        <a:srgbClr val="4F81BD"/>
-                      </a:solidFill>
-                      <a:prstDash val="solid"/>
-                      <a:round/>
-                      <a:headEnd type="none" w="med" len="med"/>
-                      <a:tailEnd type="none" w="med" len="med"/>
-                    </a:lnT>
-                    <a:lnB w="12700" cap="flat" cmpd="sng" algn="ctr">
-                      <a:solidFill>
-                        <a:srgbClr val="4F81BD"/>
-                      </a:solidFill>
-                      <a:prstDash val="solid"/>
-                      <a:round/>
-                      <a:headEnd type="none" w="med" len="med"/>
-                      <a:tailEnd type="none" w="med" len="med"/>
-                    </a:lnB>
-                  </a:tcPr>
-                </a:tc>
-                <a:tc>
-                  <a:txBody>
-                    <a:bodyPr/>
-                    <a:lstStyle/>
-                    <a:p>
-                      <a:pPr algn="ctr">
-                        <a:lnSpc>
-                          <a:spcPct val="115000"/>
-                        </a:lnSpc>
-                        <a:spcAft>
-                          <a:spcPts val="0"/>
-                        </a:spcAft>
-                      </a:pPr>
-                      <a:r>
-                        <a:rPr lang="es-AR" sz="1100">
-                          <a:latin typeface="Calibri"/>
-                          <a:ea typeface="Calibri"/>
-                          <a:cs typeface="Times New Roman"/>
-                        </a:rPr>
-                        <a:t>3</a:t>
-                      </a:r>
-                      <a:endParaRPr lang="es-AR" sz="1100">
-                        <a:latin typeface="Calibri"/>
-                        <a:ea typeface="Times New Roman"/>
-                        <a:cs typeface="Times New Roman"/>
-                      </a:endParaRPr>
-                    </a:p>
-                  </a:txBody>
-                  <a:tcPr marL="68580" marR="68580" marT="0" marB="0">
-                    <a:lnL>
-                      <a:noFill/>
-                    </a:lnL>
-                    <a:lnR w="12700" cap="flat" cmpd="sng" algn="ctr">
-                      <a:solidFill>
-                        <a:srgbClr val="4F81BD"/>
-                      </a:solidFill>
-                      <a:prstDash val="solid"/>
-                      <a:round/>
-                      <a:headEnd type="none" w="med" len="med"/>
-                      <a:tailEnd type="none" w="med" len="med"/>
-                    </a:lnR>
-                    <a:lnT w="12700" cap="flat" cmpd="sng" algn="ctr">
-                      <a:solidFill>
-                        <a:srgbClr val="4F81BD"/>
-                      </a:solidFill>
-                      <a:prstDash val="solid"/>
-                      <a:round/>
-                      <a:headEnd type="none" w="med" len="med"/>
-                      <a:tailEnd type="none" w="med" len="med"/>
-                    </a:lnT>
-                    <a:lnB w="12700" cap="flat" cmpd="sng" algn="ctr">
-                      <a:solidFill>
-                        <a:srgbClr val="4F81BD"/>
-                      </a:solidFill>
-                      <a:prstDash val="solid"/>
-                      <a:round/>
-                      <a:headEnd type="none" w="med" len="med"/>
-                      <a:tailEnd type="none" w="med" len="med"/>
-                    </a:lnB>
-                  </a:tcPr>
-                </a:tc>
-              </a:tr>
-              <a:tr h="325499">
-                <a:tc>
-                  <a:txBody>
-                    <a:bodyPr/>
-                    <a:lstStyle/>
-                    <a:p>
-                      <a:pPr algn="ctr">
-                        <a:lnSpc>
-                          <a:spcPct val="115000"/>
-                        </a:lnSpc>
-                        <a:spcAft>
-                          <a:spcPts val="0"/>
-                        </a:spcAft>
-                      </a:pPr>
-                      <a:r>
-                        <a:rPr lang="es-AR" sz="1100" b="1">
-                          <a:latin typeface="Calibri"/>
-                          <a:ea typeface="Calibri"/>
-                          <a:cs typeface="Times New Roman"/>
-                        </a:rPr>
-                        <a:t>QV</a:t>
-                      </a:r>
-                      <a:endParaRPr lang="es-AR" sz="1100">
-                        <a:latin typeface="Calibri"/>
-                        <a:ea typeface="Times New Roman"/>
-                        <a:cs typeface="Times New Roman"/>
-                      </a:endParaRPr>
-                    </a:p>
-                  </a:txBody>
-                  <a:tcPr marL="68580" marR="68580" marT="0" marB="0">
-                    <a:lnL w="12700" cap="flat" cmpd="sng" algn="ctr">
-                      <a:solidFill>
-                        <a:srgbClr val="4F81BD"/>
-                      </a:solidFill>
-                      <a:prstDash val="solid"/>
-                      <a:round/>
-                      <a:headEnd type="none" w="med" len="med"/>
-                      <a:tailEnd type="none" w="med" len="med"/>
-                    </a:lnL>
-                    <a:lnR>
-                      <a:noFill/>
-                    </a:lnR>
-                    <a:lnT w="12700" cap="flat" cmpd="sng" algn="ctr">
-                      <a:solidFill>
-                        <a:srgbClr val="4F81BD"/>
-                      </a:solidFill>
-                      <a:prstDash val="solid"/>
-                      <a:round/>
-                      <a:headEnd type="none" w="med" len="med"/>
-                      <a:tailEnd type="none" w="med" len="med"/>
-                    </a:lnT>
-                    <a:lnB w="12700" cap="flat" cmpd="sng" algn="ctr">
-                      <a:solidFill>
-                        <a:srgbClr val="4F81BD"/>
-                      </a:solidFill>
-                      <a:prstDash val="solid"/>
-                      <a:round/>
-                      <a:headEnd type="none" w="med" len="med"/>
-                      <a:tailEnd type="none" w="med" len="med"/>
-                    </a:lnB>
-                  </a:tcPr>
-                </a:tc>
-                <a:tc>
-                  <a:txBody>
-                    <a:bodyPr/>
-                    <a:lstStyle/>
-                    <a:p>
-                      <a:pPr algn="ctr">
-                        <a:lnSpc>
-                          <a:spcPct val="115000"/>
-                        </a:lnSpc>
-                        <a:spcAft>
-                          <a:spcPts val="0"/>
-                        </a:spcAft>
-                      </a:pPr>
-                      <a:r>
-                        <a:rPr lang="es-AR" sz="1100" dirty="0">
-                          <a:latin typeface="Calibri"/>
-                          <a:ea typeface="Calibri"/>
-                          <a:cs typeface="Times New Roman"/>
-                        </a:rPr>
-                        <a:t>6</a:t>
-                      </a:r>
-                      <a:endParaRPr lang="es-AR" sz="1100" dirty="0">
-                        <a:latin typeface="Calibri"/>
-                        <a:ea typeface="Times New Roman"/>
-                        <a:cs typeface="Times New Roman"/>
-                      </a:endParaRPr>
-                    </a:p>
-                  </a:txBody>
-                  <a:tcPr marL="68580" marR="68580" marT="0" marB="0">
-                    <a:lnL>
-                      <a:noFill/>
-                    </a:lnL>
-                    <a:lnR w="12700" cap="flat" cmpd="sng" algn="ctr">
-                      <a:solidFill>
-                        <a:srgbClr val="4F81BD"/>
-                      </a:solidFill>
-                      <a:prstDash val="solid"/>
-                      <a:round/>
-                      <a:headEnd type="none" w="med" len="med"/>
-                      <a:tailEnd type="none" w="med" len="med"/>
-                    </a:lnR>
-                    <a:lnT w="12700" cap="flat" cmpd="sng" algn="ctr">
-                      <a:solidFill>
-                        <a:srgbClr val="4F81BD"/>
-                      </a:solidFill>
-                      <a:prstDash val="solid"/>
-                      <a:round/>
-                      <a:headEnd type="none" w="med" len="med"/>
-                      <a:tailEnd type="none" w="med" len="med"/>
-                    </a:lnT>
-                    <a:lnB w="12700" cap="flat" cmpd="sng" algn="ctr">
-                      <a:solidFill>
-                        <a:srgbClr val="4F81BD"/>
-                      </a:solidFill>
-                      <a:prstDash val="solid"/>
-                      <a:round/>
-                      <a:headEnd type="none" w="med" len="med"/>
-                      <a:tailEnd type="none" w="med" len="med"/>
-                    </a:lnB>
-                  </a:tcPr>
-                </a:tc>
-              </a:tr>
-            </a:tbl>
-          </a:graphicData>
-        </a:graphic>
-      </p:graphicFrame>
-      <p:pic>
-        <p:nvPicPr>
-          <p:cNvPr id="5" name="4 Imagen" descr="C:\Documents and Settings\Administrador\Escritorio\hws1.JPG"/>
-          <p:cNvPicPr/>
-          <p:nvPr/>
-        </p:nvPicPr>
-        <p:blipFill>
-          <a:blip r:embed="rId2" cstate="print"/>
-          <a:srcRect/>
-          <a:stretch>
-            <a:fillRect/>
-          </a:stretch>
-        </p:blipFill>
-        <p:spPr bwMode="auto">
-          <a:xfrm>
-            <a:off x="467544" y="1412776"/>
-            <a:ext cx="7992888" cy="2592288"/>
-          </a:xfrm>
-          <a:prstGeom prst="rect">
-            <a:avLst/>
-          </a:prstGeom>
-          <a:noFill/>
-          <a:ln w="9525">
-            <a:noFill/>
-            <a:miter lim="800000"/>
-            <a:headEnd/>
-            <a:tailEnd/>
-          </a:ln>
-        </p:spPr>
-      </p:pic>
-      <p:pic>
-        <p:nvPicPr>
-          <p:cNvPr id="25602" name="Picture 2"/>
-          <p:cNvPicPr>
-            <a:picLocks noChangeAspect="1" noChangeArrowheads="1"/>
-          </p:cNvPicPr>
-          <p:nvPr/>
-        </p:nvPicPr>
-        <p:blipFill>
-          <a:blip r:embed="rId3" cstate="print">
-            <a:clrChange>
-              <a:clrFrom>
-                <a:srgbClr val="FFFFFF"/>
-              </a:clrFrom>
-              <a:clrTo>
-                <a:srgbClr val="FFFFFF">
-                  <a:alpha val="0"/>
-                </a:srgbClr>
-              </a:clrTo>
-            </a:clrChange>
-          </a:blip>
-          <a:srcRect/>
-          <a:stretch>
-            <a:fillRect/>
-          </a:stretch>
-        </p:blipFill>
-        <p:spPr bwMode="auto">
-          <a:xfrm>
-            <a:off x="4067944" y="4653136"/>
-            <a:ext cx="3510991" cy="519135"/>
-          </a:xfrm>
-          <a:prstGeom prst="rect">
-            <a:avLst/>
-          </a:prstGeom>
-          <a:noFill/>
-        </p:spPr>
-      </p:pic>
-      <p:pic>
-        <p:nvPicPr>
-          <p:cNvPr id="25601" name="Picture 1"/>
-          <p:cNvPicPr>
-            <a:picLocks noChangeAspect="1" noChangeArrowheads="1"/>
-          </p:cNvPicPr>
-          <p:nvPr/>
-        </p:nvPicPr>
-        <p:blipFill>
-          <a:blip r:embed="rId4" cstate="print">
-            <a:clrChange>
-              <a:clrFrom>
-                <a:srgbClr val="FFFFFF"/>
-              </a:clrFrom>
-              <a:clrTo>
-                <a:srgbClr val="FFFFFF">
-                  <a:alpha val="0"/>
-                </a:srgbClr>
-              </a:clrTo>
-            </a:clrChange>
-          </a:blip>
-          <a:srcRect/>
-          <a:stretch>
-            <a:fillRect/>
-          </a:stretch>
-        </p:blipFill>
-        <p:spPr bwMode="auto">
-          <a:xfrm>
-            <a:off x="4139952" y="5445224"/>
-            <a:ext cx="3103924" cy="504056"/>
-          </a:xfrm>
-          <a:prstGeom prst="rect">
-            <a:avLst/>
-          </a:prstGeom>
-          <a:noFill/>
-        </p:spPr>
-      </p:pic>
-      <p:sp>
-        <p:nvSpPr>
-          <p:cNvPr id="25603" name="Rectangle 3"/>
-          <p:cNvSpPr>
-            <a:spLocks noChangeArrowheads="1"/>
-          </p:cNvSpPr>
-          <p:nvPr/>
-        </p:nvSpPr>
-        <p:spPr bwMode="auto">
-          <a:xfrm>
-            <a:off x="0" y="0"/>
-            <a:ext cx="9144000" cy="457200"/>
-          </a:xfrm>
-          <a:prstGeom prst="rect">
-            <a:avLst/>
-          </a:prstGeom>
-          <a:noFill/>
-          <a:ln w="9525">
-            <a:noFill/>
-            <a:miter lim="800000"/>
-            <a:headEnd/>
-            <a:tailEnd/>
-          </a:ln>
-          <a:effectLst/>
-        </p:spPr>
-        <p:txBody>
-          <a:bodyPr vert="horz" wrap="none" lIns="91440" tIns="45720" rIns="91440" bIns="45720" numCol="1" anchor="ctr" anchorCtr="0" compatLnSpc="1">
-            <a:prstTxWarp prst="textNoShape">
-              <a:avLst/>
-            </a:prstTxWarp>
-            <a:spAutoFit/>
-          </a:bodyPr>
-          <a:lstStyle/>
-          <a:p>
-            <a:endParaRPr lang="es-AR"/>
-          </a:p>
-        </p:txBody>
-      </p:sp>
-      <p:sp>
-        <p:nvSpPr>
-          <p:cNvPr id="25604" name="Rectangle 4"/>
-          <p:cNvSpPr>
-            <a:spLocks noChangeArrowheads="1"/>
-          </p:cNvSpPr>
-          <p:nvPr/>
-        </p:nvSpPr>
-        <p:spPr bwMode="auto">
-          <a:xfrm>
-            <a:off x="0" y="819150"/>
-            <a:ext cx="9144000" cy="457200"/>
-          </a:xfrm>
-          <a:prstGeom prst="rect">
-            <a:avLst/>
-          </a:prstGeom>
-          <a:noFill/>
-          <a:ln w="9525">
-            <a:noFill/>
-            <a:miter lim="800000"/>
-            <a:headEnd/>
-            <a:tailEnd/>
-          </a:ln>
-          <a:effectLst/>
-        </p:spPr>
-        <p:txBody>
-          <a:bodyPr vert="horz" wrap="none" lIns="91440" tIns="45720" rIns="91440" bIns="45720" numCol="1" anchor="ctr" anchorCtr="0" compatLnSpc="1">
-            <a:prstTxWarp prst="textNoShape">
-              <a:avLst/>
-            </a:prstTxWarp>
-            <a:spAutoFit/>
-          </a:bodyPr>
-          <a:lstStyle/>
-          <a:p>
-            <a:endParaRPr lang="es-AR"/>
-          </a:p>
-        </p:txBody>
-      </p:sp>
-    </p:spTree>
-  </p:cSld>
-  <p:clrMapOvr>
-    <a:masterClrMapping/>
-  </p:clrMapOvr>
-  <p:timing>
-    <p:tnLst>
-      <p:par>
-        <p:cTn id="1" dur="indefinite" restart="never" nodeType="tmRoot"/>
-      </p:par>
-    </p:tnLst>
-  </p:timing>
-</p:sld>
-</file>
-
-<file path=ppt/slides/slide14.xml><?xml version="1.0" encoding="utf-8"?>
-<p:sld xmlns:a="http://schemas.openxmlformats.org/drawingml/2006/main" xmlns:r="http://schemas.openxmlformats.org/officeDocument/2006/relationships" xmlns:p="http://schemas.openxmlformats.org/presentationml/2006/main">
-  <p:cSld>
-    <p:spTree>
-      <p:nvGrpSpPr>
-        <p:cNvPr id="1" name=""/>
-        <p:cNvGrpSpPr/>
-        <p:nvPr/>
-      </p:nvGrpSpPr>
-      <p:grpSpPr>
-        <a:xfrm>
-          <a:off x="0" y="0"/>
-          <a:ext cx="0" cy="0"/>
-          <a:chOff x="0" y="0"/>
-          <a:chExt cx="0" cy="0"/>
-        </a:xfrm>
-      </p:grpSpPr>
-      <p:sp>
-        <p:nvSpPr>
-          <p:cNvPr id="2" name="1 Título"/>
-          <p:cNvSpPr>
-            <a:spLocks noGrp="1"/>
-          </p:cNvSpPr>
-          <p:nvPr>
-            <p:ph type="title"/>
-          </p:nvPr>
-        </p:nvSpPr>
-        <p:spPr/>
-        <p:txBody>
-          <a:bodyPr/>
-          <a:lstStyle/>
-          <a:p>
-            <a:r>
-              <a:rPr lang="es-ES" dirty="0" smtClean="0"/>
-              <a:t>Caso de estudio CRS</a:t>
-            </a:r>
-            <a:endParaRPr lang="es-ES" dirty="0"/>
-          </a:p>
-        </p:txBody>
-      </p:sp>
-      <p:sp>
-        <p:nvSpPr>
-          <p:cNvPr id="3" name="2 Marcador de contenido"/>
-          <p:cNvSpPr>
-            <a:spLocks noGrp="1"/>
-          </p:cNvSpPr>
-          <p:nvPr>
-            <p:ph idx="1"/>
-          </p:nvPr>
-        </p:nvSpPr>
-        <p:spPr/>
-        <p:txBody>
-          <a:bodyPr/>
-          <a:lstStyle/>
-          <a:p>
-            <a:r>
-              <a:rPr lang="es-ES" dirty="0" smtClean="0"/>
-              <a:t>Sistema de </a:t>
-            </a:r>
-            <a:r>
-              <a:rPr lang="es-ES" dirty="0" smtClean="0"/>
-              <a:t>Registro </a:t>
-            </a:r>
-            <a:r>
-              <a:rPr lang="es-ES" dirty="0" smtClean="0"/>
-              <a:t>de </a:t>
-            </a:r>
-            <a:r>
-              <a:rPr lang="es-ES" dirty="0" smtClean="0"/>
-              <a:t>Cursos</a:t>
-            </a:r>
-            <a:endParaRPr lang="es-ES" dirty="0" smtClean="0"/>
-          </a:p>
-          <a:p>
-            <a:r>
-              <a:rPr lang="es-ES" dirty="0" smtClean="0"/>
-              <a:t>8 casos de uso (aproximadamente 3900 palabras)</a:t>
-            </a:r>
-          </a:p>
-          <a:p>
-            <a:r>
-              <a:rPr lang="es-ES" dirty="0" smtClean="0"/>
-              <a:t>7 aspectos candidatos</a:t>
-            </a:r>
-          </a:p>
-          <a:p>
-            <a:r>
-              <a:rPr lang="es-ES" dirty="0" err="1" smtClean="0"/>
-              <a:t>QAs</a:t>
-            </a:r>
-            <a:r>
-              <a:rPr lang="es-ES" dirty="0" smtClean="0"/>
-              <a:t> buscados obtenidos del análisis manual </a:t>
-            </a:r>
-            <a:r>
-              <a:rPr lang="es-ES" dirty="0" smtClean="0"/>
-              <a:t>(ad-hoc) </a:t>
-            </a:r>
-            <a:r>
-              <a:rPr lang="es-ES" dirty="0" smtClean="0"/>
-              <a:t>de las especificaciones de requerimientos</a:t>
-            </a:r>
-          </a:p>
-          <a:p>
-            <a:endParaRPr lang="es-ES" dirty="0" smtClean="0"/>
-          </a:p>
-          <a:p>
-            <a:endParaRPr lang="es-ES" dirty="0"/>
-          </a:p>
-        </p:txBody>
-      </p:sp>
-    </p:spTree>
-  </p:cSld>
-  <p:clrMapOvr>
-    <a:masterClrMapping/>
-  </p:clrMapOvr>
-  <p:timing>
-    <p:tnLst>
-      <p:par>
-        <p:cTn id="1" dur="indefinite" restart="never" nodeType="tmRoot"/>
-      </p:par>
-    </p:tnLst>
-  </p:timing>
-</p:sld>
-</file>
-
-<file path=ppt/slides/slide15.xml><?xml version="1.0" encoding="utf-8"?>
-<p:sld xmlns:a="http://schemas.openxmlformats.org/drawingml/2006/main" xmlns:r="http://schemas.openxmlformats.org/officeDocument/2006/relationships" xmlns:p="http://schemas.openxmlformats.org/presentationml/2006/main">
-  <p:cSld>
-    <p:spTree>
-      <p:nvGrpSpPr>
-        <p:cNvPr id="1" name=""/>
-        <p:cNvGrpSpPr/>
-        <p:nvPr/>
-      </p:nvGrpSpPr>
-      <p:grpSpPr>
-        <a:xfrm>
-          <a:off x="0" y="0"/>
-          <a:ext cx="0" cy="0"/>
-          <a:chOff x="0" y="0"/>
-          <a:chExt cx="0" cy="0"/>
-        </a:xfrm>
-      </p:grpSpPr>
-      <p:sp>
-        <p:nvSpPr>
-          <p:cNvPr id="2" name="1 Título"/>
-          <p:cNvSpPr>
-            <a:spLocks noGrp="1"/>
-          </p:cNvSpPr>
-          <p:nvPr>
-            <p:ph type="title"/>
-          </p:nvPr>
-        </p:nvSpPr>
-        <p:spPr/>
-        <p:txBody>
-          <a:bodyPr/>
-          <a:lstStyle/>
-          <a:p>
-            <a:r>
-              <a:rPr lang="es-ES" dirty="0" smtClean="0"/>
-              <a:t>Caso de estudio CRS</a:t>
-            </a:r>
-            <a:endParaRPr lang="es-ES" dirty="0"/>
-          </a:p>
-        </p:txBody>
-      </p:sp>
-      <p:sp>
-        <p:nvSpPr>
-          <p:cNvPr id="3" name="2 Marcador de contenido"/>
-          <p:cNvSpPr>
-            <a:spLocks noGrp="1"/>
-          </p:cNvSpPr>
-          <p:nvPr>
-            <p:ph idx="1"/>
-          </p:nvPr>
-        </p:nvSpPr>
-        <p:spPr/>
-        <p:txBody>
-          <a:bodyPr/>
-          <a:lstStyle/>
-          <a:p>
-            <a:endParaRPr lang="es-ES" dirty="0" smtClean="0"/>
-          </a:p>
-          <a:p>
-            <a:endParaRPr lang="es-ES" dirty="0"/>
-          </a:p>
-        </p:txBody>
-      </p:sp>
-    </p:spTree>
-  </p:cSld>
-  <p:clrMapOvr>
-    <a:masterClrMapping/>
-  </p:clrMapOvr>
-  <p:timing>
-    <p:tnLst>
-      <p:par>
-        <p:cTn id="1" dur="indefinite" restart="never" nodeType="tmRoot"/>
-      </p:par>
-    </p:tnLst>
-  </p:timing>
-</p:sld>
-</file>
-
-<file path=ppt/slides/slide16.xml><?xml version="1.0" encoding="utf-8"?>
-<p:sld xmlns:a="http://schemas.openxmlformats.org/drawingml/2006/main" xmlns:r="http://schemas.openxmlformats.org/officeDocument/2006/relationships" xmlns:p="http://schemas.openxmlformats.org/presentationml/2006/main">
-  <p:cSld>
-    <p:spTree>
-      <p:nvGrpSpPr>
-        <p:cNvPr id="1" name=""/>
-        <p:cNvGrpSpPr/>
-        <p:nvPr/>
-      </p:nvGrpSpPr>
-      <p:grpSpPr>
-        <a:xfrm>
-          <a:off x="0" y="0"/>
-          <a:ext cx="0" cy="0"/>
-          <a:chOff x="0" y="0"/>
-          <a:chExt cx="0" cy="0"/>
-        </a:xfrm>
-      </p:grpSpPr>
-      <p:sp>
-        <p:nvSpPr>
-          <p:cNvPr id="2" name="1 Título"/>
-          <p:cNvSpPr>
-            <a:spLocks noGrp="1"/>
-          </p:cNvSpPr>
-          <p:nvPr>
-            <p:ph type="title"/>
-          </p:nvPr>
-        </p:nvSpPr>
-        <p:spPr/>
-        <p:txBody>
-          <a:bodyPr>
-            <a:normAutofit/>
-          </a:bodyPr>
-          <a:lstStyle/>
-          <a:p>
-            <a:r>
-              <a:rPr lang="es-ES" dirty="0" smtClean="0"/>
-              <a:t>Ventajas y Desventajas</a:t>
-            </a:r>
-            <a:endParaRPr lang="es-ES" dirty="0"/>
-          </a:p>
-        </p:txBody>
-      </p:sp>
-      <p:sp>
-        <p:nvSpPr>
-          <p:cNvPr id="3" name="2 Marcador de contenido"/>
-          <p:cNvSpPr>
-            <a:spLocks noGrp="1"/>
-          </p:cNvSpPr>
-          <p:nvPr>
-            <p:ph idx="1"/>
-          </p:nvPr>
-        </p:nvSpPr>
-        <p:spPr/>
-        <p:txBody>
-          <a:bodyPr>
-            <a:normAutofit fontScale="85000" lnSpcReduction="20000"/>
-          </a:bodyPr>
-          <a:lstStyle/>
-          <a:p>
-            <a:r>
-              <a:rPr lang="es-ES" dirty="0" smtClean="0"/>
-              <a:t>Ventajas</a:t>
-            </a:r>
-          </a:p>
-          <a:p>
-            <a:pPr lvl="1"/>
-            <a:r>
-              <a:rPr lang="es-ES" dirty="0" err="1" smtClean="0"/>
-              <a:t>Recall</a:t>
-            </a:r>
-            <a:endParaRPr lang="es-ES" dirty="0" smtClean="0"/>
-          </a:p>
-          <a:p>
-            <a:pPr lvl="1"/>
-            <a:r>
-              <a:rPr lang="es-ES" dirty="0" smtClean="0"/>
-              <a:t>Tiempo de </a:t>
-            </a:r>
-            <a:r>
-              <a:rPr lang="es-ES" dirty="0" smtClean="0"/>
-              <a:t>ejecución</a:t>
-            </a:r>
-            <a:endParaRPr lang="es-ES" dirty="0" smtClean="0"/>
-          </a:p>
-          <a:p>
-            <a:pPr lvl="1"/>
-            <a:r>
-              <a:rPr lang="es-ES" dirty="0" smtClean="0"/>
-              <a:t>Nivel de </a:t>
-            </a:r>
-            <a:r>
-              <a:rPr lang="es-ES" dirty="0" smtClean="0"/>
-              <a:t>automatización</a:t>
-            </a:r>
-            <a:endParaRPr lang="es-ES" dirty="0" smtClean="0"/>
-          </a:p>
-          <a:p>
-            <a:pPr lvl="1"/>
-            <a:r>
-              <a:rPr lang="es-ES" dirty="0" smtClean="0"/>
-              <a:t>Extensión a otros </a:t>
-            </a:r>
-            <a:r>
-              <a:rPr lang="es-ES" dirty="0" smtClean="0"/>
-              <a:t>documentos</a:t>
-            </a:r>
-            <a:endParaRPr lang="es-ES" dirty="0" smtClean="0"/>
-          </a:p>
-          <a:p>
-            <a:pPr lvl="1"/>
-            <a:r>
-              <a:rPr lang="es-ES" dirty="0" smtClean="0"/>
-              <a:t>Extensibilidad para la identificación de otros QAs</a:t>
-            </a:r>
-          </a:p>
-          <a:p>
-            <a:r>
-              <a:rPr lang="es-ES" dirty="0" smtClean="0"/>
-              <a:t>Desventajas</a:t>
-            </a:r>
-          </a:p>
-          <a:p>
-            <a:pPr lvl="1"/>
-            <a:r>
-              <a:rPr lang="es-ES" dirty="0" smtClean="0"/>
-              <a:t>Dependencia de los aspectos </a:t>
-            </a:r>
-            <a:r>
-              <a:rPr lang="es-ES" dirty="0" smtClean="0"/>
-              <a:t>encontrados</a:t>
-            </a:r>
-            <a:endParaRPr lang="es-ES" dirty="0" smtClean="0"/>
-          </a:p>
-          <a:p>
-            <a:pPr lvl="1"/>
-            <a:r>
-              <a:rPr lang="es-ES" dirty="0" smtClean="0"/>
-              <a:t>QAs no relacionados con </a:t>
-            </a:r>
-            <a:r>
-              <a:rPr lang="es-ES" dirty="0" smtClean="0"/>
-              <a:t>aspectos</a:t>
-            </a:r>
-            <a:endParaRPr lang="es-ES" dirty="0" smtClean="0"/>
-          </a:p>
-          <a:p>
-            <a:pPr lvl="1"/>
-            <a:r>
-              <a:rPr lang="es-ES" dirty="0" smtClean="0"/>
-              <a:t>Definición de una ontología</a:t>
-            </a:r>
-          </a:p>
-          <a:p>
-            <a:pPr lvl="1"/>
-            <a:r>
-              <a:rPr lang="es-ES" dirty="0" smtClean="0"/>
-              <a:t>Limitaciones del lenguaje</a:t>
-            </a:r>
-          </a:p>
-          <a:p>
-            <a:pPr lvl="1"/>
-            <a:r>
-              <a:rPr lang="es-ES" dirty="0" smtClean="0"/>
-              <a:t>Aprendizaje</a:t>
-            </a:r>
-            <a:endParaRPr lang="es-ES" dirty="0"/>
-          </a:p>
-        </p:txBody>
-      </p:sp>
-    </p:spTree>
-  </p:cSld>
-  <p:clrMapOvr>
-    <a:masterClrMapping/>
-  </p:clrMapOvr>
-  <p:timing>
-    <p:tnLst>
-      <p:par>
-        <p:cTn id="1" dur="indefinite" restart="never" nodeType="tmRoot"/>
-      </p:par>
-    </p:tnLst>
-  </p:timing>
-</p:sld>
-</file>
-
-<file path=ppt/slides/slide17.xml><?xml version="1.0" encoding="utf-8"?>
-<p:sld xmlns:a="http://schemas.openxmlformats.org/drawingml/2006/main" xmlns:r="http://schemas.openxmlformats.org/officeDocument/2006/relationships" xmlns:p="http://schemas.openxmlformats.org/presentationml/2006/main">
-  <p:cSld>
-    <p:spTree>
-      <p:nvGrpSpPr>
-        <p:cNvPr id="1" name=""/>
-        <p:cNvGrpSpPr/>
-        <p:nvPr/>
-      </p:nvGrpSpPr>
-      <p:grpSpPr>
-        <a:xfrm>
-          <a:off x="0" y="0"/>
-          <a:ext cx="0" cy="0"/>
-          <a:chOff x="0" y="0"/>
-          <a:chExt cx="0" cy="0"/>
-        </a:xfrm>
-      </p:grpSpPr>
-      <p:sp>
-        <p:nvSpPr>
-          <p:cNvPr id="2" name="1 Título"/>
-          <p:cNvSpPr>
-            <a:spLocks noGrp="1"/>
-          </p:cNvSpPr>
-          <p:nvPr>
-            <p:ph type="title"/>
-          </p:nvPr>
-        </p:nvSpPr>
-        <p:spPr/>
-        <p:txBody>
-          <a:bodyPr/>
-          <a:lstStyle/>
-          <a:p>
-            <a:r>
-              <a:rPr lang="es-ES" dirty="0" smtClean="0"/>
-              <a:t>Trabajos Futuros</a:t>
-            </a:r>
-            <a:endParaRPr lang="es-ES" dirty="0"/>
-          </a:p>
-        </p:txBody>
-      </p:sp>
-      <p:sp>
-        <p:nvSpPr>
-          <p:cNvPr id="3" name="2 Marcador de contenido"/>
-          <p:cNvSpPr>
-            <a:spLocks noGrp="1"/>
-          </p:cNvSpPr>
-          <p:nvPr>
-            <p:ph idx="1"/>
-          </p:nvPr>
-        </p:nvSpPr>
-        <p:spPr/>
-        <p:txBody>
-          <a:bodyPr/>
-          <a:lstStyle/>
-          <a:p>
-            <a:r>
-              <a:rPr lang="es-ES" dirty="0" smtClean="0"/>
-              <a:t>Mejora de la ontología</a:t>
-            </a:r>
-          </a:p>
-          <a:p>
-            <a:r>
-              <a:rPr lang="es-ES" dirty="0" smtClean="0"/>
-              <a:t>Atributos de los tokens</a:t>
-            </a:r>
-          </a:p>
-          <a:p>
-            <a:r>
-              <a:rPr lang="es-ES" dirty="0" smtClean="0"/>
-              <a:t>Minar QAs desde otros documentos</a:t>
-            </a:r>
-          </a:p>
-          <a:p>
-            <a:r>
-              <a:rPr lang="es-ES" dirty="0" smtClean="0"/>
-              <a:t>Aprendizaje</a:t>
-            </a:r>
-          </a:p>
-          <a:p>
-            <a:r>
-              <a:rPr lang="es-ES" dirty="0" smtClean="0"/>
-              <a:t>Arquitecturas orientadas a aspectos</a:t>
-            </a:r>
-            <a:endParaRPr lang="es-ES" dirty="0"/>
-          </a:p>
-        </p:txBody>
-      </p:sp>
-    </p:spTree>
-  </p:cSld>
-  <p:clrMapOvr>
-    <a:masterClrMapping/>
-  </p:clrMapOvr>
-  <p:timing>
-    <p:tnLst>
-      <p:par>
-        <p:cTn id="1" dur="indefinite" restart="never" nodeType="tmRoot"/>
-      </p:par>
-    </p:tnLst>
-  </p:timing>
-</p:sld>
-</file>
-
-<file path=ppt/slides/slide18.xml><?xml version="1.0" encoding="utf-8"?>
-<p:sld xmlns:a="http://schemas.openxmlformats.org/drawingml/2006/main" xmlns:r="http://schemas.openxmlformats.org/officeDocument/2006/relationships" xmlns:p="http://schemas.openxmlformats.org/presentationml/2006/main">
-  <p:cSld>
-    <p:spTree>
-      <p:nvGrpSpPr>
-        <p:cNvPr id="1" name=""/>
-        <p:cNvGrpSpPr/>
-        <p:nvPr/>
-      </p:nvGrpSpPr>
-      <p:grpSpPr>
-        <a:xfrm>
-          <a:off x="0" y="0"/>
-          <a:ext cx="0" cy="0"/>
-          <a:chOff x="0" y="0"/>
-          <a:chExt cx="0" cy="0"/>
-        </a:xfrm>
-      </p:grpSpPr>
-      <p:sp>
-        <p:nvSpPr>
-          <p:cNvPr id="2" name="1 Título"/>
-          <p:cNvSpPr>
-            <a:spLocks noGrp="1"/>
-          </p:cNvSpPr>
-          <p:nvPr>
-            <p:ph type="title"/>
-          </p:nvPr>
-        </p:nvSpPr>
-        <p:spPr/>
-        <p:txBody>
-          <a:bodyPr/>
-          <a:lstStyle/>
-          <a:p>
-            <a:r>
-              <a:rPr lang="es-ES" dirty="0" smtClean="0"/>
-              <a:t>Preguntas</a:t>
-            </a:r>
-            <a:endParaRPr lang="es-ES" dirty="0"/>
-          </a:p>
-        </p:txBody>
-      </p:sp>
-      <p:sp>
-        <p:nvSpPr>
-          <p:cNvPr id="3" name="2 Marcador de contenido"/>
-          <p:cNvSpPr>
-            <a:spLocks noGrp="1"/>
-          </p:cNvSpPr>
-          <p:nvPr>
-            <p:ph idx="1"/>
-          </p:nvPr>
-        </p:nvSpPr>
-        <p:spPr/>
-        <p:txBody>
-          <a:bodyPr/>
-          <a:lstStyle/>
-          <a:p>
-            <a:pPr algn="ctr">
-              <a:buNone/>
-            </a:pPr>
-            <a:r>
-              <a:rPr lang="es-ES" dirty="0" smtClean="0"/>
-              <a:t>¿?</a:t>
-            </a:r>
-            <a:endParaRPr lang="es-ES" dirty="0"/>
-          </a:p>
-        </p:txBody>
-      </p:sp>
-    </p:spTree>
-  </p:cSld>
-  <p:clrMapOvr>
-    <a:masterClrMapping/>
-  </p:clrMapOvr>
-  <p:timing>
-    <p:tnLst>
-      <p:par>
-        <p:cTn id="1" dur="indefinite" restart="never" nodeType="tmRoot"/>
-      </p:par>
-    </p:tnLst>
-  </p:timing>
-</p:sld>
-</file>
-
-<file path=ppt/slides/slide19.xml><?xml version="1.0" encoding="utf-8"?>
-<p:sld xmlns:a="http://schemas.openxmlformats.org/drawingml/2006/main" xmlns:r="http://schemas.openxmlformats.org/officeDocument/2006/relationships" xmlns:p="http://schemas.openxmlformats.org/presentationml/2006/main">
-  <p:cSld>
-    <p:spTree>
-      <p:nvGrpSpPr>
-        <p:cNvPr id="1" name=""/>
-        <p:cNvGrpSpPr/>
-        <p:nvPr/>
-      </p:nvGrpSpPr>
-      <p:grpSpPr>
-        <a:xfrm>
-          <a:off x="0" y="0"/>
-          <a:ext cx="0" cy="0"/>
-          <a:chOff x="0" y="0"/>
-          <a:chExt cx="0" cy="0"/>
-        </a:xfrm>
-      </p:grpSpPr>
-      <p:sp>
-        <p:nvSpPr>
-          <p:cNvPr id="2" name="1 Título"/>
-          <p:cNvSpPr>
-            <a:spLocks noGrp="1"/>
-          </p:cNvSpPr>
-          <p:nvPr>
-            <p:ph type="title"/>
-          </p:nvPr>
-        </p:nvSpPr>
-        <p:spPr/>
-        <p:txBody>
-          <a:bodyPr/>
-          <a:lstStyle/>
-          <a:p>
-            <a:r>
-              <a:rPr lang="es-ES" dirty="0" smtClean="0"/>
-              <a:t>GRACIAS!!!!</a:t>
-            </a:r>
-            <a:endParaRPr lang="es-ES" dirty="0"/>
-          </a:p>
-        </p:txBody>
-      </p:sp>
-      <p:sp>
-        <p:nvSpPr>
-          <p:cNvPr id="3" name="2 Marcador de contenido"/>
-          <p:cNvSpPr>
-            <a:spLocks noGrp="1"/>
-          </p:cNvSpPr>
-          <p:nvPr>
-            <p:ph idx="1"/>
-          </p:nvPr>
-        </p:nvSpPr>
-        <p:spPr/>
-        <p:txBody>
-          <a:bodyPr/>
-          <a:lstStyle/>
-          <a:p>
-            <a:endParaRPr lang="es-ES"/>
-          </a:p>
-        </p:txBody>
-      </p:sp>
-    </p:spTree>
-  </p:cSld>
-  <p:clrMapOvr>
-    <a:masterClrMapping/>
-  </p:clrMapOvr>
-  <p:timing>
-    <p:tnLst>
-      <p:par>
-        <p:cTn id="1" dur="indefinite" restart="never" nodeType="tmRoot"/>
-      </p:par>
-    </p:tnLst>
-  </p:timing>
-</p:sld>
-</file>
-
-<file path=ppt/slides/slide2.xml><?xml version="1.0" encoding="utf-8"?>
-<p:sld xmlns:a="http://schemas.openxmlformats.org/drawingml/2006/main" xmlns:r="http://schemas.openxmlformats.org/officeDocument/2006/relationships" xmlns:p="http://schemas.openxmlformats.org/presentationml/2006/main">
-  <p:cSld>
-    <p:spTree>
-      <p:nvGrpSpPr>
-        <p:cNvPr id="1" name=""/>
-        <p:cNvGrpSpPr/>
-        <p:nvPr/>
-      </p:nvGrpSpPr>
-      <p:grpSpPr>
-        <a:xfrm>
-          <a:off x="0" y="0"/>
-          <a:ext cx="0" cy="0"/>
-          <a:chOff x="0" y="0"/>
-          <a:chExt cx="0" cy="0"/>
-        </a:xfrm>
-      </p:grpSpPr>
-      <p:sp>
-        <p:nvSpPr>
-          <p:cNvPr id="2" name="1 Título"/>
-          <p:cNvSpPr>
-            <a:spLocks noGrp="1"/>
-          </p:cNvSpPr>
-          <p:nvPr>
-            <p:ph type="title"/>
-          </p:nvPr>
-        </p:nvSpPr>
-        <p:spPr/>
-        <p:txBody>
-          <a:bodyPr/>
-          <a:lstStyle/>
-          <a:p>
-            <a:r>
-              <a:rPr lang="es-ES" dirty="0" smtClean="0"/>
-              <a:t>Agenda</a:t>
-            </a:r>
-            <a:endParaRPr lang="es-ES" dirty="0"/>
-          </a:p>
-        </p:txBody>
-      </p:sp>
-      <p:sp>
-        <p:nvSpPr>
-          <p:cNvPr id="3" name="2 Marcador de contenido"/>
-          <p:cNvSpPr>
-            <a:spLocks noGrp="1"/>
-          </p:cNvSpPr>
-          <p:nvPr>
-            <p:ph idx="1"/>
-          </p:nvPr>
-        </p:nvSpPr>
-        <p:spPr>
-          <a:xfrm>
-            <a:off x="457200" y="1268760"/>
-            <a:ext cx="8507288" cy="5472608"/>
-          </a:xfrm>
-        </p:spPr>
-        <p:txBody>
-          <a:bodyPr>
-            <a:normAutofit fontScale="62500" lnSpcReduction="20000"/>
-          </a:bodyPr>
-          <a:lstStyle/>
-          <a:p>
-            <a:r>
-              <a:rPr lang="es-ES" dirty="0" smtClean="0"/>
-              <a:t>Introducción</a:t>
-            </a:r>
-          </a:p>
-          <a:p>
-            <a:pPr lvl="1"/>
-            <a:r>
-              <a:rPr lang="es-ES" dirty="0" smtClean="0"/>
-              <a:t>Contexto</a:t>
-            </a:r>
-          </a:p>
-          <a:p>
-            <a:pPr lvl="1"/>
-            <a:r>
-              <a:rPr lang="es-ES" dirty="0" smtClean="0"/>
-              <a:t>Problemática</a:t>
-            </a:r>
-          </a:p>
-          <a:p>
-            <a:r>
-              <a:rPr lang="es-ES" dirty="0" smtClean="0"/>
-              <a:t>Atributos de calidad y aspectos tempranos</a:t>
-            </a:r>
-          </a:p>
-          <a:p>
-            <a:pPr lvl="1"/>
-            <a:r>
-              <a:rPr lang="es-ES" dirty="0" smtClean="0"/>
-              <a:t>Aspectos tempranos</a:t>
-            </a:r>
-          </a:p>
-          <a:p>
-            <a:pPr lvl="1"/>
-            <a:r>
-              <a:rPr lang="es-ES" dirty="0" smtClean="0"/>
-              <a:t>Relación entre QAs y EAs</a:t>
-            </a:r>
-          </a:p>
-          <a:p>
-            <a:r>
-              <a:rPr lang="es-ES" dirty="0" smtClean="0"/>
-              <a:t>Enfoque propuesto</a:t>
-            </a:r>
-          </a:p>
-          <a:p>
-            <a:pPr lvl="1"/>
-            <a:r>
-              <a:rPr lang="es-ES" dirty="0" smtClean="0"/>
-              <a:t>Propuesta</a:t>
-            </a:r>
-          </a:p>
-          <a:p>
-            <a:pPr lvl="1"/>
-            <a:r>
-              <a:rPr lang="es-ES" dirty="0" smtClean="0"/>
-              <a:t>Proceso</a:t>
-            </a:r>
-          </a:p>
-          <a:p>
-            <a:pPr lvl="1"/>
-            <a:r>
-              <a:rPr lang="es-ES" dirty="0" smtClean="0"/>
-              <a:t>QA Miner</a:t>
-            </a:r>
-          </a:p>
-          <a:p>
-            <a:r>
-              <a:rPr lang="es-ES" dirty="0" smtClean="0"/>
-              <a:t>Evaluación</a:t>
-            </a:r>
-          </a:p>
-          <a:p>
-            <a:pPr lvl="1"/>
-            <a:r>
-              <a:rPr lang="es-ES" dirty="0" smtClean="0"/>
-              <a:t>Métricas</a:t>
-            </a:r>
-          </a:p>
-          <a:p>
-            <a:pPr lvl="1"/>
-            <a:r>
-              <a:rPr lang="es-ES" dirty="0" smtClean="0"/>
-              <a:t>Caso de Estudio I</a:t>
-            </a:r>
-          </a:p>
-          <a:p>
-            <a:pPr lvl="1"/>
-            <a:r>
-              <a:rPr lang="es-ES" dirty="0" smtClean="0"/>
-              <a:t>Caso de Estudio II</a:t>
-            </a:r>
-          </a:p>
-          <a:p>
-            <a:r>
-              <a:rPr lang="es-ES" dirty="0" smtClean="0"/>
-              <a:t>Conclusiones</a:t>
-            </a:r>
-          </a:p>
-          <a:p>
-            <a:pPr lvl="1"/>
-            <a:r>
-              <a:rPr lang="es-ES" dirty="0" smtClean="0"/>
-              <a:t>Ventajas y desventajas</a:t>
-            </a:r>
-          </a:p>
-          <a:p>
-            <a:pPr lvl="1"/>
-            <a:r>
-              <a:rPr lang="es-ES" dirty="0" smtClean="0"/>
-              <a:t>Trabajos futuros</a:t>
-            </a:r>
-          </a:p>
-          <a:p>
-            <a:r>
-              <a:rPr lang="es-ES" dirty="0" smtClean="0"/>
-              <a:t>Preguntas</a:t>
-            </a:r>
-          </a:p>
-          <a:p>
-            <a:pPr lvl="1">
-              <a:buNone/>
-            </a:pPr>
-            <a:endParaRPr lang="es-ES" dirty="0" smtClean="0"/>
-          </a:p>
-          <a:p>
-            <a:pPr lvl="1">
-              <a:buNone/>
-            </a:pPr>
-            <a:endParaRPr lang="es-ES" dirty="0" smtClean="0"/>
-          </a:p>
-          <a:p>
-            <a:endParaRPr lang="es-ES" dirty="0" smtClean="0"/>
-          </a:p>
-          <a:p>
-            <a:endParaRPr lang="es-ES" dirty="0"/>
-          </a:p>
-        </p:txBody>
-      </p:sp>
-    </p:spTree>
-  </p:cSld>
-  <p:clrMapOvr>
-    <a:masterClrMapping/>
-  </p:clrMapOvr>
-  <p:timing>
-    <p:tnLst>
-      <p:par>
-        <p:cTn id="1" dur="indefinite" restart="never" nodeType="tmRoot"/>
-      </p:par>
-    </p:tnLst>
-  </p:timing>
-</p:sld>
-</file>
-
-<file path=ppt/slides/slide3.xml><?xml version="1.0" encoding="utf-8"?>
-<p:sld xmlns:a="http://schemas.openxmlformats.org/drawingml/2006/main" xmlns:r="http://schemas.openxmlformats.org/officeDocument/2006/relationships" xmlns:p="http://schemas.openxmlformats.org/presentationml/2006/main">
-  <p:cSld>
-    <p:spTree>
-      <p:nvGrpSpPr>
-        <p:cNvPr id="1" name=""/>
-        <p:cNvGrpSpPr/>
-        <p:nvPr/>
-      </p:nvGrpSpPr>
-      <p:grpSpPr>
-        <a:xfrm>
-          <a:off x="0" y="0"/>
-          <a:ext cx="0" cy="0"/>
-          <a:chOff x="0" y="0"/>
-          <a:chExt cx="0" cy="0"/>
-        </a:xfrm>
-      </p:grpSpPr>
-      <p:sp>
-        <p:nvSpPr>
-          <p:cNvPr id="2" name="1 Título"/>
-          <p:cNvSpPr>
-            <a:spLocks noGrp="1"/>
-          </p:cNvSpPr>
-          <p:nvPr>
-            <p:ph type="title"/>
-          </p:nvPr>
-        </p:nvSpPr>
-        <p:spPr/>
-        <p:txBody>
-          <a:bodyPr/>
-          <a:lstStyle/>
-          <a:p>
-            <a:r>
-              <a:rPr lang="es-ES" dirty="0" smtClean="0"/>
-              <a:t>Contexto</a:t>
-            </a:r>
-            <a:endParaRPr lang="es-ES" dirty="0"/>
-          </a:p>
-        </p:txBody>
-      </p:sp>
-      <p:sp>
-        <p:nvSpPr>
-          <p:cNvPr id="3" name="2 Marcador de contenido"/>
-          <p:cNvSpPr>
-            <a:spLocks noGrp="1"/>
-          </p:cNvSpPr>
-          <p:nvPr>
-            <p:ph idx="1"/>
-          </p:nvPr>
-        </p:nvSpPr>
-        <p:spPr/>
-        <p:txBody>
-          <a:bodyPr>
-            <a:normAutofit/>
-          </a:bodyPr>
-          <a:lstStyle/>
-          <a:p>
-            <a:r>
-              <a:rPr lang="es-ES" dirty="0" smtClean="0"/>
-              <a:t>Los atributos de calidad (QAs) son propiedades deseadas o requerimientos adicionales de un </a:t>
-            </a:r>
-            <a:r>
-              <a:rPr lang="es-ES" dirty="0" smtClean="0"/>
-              <a:t>sistema</a:t>
-            </a:r>
-            <a:endParaRPr lang="es-ES" dirty="0" smtClean="0"/>
-          </a:p>
-          <a:p>
-            <a:r>
-              <a:rPr lang="es-ES" dirty="0" smtClean="0"/>
-              <a:t>Necesidad de identificar los QAs de un sistema en la etapas tempranas de </a:t>
-            </a:r>
-            <a:r>
-              <a:rPr lang="es-ES" dirty="0" smtClean="0"/>
-              <a:t>desarrollo</a:t>
-            </a:r>
-            <a:endParaRPr lang="es-ES" dirty="0" smtClean="0"/>
-          </a:p>
-          <a:p>
-            <a:r>
-              <a:rPr lang="es-ES" dirty="0" smtClean="0"/>
-              <a:t>Una incorrecta identificación podría llevar al fracaso del </a:t>
-            </a:r>
-            <a:r>
-              <a:rPr lang="es-ES" dirty="0" smtClean="0"/>
-              <a:t>sistema</a:t>
-            </a:r>
-            <a:endParaRPr lang="es-ES" dirty="0" smtClean="0"/>
-          </a:p>
-          <a:p>
-            <a:endParaRPr lang="es-ES" dirty="0"/>
-          </a:p>
-        </p:txBody>
-      </p:sp>
-    </p:spTree>
-  </p:cSld>
-  <p:clrMapOvr>
-    <a:masterClrMapping/>
-  </p:clrMapOvr>
-  <p:timing>
-    <p:tnLst>
-      <p:par>
-        <p:cTn id="1" dur="indefinite" restart="never" nodeType="tmRoot"/>
-      </p:par>
-    </p:tnLst>
-  </p:timing>
-</p:sld>
-</file>
-
-<file path=ppt/slides/slide4.xml><?xml version="1.0" encoding="utf-8"?>
-<p:sld xmlns:a="http://schemas.openxmlformats.org/drawingml/2006/main" xmlns:r="http://schemas.openxmlformats.org/officeDocument/2006/relationships" xmlns:p="http://schemas.openxmlformats.org/presentationml/2006/main">
-  <p:cSld>
-    <p:spTree>
-      <p:nvGrpSpPr>
-        <p:cNvPr id="1" name=""/>
-        <p:cNvGrpSpPr/>
-        <p:nvPr/>
-      </p:nvGrpSpPr>
-      <p:grpSpPr>
-        <a:xfrm>
-          <a:off x="0" y="0"/>
-          <a:ext cx="0" cy="0"/>
-          <a:chOff x="0" y="0"/>
-          <a:chExt cx="0" cy="0"/>
-        </a:xfrm>
-      </p:grpSpPr>
-      <p:sp>
-        <p:nvSpPr>
-          <p:cNvPr id="2" name="1 Título"/>
-          <p:cNvSpPr>
-            <a:spLocks noGrp="1"/>
-          </p:cNvSpPr>
-          <p:nvPr>
-            <p:ph type="title"/>
-          </p:nvPr>
-        </p:nvSpPr>
-        <p:spPr/>
-        <p:txBody>
-          <a:bodyPr/>
-          <a:lstStyle/>
-          <a:p>
-            <a:r>
-              <a:rPr lang="es-ES" dirty="0" smtClean="0"/>
-              <a:t>Problemática</a:t>
-            </a:r>
-            <a:endParaRPr lang="es-ES" dirty="0"/>
-          </a:p>
-        </p:txBody>
-      </p:sp>
-      <p:sp>
-        <p:nvSpPr>
-          <p:cNvPr id="3" name="2 Marcador de contenido"/>
-          <p:cNvSpPr>
-            <a:spLocks noGrp="1"/>
-          </p:cNvSpPr>
-          <p:nvPr>
-            <p:ph idx="1"/>
-          </p:nvPr>
-        </p:nvSpPr>
-        <p:spPr/>
-        <p:txBody>
-          <a:bodyPr/>
-          <a:lstStyle/>
-          <a:p>
-            <a:r>
-              <a:rPr lang="es-ES" dirty="0" smtClean="0"/>
-              <a:t>Puede llegar a ser una tarea muy dificultosa para el </a:t>
-            </a:r>
-            <a:r>
-              <a:rPr lang="es-ES" dirty="0" smtClean="0"/>
-              <a:t>analista</a:t>
-            </a:r>
-            <a:endParaRPr lang="es-ES" dirty="0" smtClean="0"/>
-          </a:p>
-          <a:p>
-            <a:pPr lvl="1"/>
-            <a:r>
-              <a:rPr lang="es-ES" dirty="0" smtClean="0"/>
-              <a:t>Varios casos de uso de gran </a:t>
-            </a:r>
-            <a:r>
-              <a:rPr lang="es-ES" dirty="0" smtClean="0"/>
-              <a:t>extensión</a:t>
-            </a:r>
-            <a:endParaRPr lang="es-ES" dirty="0" smtClean="0"/>
-          </a:p>
-          <a:p>
-            <a:pPr lvl="1"/>
-            <a:r>
-              <a:rPr lang="es-ES" dirty="0" smtClean="0"/>
-              <a:t>Utilización de lenguaje natural, sin estructurar los </a:t>
-            </a:r>
-            <a:r>
-              <a:rPr lang="es-ES" dirty="0" err="1" smtClean="0"/>
-              <a:t>QAs</a:t>
-            </a:r>
-            <a:r>
-              <a:rPr lang="es-ES" dirty="0" smtClean="0"/>
-              <a:t> </a:t>
-            </a:r>
-            <a:r>
-              <a:rPr lang="es-ES" dirty="0" smtClean="0"/>
-              <a:t>formalmente</a:t>
-            </a:r>
-            <a:endParaRPr lang="es-ES" dirty="0" smtClean="0"/>
-          </a:p>
-          <a:p>
-            <a:pPr lvl="1">
-              <a:buNone/>
-            </a:pPr>
-            <a:endParaRPr lang="es-ES" dirty="0" smtClean="0"/>
-          </a:p>
-        </p:txBody>
-      </p:sp>
-    </p:spTree>
-  </p:cSld>
-  <p:clrMapOvr>
-    <a:masterClrMapping/>
-  </p:clrMapOvr>
-  <p:timing>
-    <p:tnLst>
-      <p:par>
-        <p:cTn id="1" dur="indefinite" restart="never" nodeType="tmRoot"/>
-      </p:par>
-    </p:tnLst>
-  </p:timing>
-</p:sld>
-</file>
-
-<file path=ppt/slides/slide5.xml><?xml version="1.0" encoding="utf-8"?>
-<p:sld xmlns:a="http://schemas.openxmlformats.org/drawingml/2006/main" xmlns:r="http://schemas.openxmlformats.org/officeDocument/2006/relationships" xmlns:p="http://schemas.openxmlformats.org/presentationml/2006/main">
-  <p:cSld>
-    <p:spTree>
-      <p:nvGrpSpPr>
-        <p:cNvPr id="1" name=""/>
-        <p:cNvGrpSpPr/>
-        <p:nvPr/>
-      </p:nvGrpSpPr>
-      <p:grpSpPr>
-        <a:xfrm>
-          <a:off x="0" y="0"/>
-          <a:ext cx="0" cy="0"/>
-          <a:chOff x="0" y="0"/>
-          <a:chExt cx="0" cy="0"/>
-        </a:xfrm>
-      </p:grpSpPr>
-      <p:sp>
-        <p:nvSpPr>
-          <p:cNvPr id="2" name="1 Título"/>
-          <p:cNvSpPr>
-            <a:spLocks noGrp="1"/>
-          </p:cNvSpPr>
-          <p:nvPr>
-            <p:ph type="title"/>
-          </p:nvPr>
-        </p:nvSpPr>
-        <p:spPr/>
-        <p:txBody>
-          <a:bodyPr>
-            <a:normAutofit/>
-          </a:bodyPr>
-          <a:lstStyle/>
-          <a:p>
-            <a:r>
-              <a:rPr lang="es-ES" dirty="0" smtClean="0"/>
-              <a:t>Aspectos tempranos</a:t>
-            </a:r>
-            <a:endParaRPr lang="es-ES" dirty="0"/>
-          </a:p>
-        </p:txBody>
-      </p:sp>
-      <p:sp>
-        <p:nvSpPr>
-          <p:cNvPr id="3" name="2 Marcador de contenido"/>
-          <p:cNvSpPr>
-            <a:spLocks noGrp="1"/>
-          </p:cNvSpPr>
-          <p:nvPr>
-            <p:ph idx="1"/>
-          </p:nvPr>
-        </p:nvSpPr>
-        <p:spPr/>
-        <p:txBody>
-          <a:bodyPr/>
-          <a:lstStyle/>
-          <a:p>
-            <a:r>
-              <a:rPr lang="es-ES" dirty="0" smtClean="0"/>
-              <a:t>Un concern es cualquier asunto de interés en un sistema de </a:t>
-            </a:r>
-            <a:r>
-              <a:rPr lang="es-ES" dirty="0" smtClean="0"/>
-              <a:t>software</a:t>
-            </a:r>
-            <a:endParaRPr lang="es-ES" dirty="0" smtClean="0"/>
-          </a:p>
-          <a:p>
-            <a:r>
-              <a:rPr lang="es-ES" i="1" dirty="0" smtClean="0"/>
-              <a:t>Los </a:t>
-            </a:r>
-            <a:r>
-              <a:rPr lang="es-AR" b="1" i="1" dirty="0" smtClean="0"/>
-              <a:t>Aspectos Tempranos</a:t>
-            </a:r>
-            <a:r>
-              <a:rPr lang="es-AR" dirty="0" smtClean="0"/>
-              <a:t> son concerns que se encuentran mezclados en los requerimientos y/o artefactos arquitectónicos del </a:t>
-            </a:r>
-            <a:r>
-              <a:rPr lang="es-AR" dirty="0" smtClean="0"/>
-              <a:t>sistema</a:t>
-            </a:r>
-            <a:endParaRPr lang="es-AR" dirty="0" smtClean="0"/>
-          </a:p>
-          <a:p>
-            <a:r>
-              <a:rPr lang="es-AR" dirty="0" smtClean="0"/>
-              <a:t>Los </a:t>
-            </a:r>
-            <a:r>
-              <a:rPr lang="es-AR" b="1" i="1" dirty="0" smtClean="0"/>
-              <a:t>Aspectos Tempranos</a:t>
-            </a:r>
-            <a:r>
-              <a:rPr lang="es-AR" dirty="0" smtClean="0"/>
-              <a:t> se refieren a aspectos que ocurren en etapas iníciales del </a:t>
-            </a:r>
-            <a:r>
-              <a:rPr lang="es-AR" dirty="0" smtClean="0"/>
-              <a:t>desarrollo</a:t>
-            </a:r>
-            <a:endParaRPr lang="es-AR" dirty="0" smtClean="0"/>
-          </a:p>
-        </p:txBody>
-      </p:sp>
-    </p:spTree>
-  </p:cSld>
-  <p:clrMapOvr>
-    <a:masterClrMapping/>
-  </p:clrMapOvr>
-  <p:timing>
-    <p:tnLst>
-      <p:par>
-        <p:cTn id="1" dur="indefinite" restart="never" nodeType="tmRoot"/>
-      </p:par>
-    </p:tnLst>
-  </p:timing>
-</p:sld>
-</file>
-
-<file path=ppt/slides/slide6.xml><?xml version="1.0" encoding="utf-8"?>
-<p:sld xmlns:a="http://schemas.openxmlformats.org/drawingml/2006/main" xmlns:r="http://schemas.openxmlformats.org/officeDocument/2006/relationships" xmlns:p="http://schemas.openxmlformats.org/presentationml/2006/main">
-  <p:cSld>
-    <p:spTree>
-      <p:nvGrpSpPr>
-        <p:cNvPr id="1" name=""/>
-        <p:cNvGrpSpPr/>
-        <p:nvPr/>
-      </p:nvGrpSpPr>
-      <p:grpSpPr>
-        <a:xfrm>
-          <a:off x="0" y="0"/>
-          <a:ext cx="0" cy="0"/>
-          <a:chOff x="0" y="0"/>
-          <a:chExt cx="0" cy="0"/>
-        </a:xfrm>
-      </p:grpSpPr>
-      <p:sp>
-        <p:nvSpPr>
-          <p:cNvPr id="2" name="1 Título"/>
-          <p:cNvSpPr>
-            <a:spLocks noGrp="1"/>
-          </p:cNvSpPr>
-          <p:nvPr>
-            <p:ph type="title"/>
-          </p:nvPr>
-        </p:nvSpPr>
-        <p:spPr/>
-        <p:txBody>
-          <a:bodyPr>
-            <a:normAutofit/>
-          </a:bodyPr>
-          <a:lstStyle/>
-          <a:p>
-            <a:r>
-              <a:rPr lang="es-ES" dirty="0" smtClean="0"/>
-              <a:t>Aspectos tempranos</a:t>
-            </a:r>
-            <a:endParaRPr lang="es-ES" dirty="0"/>
-          </a:p>
-        </p:txBody>
-      </p:sp>
-      <p:sp>
-        <p:nvSpPr>
-          <p:cNvPr id="4098" name="Rectangle 2"/>
-          <p:cNvSpPr>
-            <a:spLocks noChangeArrowheads="1"/>
-          </p:cNvSpPr>
-          <p:nvPr/>
-        </p:nvSpPr>
-        <p:spPr bwMode="auto">
-          <a:xfrm>
-            <a:off x="0" y="0"/>
-            <a:ext cx="9144000" cy="0"/>
-          </a:xfrm>
-          <a:prstGeom prst="rect">
-            <a:avLst/>
-          </a:prstGeom>
-          <a:noFill/>
-          <a:ln w="9525">
-            <a:noFill/>
-            <a:miter lim="800000"/>
-            <a:headEnd/>
-            <a:tailEnd/>
-          </a:ln>
-          <a:effectLst/>
-        </p:spPr>
-        <p:txBody>
-          <a:bodyPr vert="horz" wrap="none" lIns="91440" tIns="45720" rIns="91440" bIns="45720" numCol="1" anchor="ctr" anchorCtr="0" compatLnSpc="1">
-            <a:prstTxWarp prst="textNoShape">
-              <a:avLst/>
-            </a:prstTxWarp>
-            <a:spAutoFit/>
-          </a:bodyPr>
-          <a:lstStyle/>
-          <a:p>
-            <a:endParaRPr lang="es-AR"/>
-          </a:p>
-        </p:txBody>
-      </p:sp>
-      <p:graphicFrame>
-        <p:nvGraphicFramePr>
-          <p:cNvPr id="4097" name="Object 1"/>
-          <p:cNvGraphicFramePr>
-            <a:graphicFrameLocks noChangeAspect="1"/>
-          </p:cNvGraphicFramePr>
-          <p:nvPr/>
-        </p:nvGraphicFramePr>
-        <p:xfrm>
-          <a:off x="755576" y="1700808"/>
-          <a:ext cx="7560840" cy="4608512"/>
-        </p:xfrm>
-        <a:graphic>
-          <a:graphicData uri="http://schemas.openxmlformats.org/presentationml/2006/ole">
-            <p:oleObj spid="_x0000_s4097" name="Visio" r:id="rId3" imgW="7696786" imgH="6188026" progId="Visio.Drawing.11">
-              <p:embed/>
-            </p:oleObj>
-          </a:graphicData>
-        </a:graphic>
-      </p:graphicFrame>
-    </p:spTree>
-  </p:cSld>
-  <p:clrMapOvr>
-    <a:masterClrMapping/>
-  </p:clrMapOvr>
-  <p:timing>
-    <p:tnLst>
-      <p:par>
-        <p:cTn id="1" dur="indefinite" restart="never" nodeType="tmRoot"/>
-      </p:par>
-    </p:tnLst>
-  </p:timing>
-</p:sld>
-</file>
-
-<file path=ppt/slides/slide7.xml><?xml version="1.0" encoding="utf-8"?>
-<p:sld xmlns:a="http://schemas.openxmlformats.org/drawingml/2006/main" xmlns:r="http://schemas.openxmlformats.org/officeDocument/2006/relationships" xmlns:p="http://schemas.openxmlformats.org/presentationml/2006/main">
-  <p:cSld>
-    <p:spTree>
-      <p:nvGrpSpPr>
-        <p:cNvPr id="1" name=""/>
-        <p:cNvGrpSpPr/>
-        <p:nvPr/>
-      </p:nvGrpSpPr>
-      <p:grpSpPr>
-        <a:xfrm>
-          <a:off x="0" y="0"/>
-          <a:ext cx="0" cy="0"/>
-          <a:chOff x="0" y="0"/>
-          <a:chExt cx="0" cy="0"/>
-        </a:xfrm>
-      </p:grpSpPr>
-      <p:sp>
-        <p:nvSpPr>
-          <p:cNvPr id="2" name="1 Título"/>
-          <p:cNvSpPr>
-            <a:spLocks noGrp="1"/>
-          </p:cNvSpPr>
-          <p:nvPr>
-            <p:ph type="title"/>
-          </p:nvPr>
-        </p:nvSpPr>
-        <p:spPr/>
-        <p:txBody>
-          <a:bodyPr>
-            <a:normAutofit/>
-          </a:bodyPr>
-          <a:lstStyle/>
-          <a:p>
-            <a:r>
-              <a:rPr lang="es-ES" dirty="0" smtClean="0"/>
-              <a:t>Relación entre QAs y EAs</a:t>
-            </a:r>
-            <a:endParaRPr lang="es-ES" dirty="0"/>
-          </a:p>
-        </p:txBody>
-      </p:sp>
-      <p:sp>
-        <p:nvSpPr>
-          <p:cNvPr id="3" name="2 Marcador de contenido"/>
-          <p:cNvSpPr>
-            <a:spLocks noGrp="1"/>
-          </p:cNvSpPr>
-          <p:nvPr>
-            <p:ph idx="1"/>
-          </p:nvPr>
-        </p:nvSpPr>
-        <p:spPr/>
-        <p:txBody>
-          <a:bodyPr/>
-          <a:lstStyle/>
-          <a:p>
-            <a:r>
-              <a:rPr lang="es-ES" dirty="0" smtClean="0"/>
-              <a:t>Muchos atributos de calidad se relacionan con aspectos tempranos del </a:t>
-            </a:r>
-            <a:r>
-              <a:rPr lang="es-ES" dirty="0" smtClean="0"/>
-              <a:t>sistema</a:t>
-            </a:r>
-            <a:endParaRPr lang="es-ES" dirty="0" smtClean="0"/>
-          </a:p>
-          <a:p>
-            <a:r>
-              <a:rPr lang="es-ES" dirty="0" smtClean="0"/>
-              <a:t>Un aspecto temprano podría proporcionar pistas para el descubrimiento de </a:t>
-            </a:r>
-            <a:r>
-              <a:rPr lang="es-ES" dirty="0" err="1" smtClean="0"/>
-              <a:t>QAs</a:t>
-            </a:r>
-            <a:endParaRPr lang="es-ES" dirty="0" smtClean="0"/>
-          </a:p>
-          <a:p>
-            <a:r>
-              <a:rPr lang="es-ES" dirty="0" smtClean="0"/>
-              <a:t>Ejemplo: autentificación con seguridad ó interfaz de usuario con </a:t>
-            </a:r>
-            <a:r>
-              <a:rPr lang="es-ES" dirty="0" smtClean="0"/>
-              <a:t>usabilidad</a:t>
-            </a:r>
-            <a:endParaRPr lang="es-ES" dirty="0" smtClean="0"/>
-          </a:p>
-          <a:p>
-            <a:endParaRPr lang="es-ES" dirty="0"/>
-          </a:p>
-        </p:txBody>
-      </p:sp>
-    </p:spTree>
-  </p:cSld>
-  <p:clrMapOvr>
-    <a:masterClrMapping/>
-  </p:clrMapOvr>
-  <p:timing>
-    <p:tnLst>
-      <p:par>
-        <p:cTn id="1" dur="indefinite" restart="never" nodeType="tmRoot"/>
-      </p:par>
-    </p:tnLst>
-  </p:timing>
-</p:sld>
-</file>
-
-<file path=ppt/slides/slide8.xml><?xml version="1.0" encoding="utf-8"?>
-<p:sld xmlns:a="http://schemas.openxmlformats.org/drawingml/2006/main" xmlns:r="http://schemas.openxmlformats.org/officeDocument/2006/relationships" xmlns:p="http://schemas.openxmlformats.org/presentationml/2006/main">
-  <p:cSld>
-    <p:spTree>
-      <p:nvGrpSpPr>
-        <p:cNvPr id="1" name=""/>
-        <p:cNvGrpSpPr/>
-        <p:nvPr/>
-      </p:nvGrpSpPr>
-      <p:grpSpPr>
-        <a:xfrm>
-          <a:off x="0" y="0"/>
-          <a:ext cx="0" cy="0"/>
-          <a:chOff x="0" y="0"/>
-          <a:chExt cx="0" cy="0"/>
-        </a:xfrm>
-      </p:grpSpPr>
-      <p:sp>
-        <p:nvSpPr>
-          <p:cNvPr id="2" name="1 Título"/>
-          <p:cNvSpPr>
-            <a:spLocks noGrp="1"/>
-          </p:cNvSpPr>
-          <p:nvPr>
-            <p:ph type="title"/>
-          </p:nvPr>
-        </p:nvSpPr>
-        <p:spPr/>
-        <p:txBody>
-          <a:bodyPr/>
-          <a:lstStyle/>
-          <a:p>
-            <a:r>
-              <a:rPr lang="es-ES" dirty="0" smtClean="0"/>
-              <a:t>Propuesta</a:t>
-            </a:r>
-            <a:endParaRPr lang="es-ES" dirty="0"/>
-          </a:p>
-        </p:txBody>
-      </p:sp>
-      <p:sp>
-        <p:nvSpPr>
-          <p:cNvPr id="3" name="2 Marcador de contenido"/>
-          <p:cNvSpPr>
-            <a:spLocks noGrp="1"/>
-          </p:cNvSpPr>
-          <p:nvPr>
-            <p:ph idx="1"/>
-          </p:nvPr>
-        </p:nvSpPr>
-        <p:spPr/>
-        <p:txBody>
-          <a:bodyPr>
-            <a:normAutofit/>
-          </a:bodyPr>
-          <a:lstStyle/>
-          <a:p>
-            <a:r>
-              <a:rPr lang="es-ES" dirty="0" smtClean="0"/>
-              <a:t>Técnica semi-automática que identifique atributos de calidad </a:t>
-            </a:r>
-            <a:r>
-              <a:rPr lang="es-ES_tradnl" dirty="0" smtClean="0"/>
-              <a:t>a partir de un conjunto de aspectos tempranos y casos de uso relacionados</a:t>
-            </a:r>
-          </a:p>
-          <a:p>
-            <a:r>
-              <a:rPr lang="es-ES_tradnl" dirty="0" smtClean="0"/>
-              <a:t>Desarrollo de una herramienta para soportar la </a:t>
-            </a:r>
-            <a:r>
-              <a:rPr lang="es-ES_tradnl" dirty="0" smtClean="0"/>
-              <a:t>técnica y asista al analista: </a:t>
-            </a:r>
-            <a:r>
-              <a:rPr lang="es-ES_tradnl" dirty="0" smtClean="0"/>
-              <a:t>QA </a:t>
-            </a:r>
-            <a:r>
-              <a:rPr lang="es-ES_tradnl" dirty="0" err="1" smtClean="0"/>
-              <a:t>Miner</a:t>
-            </a:r>
-            <a:endParaRPr lang="es-ES_tradnl" dirty="0" smtClean="0"/>
-          </a:p>
-          <a:p>
-            <a:endParaRPr lang="es-ES" dirty="0"/>
-          </a:p>
-        </p:txBody>
-      </p:sp>
-    </p:spTree>
-  </p:cSld>
-  <p:clrMapOvr>
-    <a:masterClrMapping/>
-  </p:clrMapOvr>
-  <p:timing>
-    <p:tnLst>
-      <p:par>
-        <p:cTn id="1" dur="indefinite" restart="never" nodeType="tmRoot"/>
-      </p:par>
-    </p:tnLst>
-  </p:timing>
-</p:sld>
-</file>
-
-<file path=ppt/slides/slide9.xml><?xml version="1.0" encoding="utf-8"?>
 <p:sld xmlns:a="http://schemas.openxmlformats.org/drawingml/2006/main" xmlns:r="http://schemas.openxmlformats.org/officeDocument/2006/relationships" xmlns:p="http://schemas.openxmlformats.org/presentationml/2006/main">
   <p:cSld>
     <p:spTree>
@@ -7238,6 +4255,5092 @@
       <p:bldP spid="5" grpId="1" animBg="1"/>
       <p:bldP spid="6" grpId="0" animBg="1"/>
       <p:bldP spid="6" grpId="1" animBg="1"/>
+    </p:bldLst>
+  </p:timing>
+</p:sld>
+</file>
+
+<file path=ppt/slides/slide12.xml><?xml version="1.0" encoding="utf-8"?>
+<p:sld xmlns:a="http://schemas.openxmlformats.org/drawingml/2006/main" xmlns:r="http://schemas.openxmlformats.org/officeDocument/2006/relationships" xmlns:p="http://schemas.openxmlformats.org/presentationml/2006/main">
+  <p:cSld>
+    <p:spTree>
+      <p:nvGrpSpPr>
+        <p:cNvPr id="1" name=""/>
+        <p:cNvGrpSpPr/>
+        <p:nvPr/>
+      </p:nvGrpSpPr>
+      <p:grpSpPr>
+        <a:xfrm>
+          <a:off x="0" y="0"/>
+          <a:ext cx="0" cy="0"/>
+          <a:chOff x="0" y="0"/>
+          <a:chExt cx="0" cy="0"/>
+        </a:xfrm>
+      </p:grpSpPr>
+      <p:sp>
+        <p:nvSpPr>
+          <p:cNvPr id="2" name="1 Título"/>
+          <p:cNvSpPr>
+            <a:spLocks noGrp="1"/>
+          </p:cNvSpPr>
+          <p:nvPr>
+            <p:ph type="title"/>
+          </p:nvPr>
+        </p:nvSpPr>
+        <p:spPr/>
+        <p:txBody>
+          <a:bodyPr/>
+          <a:lstStyle/>
+          <a:p>
+            <a:r>
+              <a:rPr lang="es-ES" dirty="0" smtClean="0"/>
+              <a:t>QA Miner</a:t>
+            </a:r>
+            <a:endParaRPr lang="es-ES" dirty="0"/>
+          </a:p>
+        </p:txBody>
+      </p:sp>
+      <p:sp>
+        <p:nvSpPr>
+          <p:cNvPr id="3" name="2 Marcador de contenido"/>
+          <p:cNvSpPr>
+            <a:spLocks noGrp="1"/>
+          </p:cNvSpPr>
+          <p:nvPr>
+            <p:ph idx="1"/>
+          </p:nvPr>
+        </p:nvSpPr>
+        <p:spPr>
+          <a:xfrm>
+            <a:off x="457200" y="1567333"/>
+            <a:ext cx="8229600" cy="4525963"/>
+          </a:xfrm>
+        </p:spPr>
+        <p:txBody>
+          <a:bodyPr/>
+          <a:lstStyle/>
+          <a:p>
+            <a:r>
+              <a:rPr lang="es-ES" dirty="0" err="1" smtClean="0"/>
+              <a:t>Plugin</a:t>
+            </a:r>
+            <a:r>
+              <a:rPr lang="es-ES" dirty="0" smtClean="0"/>
+              <a:t> de Eclipse</a:t>
+            </a:r>
+          </a:p>
+          <a:p>
+            <a:r>
+              <a:rPr lang="es-ES" dirty="0" smtClean="0"/>
+              <a:t>Puntos de configuración</a:t>
+            </a:r>
+          </a:p>
+          <a:p>
+            <a:r>
+              <a:rPr lang="es-ES" dirty="0" smtClean="0"/>
+              <a:t>Proporciona al analista ranking de atributos de calidad por cada conjunto de entrada.</a:t>
+            </a:r>
+          </a:p>
+          <a:p>
+            <a:endParaRPr lang="es-ES" dirty="0" smtClean="0"/>
+          </a:p>
+          <a:p>
+            <a:endParaRPr lang="es-ES" dirty="0" smtClean="0"/>
+          </a:p>
+          <a:p>
+            <a:endParaRPr lang="es-ES" dirty="0"/>
+          </a:p>
+        </p:txBody>
+      </p:sp>
+      <p:pic>
+        <p:nvPicPr>
+          <p:cNvPr id="28676" name="Picture 4" descr="C:\Archivos de programa\Microsoft Office\MEDIA\CAGCAT10\j0292020.wmf"/>
+          <p:cNvPicPr>
+            <a:picLocks noChangeAspect="1" noChangeArrowheads="1"/>
+          </p:cNvPicPr>
+          <p:nvPr/>
+        </p:nvPicPr>
+        <p:blipFill>
+          <a:blip r:embed="rId2" cstate="print"/>
+          <a:srcRect/>
+          <a:stretch>
+            <a:fillRect/>
+          </a:stretch>
+        </p:blipFill>
+        <p:spPr bwMode="auto">
+          <a:xfrm>
+            <a:off x="6804248" y="4581128"/>
+            <a:ext cx="1869034" cy="1773936"/>
+          </a:xfrm>
+          <a:prstGeom prst="rect">
+            <a:avLst/>
+          </a:prstGeom>
+          <a:noFill/>
+        </p:spPr>
+      </p:pic>
+    </p:spTree>
+  </p:cSld>
+  <p:clrMapOvr>
+    <a:masterClrMapping/>
+  </p:clrMapOvr>
+  <p:timing>
+    <p:tnLst>
+      <p:par>
+        <p:cTn id="1" dur="indefinite" restart="never" nodeType="tmRoot"/>
+      </p:par>
+    </p:tnLst>
+  </p:timing>
+</p:sld>
+</file>
+
+<file path=ppt/slides/slide13.xml><?xml version="1.0" encoding="utf-8"?>
+<p:sld xmlns:a="http://schemas.openxmlformats.org/drawingml/2006/main" xmlns:r="http://schemas.openxmlformats.org/officeDocument/2006/relationships" xmlns:p="http://schemas.openxmlformats.org/presentationml/2006/main">
+  <p:cSld>
+    <p:spTree>
+      <p:nvGrpSpPr>
+        <p:cNvPr id="1" name=""/>
+        <p:cNvGrpSpPr/>
+        <p:nvPr/>
+      </p:nvGrpSpPr>
+      <p:grpSpPr>
+        <a:xfrm>
+          <a:off x="0" y="0"/>
+          <a:ext cx="0" cy="0"/>
+          <a:chOff x="0" y="0"/>
+          <a:chExt cx="0" cy="0"/>
+        </a:xfrm>
+      </p:grpSpPr>
+      <p:sp>
+        <p:nvSpPr>
+          <p:cNvPr id="4" name="3 Rectángulo"/>
+          <p:cNvSpPr/>
+          <p:nvPr/>
+        </p:nvSpPr>
+        <p:spPr>
+          <a:xfrm>
+            <a:off x="467544" y="4077072"/>
+            <a:ext cx="2592288" cy="1152128"/>
+          </a:xfrm>
+          <a:prstGeom prst="rect">
+            <a:avLst/>
+          </a:prstGeom>
+        </p:spPr>
+        <p:style>
+          <a:lnRef idx="1">
+            <a:schemeClr val="accent1"/>
+          </a:lnRef>
+          <a:fillRef idx="2">
+            <a:schemeClr val="accent1"/>
+          </a:fillRef>
+          <a:effectRef idx="1">
+            <a:schemeClr val="accent1"/>
+          </a:effectRef>
+          <a:fontRef idx="minor">
+            <a:schemeClr val="dk1"/>
+          </a:fontRef>
+        </p:style>
+        <p:txBody>
+          <a:bodyPr rtlCol="0" anchor="ctr"/>
+          <a:lstStyle/>
+          <a:p>
+            <a:pPr algn="ctr"/>
+            <a:endParaRPr lang="es-ES_tradnl" dirty="0">
+              <a:noFill/>
+            </a:endParaRPr>
+          </a:p>
+        </p:txBody>
+      </p:sp>
+      <p:sp>
+        <p:nvSpPr>
+          <p:cNvPr id="3" name="2 Marcador de contenido"/>
+          <p:cNvSpPr>
+            <a:spLocks noGrp="1"/>
+          </p:cNvSpPr>
+          <p:nvPr>
+            <p:ph idx="1"/>
+          </p:nvPr>
+        </p:nvSpPr>
+        <p:spPr>
+          <a:xfrm>
+            <a:off x="457200" y="1268760"/>
+            <a:ext cx="8507288" cy="5472608"/>
+          </a:xfrm>
+        </p:spPr>
+        <p:txBody>
+          <a:bodyPr>
+            <a:normAutofit fontScale="62500" lnSpcReduction="20000"/>
+          </a:bodyPr>
+          <a:lstStyle/>
+          <a:p>
+            <a:r>
+              <a:rPr lang="es-ES" dirty="0" smtClean="0"/>
+              <a:t>Introducción</a:t>
+            </a:r>
+          </a:p>
+          <a:p>
+            <a:pPr lvl="1"/>
+            <a:r>
+              <a:rPr lang="es-ES" dirty="0" smtClean="0"/>
+              <a:t>Contexto</a:t>
+            </a:r>
+          </a:p>
+          <a:p>
+            <a:pPr lvl="1"/>
+            <a:r>
+              <a:rPr lang="es-ES" dirty="0" smtClean="0"/>
+              <a:t>Problemática</a:t>
+            </a:r>
+          </a:p>
+          <a:p>
+            <a:r>
+              <a:rPr lang="es-ES" dirty="0" smtClean="0"/>
+              <a:t>Atributos de calidad y aspectos tempranos</a:t>
+            </a:r>
+          </a:p>
+          <a:p>
+            <a:pPr lvl="1"/>
+            <a:r>
+              <a:rPr lang="es-ES" dirty="0" smtClean="0"/>
+              <a:t>Aspectos tempranos</a:t>
+            </a:r>
+          </a:p>
+          <a:p>
+            <a:pPr lvl="1"/>
+            <a:r>
+              <a:rPr lang="es-ES" dirty="0" smtClean="0"/>
+              <a:t>Relación entre QAs y EAs</a:t>
+            </a:r>
+          </a:p>
+          <a:p>
+            <a:r>
+              <a:rPr lang="es-ES" dirty="0" smtClean="0"/>
+              <a:t>Enfoque propuesto</a:t>
+            </a:r>
+          </a:p>
+          <a:p>
+            <a:pPr lvl="1"/>
+            <a:r>
+              <a:rPr lang="es-ES" dirty="0" smtClean="0"/>
+              <a:t>Propuesta</a:t>
+            </a:r>
+          </a:p>
+          <a:p>
+            <a:pPr lvl="1"/>
+            <a:r>
+              <a:rPr lang="es-ES" dirty="0" smtClean="0"/>
+              <a:t>Proceso</a:t>
+            </a:r>
+          </a:p>
+          <a:p>
+            <a:pPr lvl="1"/>
+            <a:r>
+              <a:rPr lang="es-ES" dirty="0" smtClean="0"/>
+              <a:t>QA Miner</a:t>
+            </a:r>
+          </a:p>
+          <a:p>
+            <a:r>
+              <a:rPr lang="es-ES" dirty="0" smtClean="0"/>
+              <a:t>Evaluación</a:t>
+            </a:r>
+          </a:p>
+          <a:p>
+            <a:pPr lvl="1"/>
+            <a:r>
+              <a:rPr lang="es-ES" dirty="0" smtClean="0"/>
+              <a:t>Métricas</a:t>
+            </a:r>
+          </a:p>
+          <a:p>
+            <a:pPr lvl="1"/>
+            <a:r>
+              <a:rPr lang="es-ES" dirty="0" smtClean="0"/>
+              <a:t>Caso de Estudio I</a:t>
+            </a:r>
+          </a:p>
+          <a:p>
+            <a:pPr lvl="1"/>
+            <a:r>
+              <a:rPr lang="es-ES" dirty="0" smtClean="0"/>
+              <a:t>Caso de Estudio II</a:t>
+            </a:r>
+          </a:p>
+          <a:p>
+            <a:r>
+              <a:rPr lang="es-ES" dirty="0" smtClean="0"/>
+              <a:t>Conclusiones</a:t>
+            </a:r>
+          </a:p>
+          <a:p>
+            <a:pPr lvl="1"/>
+            <a:r>
+              <a:rPr lang="es-ES" dirty="0" smtClean="0"/>
+              <a:t>Ventajas y desventajas</a:t>
+            </a:r>
+          </a:p>
+          <a:p>
+            <a:pPr lvl="1"/>
+            <a:r>
+              <a:rPr lang="es-ES" dirty="0" smtClean="0"/>
+              <a:t>Trabajos futuros</a:t>
+            </a:r>
+          </a:p>
+          <a:p>
+            <a:r>
+              <a:rPr lang="es-ES" dirty="0" smtClean="0"/>
+              <a:t>Preguntas</a:t>
+            </a:r>
+          </a:p>
+          <a:p>
+            <a:pPr lvl="1">
+              <a:buNone/>
+            </a:pPr>
+            <a:endParaRPr lang="es-ES" dirty="0" smtClean="0"/>
+          </a:p>
+          <a:p>
+            <a:pPr lvl="1">
+              <a:buNone/>
+            </a:pPr>
+            <a:endParaRPr lang="es-ES" dirty="0" smtClean="0"/>
+          </a:p>
+          <a:p>
+            <a:endParaRPr lang="es-ES" dirty="0" smtClean="0"/>
+          </a:p>
+          <a:p>
+            <a:endParaRPr lang="es-ES" dirty="0"/>
+          </a:p>
+        </p:txBody>
+      </p:sp>
+      <p:sp>
+        <p:nvSpPr>
+          <p:cNvPr id="2" name="1 Título"/>
+          <p:cNvSpPr>
+            <a:spLocks noGrp="1"/>
+          </p:cNvSpPr>
+          <p:nvPr>
+            <p:ph type="title"/>
+          </p:nvPr>
+        </p:nvSpPr>
+        <p:spPr/>
+        <p:txBody>
+          <a:bodyPr/>
+          <a:lstStyle/>
+          <a:p>
+            <a:r>
+              <a:rPr lang="es-ES" dirty="0" smtClean="0"/>
+              <a:t>Agenda</a:t>
+            </a:r>
+            <a:endParaRPr lang="es-ES" dirty="0"/>
+          </a:p>
+        </p:txBody>
+      </p:sp>
+    </p:spTree>
+  </p:cSld>
+  <p:clrMapOvr>
+    <a:masterClrMapping/>
+  </p:clrMapOvr>
+  <p:timing>
+    <p:tnLst>
+      <p:par>
+        <p:cTn id="1" dur="indefinite" restart="never" nodeType="tmRoot">
+          <p:childTnLst>
+            <p:seq concurrent="1" nextAc="seek">
+              <p:cTn id="2" dur="indefinite" nodeType="mainSeq">
+                <p:childTnLst>
+                  <p:par>
+                    <p:cTn id="3" fill="hold">
+                      <p:stCondLst>
+                        <p:cond delay="indefinite"/>
+                      </p:stCondLst>
+                      <p:childTnLst>
+                        <p:par>
+                          <p:cTn id="4" fill="hold">
+                            <p:stCondLst>
+                              <p:cond delay="0"/>
+                            </p:stCondLst>
+                            <p:childTnLst>
+                              <p:par>
+                                <p:cTn id="5" presetID="4" presetClass="entr" presetSubtype="16" fill="hold" grpId="0" nodeType="clickEffect">
+                                  <p:stCondLst>
+                                    <p:cond delay="0"/>
+                                  </p:stCondLst>
+                                  <p:childTnLst>
+                                    <p:set>
+                                      <p:cBhvr>
+                                        <p:cTn id="6" dur="1" fill="hold">
+                                          <p:stCondLst>
+                                            <p:cond delay="0"/>
+                                          </p:stCondLst>
+                                        </p:cTn>
+                                        <p:tgtEl>
+                                          <p:spTgt spid="4"/>
+                                        </p:tgtEl>
+                                        <p:attrNameLst>
+                                          <p:attrName>style.visibility</p:attrName>
+                                        </p:attrNameLst>
+                                      </p:cBhvr>
+                                      <p:to>
+                                        <p:strVal val="visible"/>
+                                      </p:to>
+                                    </p:set>
+                                    <p:animEffect transition="in" filter="box(in)">
+                                      <p:cBhvr>
+                                        <p:cTn id="7" dur="500"/>
+                                        <p:tgtEl>
+                                          <p:spTgt spid="4"/>
+                                        </p:tgtEl>
+                                      </p:cBhvr>
+                                    </p:animEffect>
+                                  </p:childTnLst>
+                                </p:cTn>
+                              </p:par>
+                            </p:childTnLst>
+                          </p:cTn>
+                        </p:par>
+                      </p:childTnLst>
+                    </p:cTn>
+                  </p:par>
+                </p:childTnLst>
+              </p:cTn>
+              <p:prevCondLst>
+                <p:cond evt="onPrev" delay="0">
+                  <p:tgtEl>
+                    <p:sldTgt/>
+                  </p:tgtEl>
+                </p:cond>
+              </p:prevCondLst>
+              <p:nextCondLst>
+                <p:cond evt="onNext" delay="0">
+                  <p:tgtEl>
+                    <p:sldTgt/>
+                  </p:tgtEl>
+                </p:cond>
+              </p:nextCondLst>
+            </p:seq>
+          </p:childTnLst>
+        </p:cTn>
+      </p:par>
+    </p:tnLst>
+    <p:bldLst>
+      <p:bldP spid="4" grpId="0" animBg="1"/>
+    </p:bldLst>
+  </p:timing>
+</p:sld>
+</file>
+
+<file path=ppt/slides/slide14.xml><?xml version="1.0" encoding="utf-8"?>
+<p:sld xmlns:a="http://schemas.openxmlformats.org/drawingml/2006/main" xmlns:r="http://schemas.openxmlformats.org/officeDocument/2006/relationships" xmlns:p="http://schemas.openxmlformats.org/presentationml/2006/main">
+  <p:cSld>
+    <p:spTree>
+      <p:nvGrpSpPr>
+        <p:cNvPr id="1" name=""/>
+        <p:cNvGrpSpPr/>
+        <p:nvPr/>
+      </p:nvGrpSpPr>
+      <p:grpSpPr>
+        <a:xfrm>
+          <a:off x="0" y="0"/>
+          <a:ext cx="0" cy="0"/>
+          <a:chOff x="0" y="0"/>
+          <a:chExt cx="0" cy="0"/>
+        </a:xfrm>
+      </p:grpSpPr>
+      <p:sp>
+        <p:nvSpPr>
+          <p:cNvPr id="2" name="1 Título"/>
+          <p:cNvSpPr>
+            <a:spLocks noGrp="1"/>
+          </p:cNvSpPr>
+          <p:nvPr>
+            <p:ph type="title"/>
+          </p:nvPr>
+        </p:nvSpPr>
+        <p:spPr/>
+        <p:txBody>
+          <a:bodyPr/>
+          <a:lstStyle/>
+          <a:p>
+            <a:r>
+              <a:rPr lang="es-ES" dirty="0" smtClean="0"/>
+              <a:t>Métricas</a:t>
+            </a:r>
+            <a:endParaRPr lang="es-ES" dirty="0"/>
+          </a:p>
+        </p:txBody>
+      </p:sp>
+      <p:sp>
+        <p:nvSpPr>
+          <p:cNvPr id="3" name="2 Marcador de contenido"/>
+          <p:cNvSpPr>
+            <a:spLocks noGrp="1"/>
+          </p:cNvSpPr>
+          <p:nvPr>
+            <p:ph idx="1"/>
+          </p:nvPr>
+        </p:nvSpPr>
+        <p:spPr/>
+        <p:txBody>
+          <a:bodyPr/>
+          <a:lstStyle/>
+          <a:p>
+            <a:r>
+              <a:rPr lang="es-AR" dirty="0" smtClean="0"/>
+              <a:t>Definiciones derivadas de IR: </a:t>
+            </a:r>
+          </a:p>
+          <a:p>
+            <a:pPr lvl="1"/>
+            <a:r>
+              <a:rPr lang="es-AR" sz="1600" b="1" dirty="0" smtClean="0"/>
+              <a:t>QVP</a:t>
+            </a:r>
+            <a:r>
+              <a:rPr lang="es-AR" sz="1600" dirty="0" smtClean="0"/>
+              <a:t>: QAs </a:t>
+            </a:r>
+            <a:r>
+              <a:rPr lang="es-AR" sz="1600" b="1" i="1" u="sng" dirty="0" smtClean="0"/>
+              <a:t>identificados</a:t>
+            </a:r>
+            <a:r>
+              <a:rPr lang="es-AR" sz="1600" dirty="0" smtClean="0"/>
+              <a:t>, que </a:t>
+            </a:r>
+            <a:r>
+              <a:rPr lang="es-AR" sz="1600" b="1" i="1" u="sng" dirty="0" smtClean="0"/>
+              <a:t>son realmente QAs.</a:t>
+            </a:r>
+            <a:endParaRPr lang="es-AR" sz="1600" dirty="0" smtClean="0"/>
+          </a:p>
+          <a:p>
+            <a:pPr lvl="1"/>
+            <a:r>
+              <a:rPr lang="es-AR" sz="1600" b="1" dirty="0" smtClean="0"/>
+              <a:t>QVN</a:t>
+            </a:r>
+            <a:r>
+              <a:rPr lang="es-AR" sz="1600" dirty="0" smtClean="0"/>
+              <a:t>: QAs </a:t>
+            </a:r>
+            <a:r>
+              <a:rPr lang="es-AR" sz="1600" b="1" i="1" u="sng" dirty="0" smtClean="0"/>
+              <a:t>no identificados</a:t>
+            </a:r>
+            <a:r>
+              <a:rPr lang="es-AR" sz="1600" dirty="0" smtClean="0"/>
+              <a:t>, que </a:t>
+            </a:r>
+            <a:r>
+              <a:rPr lang="es-AR" sz="1600" b="1" i="1" u="sng" dirty="0" smtClean="0"/>
+              <a:t>no son realmente QAs.</a:t>
+            </a:r>
+            <a:endParaRPr lang="es-AR" sz="1600" dirty="0" smtClean="0"/>
+          </a:p>
+          <a:p>
+            <a:pPr lvl="1"/>
+            <a:r>
+              <a:rPr lang="es-AR" sz="1600" b="1" dirty="0" smtClean="0"/>
+              <a:t>QFP</a:t>
+            </a:r>
+            <a:r>
+              <a:rPr lang="es-AR" sz="1600" dirty="0" smtClean="0"/>
+              <a:t>: QAs </a:t>
+            </a:r>
+            <a:r>
+              <a:rPr lang="es-AR" sz="1600" b="1" i="1" u="sng" dirty="0" smtClean="0"/>
+              <a:t>identificados</a:t>
+            </a:r>
+            <a:r>
+              <a:rPr lang="es-AR" sz="1600" dirty="0" smtClean="0"/>
+              <a:t>, que </a:t>
+            </a:r>
+            <a:r>
+              <a:rPr lang="es-AR" sz="1600" b="1" i="1" u="sng" dirty="0" smtClean="0"/>
+              <a:t>no son realmente QAs </a:t>
+            </a:r>
+            <a:r>
+              <a:rPr lang="es-AR" sz="1600" dirty="0" smtClean="0"/>
+              <a:t> o que se identificaron de manera errónea a partir de los datos de entrada.</a:t>
+            </a:r>
+          </a:p>
+          <a:p>
+            <a:pPr lvl="1"/>
+            <a:r>
+              <a:rPr lang="es-AR" sz="1600" b="1" dirty="0" smtClean="0"/>
+              <a:t>QFN</a:t>
+            </a:r>
+            <a:r>
+              <a:rPr lang="es-AR" sz="1600" dirty="0" smtClean="0"/>
+              <a:t>: QAs </a:t>
+            </a:r>
+            <a:r>
+              <a:rPr lang="es-AR" sz="1600" b="1" i="1" u="sng" dirty="0" smtClean="0"/>
+              <a:t>no identificados</a:t>
+            </a:r>
+            <a:r>
+              <a:rPr lang="es-AR" sz="1600" dirty="0" smtClean="0"/>
+              <a:t>, que </a:t>
+            </a:r>
+            <a:r>
+              <a:rPr lang="es-AR" sz="1600" b="1" i="1" u="sng" dirty="0" smtClean="0"/>
+              <a:t>son realmente QAs.</a:t>
+            </a:r>
+          </a:p>
+          <a:p>
+            <a:pPr lvl="1"/>
+            <a:endParaRPr lang="es-AR" sz="1600" b="1" i="1" u="sng" dirty="0" smtClean="0"/>
+          </a:p>
+          <a:p>
+            <a:pPr lvl="1">
+              <a:buNone/>
+            </a:pPr>
+            <a:endParaRPr lang="es-AR" sz="1600" b="1" i="1" u="sng" dirty="0" smtClean="0"/>
+          </a:p>
+          <a:p>
+            <a:pPr lvl="1"/>
+            <a:endParaRPr lang="es-AR" sz="1600" b="1" i="1" u="sng" dirty="0" smtClean="0"/>
+          </a:p>
+          <a:p>
+            <a:pPr lvl="1"/>
+            <a:endParaRPr lang="es-AR" sz="1600" b="1" i="1" u="sng" dirty="0" smtClean="0"/>
+          </a:p>
+          <a:p>
+            <a:r>
+              <a:rPr lang="es-AR" dirty="0" smtClean="0"/>
+              <a:t>Tiempos de ejecución</a:t>
+            </a:r>
+          </a:p>
+        </p:txBody>
+      </p:sp>
+      <p:pic>
+        <p:nvPicPr>
+          <p:cNvPr id="24584" name="Picture 8"/>
+          <p:cNvPicPr>
+            <a:picLocks noChangeAspect="1" noChangeArrowheads="1"/>
+          </p:cNvPicPr>
+          <p:nvPr/>
+        </p:nvPicPr>
+        <p:blipFill>
+          <a:blip r:embed="rId2" cstate="print">
+            <a:clrChange>
+              <a:clrFrom>
+                <a:srgbClr val="FFFFFF"/>
+              </a:clrFrom>
+              <a:clrTo>
+                <a:srgbClr val="FFFFFF">
+                  <a:alpha val="0"/>
+                </a:srgbClr>
+              </a:clrTo>
+            </a:clrChange>
+          </a:blip>
+          <a:srcRect/>
+          <a:stretch>
+            <a:fillRect/>
+          </a:stretch>
+        </p:blipFill>
+        <p:spPr bwMode="auto">
+          <a:xfrm>
+            <a:off x="1331640" y="3933056"/>
+            <a:ext cx="2418365" cy="577974"/>
+          </a:xfrm>
+          <a:prstGeom prst="rect">
+            <a:avLst/>
+          </a:prstGeom>
+          <a:ln>
+            <a:noFill/>
+          </a:ln>
+          <a:effectLst>
+            <a:outerShdw blurRad="292100" dist="139700" dir="2700000" algn="tl" rotWithShape="0">
+              <a:srgbClr val="333333">
+                <a:alpha val="65000"/>
+              </a:srgbClr>
+            </a:outerShdw>
+          </a:effectLst>
+        </p:spPr>
+      </p:pic>
+      <p:pic>
+        <p:nvPicPr>
+          <p:cNvPr id="24583" name="Picture 7"/>
+          <p:cNvPicPr>
+            <a:picLocks noChangeAspect="1" noChangeArrowheads="1"/>
+          </p:cNvPicPr>
+          <p:nvPr/>
+        </p:nvPicPr>
+        <p:blipFill>
+          <a:blip r:embed="rId3" cstate="print">
+            <a:clrChange>
+              <a:clrFrom>
+                <a:srgbClr val="FFFFFF"/>
+              </a:clrFrom>
+              <a:clrTo>
+                <a:srgbClr val="FFFFFF">
+                  <a:alpha val="0"/>
+                </a:srgbClr>
+              </a:clrTo>
+            </a:clrChange>
+          </a:blip>
+          <a:srcRect/>
+          <a:stretch>
+            <a:fillRect/>
+          </a:stretch>
+        </p:blipFill>
+        <p:spPr bwMode="auto">
+          <a:xfrm>
+            <a:off x="4572000" y="3933056"/>
+            <a:ext cx="2129378" cy="577974"/>
+          </a:xfrm>
+          <a:prstGeom prst="rect">
+            <a:avLst/>
+          </a:prstGeom>
+          <a:ln>
+            <a:noFill/>
+          </a:ln>
+          <a:effectLst>
+            <a:outerShdw blurRad="292100" dist="139700" dir="2700000" algn="tl" rotWithShape="0">
+              <a:srgbClr val="333333">
+                <a:alpha val="65000"/>
+              </a:srgbClr>
+            </a:outerShdw>
+          </a:effectLst>
+        </p:spPr>
+      </p:pic>
+      <p:sp>
+        <p:nvSpPr>
+          <p:cNvPr id="24585" name="Rectangle 9"/>
+          <p:cNvSpPr>
+            <a:spLocks noChangeArrowheads="1"/>
+          </p:cNvSpPr>
+          <p:nvPr/>
+        </p:nvSpPr>
+        <p:spPr bwMode="auto">
+          <a:xfrm>
+            <a:off x="0" y="0"/>
+            <a:ext cx="9144000" cy="457200"/>
+          </a:xfrm>
+          <a:prstGeom prst="rect">
+            <a:avLst/>
+          </a:prstGeom>
+          <a:noFill/>
+          <a:ln w="9525">
+            <a:noFill/>
+            <a:miter lim="800000"/>
+            <a:headEnd/>
+            <a:tailEnd/>
+          </a:ln>
+          <a:effectLst/>
+        </p:spPr>
+        <p:txBody>
+          <a:bodyPr vert="horz" wrap="none" lIns="91440" tIns="45720" rIns="91440" bIns="45720" numCol="1" anchor="ctr" anchorCtr="0" compatLnSpc="1">
+            <a:prstTxWarp prst="textNoShape">
+              <a:avLst/>
+            </a:prstTxWarp>
+            <a:spAutoFit/>
+          </a:bodyPr>
+          <a:lstStyle/>
+          <a:p>
+            <a:endParaRPr lang="es-AR"/>
+          </a:p>
+        </p:txBody>
+      </p:sp>
+      <p:sp>
+        <p:nvSpPr>
+          <p:cNvPr id="24586" name="Rectangle 10"/>
+          <p:cNvSpPr>
+            <a:spLocks noChangeArrowheads="1"/>
+          </p:cNvSpPr>
+          <p:nvPr/>
+        </p:nvSpPr>
+        <p:spPr bwMode="auto">
+          <a:xfrm>
+            <a:off x="0" y="819150"/>
+            <a:ext cx="9144000" cy="457200"/>
+          </a:xfrm>
+          <a:prstGeom prst="rect">
+            <a:avLst/>
+          </a:prstGeom>
+          <a:noFill/>
+          <a:ln w="9525">
+            <a:noFill/>
+            <a:miter lim="800000"/>
+            <a:headEnd/>
+            <a:tailEnd/>
+          </a:ln>
+          <a:effectLst/>
+        </p:spPr>
+        <p:txBody>
+          <a:bodyPr vert="horz" wrap="none" lIns="91440" tIns="45720" rIns="91440" bIns="45720" numCol="1" anchor="ctr" anchorCtr="0" compatLnSpc="1">
+            <a:prstTxWarp prst="textNoShape">
+              <a:avLst/>
+            </a:prstTxWarp>
+            <a:spAutoFit/>
+          </a:bodyPr>
+          <a:lstStyle/>
+          <a:p>
+            <a:endParaRPr lang="es-AR"/>
+          </a:p>
+        </p:txBody>
+      </p:sp>
+      <p:pic>
+        <p:nvPicPr>
+          <p:cNvPr id="27651" name="Picture 3" descr="C:\Documents and Settings\Administrador\Configuración local\Archivos temporales de Internet\Content.IE5\U5IY6TLH\MC900433845[1].png"/>
+          <p:cNvPicPr>
+            <a:picLocks noChangeAspect="1" noChangeArrowheads="1"/>
+          </p:cNvPicPr>
+          <p:nvPr/>
+        </p:nvPicPr>
+        <p:blipFill>
+          <a:blip r:embed="rId4" cstate="print"/>
+          <a:srcRect/>
+          <a:stretch>
+            <a:fillRect/>
+          </a:stretch>
+        </p:blipFill>
+        <p:spPr bwMode="auto">
+          <a:xfrm>
+            <a:off x="6588224" y="4745062"/>
+            <a:ext cx="1944216" cy="1944216"/>
+          </a:xfrm>
+          <a:prstGeom prst="rect">
+            <a:avLst/>
+          </a:prstGeom>
+          <a:noFill/>
+        </p:spPr>
+      </p:pic>
+    </p:spTree>
+  </p:cSld>
+  <p:clrMapOvr>
+    <a:masterClrMapping/>
+  </p:clrMapOvr>
+  <p:timing>
+    <p:tnLst>
+      <p:par>
+        <p:cTn id="1" dur="indefinite" restart="never" nodeType="tmRoot"/>
+      </p:par>
+    </p:tnLst>
+  </p:timing>
+</p:sld>
+</file>
+
+<file path=ppt/slides/slide15.xml><?xml version="1.0" encoding="utf-8"?>
+<p:sld xmlns:a="http://schemas.openxmlformats.org/drawingml/2006/main" xmlns:r="http://schemas.openxmlformats.org/officeDocument/2006/relationships" xmlns:p="http://schemas.openxmlformats.org/presentationml/2006/main">
+  <p:cSld>
+    <p:spTree>
+      <p:nvGrpSpPr>
+        <p:cNvPr id="1" name=""/>
+        <p:cNvGrpSpPr/>
+        <p:nvPr/>
+      </p:nvGrpSpPr>
+      <p:grpSpPr>
+        <a:xfrm>
+          <a:off x="0" y="0"/>
+          <a:ext cx="0" cy="0"/>
+          <a:chOff x="0" y="0"/>
+          <a:chExt cx="0" cy="0"/>
+        </a:xfrm>
+      </p:grpSpPr>
+      <p:sp>
+        <p:nvSpPr>
+          <p:cNvPr id="2" name="1 Título"/>
+          <p:cNvSpPr>
+            <a:spLocks noGrp="1"/>
+          </p:cNvSpPr>
+          <p:nvPr>
+            <p:ph type="title"/>
+          </p:nvPr>
+        </p:nvSpPr>
+        <p:spPr/>
+        <p:txBody>
+          <a:bodyPr>
+            <a:normAutofit/>
+          </a:bodyPr>
+          <a:lstStyle/>
+          <a:p>
+            <a:r>
+              <a:rPr lang="es-ES" dirty="0" smtClean="0"/>
+              <a:t>Caso de estudio HWS</a:t>
+            </a:r>
+            <a:endParaRPr lang="es-ES" dirty="0"/>
+          </a:p>
+        </p:txBody>
+      </p:sp>
+      <p:sp>
+        <p:nvSpPr>
+          <p:cNvPr id="3" name="2 Marcador de contenido"/>
+          <p:cNvSpPr>
+            <a:spLocks noGrp="1"/>
+          </p:cNvSpPr>
+          <p:nvPr>
+            <p:ph idx="1"/>
+          </p:nvPr>
+        </p:nvSpPr>
+        <p:spPr/>
+        <p:txBody>
+          <a:bodyPr>
+            <a:normAutofit/>
+          </a:bodyPr>
+          <a:lstStyle/>
+          <a:p>
+            <a:r>
+              <a:rPr lang="es-ES" dirty="0" smtClean="0"/>
+              <a:t>Sistema de Salud Vigía</a:t>
+            </a:r>
+          </a:p>
+          <a:p>
+            <a:r>
+              <a:rPr lang="es-ES" dirty="0" smtClean="0"/>
+              <a:t>9 casos de uso (aproximadamente 2300 palabras)</a:t>
+            </a:r>
+          </a:p>
+          <a:p>
+            <a:r>
+              <a:rPr lang="es-ES" dirty="0" smtClean="0"/>
+              <a:t>6 aspectos candidatos</a:t>
+            </a:r>
+          </a:p>
+          <a:p>
+            <a:r>
+              <a:rPr lang="es-ES" dirty="0" smtClean="0"/>
+              <a:t>QA buscados detectados a través del análisis de las arquitecturas del sistema: </a:t>
+            </a:r>
+            <a:r>
+              <a:rPr lang="es-ES" dirty="0" err="1" smtClean="0"/>
+              <a:t>usability</a:t>
+            </a:r>
+            <a:r>
+              <a:rPr lang="es-ES" dirty="0" smtClean="0"/>
+              <a:t>, </a:t>
+            </a:r>
+            <a:r>
+              <a:rPr lang="es-ES" dirty="0" err="1" smtClean="0"/>
+              <a:t>availability</a:t>
+            </a:r>
+            <a:r>
+              <a:rPr lang="es-ES" dirty="0" smtClean="0"/>
+              <a:t>, performance, </a:t>
+            </a:r>
+            <a:r>
+              <a:rPr lang="es-ES" dirty="0" err="1" smtClean="0"/>
+              <a:t>scalability</a:t>
+            </a:r>
+            <a:r>
+              <a:rPr lang="es-ES" dirty="0" smtClean="0"/>
+              <a:t>, </a:t>
+            </a:r>
+            <a:r>
+              <a:rPr lang="es-ES" dirty="0" err="1" smtClean="0"/>
+              <a:t>security</a:t>
+            </a:r>
+            <a:r>
+              <a:rPr lang="es-ES" dirty="0" smtClean="0"/>
+              <a:t>, </a:t>
+            </a:r>
+            <a:r>
+              <a:rPr lang="es-ES" dirty="0" err="1" smtClean="0"/>
+              <a:t>persistence</a:t>
+            </a:r>
+            <a:endParaRPr lang="es-ES" dirty="0" smtClean="0"/>
+          </a:p>
+          <a:p>
+            <a:endParaRPr lang="es-ES" dirty="0"/>
+          </a:p>
+        </p:txBody>
+      </p:sp>
+    </p:spTree>
+  </p:cSld>
+  <p:clrMapOvr>
+    <a:masterClrMapping/>
+  </p:clrMapOvr>
+  <p:timing>
+    <p:tnLst>
+      <p:par>
+        <p:cTn id="1" dur="indefinite" restart="never" nodeType="tmRoot"/>
+      </p:par>
+    </p:tnLst>
+  </p:timing>
+</p:sld>
+</file>
+
+<file path=ppt/slides/slide16.xml><?xml version="1.0" encoding="utf-8"?>
+<p:sld xmlns:a="http://schemas.openxmlformats.org/drawingml/2006/main" xmlns:r="http://schemas.openxmlformats.org/officeDocument/2006/relationships" xmlns:p="http://schemas.openxmlformats.org/presentationml/2006/main">
+  <p:cSld>
+    <p:spTree>
+      <p:nvGrpSpPr>
+        <p:cNvPr id="1" name=""/>
+        <p:cNvGrpSpPr/>
+        <p:nvPr/>
+      </p:nvGrpSpPr>
+      <p:grpSpPr>
+        <a:xfrm>
+          <a:off x="0" y="0"/>
+          <a:ext cx="0" cy="0"/>
+          <a:chOff x="0" y="0"/>
+          <a:chExt cx="0" cy="0"/>
+        </a:xfrm>
+      </p:grpSpPr>
+      <p:sp>
+        <p:nvSpPr>
+          <p:cNvPr id="2" name="1 Título"/>
+          <p:cNvSpPr>
+            <a:spLocks noGrp="1"/>
+          </p:cNvSpPr>
+          <p:nvPr>
+            <p:ph type="title"/>
+          </p:nvPr>
+        </p:nvSpPr>
+        <p:spPr/>
+        <p:txBody>
+          <a:bodyPr>
+            <a:normAutofit/>
+          </a:bodyPr>
+          <a:lstStyle/>
+          <a:p>
+            <a:r>
+              <a:rPr lang="es-ES" dirty="0" smtClean="0"/>
+              <a:t>Caso de estudio HWS</a:t>
+            </a:r>
+            <a:endParaRPr lang="es-ES" dirty="0"/>
+          </a:p>
+        </p:txBody>
+      </p:sp>
+      <p:sp>
+        <p:nvSpPr>
+          <p:cNvPr id="3" name="2 Marcador de contenido"/>
+          <p:cNvSpPr>
+            <a:spLocks noGrp="1"/>
+          </p:cNvSpPr>
+          <p:nvPr>
+            <p:ph idx="1"/>
+          </p:nvPr>
+        </p:nvSpPr>
+        <p:spPr/>
+        <p:txBody>
+          <a:bodyPr>
+            <a:normAutofit/>
+          </a:bodyPr>
+          <a:lstStyle/>
+          <a:p>
+            <a:endParaRPr lang="es-ES" dirty="0" smtClean="0"/>
+          </a:p>
+          <a:p>
+            <a:endParaRPr lang="es-ES" dirty="0" smtClean="0"/>
+          </a:p>
+          <a:p>
+            <a:endParaRPr lang="es-ES" dirty="0"/>
+          </a:p>
+        </p:txBody>
+      </p:sp>
+      <p:graphicFrame>
+        <p:nvGraphicFramePr>
+          <p:cNvPr id="4" name="3 Tabla"/>
+          <p:cNvGraphicFramePr>
+            <a:graphicFrameLocks noGrp="1"/>
+          </p:cNvGraphicFramePr>
+          <p:nvPr/>
+        </p:nvGraphicFramePr>
+        <p:xfrm>
+          <a:off x="827584" y="4365104"/>
+          <a:ext cx="2520280" cy="1771510"/>
+        </p:xfrm>
+        <a:graphic>
+          <a:graphicData uri="http://schemas.openxmlformats.org/drawingml/2006/table">
+            <a:tbl>
+              <a:tblPr/>
+              <a:tblGrid>
+                <a:gridCol w="1704868"/>
+                <a:gridCol w="815412"/>
+              </a:tblGrid>
+              <a:tr h="354302">
+                <a:tc>
+                  <a:txBody>
+                    <a:bodyPr/>
+                    <a:lstStyle/>
+                    <a:p>
+                      <a:pPr algn="ctr">
+                        <a:lnSpc>
+                          <a:spcPct val="115000"/>
+                        </a:lnSpc>
+                        <a:spcAft>
+                          <a:spcPts val="0"/>
+                        </a:spcAft>
+                      </a:pPr>
+                      <a:r>
+                        <a:rPr lang="es-AR" sz="1100" b="1" dirty="0">
+                          <a:solidFill>
+                            <a:srgbClr val="FFFFFF"/>
+                          </a:solidFill>
+                          <a:latin typeface="Calibri"/>
+                          <a:ea typeface="Calibri"/>
+                          <a:cs typeface="Times New Roman"/>
+                        </a:rPr>
+                        <a:t>Caso de Estudio</a:t>
+                      </a:r>
+                      <a:endParaRPr lang="es-AR" sz="1100" dirty="0">
+                        <a:latin typeface="Calibri"/>
+                        <a:ea typeface="Times New Roman"/>
+                        <a:cs typeface="Times New Roman"/>
+                      </a:endParaRPr>
+                    </a:p>
+                  </a:txBody>
+                  <a:tcPr marL="68580" marR="68580" marT="0" marB="0">
+                    <a:lnL w="12700" cap="flat" cmpd="sng" algn="ctr">
+                      <a:solidFill>
+                        <a:srgbClr val="4F81BD"/>
+                      </a:solidFill>
+                      <a:prstDash val="solid"/>
+                      <a:round/>
+                      <a:headEnd type="none" w="med" len="med"/>
+                      <a:tailEnd type="none" w="med" len="med"/>
+                    </a:lnL>
+                    <a:lnR>
+                      <a:noFill/>
+                    </a:lnR>
+                    <a:lnT w="12700" cap="flat" cmpd="sng" algn="ctr">
+                      <a:solidFill>
+                        <a:srgbClr val="4F81BD"/>
+                      </a:solidFill>
+                      <a:prstDash val="solid"/>
+                      <a:round/>
+                      <a:headEnd type="none" w="med" len="med"/>
+                      <a:tailEnd type="none" w="med" len="med"/>
+                    </a:lnT>
+                    <a:lnB w="12700" cap="flat" cmpd="sng" algn="ctr">
+                      <a:solidFill>
+                        <a:srgbClr val="4F81BD"/>
+                      </a:solidFill>
+                      <a:prstDash val="solid"/>
+                      <a:round/>
+                      <a:headEnd type="none" w="med" len="med"/>
+                      <a:tailEnd type="none" w="med" len="med"/>
+                    </a:lnB>
+                    <a:solidFill>
+                      <a:srgbClr val="4F81BD"/>
+                    </a:solidFill>
+                  </a:tcPr>
+                </a:tc>
+                <a:tc>
+                  <a:txBody>
+                    <a:bodyPr/>
+                    <a:lstStyle/>
+                    <a:p>
+                      <a:pPr algn="ctr">
+                        <a:lnSpc>
+                          <a:spcPct val="115000"/>
+                        </a:lnSpc>
+                        <a:spcAft>
+                          <a:spcPts val="0"/>
+                        </a:spcAft>
+                      </a:pPr>
+                      <a:r>
+                        <a:rPr lang="es-AR" sz="1100" b="1" dirty="0">
+                          <a:solidFill>
+                            <a:srgbClr val="FFFFFF"/>
+                          </a:solidFill>
+                          <a:latin typeface="Calibri"/>
+                          <a:ea typeface="Calibri"/>
+                          <a:cs typeface="Times New Roman"/>
+                        </a:rPr>
+                        <a:t>HWS</a:t>
+                      </a:r>
+                      <a:endParaRPr lang="es-AR" sz="1100" dirty="0">
+                        <a:latin typeface="Calibri"/>
+                        <a:ea typeface="Times New Roman"/>
+                        <a:cs typeface="Times New Roman"/>
+                      </a:endParaRPr>
+                    </a:p>
+                  </a:txBody>
+                  <a:tcPr marL="68580" marR="68580" marT="0" marB="0">
+                    <a:lnL>
+                      <a:noFill/>
+                    </a:lnL>
+                    <a:lnR w="12700" cap="flat" cmpd="sng" algn="ctr">
+                      <a:solidFill>
+                        <a:srgbClr val="4F81BD"/>
+                      </a:solidFill>
+                      <a:prstDash val="solid"/>
+                      <a:round/>
+                      <a:headEnd type="none" w="med" len="med"/>
+                      <a:tailEnd type="none" w="med" len="med"/>
+                    </a:lnR>
+                    <a:lnT w="12700" cap="flat" cmpd="sng" algn="ctr">
+                      <a:solidFill>
+                        <a:srgbClr val="4F81BD"/>
+                      </a:solidFill>
+                      <a:prstDash val="solid"/>
+                      <a:round/>
+                      <a:headEnd type="none" w="med" len="med"/>
+                      <a:tailEnd type="none" w="med" len="med"/>
+                    </a:lnT>
+                    <a:lnB w="12700" cap="flat" cmpd="sng" algn="ctr">
+                      <a:solidFill>
+                        <a:srgbClr val="4F81BD"/>
+                      </a:solidFill>
+                      <a:prstDash val="solid"/>
+                      <a:round/>
+                      <a:headEnd type="none" w="med" len="med"/>
+                      <a:tailEnd type="none" w="med" len="med"/>
+                    </a:lnB>
+                    <a:solidFill>
+                      <a:srgbClr val="4F81BD"/>
+                    </a:solidFill>
+                  </a:tcPr>
+                </a:tc>
+              </a:tr>
+              <a:tr h="354302">
+                <a:tc>
+                  <a:txBody>
+                    <a:bodyPr/>
+                    <a:lstStyle/>
+                    <a:p>
+                      <a:pPr algn="ctr">
+                        <a:lnSpc>
+                          <a:spcPct val="115000"/>
+                        </a:lnSpc>
+                        <a:spcAft>
+                          <a:spcPts val="0"/>
+                        </a:spcAft>
+                      </a:pPr>
+                      <a:r>
+                        <a:rPr lang="es-AR" sz="1100" b="1">
+                          <a:latin typeface="Calibri"/>
+                          <a:ea typeface="Calibri"/>
+                          <a:cs typeface="Times New Roman"/>
+                        </a:rPr>
+                        <a:t>QVP</a:t>
+                      </a:r>
+                      <a:endParaRPr lang="es-AR" sz="1100">
+                        <a:latin typeface="Calibri"/>
+                        <a:ea typeface="Times New Roman"/>
+                        <a:cs typeface="Times New Roman"/>
+                      </a:endParaRPr>
+                    </a:p>
+                  </a:txBody>
+                  <a:tcPr marL="68580" marR="68580" marT="0" marB="0">
+                    <a:lnL w="12700" cap="flat" cmpd="sng" algn="ctr">
+                      <a:solidFill>
+                        <a:srgbClr val="4F81BD"/>
+                      </a:solidFill>
+                      <a:prstDash val="solid"/>
+                      <a:round/>
+                      <a:headEnd type="none" w="med" len="med"/>
+                      <a:tailEnd type="none" w="med" len="med"/>
+                    </a:lnL>
+                    <a:lnR>
+                      <a:noFill/>
+                    </a:lnR>
+                    <a:lnT w="12700" cap="flat" cmpd="sng" algn="ctr">
+                      <a:solidFill>
+                        <a:srgbClr val="4F81BD"/>
+                      </a:solidFill>
+                      <a:prstDash val="solid"/>
+                      <a:round/>
+                      <a:headEnd type="none" w="med" len="med"/>
+                      <a:tailEnd type="none" w="med" len="med"/>
+                    </a:lnT>
+                    <a:lnB w="12700" cap="flat" cmpd="sng" algn="ctr">
+                      <a:solidFill>
+                        <a:srgbClr val="4F81BD"/>
+                      </a:solidFill>
+                      <a:prstDash val="solid"/>
+                      <a:round/>
+                      <a:headEnd type="none" w="med" len="med"/>
+                      <a:tailEnd type="none" w="med" len="med"/>
+                    </a:lnB>
+                  </a:tcPr>
+                </a:tc>
+                <a:tc>
+                  <a:txBody>
+                    <a:bodyPr/>
+                    <a:lstStyle/>
+                    <a:p>
+                      <a:pPr algn="ctr">
+                        <a:lnSpc>
+                          <a:spcPct val="115000"/>
+                        </a:lnSpc>
+                        <a:spcAft>
+                          <a:spcPts val="0"/>
+                        </a:spcAft>
+                      </a:pPr>
+                      <a:r>
+                        <a:rPr lang="es-AR" sz="1100">
+                          <a:latin typeface="Calibri"/>
+                          <a:ea typeface="Calibri"/>
+                          <a:cs typeface="Times New Roman"/>
+                        </a:rPr>
+                        <a:t>3</a:t>
+                      </a:r>
+                      <a:endParaRPr lang="es-AR" sz="1100">
+                        <a:latin typeface="Calibri"/>
+                        <a:ea typeface="Times New Roman"/>
+                        <a:cs typeface="Times New Roman"/>
+                      </a:endParaRPr>
+                    </a:p>
+                  </a:txBody>
+                  <a:tcPr marL="68580" marR="68580" marT="0" marB="0">
+                    <a:lnL>
+                      <a:noFill/>
+                    </a:lnL>
+                    <a:lnR w="12700" cap="flat" cmpd="sng" algn="ctr">
+                      <a:solidFill>
+                        <a:srgbClr val="4F81BD"/>
+                      </a:solidFill>
+                      <a:prstDash val="solid"/>
+                      <a:round/>
+                      <a:headEnd type="none" w="med" len="med"/>
+                      <a:tailEnd type="none" w="med" len="med"/>
+                    </a:lnR>
+                    <a:lnT w="12700" cap="flat" cmpd="sng" algn="ctr">
+                      <a:solidFill>
+                        <a:srgbClr val="4F81BD"/>
+                      </a:solidFill>
+                      <a:prstDash val="solid"/>
+                      <a:round/>
+                      <a:headEnd type="none" w="med" len="med"/>
+                      <a:tailEnd type="none" w="med" len="med"/>
+                    </a:lnT>
+                    <a:lnB w="12700" cap="flat" cmpd="sng" algn="ctr">
+                      <a:solidFill>
+                        <a:srgbClr val="4F81BD"/>
+                      </a:solidFill>
+                      <a:prstDash val="solid"/>
+                      <a:round/>
+                      <a:headEnd type="none" w="med" len="med"/>
+                      <a:tailEnd type="none" w="med" len="med"/>
+                    </a:lnB>
+                  </a:tcPr>
+                </a:tc>
+              </a:tr>
+              <a:tr h="354302">
+                <a:tc>
+                  <a:txBody>
+                    <a:bodyPr/>
+                    <a:lstStyle/>
+                    <a:p>
+                      <a:pPr algn="ctr">
+                        <a:lnSpc>
+                          <a:spcPct val="115000"/>
+                        </a:lnSpc>
+                        <a:spcAft>
+                          <a:spcPts val="0"/>
+                        </a:spcAft>
+                      </a:pPr>
+                      <a:r>
+                        <a:rPr lang="es-AR" sz="1100" b="1" dirty="0">
+                          <a:latin typeface="Calibri"/>
+                          <a:ea typeface="Calibri"/>
+                          <a:cs typeface="Times New Roman"/>
+                        </a:rPr>
+                        <a:t>QFP</a:t>
+                      </a:r>
+                      <a:endParaRPr lang="es-AR" sz="1100" dirty="0">
+                        <a:latin typeface="Calibri"/>
+                        <a:ea typeface="Times New Roman"/>
+                        <a:cs typeface="Times New Roman"/>
+                      </a:endParaRPr>
+                    </a:p>
+                  </a:txBody>
+                  <a:tcPr marL="68580" marR="68580" marT="0" marB="0">
+                    <a:lnL w="12700" cap="flat" cmpd="sng" algn="ctr">
+                      <a:solidFill>
+                        <a:srgbClr val="4F81BD"/>
+                      </a:solidFill>
+                      <a:prstDash val="solid"/>
+                      <a:round/>
+                      <a:headEnd type="none" w="med" len="med"/>
+                      <a:tailEnd type="none" w="med" len="med"/>
+                    </a:lnL>
+                    <a:lnR>
+                      <a:noFill/>
+                    </a:lnR>
+                    <a:lnT w="12700" cap="flat" cmpd="sng" algn="ctr">
+                      <a:solidFill>
+                        <a:srgbClr val="4F81BD"/>
+                      </a:solidFill>
+                      <a:prstDash val="solid"/>
+                      <a:round/>
+                      <a:headEnd type="none" w="med" len="med"/>
+                      <a:tailEnd type="none" w="med" len="med"/>
+                    </a:lnT>
+                    <a:lnB w="12700" cap="flat" cmpd="sng" algn="ctr">
+                      <a:solidFill>
+                        <a:srgbClr val="4F81BD"/>
+                      </a:solidFill>
+                      <a:prstDash val="solid"/>
+                      <a:round/>
+                      <a:headEnd type="none" w="med" len="med"/>
+                      <a:tailEnd type="none" w="med" len="med"/>
+                    </a:lnB>
+                  </a:tcPr>
+                </a:tc>
+                <a:tc>
+                  <a:txBody>
+                    <a:bodyPr/>
+                    <a:lstStyle/>
+                    <a:p>
+                      <a:pPr algn="ctr">
+                        <a:lnSpc>
+                          <a:spcPct val="115000"/>
+                        </a:lnSpc>
+                        <a:spcAft>
+                          <a:spcPts val="0"/>
+                        </a:spcAft>
+                      </a:pPr>
+                      <a:r>
+                        <a:rPr lang="es-AR" sz="1100">
+                          <a:latin typeface="Calibri"/>
+                          <a:ea typeface="Calibri"/>
+                          <a:cs typeface="Times New Roman"/>
+                        </a:rPr>
+                        <a:t>3</a:t>
+                      </a:r>
+                      <a:endParaRPr lang="es-AR" sz="1100">
+                        <a:latin typeface="Calibri"/>
+                        <a:ea typeface="Times New Roman"/>
+                        <a:cs typeface="Times New Roman"/>
+                      </a:endParaRPr>
+                    </a:p>
+                  </a:txBody>
+                  <a:tcPr marL="68580" marR="68580" marT="0" marB="0">
+                    <a:lnL>
+                      <a:noFill/>
+                    </a:lnL>
+                    <a:lnR w="12700" cap="flat" cmpd="sng" algn="ctr">
+                      <a:solidFill>
+                        <a:srgbClr val="4F81BD"/>
+                      </a:solidFill>
+                      <a:prstDash val="solid"/>
+                      <a:round/>
+                      <a:headEnd type="none" w="med" len="med"/>
+                      <a:tailEnd type="none" w="med" len="med"/>
+                    </a:lnR>
+                    <a:lnT w="12700" cap="flat" cmpd="sng" algn="ctr">
+                      <a:solidFill>
+                        <a:srgbClr val="4F81BD"/>
+                      </a:solidFill>
+                      <a:prstDash val="solid"/>
+                      <a:round/>
+                      <a:headEnd type="none" w="med" len="med"/>
+                      <a:tailEnd type="none" w="med" len="med"/>
+                    </a:lnT>
+                    <a:lnB w="12700" cap="flat" cmpd="sng" algn="ctr">
+                      <a:solidFill>
+                        <a:srgbClr val="4F81BD"/>
+                      </a:solidFill>
+                      <a:prstDash val="solid"/>
+                      <a:round/>
+                      <a:headEnd type="none" w="med" len="med"/>
+                      <a:tailEnd type="none" w="med" len="med"/>
+                    </a:lnB>
+                  </a:tcPr>
+                </a:tc>
+              </a:tr>
+              <a:tr h="354302">
+                <a:tc>
+                  <a:txBody>
+                    <a:bodyPr/>
+                    <a:lstStyle/>
+                    <a:p>
+                      <a:pPr algn="ctr">
+                        <a:lnSpc>
+                          <a:spcPct val="115000"/>
+                        </a:lnSpc>
+                        <a:spcAft>
+                          <a:spcPts val="0"/>
+                        </a:spcAft>
+                      </a:pPr>
+                      <a:r>
+                        <a:rPr lang="es-AR" sz="1100" b="1" dirty="0">
+                          <a:latin typeface="Calibri"/>
+                          <a:ea typeface="Calibri"/>
+                          <a:cs typeface="Times New Roman"/>
+                        </a:rPr>
+                        <a:t>QFN</a:t>
+                      </a:r>
+                      <a:endParaRPr lang="es-AR" sz="1100" dirty="0">
+                        <a:latin typeface="Calibri"/>
+                        <a:ea typeface="Times New Roman"/>
+                        <a:cs typeface="Times New Roman"/>
+                      </a:endParaRPr>
+                    </a:p>
+                  </a:txBody>
+                  <a:tcPr marL="68580" marR="68580" marT="0" marB="0">
+                    <a:lnL w="12700" cap="flat" cmpd="sng" algn="ctr">
+                      <a:solidFill>
+                        <a:srgbClr val="4F81BD"/>
+                      </a:solidFill>
+                      <a:prstDash val="solid"/>
+                      <a:round/>
+                      <a:headEnd type="none" w="med" len="med"/>
+                      <a:tailEnd type="none" w="med" len="med"/>
+                    </a:lnL>
+                    <a:lnR>
+                      <a:noFill/>
+                    </a:lnR>
+                    <a:lnT w="12700" cap="flat" cmpd="sng" algn="ctr">
+                      <a:solidFill>
+                        <a:srgbClr val="4F81BD"/>
+                      </a:solidFill>
+                      <a:prstDash val="solid"/>
+                      <a:round/>
+                      <a:headEnd type="none" w="med" len="med"/>
+                      <a:tailEnd type="none" w="med" len="med"/>
+                    </a:lnT>
+                    <a:lnB w="12700" cap="flat" cmpd="sng" algn="ctr">
+                      <a:solidFill>
+                        <a:srgbClr val="4F81BD"/>
+                      </a:solidFill>
+                      <a:prstDash val="solid"/>
+                      <a:round/>
+                      <a:headEnd type="none" w="med" len="med"/>
+                      <a:tailEnd type="none" w="med" len="med"/>
+                    </a:lnB>
+                  </a:tcPr>
+                </a:tc>
+                <a:tc>
+                  <a:txBody>
+                    <a:bodyPr/>
+                    <a:lstStyle/>
+                    <a:p>
+                      <a:pPr algn="ctr">
+                        <a:lnSpc>
+                          <a:spcPct val="115000"/>
+                        </a:lnSpc>
+                        <a:spcAft>
+                          <a:spcPts val="0"/>
+                        </a:spcAft>
+                      </a:pPr>
+                      <a:r>
+                        <a:rPr lang="es-AR" sz="1100">
+                          <a:latin typeface="Calibri"/>
+                          <a:ea typeface="Calibri"/>
+                          <a:cs typeface="Times New Roman"/>
+                        </a:rPr>
+                        <a:t>3</a:t>
+                      </a:r>
+                      <a:endParaRPr lang="es-AR" sz="1100">
+                        <a:latin typeface="Calibri"/>
+                        <a:ea typeface="Times New Roman"/>
+                        <a:cs typeface="Times New Roman"/>
+                      </a:endParaRPr>
+                    </a:p>
+                  </a:txBody>
+                  <a:tcPr marL="68580" marR="68580" marT="0" marB="0">
+                    <a:lnL>
+                      <a:noFill/>
+                    </a:lnL>
+                    <a:lnR w="12700" cap="flat" cmpd="sng" algn="ctr">
+                      <a:solidFill>
+                        <a:srgbClr val="4F81BD"/>
+                      </a:solidFill>
+                      <a:prstDash val="solid"/>
+                      <a:round/>
+                      <a:headEnd type="none" w="med" len="med"/>
+                      <a:tailEnd type="none" w="med" len="med"/>
+                    </a:lnR>
+                    <a:lnT w="12700" cap="flat" cmpd="sng" algn="ctr">
+                      <a:solidFill>
+                        <a:srgbClr val="4F81BD"/>
+                      </a:solidFill>
+                      <a:prstDash val="solid"/>
+                      <a:round/>
+                      <a:headEnd type="none" w="med" len="med"/>
+                      <a:tailEnd type="none" w="med" len="med"/>
+                    </a:lnT>
+                    <a:lnB w="12700" cap="flat" cmpd="sng" algn="ctr">
+                      <a:solidFill>
+                        <a:srgbClr val="4F81BD"/>
+                      </a:solidFill>
+                      <a:prstDash val="solid"/>
+                      <a:round/>
+                      <a:headEnd type="none" w="med" len="med"/>
+                      <a:tailEnd type="none" w="med" len="med"/>
+                    </a:lnB>
+                  </a:tcPr>
+                </a:tc>
+              </a:tr>
+              <a:tr h="354302">
+                <a:tc>
+                  <a:txBody>
+                    <a:bodyPr/>
+                    <a:lstStyle/>
+                    <a:p>
+                      <a:pPr algn="ctr">
+                        <a:lnSpc>
+                          <a:spcPct val="115000"/>
+                        </a:lnSpc>
+                        <a:spcAft>
+                          <a:spcPts val="0"/>
+                        </a:spcAft>
+                      </a:pPr>
+                      <a:r>
+                        <a:rPr lang="es-AR" sz="1100" b="1">
+                          <a:latin typeface="Calibri"/>
+                          <a:ea typeface="Calibri"/>
+                          <a:cs typeface="Times New Roman"/>
+                        </a:rPr>
+                        <a:t>QV</a:t>
+                      </a:r>
+                      <a:endParaRPr lang="es-AR" sz="1100">
+                        <a:latin typeface="Calibri"/>
+                        <a:ea typeface="Times New Roman"/>
+                        <a:cs typeface="Times New Roman"/>
+                      </a:endParaRPr>
+                    </a:p>
+                  </a:txBody>
+                  <a:tcPr marL="68580" marR="68580" marT="0" marB="0">
+                    <a:lnL w="12700" cap="flat" cmpd="sng" algn="ctr">
+                      <a:solidFill>
+                        <a:srgbClr val="4F81BD"/>
+                      </a:solidFill>
+                      <a:prstDash val="solid"/>
+                      <a:round/>
+                      <a:headEnd type="none" w="med" len="med"/>
+                      <a:tailEnd type="none" w="med" len="med"/>
+                    </a:lnL>
+                    <a:lnR>
+                      <a:noFill/>
+                    </a:lnR>
+                    <a:lnT w="12700" cap="flat" cmpd="sng" algn="ctr">
+                      <a:solidFill>
+                        <a:srgbClr val="4F81BD"/>
+                      </a:solidFill>
+                      <a:prstDash val="solid"/>
+                      <a:round/>
+                      <a:headEnd type="none" w="med" len="med"/>
+                      <a:tailEnd type="none" w="med" len="med"/>
+                    </a:lnT>
+                    <a:lnB w="12700" cap="flat" cmpd="sng" algn="ctr">
+                      <a:solidFill>
+                        <a:srgbClr val="4F81BD"/>
+                      </a:solidFill>
+                      <a:prstDash val="solid"/>
+                      <a:round/>
+                      <a:headEnd type="none" w="med" len="med"/>
+                      <a:tailEnd type="none" w="med" len="med"/>
+                    </a:lnB>
+                  </a:tcPr>
+                </a:tc>
+                <a:tc>
+                  <a:txBody>
+                    <a:bodyPr/>
+                    <a:lstStyle/>
+                    <a:p>
+                      <a:pPr algn="ctr">
+                        <a:lnSpc>
+                          <a:spcPct val="115000"/>
+                        </a:lnSpc>
+                        <a:spcAft>
+                          <a:spcPts val="0"/>
+                        </a:spcAft>
+                      </a:pPr>
+                      <a:r>
+                        <a:rPr lang="es-AR" sz="1100" dirty="0">
+                          <a:latin typeface="Calibri"/>
+                          <a:ea typeface="Calibri"/>
+                          <a:cs typeface="Times New Roman"/>
+                        </a:rPr>
+                        <a:t>6</a:t>
+                      </a:r>
+                      <a:endParaRPr lang="es-AR" sz="1100" dirty="0">
+                        <a:latin typeface="Calibri"/>
+                        <a:ea typeface="Times New Roman"/>
+                        <a:cs typeface="Times New Roman"/>
+                      </a:endParaRPr>
+                    </a:p>
+                  </a:txBody>
+                  <a:tcPr marL="68580" marR="68580" marT="0" marB="0">
+                    <a:lnL>
+                      <a:noFill/>
+                    </a:lnL>
+                    <a:lnR w="12700" cap="flat" cmpd="sng" algn="ctr">
+                      <a:solidFill>
+                        <a:srgbClr val="4F81BD"/>
+                      </a:solidFill>
+                      <a:prstDash val="solid"/>
+                      <a:round/>
+                      <a:headEnd type="none" w="med" len="med"/>
+                      <a:tailEnd type="none" w="med" len="med"/>
+                    </a:lnR>
+                    <a:lnT w="12700" cap="flat" cmpd="sng" algn="ctr">
+                      <a:solidFill>
+                        <a:srgbClr val="4F81BD"/>
+                      </a:solidFill>
+                      <a:prstDash val="solid"/>
+                      <a:round/>
+                      <a:headEnd type="none" w="med" len="med"/>
+                      <a:tailEnd type="none" w="med" len="med"/>
+                    </a:lnT>
+                    <a:lnB w="12700" cap="flat" cmpd="sng" algn="ctr">
+                      <a:solidFill>
+                        <a:srgbClr val="4F81BD"/>
+                      </a:solidFill>
+                      <a:prstDash val="solid"/>
+                      <a:round/>
+                      <a:headEnd type="none" w="med" len="med"/>
+                      <a:tailEnd type="none" w="med" len="med"/>
+                    </a:lnB>
+                  </a:tcPr>
+                </a:tc>
+              </a:tr>
+            </a:tbl>
+          </a:graphicData>
+        </a:graphic>
+      </p:graphicFrame>
+      <p:pic>
+        <p:nvPicPr>
+          <p:cNvPr id="5" name="4 Imagen" descr="C:\Documents and Settings\Administrador\Escritorio\hws1.JPG"/>
+          <p:cNvPicPr/>
+          <p:nvPr/>
+        </p:nvPicPr>
+        <p:blipFill>
+          <a:blip r:embed="rId2" cstate="print"/>
+          <a:srcRect/>
+          <a:stretch>
+            <a:fillRect/>
+          </a:stretch>
+        </p:blipFill>
+        <p:spPr bwMode="auto">
+          <a:xfrm>
+            <a:off x="467544" y="1412776"/>
+            <a:ext cx="7992888" cy="2592288"/>
+          </a:xfrm>
+          <a:prstGeom prst="rect">
+            <a:avLst/>
+          </a:prstGeom>
+          <a:noFill/>
+          <a:ln w="9525">
+            <a:noFill/>
+            <a:miter lim="800000"/>
+            <a:headEnd/>
+            <a:tailEnd/>
+          </a:ln>
+        </p:spPr>
+      </p:pic>
+      <p:pic>
+        <p:nvPicPr>
+          <p:cNvPr id="25602" name="Picture 2"/>
+          <p:cNvPicPr>
+            <a:picLocks noChangeAspect="1" noChangeArrowheads="1"/>
+          </p:cNvPicPr>
+          <p:nvPr/>
+        </p:nvPicPr>
+        <p:blipFill>
+          <a:blip r:embed="rId3" cstate="print">
+            <a:clrChange>
+              <a:clrFrom>
+                <a:srgbClr val="FFFFFF"/>
+              </a:clrFrom>
+              <a:clrTo>
+                <a:srgbClr val="FFFFFF">
+                  <a:alpha val="0"/>
+                </a:srgbClr>
+              </a:clrTo>
+            </a:clrChange>
+          </a:blip>
+          <a:srcRect/>
+          <a:stretch>
+            <a:fillRect/>
+          </a:stretch>
+        </p:blipFill>
+        <p:spPr bwMode="auto">
+          <a:xfrm>
+            <a:off x="4067944" y="4653136"/>
+            <a:ext cx="3510991" cy="519135"/>
+          </a:xfrm>
+          <a:prstGeom prst="rect">
+            <a:avLst/>
+          </a:prstGeom>
+          <a:noFill/>
+        </p:spPr>
+      </p:pic>
+      <p:pic>
+        <p:nvPicPr>
+          <p:cNvPr id="25601" name="Picture 1"/>
+          <p:cNvPicPr>
+            <a:picLocks noChangeAspect="1" noChangeArrowheads="1"/>
+          </p:cNvPicPr>
+          <p:nvPr/>
+        </p:nvPicPr>
+        <p:blipFill>
+          <a:blip r:embed="rId4" cstate="print">
+            <a:clrChange>
+              <a:clrFrom>
+                <a:srgbClr val="FFFFFF"/>
+              </a:clrFrom>
+              <a:clrTo>
+                <a:srgbClr val="FFFFFF">
+                  <a:alpha val="0"/>
+                </a:srgbClr>
+              </a:clrTo>
+            </a:clrChange>
+          </a:blip>
+          <a:srcRect/>
+          <a:stretch>
+            <a:fillRect/>
+          </a:stretch>
+        </p:blipFill>
+        <p:spPr bwMode="auto">
+          <a:xfrm>
+            <a:off x="4139952" y="5445224"/>
+            <a:ext cx="3103924" cy="504056"/>
+          </a:xfrm>
+          <a:prstGeom prst="rect">
+            <a:avLst/>
+          </a:prstGeom>
+          <a:noFill/>
+        </p:spPr>
+      </p:pic>
+      <p:sp>
+        <p:nvSpPr>
+          <p:cNvPr id="25603" name="Rectangle 3"/>
+          <p:cNvSpPr>
+            <a:spLocks noChangeArrowheads="1"/>
+          </p:cNvSpPr>
+          <p:nvPr/>
+        </p:nvSpPr>
+        <p:spPr bwMode="auto">
+          <a:xfrm>
+            <a:off x="0" y="0"/>
+            <a:ext cx="9144000" cy="457200"/>
+          </a:xfrm>
+          <a:prstGeom prst="rect">
+            <a:avLst/>
+          </a:prstGeom>
+          <a:noFill/>
+          <a:ln w="9525">
+            <a:noFill/>
+            <a:miter lim="800000"/>
+            <a:headEnd/>
+            <a:tailEnd/>
+          </a:ln>
+          <a:effectLst/>
+        </p:spPr>
+        <p:txBody>
+          <a:bodyPr vert="horz" wrap="none" lIns="91440" tIns="45720" rIns="91440" bIns="45720" numCol="1" anchor="ctr" anchorCtr="0" compatLnSpc="1">
+            <a:prstTxWarp prst="textNoShape">
+              <a:avLst/>
+            </a:prstTxWarp>
+            <a:spAutoFit/>
+          </a:bodyPr>
+          <a:lstStyle/>
+          <a:p>
+            <a:endParaRPr lang="es-AR"/>
+          </a:p>
+        </p:txBody>
+      </p:sp>
+      <p:sp>
+        <p:nvSpPr>
+          <p:cNvPr id="25604" name="Rectangle 4"/>
+          <p:cNvSpPr>
+            <a:spLocks noChangeArrowheads="1"/>
+          </p:cNvSpPr>
+          <p:nvPr/>
+        </p:nvSpPr>
+        <p:spPr bwMode="auto">
+          <a:xfrm>
+            <a:off x="0" y="819150"/>
+            <a:ext cx="9144000" cy="457200"/>
+          </a:xfrm>
+          <a:prstGeom prst="rect">
+            <a:avLst/>
+          </a:prstGeom>
+          <a:noFill/>
+          <a:ln w="9525">
+            <a:noFill/>
+            <a:miter lim="800000"/>
+            <a:headEnd/>
+            <a:tailEnd/>
+          </a:ln>
+          <a:effectLst/>
+        </p:spPr>
+        <p:txBody>
+          <a:bodyPr vert="horz" wrap="none" lIns="91440" tIns="45720" rIns="91440" bIns="45720" numCol="1" anchor="ctr" anchorCtr="0" compatLnSpc="1">
+            <a:prstTxWarp prst="textNoShape">
+              <a:avLst/>
+            </a:prstTxWarp>
+            <a:spAutoFit/>
+          </a:bodyPr>
+          <a:lstStyle/>
+          <a:p>
+            <a:endParaRPr lang="es-AR"/>
+          </a:p>
+        </p:txBody>
+      </p:sp>
+    </p:spTree>
+  </p:cSld>
+  <p:clrMapOvr>
+    <a:masterClrMapping/>
+  </p:clrMapOvr>
+  <p:timing>
+    <p:tnLst>
+      <p:par>
+        <p:cTn id="1" dur="indefinite" restart="never" nodeType="tmRoot">
+          <p:childTnLst>
+            <p:seq concurrent="1" nextAc="seek">
+              <p:cTn id="2" dur="indefinite" nodeType="mainSeq">
+                <p:childTnLst>
+                  <p:par>
+                    <p:cTn id="3" fill="hold">
+                      <p:stCondLst>
+                        <p:cond delay="indefinite"/>
+                      </p:stCondLst>
+                      <p:childTnLst>
+                        <p:par>
+                          <p:cTn id="4" fill="hold">
+                            <p:stCondLst>
+                              <p:cond delay="0"/>
+                            </p:stCondLst>
+                            <p:childTnLst>
+                              <p:par>
+                                <p:cTn id="5" presetID="4" presetClass="entr" presetSubtype="16" fill="hold" nodeType="clickEffect">
+                                  <p:stCondLst>
+                                    <p:cond delay="0"/>
+                                  </p:stCondLst>
+                                  <p:childTnLst>
+                                    <p:set>
+                                      <p:cBhvr>
+                                        <p:cTn id="6" dur="1" fill="hold">
+                                          <p:stCondLst>
+                                            <p:cond delay="0"/>
+                                          </p:stCondLst>
+                                        </p:cTn>
+                                        <p:tgtEl>
+                                          <p:spTgt spid="4"/>
+                                        </p:tgtEl>
+                                        <p:attrNameLst>
+                                          <p:attrName>style.visibility</p:attrName>
+                                        </p:attrNameLst>
+                                      </p:cBhvr>
+                                      <p:to>
+                                        <p:strVal val="visible"/>
+                                      </p:to>
+                                    </p:set>
+                                    <p:animEffect transition="in" filter="box(in)">
+                                      <p:cBhvr>
+                                        <p:cTn id="7" dur="500"/>
+                                        <p:tgtEl>
+                                          <p:spTgt spid="4"/>
+                                        </p:tgtEl>
+                                      </p:cBhvr>
+                                    </p:animEffect>
+                                  </p:childTnLst>
+                                </p:cTn>
+                              </p:par>
+                            </p:childTnLst>
+                          </p:cTn>
+                        </p:par>
+                      </p:childTnLst>
+                    </p:cTn>
+                  </p:par>
+                  <p:par>
+                    <p:cTn id="8" fill="hold">
+                      <p:stCondLst>
+                        <p:cond delay="indefinite"/>
+                      </p:stCondLst>
+                      <p:childTnLst>
+                        <p:par>
+                          <p:cTn id="9" fill="hold">
+                            <p:stCondLst>
+                              <p:cond delay="0"/>
+                            </p:stCondLst>
+                            <p:childTnLst>
+                              <p:par>
+                                <p:cTn id="10" presetID="4" presetClass="entr" presetSubtype="16" fill="hold" nodeType="clickEffect">
+                                  <p:stCondLst>
+                                    <p:cond delay="0"/>
+                                  </p:stCondLst>
+                                  <p:childTnLst>
+                                    <p:set>
+                                      <p:cBhvr>
+                                        <p:cTn id="11" dur="1" fill="hold">
+                                          <p:stCondLst>
+                                            <p:cond delay="0"/>
+                                          </p:stCondLst>
+                                        </p:cTn>
+                                        <p:tgtEl>
+                                          <p:spTgt spid="25602"/>
+                                        </p:tgtEl>
+                                        <p:attrNameLst>
+                                          <p:attrName>style.visibility</p:attrName>
+                                        </p:attrNameLst>
+                                      </p:cBhvr>
+                                      <p:to>
+                                        <p:strVal val="visible"/>
+                                      </p:to>
+                                    </p:set>
+                                    <p:animEffect transition="in" filter="box(in)">
+                                      <p:cBhvr>
+                                        <p:cTn id="12" dur="500"/>
+                                        <p:tgtEl>
+                                          <p:spTgt spid="25602"/>
+                                        </p:tgtEl>
+                                      </p:cBhvr>
+                                    </p:animEffect>
+                                  </p:childTnLst>
+                                </p:cTn>
+                              </p:par>
+                            </p:childTnLst>
+                          </p:cTn>
+                        </p:par>
+                      </p:childTnLst>
+                    </p:cTn>
+                  </p:par>
+                  <p:par>
+                    <p:cTn id="13" fill="hold">
+                      <p:stCondLst>
+                        <p:cond delay="indefinite"/>
+                      </p:stCondLst>
+                      <p:childTnLst>
+                        <p:par>
+                          <p:cTn id="14" fill="hold">
+                            <p:stCondLst>
+                              <p:cond delay="0"/>
+                            </p:stCondLst>
+                            <p:childTnLst>
+                              <p:par>
+                                <p:cTn id="15" presetID="4" presetClass="entr" presetSubtype="16" fill="hold" nodeType="clickEffect">
+                                  <p:stCondLst>
+                                    <p:cond delay="0"/>
+                                  </p:stCondLst>
+                                  <p:childTnLst>
+                                    <p:set>
+                                      <p:cBhvr>
+                                        <p:cTn id="16" dur="1" fill="hold">
+                                          <p:stCondLst>
+                                            <p:cond delay="0"/>
+                                          </p:stCondLst>
+                                        </p:cTn>
+                                        <p:tgtEl>
+                                          <p:spTgt spid="25601"/>
+                                        </p:tgtEl>
+                                        <p:attrNameLst>
+                                          <p:attrName>style.visibility</p:attrName>
+                                        </p:attrNameLst>
+                                      </p:cBhvr>
+                                      <p:to>
+                                        <p:strVal val="visible"/>
+                                      </p:to>
+                                    </p:set>
+                                    <p:animEffect transition="in" filter="box(in)">
+                                      <p:cBhvr>
+                                        <p:cTn id="17" dur="500"/>
+                                        <p:tgtEl>
+                                          <p:spTgt spid="25601"/>
+                                        </p:tgtEl>
+                                      </p:cBhvr>
+                                    </p:animEffect>
+                                  </p:childTnLst>
+                                </p:cTn>
+                              </p:par>
+                            </p:childTnLst>
+                          </p:cTn>
+                        </p:par>
+                      </p:childTnLst>
+                    </p:cTn>
+                  </p:par>
+                </p:childTnLst>
+              </p:cTn>
+              <p:prevCondLst>
+                <p:cond evt="onPrev" delay="0">
+                  <p:tgtEl>
+                    <p:sldTgt/>
+                  </p:tgtEl>
+                </p:cond>
+              </p:prevCondLst>
+              <p:nextCondLst>
+                <p:cond evt="onNext" delay="0">
+                  <p:tgtEl>
+                    <p:sldTgt/>
+                  </p:tgtEl>
+                </p:cond>
+              </p:nextCondLst>
+            </p:seq>
+          </p:childTnLst>
+        </p:cTn>
+      </p:par>
+    </p:tnLst>
+  </p:timing>
+</p:sld>
+</file>
+
+<file path=ppt/slides/slide17.xml><?xml version="1.0" encoding="utf-8"?>
+<p:sld xmlns:a="http://schemas.openxmlformats.org/drawingml/2006/main" xmlns:r="http://schemas.openxmlformats.org/officeDocument/2006/relationships" xmlns:p="http://schemas.openxmlformats.org/presentationml/2006/main">
+  <p:cSld>
+    <p:spTree>
+      <p:nvGrpSpPr>
+        <p:cNvPr id="1" name=""/>
+        <p:cNvGrpSpPr/>
+        <p:nvPr/>
+      </p:nvGrpSpPr>
+      <p:grpSpPr>
+        <a:xfrm>
+          <a:off x="0" y="0"/>
+          <a:ext cx="0" cy="0"/>
+          <a:chOff x="0" y="0"/>
+          <a:chExt cx="0" cy="0"/>
+        </a:xfrm>
+      </p:grpSpPr>
+      <p:sp>
+        <p:nvSpPr>
+          <p:cNvPr id="2" name="1 Título"/>
+          <p:cNvSpPr>
+            <a:spLocks noGrp="1"/>
+          </p:cNvSpPr>
+          <p:nvPr>
+            <p:ph type="title"/>
+          </p:nvPr>
+        </p:nvSpPr>
+        <p:spPr/>
+        <p:txBody>
+          <a:bodyPr/>
+          <a:lstStyle/>
+          <a:p>
+            <a:r>
+              <a:rPr lang="es-ES" dirty="0" smtClean="0"/>
+              <a:t>Caso de estudio CRS</a:t>
+            </a:r>
+            <a:endParaRPr lang="es-ES" dirty="0"/>
+          </a:p>
+        </p:txBody>
+      </p:sp>
+      <p:sp>
+        <p:nvSpPr>
+          <p:cNvPr id="3" name="2 Marcador de contenido"/>
+          <p:cNvSpPr>
+            <a:spLocks noGrp="1"/>
+          </p:cNvSpPr>
+          <p:nvPr>
+            <p:ph idx="1"/>
+          </p:nvPr>
+        </p:nvSpPr>
+        <p:spPr/>
+        <p:txBody>
+          <a:bodyPr/>
+          <a:lstStyle/>
+          <a:p>
+            <a:r>
+              <a:rPr lang="es-ES" dirty="0" smtClean="0"/>
+              <a:t>Sistema de Registro de Cursos</a:t>
+            </a:r>
+          </a:p>
+          <a:p>
+            <a:r>
+              <a:rPr lang="es-ES" dirty="0" smtClean="0"/>
+              <a:t>8 casos de uso (aproximadamente 3900 palabras)</a:t>
+            </a:r>
+          </a:p>
+          <a:p>
+            <a:r>
+              <a:rPr lang="es-ES" dirty="0" smtClean="0"/>
+              <a:t>7 aspectos candidatos</a:t>
+            </a:r>
+          </a:p>
+          <a:p>
+            <a:r>
+              <a:rPr lang="es-ES" dirty="0" err="1" smtClean="0"/>
+              <a:t>QAs</a:t>
+            </a:r>
+            <a:r>
+              <a:rPr lang="es-ES" dirty="0" smtClean="0"/>
+              <a:t> buscados obtenidos del análisis manual (ad-hoc) de las especificaciones de requerimientos</a:t>
+            </a:r>
+          </a:p>
+          <a:p>
+            <a:endParaRPr lang="es-ES" dirty="0" smtClean="0"/>
+          </a:p>
+          <a:p>
+            <a:endParaRPr lang="es-ES" dirty="0"/>
+          </a:p>
+        </p:txBody>
+      </p:sp>
+    </p:spTree>
+  </p:cSld>
+  <p:clrMapOvr>
+    <a:masterClrMapping/>
+  </p:clrMapOvr>
+  <p:timing>
+    <p:tnLst>
+      <p:par>
+        <p:cTn id="1" dur="indefinite" restart="never" nodeType="tmRoot"/>
+      </p:par>
+    </p:tnLst>
+  </p:timing>
+</p:sld>
+</file>
+
+<file path=ppt/slides/slide18.xml><?xml version="1.0" encoding="utf-8"?>
+<p:sld xmlns:a="http://schemas.openxmlformats.org/drawingml/2006/main" xmlns:r="http://schemas.openxmlformats.org/officeDocument/2006/relationships" xmlns:p="http://schemas.openxmlformats.org/presentationml/2006/main">
+  <p:cSld>
+    <p:spTree>
+      <p:nvGrpSpPr>
+        <p:cNvPr id="1" name=""/>
+        <p:cNvGrpSpPr/>
+        <p:nvPr/>
+      </p:nvGrpSpPr>
+      <p:grpSpPr>
+        <a:xfrm>
+          <a:off x="0" y="0"/>
+          <a:ext cx="0" cy="0"/>
+          <a:chOff x="0" y="0"/>
+          <a:chExt cx="0" cy="0"/>
+        </a:xfrm>
+      </p:grpSpPr>
+      <p:sp>
+        <p:nvSpPr>
+          <p:cNvPr id="2" name="1 Título"/>
+          <p:cNvSpPr>
+            <a:spLocks noGrp="1"/>
+          </p:cNvSpPr>
+          <p:nvPr>
+            <p:ph type="title"/>
+          </p:nvPr>
+        </p:nvSpPr>
+        <p:spPr/>
+        <p:txBody>
+          <a:bodyPr/>
+          <a:lstStyle/>
+          <a:p>
+            <a:r>
+              <a:rPr lang="es-ES" dirty="0" smtClean="0"/>
+              <a:t>Caso de estudio CRS</a:t>
+            </a:r>
+            <a:endParaRPr lang="es-ES" dirty="0"/>
+          </a:p>
+        </p:txBody>
+      </p:sp>
+      <p:sp>
+        <p:nvSpPr>
+          <p:cNvPr id="3" name="2 Marcador de contenido"/>
+          <p:cNvSpPr>
+            <a:spLocks noGrp="1"/>
+          </p:cNvSpPr>
+          <p:nvPr>
+            <p:ph idx="1"/>
+          </p:nvPr>
+        </p:nvSpPr>
+        <p:spPr/>
+        <p:txBody>
+          <a:bodyPr/>
+          <a:lstStyle/>
+          <a:p>
+            <a:endParaRPr lang="es-ES" dirty="0" smtClean="0"/>
+          </a:p>
+          <a:p>
+            <a:endParaRPr lang="es-ES" dirty="0"/>
+          </a:p>
+        </p:txBody>
+      </p:sp>
+    </p:spTree>
+  </p:cSld>
+  <p:clrMapOvr>
+    <a:masterClrMapping/>
+  </p:clrMapOvr>
+  <p:timing>
+    <p:tnLst>
+      <p:par>
+        <p:cTn id="1" dur="indefinite" restart="never" nodeType="tmRoot"/>
+      </p:par>
+    </p:tnLst>
+  </p:timing>
+</p:sld>
+</file>
+
+<file path=ppt/slides/slide19.xml><?xml version="1.0" encoding="utf-8"?>
+<p:sld xmlns:a="http://schemas.openxmlformats.org/drawingml/2006/main" xmlns:r="http://schemas.openxmlformats.org/officeDocument/2006/relationships" xmlns:p="http://schemas.openxmlformats.org/presentationml/2006/main">
+  <p:cSld>
+    <p:spTree>
+      <p:nvGrpSpPr>
+        <p:cNvPr id="1" name=""/>
+        <p:cNvGrpSpPr/>
+        <p:nvPr/>
+      </p:nvGrpSpPr>
+      <p:grpSpPr>
+        <a:xfrm>
+          <a:off x="0" y="0"/>
+          <a:ext cx="0" cy="0"/>
+          <a:chOff x="0" y="0"/>
+          <a:chExt cx="0" cy="0"/>
+        </a:xfrm>
+      </p:grpSpPr>
+      <p:sp>
+        <p:nvSpPr>
+          <p:cNvPr id="4" name="3 Rectángulo"/>
+          <p:cNvSpPr/>
+          <p:nvPr/>
+        </p:nvSpPr>
+        <p:spPr>
+          <a:xfrm>
+            <a:off x="467544" y="5229200"/>
+            <a:ext cx="3024336" cy="864096"/>
+          </a:xfrm>
+          <a:prstGeom prst="rect">
+            <a:avLst/>
+          </a:prstGeom>
+        </p:spPr>
+        <p:style>
+          <a:lnRef idx="1">
+            <a:schemeClr val="accent1"/>
+          </a:lnRef>
+          <a:fillRef idx="2">
+            <a:schemeClr val="accent1"/>
+          </a:fillRef>
+          <a:effectRef idx="1">
+            <a:schemeClr val="accent1"/>
+          </a:effectRef>
+          <a:fontRef idx="minor">
+            <a:schemeClr val="dk1"/>
+          </a:fontRef>
+        </p:style>
+        <p:txBody>
+          <a:bodyPr rtlCol="0" anchor="ctr"/>
+          <a:lstStyle/>
+          <a:p>
+            <a:pPr algn="ctr"/>
+            <a:endParaRPr lang="es-ES_tradnl" dirty="0">
+              <a:noFill/>
+            </a:endParaRPr>
+          </a:p>
+        </p:txBody>
+      </p:sp>
+      <p:sp>
+        <p:nvSpPr>
+          <p:cNvPr id="3" name="2 Marcador de contenido"/>
+          <p:cNvSpPr>
+            <a:spLocks noGrp="1"/>
+          </p:cNvSpPr>
+          <p:nvPr>
+            <p:ph idx="1"/>
+          </p:nvPr>
+        </p:nvSpPr>
+        <p:spPr>
+          <a:xfrm>
+            <a:off x="457200" y="1268760"/>
+            <a:ext cx="8507288" cy="5472608"/>
+          </a:xfrm>
+        </p:spPr>
+        <p:txBody>
+          <a:bodyPr>
+            <a:normAutofit fontScale="62500" lnSpcReduction="20000"/>
+          </a:bodyPr>
+          <a:lstStyle/>
+          <a:p>
+            <a:r>
+              <a:rPr lang="es-ES" dirty="0" smtClean="0"/>
+              <a:t>Introducción</a:t>
+            </a:r>
+          </a:p>
+          <a:p>
+            <a:pPr lvl="1"/>
+            <a:r>
+              <a:rPr lang="es-ES" dirty="0" smtClean="0"/>
+              <a:t>Contexto</a:t>
+            </a:r>
+          </a:p>
+          <a:p>
+            <a:pPr lvl="1"/>
+            <a:r>
+              <a:rPr lang="es-ES" dirty="0" smtClean="0"/>
+              <a:t>Problemática</a:t>
+            </a:r>
+          </a:p>
+          <a:p>
+            <a:r>
+              <a:rPr lang="es-ES" dirty="0" smtClean="0"/>
+              <a:t>Atributos de calidad y aspectos tempranos</a:t>
+            </a:r>
+          </a:p>
+          <a:p>
+            <a:pPr lvl="1"/>
+            <a:r>
+              <a:rPr lang="es-ES" dirty="0" smtClean="0"/>
+              <a:t>Aspectos tempranos</a:t>
+            </a:r>
+          </a:p>
+          <a:p>
+            <a:pPr lvl="1"/>
+            <a:r>
+              <a:rPr lang="es-ES" dirty="0" smtClean="0"/>
+              <a:t>Relación entre QAs y EAs</a:t>
+            </a:r>
+          </a:p>
+          <a:p>
+            <a:r>
+              <a:rPr lang="es-ES" dirty="0" smtClean="0"/>
+              <a:t>Enfoque propuesto</a:t>
+            </a:r>
+          </a:p>
+          <a:p>
+            <a:pPr lvl="1"/>
+            <a:r>
+              <a:rPr lang="es-ES" dirty="0" smtClean="0"/>
+              <a:t>Propuesta</a:t>
+            </a:r>
+          </a:p>
+          <a:p>
+            <a:pPr lvl="1"/>
+            <a:r>
+              <a:rPr lang="es-ES" dirty="0" smtClean="0"/>
+              <a:t>Proceso</a:t>
+            </a:r>
+          </a:p>
+          <a:p>
+            <a:pPr lvl="1"/>
+            <a:r>
+              <a:rPr lang="es-ES" dirty="0" smtClean="0"/>
+              <a:t>QA Miner</a:t>
+            </a:r>
+          </a:p>
+          <a:p>
+            <a:r>
+              <a:rPr lang="es-ES" dirty="0" smtClean="0"/>
+              <a:t>Evaluación</a:t>
+            </a:r>
+          </a:p>
+          <a:p>
+            <a:pPr lvl="1"/>
+            <a:r>
+              <a:rPr lang="es-ES" dirty="0" smtClean="0"/>
+              <a:t>Métricas</a:t>
+            </a:r>
+          </a:p>
+          <a:p>
+            <a:pPr lvl="1"/>
+            <a:r>
+              <a:rPr lang="es-ES" dirty="0" smtClean="0"/>
+              <a:t>Caso de Estudio I</a:t>
+            </a:r>
+          </a:p>
+          <a:p>
+            <a:pPr lvl="1"/>
+            <a:r>
+              <a:rPr lang="es-ES" dirty="0" smtClean="0"/>
+              <a:t>Caso de Estudio II</a:t>
+            </a:r>
+          </a:p>
+          <a:p>
+            <a:r>
+              <a:rPr lang="es-ES" dirty="0" smtClean="0"/>
+              <a:t>Conclusiones</a:t>
+            </a:r>
+          </a:p>
+          <a:p>
+            <a:pPr lvl="1"/>
+            <a:r>
+              <a:rPr lang="es-ES" dirty="0" smtClean="0"/>
+              <a:t>Ventajas y desventajas</a:t>
+            </a:r>
+          </a:p>
+          <a:p>
+            <a:pPr lvl="1"/>
+            <a:r>
+              <a:rPr lang="es-ES" dirty="0" smtClean="0"/>
+              <a:t>Trabajos futuros</a:t>
+            </a:r>
+          </a:p>
+          <a:p>
+            <a:r>
+              <a:rPr lang="es-ES" dirty="0" smtClean="0"/>
+              <a:t>Preguntas</a:t>
+            </a:r>
+          </a:p>
+          <a:p>
+            <a:pPr lvl="1">
+              <a:buNone/>
+            </a:pPr>
+            <a:endParaRPr lang="es-ES" dirty="0" smtClean="0"/>
+          </a:p>
+          <a:p>
+            <a:pPr lvl="1">
+              <a:buNone/>
+            </a:pPr>
+            <a:endParaRPr lang="es-ES" dirty="0" smtClean="0"/>
+          </a:p>
+          <a:p>
+            <a:endParaRPr lang="es-ES" dirty="0" smtClean="0"/>
+          </a:p>
+          <a:p>
+            <a:endParaRPr lang="es-ES" dirty="0"/>
+          </a:p>
+        </p:txBody>
+      </p:sp>
+      <p:sp>
+        <p:nvSpPr>
+          <p:cNvPr id="2" name="1 Título"/>
+          <p:cNvSpPr>
+            <a:spLocks noGrp="1"/>
+          </p:cNvSpPr>
+          <p:nvPr>
+            <p:ph type="title"/>
+          </p:nvPr>
+        </p:nvSpPr>
+        <p:spPr/>
+        <p:txBody>
+          <a:bodyPr/>
+          <a:lstStyle/>
+          <a:p>
+            <a:r>
+              <a:rPr lang="es-ES" dirty="0" smtClean="0"/>
+              <a:t>Agenda</a:t>
+            </a:r>
+            <a:endParaRPr lang="es-ES" dirty="0"/>
+          </a:p>
+        </p:txBody>
+      </p:sp>
+    </p:spTree>
+  </p:cSld>
+  <p:clrMapOvr>
+    <a:masterClrMapping/>
+  </p:clrMapOvr>
+  <p:timing>
+    <p:tnLst>
+      <p:par>
+        <p:cTn id="1" dur="indefinite" restart="never" nodeType="tmRoot">
+          <p:childTnLst>
+            <p:seq concurrent="1" nextAc="seek">
+              <p:cTn id="2" dur="indefinite" nodeType="mainSeq">
+                <p:childTnLst>
+                  <p:par>
+                    <p:cTn id="3" fill="hold">
+                      <p:stCondLst>
+                        <p:cond delay="indefinite"/>
+                      </p:stCondLst>
+                      <p:childTnLst>
+                        <p:par>
+                          <p:cTn id="4" fill="hold">
+                            <p:stCondLst>
+                              <p:cond delay="0"/>
+                            </p:stCondLst>
+                            <p:childTnLst>
+                              <p:par>
+                                <p:cTn id="5" presetID="4" presetClass="entr" presetSubtype="16" fill="hold" grpId="0" nodeType="clickEffect">
+                                  <p:stCondLst>
+                                    <p:cond delay="0"/>
+                                  </p:stCondLst>
+                                  <p:childTnLst>
+                                    <p:set>
+                                      <p:cBhvr>
+                                        <p:cTn id="6" dur="1" fill="hold">
+                                          <p:stCondLst>
+                                            <p:cond delay="0"/>
+                                          </p:stCondLst>
+                                        </p:cTn>
+                                        <p:tgtEl>
+                                          <p:spTgt spid="4"/>
+                                        </p:tgtEl>
+                                        <p:attrNameLst>
+                                          <p:attrName>style.visibility</p:attrName>
+                                        </p:attrNameLst>
+                                      </p:cBhvr>
+                                      <p:to>
+                                        <p:strVal val="visible"/>
+                                      </p:to>
+                                    </p:set>
+                                    <p:animEffect transition="in" filter="box(in)">
+                                      <p:cBhvr>
+                                        <p:cTn id="7" dur="500"/>
+                                        <p:tgtEl>
+                                          <p:spTgt spid="4"/>
+                                        </p:tgtEl>
+                                      </p:cBhvr>
+                                    </p:animEffect>
+                                  </p:childTnLst>
+                                </p:cTn>
+                              </p:par>
+                            </p:childTnLst>
+                          </p:cTn>
+                        </p:par>
+                      </p:childTnLst>
+                    </p:cTn>
+                  </p:par>
+                </p:childTnLst>
+              </p:cTn>
+              <p:prevCondLst>
+                <p:cond evt="onPrev" delay="0">
+                  <p:tgtEl>
+                    <p:sldTgt/>
+                  </p:tgtEl>
+                </p:cond>
+              </p:prevCondLst>
+              <p:nextCondLst>
+                <p:cond evt="onNext" delay="0">
+                  <p:tgtEl>
+                    <p:sldTgt/>
+                  </p:tgtEl>
+                </p:cond>
+              </p:nextCondLst>
+            </p:seq>
+          </p:childTnLst>
+        </p:cTn>
+      </p:par>
+    </p:tnLst>
+    <p:bldLst>
+      <p:bldP spid="4" grpId="0" animBg="1"/>
+    </p:bldLst>
+  </p:timing>
+</p:sld>
+</file>
+
+<file path=ppt/slides/slide2.xml><?xml version="1.0" encoding="utf-8"?>
+<p:sld xmlns:a="http://schemas.openxmlformats.org/drawingml/2006/main" xmlns:r="http://schemas.openxmlformats.org/officeDocument/2006/relationships" xmlns:p="http://schemas.openxmlformats.org/presentationml/2006/main">
+  <p:cSld>
+    <p:spTree>
+      <p:nvGrpSpPr>
+        <p:cNvPr id="1" name=""/>
+        <p:cNvGrpSpPr/>
+        <p:nvPr/>
+      </p:nvGrpSpPr>
+      <p:grpSpPr>
+        <a:xfrm>
+          <a:off x="0" y="0"/>
+          <a:ext cx="0" cy="0"/>
+          <a:chOff x="0" y="0"/>
+          <a:chExt cx="0" cy="0"/>
+        </a:xfrm>
+      </p:grpSpPr>
+      <p:sp>
+        <p:nvSpPr>
+          <p:cNvPr id="4" name="3 Rectángulo"/>
+          <p:cNvSpPr/>
+          <p:nvPr/>
+        </p:nvSpPr>
+        <p:spPr>
+          <a:xfrm>
+            <a:off x="755576" y="1268760"/>
+            <a:ext cx="2016224" cy="864096"/>
+          </a:xfrm>
+          <a:prstGeom prst="rect">
+            <a:avLst/>
+          </a:prstGeom>
+        </p:spPr>
+        <p:style>
+          <a:lnRef idx="1">
+            <a:schemeClr val="accent1"/>
+          </a:lnRef>
+          <a:fillRef idx="2">
+            <a:schemeClr val="accent1"/>
+          </a:fillRef>
+          <a:effectRef idx="1">
+            <a:schemeClr val="accent1"/>
+          </a:effectRef>
+          <a:fontRef idx="minor">
+            <a:schemeClr val="dk1"/>
+          </a:fontRef>
+        </p:style>
+        <p:txBody>
+          <a:bodyPr rtlCol="0" anchor="ctr"/>
+          <a:lstStyle/>
+          <a:p>
+            <a:pPr algn="ctr"/>
+            <a:endParaRPr lang="es-ES_tradnl" dirty="0">
+              <a:noFill/>
+            </a:endParaRPr>
+          </a:p>
+        </p:txBody>
+      </p:sp>
+      <p:sp>
+        <p:nvSpPr>
+          <p:cNvPr id="2" name="1 Título"/>
+          <p:cNvSpPr>
+            <a:spLocks noGrp="1"/>
+          </p:cNvSpPr>
+          <p:nvPr>
+            <p:ph type="title"/>
+          </p:nvPr>
+        </p:nvSpPr>
+        <p:spPr/>
+        <p:txBody>
+          <a:bodyPr/>
+          <a:lstStyle/>
+          <a:p>
+            <a:r>
+              <a:rPr lang="es-ES" dirty="0" smtClean="0"/>
+              <a:t>Agenda</a:t>
+            </a:r>
+            <a:endParaRPr lang="es-ES" dirty="0"/>
+          </a:p>
+        </p:txBody>
+      </p:sp>
+      <p:sp>
+        <p:nvSpPr>
+          <p:cNvPr id="3" name="2 Marcador de contenido"/>
+          <p:cNvSpPr>
+            <a:spLocks noGrp="1"/>
+          </p:cNvSpPr>
+          <p:nvPr>
+            <p:ph idx="1"/>
+          </p:nvPr>
+        </p:nvSpPr>
+        <p:spPr>
+          <a:xfrm>
+            <a:off x="457200" y="1268760"/>
+            <a:ext cx="8507288" cy="5472608"/>
+          </a:xfrm>
+        </p:spPr>
+        <p:txBody>
+          <a:bodyPr>
+            <a:normAutofit fontScale="62500" lnSpcReduction="20000"/>
+          </a:bodyPr>
+          <a:lstStyle/>
+          <a:p>
+            <a:r>
+              <a:rPr lang="es-ES" dirty="0" smtClean="0"/>
+              <a:t>Introducción</a:t>
+            </a:r>
+          </a:p>
+          <a:p>
+            <a:pPr lvl="1"/>
+            <a:r>
+              <a:rPr lang="es-ES" dirty="0" smtClean="0"/>
+              <a:t>Contexto</a:t>
+            </a:r>
+          </a:p>
+          <a:p>
+            <a:pPr lvl="1"/>
+            <a:r>
+              <a:rPr lang="es-ES" dirty="0" smtClean="0"/>
+              <a:t>Problemática</a:t>
+            </a:r>
+          </a:p>
+          <a:p>
+            <a:r>
+              <a:rPr lang="es-ES" dirty="0" smtClean="0"/>
+              <a:t>Atributos de calidad y aspectos tempranos</a:t>
+            </a:r>
+          </a:p>
+          <a:p>
+            <a:pPr lvl="1"/>
+            <a:r>
+              <a:rPr lang="es-ES" dirty="0" smtClean="0"/>
+              <a:t>Aspectos tempranos</a:t>
+            </a:r>
+          </a:p>
+          <a:p>
+            <a:pPr lvl="1"/>
+            <a:r>
+              <a:rPr lang="es-ES" dirty="0" smtClean="0"/>
+              <a:t>Relación entre QAs y EAs</a:t>
+            </a:r>
+          </a:p>
+          <a:p>
+            <a:r>
+              <a:rPr lang="es-ES" dirty="0" smtClean="0"/>
+              <a:t>Enfoque propuesto</a:t>
+            </a:r>
+          </a:p>
+          <a:p>
+            <a:pPr lvl="1"/>
+            <a:r>
+              <a:rPr lang="es-ES" dirty="0" smtClean="0"/>
+              <a:t>Propuesta</a:t>
+            </a:r>
+          </a:p>
+          <a:p>
+            <a:pPr lvl="1"/>
+            <a:r>
+              <a:rPr lang="es-ES" dirty="0" smtClean="0"/>
+              <a:t>Proceso</a:t>
+            </a:r>
+          </a:p>
+          <a:p>
+            <a:pPr lvl="1"/>
+            <a:r>
+              <a:rPr lang="es-ES" dirty="0" smtClean="0"/>
+              <a:t>QA Miner</a:t>
+            </a:r>
+          </a:p>
+          <a:p>
+            <a:r>
+              <a:rPr lang="es-ES" dirty="0" smtClean="0"/>
+              <a:t>Evaluación</a:t>
+            </a:r>
+          </a:p>
+          <a:p>
+            <a:pPr lvl="1"/>
+            <a:r>
+              <a:rPr lang="es-ES" dirty="0" smtClean="0"/>
+              <a:t>Métricas</a:t>
+            </a:r>
+          </a:p>
+          <a:p>
+            <a:pPr lvl="1"/>
+            <a:r>
+              <a:rPr lang="es-ES" dirty="0" smtClean="0"/>
+              <a:t>Caso de Estudio I</a:t>
+            </a:r>
+          </a:p>
+          <a:p>
+            <a:pPr lvl="1"/>
+            <a:r>
+              <a:rPr lang="es-ES" dirty="0" smtClean="0"/>
+              <a:t>Caso de Estudio II</a:t>
+            </a:r>
+          </a:p>
+          <a:p>
+            <a:r>
+              <a:rPr lang="es-ES" dirty="0" smtClean="0"/>
+              <a:t>Conclusiones</a:t>
+            </a:r>
+          </a:p>
+          <a:p>
+            <a:pPr lvl="1"/>
+            <a:r>
+              <a:rPr lang="es-ES" dirty="0" smtClean="0"/>
+              <a:t>Ventajas y desventajas</a:t>
+            </a:r>
+          </a:p>
+          <a:p>
+            <a:pPr lvl="1"/>
+            <a:r>
+              <a:rPr lang="es-ES" dirty="0" smtClean="0"/>
+              <a:t>Trabajos futuros</a:t>
+            </a:r>
+          </a:p>
+          <a:p>
+            <a:r>
+              <a:rPr lang="es-ES" dirty="0" smtClean="0"/>
+              <a:t>Preguntas</a:t>
+            </a:r>
+          </a:p>
+          <a:p>
+            <a:pPr lvl="1">
+              <a:buNone/>
+            </a:pPr>
+            <a:endParaRPr lang="es-ES" dirty="0" smtClean="0"/>
+          </a:p>
+          <a:p>
+            <a:pPr lvl="1">
+              <a:buNone/>
+            </a:pPr>
+            <a:endParaRPr lang="es-ES" dirty="0" smtClean="0"/>
+          </a:p>
+          <a:p>
+            <a:endParaRPr lang="es-ES" dirty="0" smtClean="0"/>
+          </a:p>
+          <a:p>
+            <a:endParaRPr lang="es-ES" dirty="0"/>
+          </a:p>
+        </p:txBody>
+      </p:sp>
+      <p:pic>
+        <p:nvPicPr>
+          <p:cNvPr id="9217" name="Picture 1" descr="C:\Documents and Settings\Administrador\Configuración local\Archivos temporales de Internet\Content.IE5\5WQ1CSKL\MP900405396[1].jpg"/>
+          <p:cNvPicPr>
+            <a:picLocks noChangeAspect="1" noChangeArrowheads="1"/>
+          </p:cNvPicPr>
+          <p:nvPr/>
+        </p:nvPicPr>
+        <p:blipFill>
+          <a:blip r:embed="rId2" cstate="print"/>
+          <a:srcRect/>
+          <a:stretch>
+            <a:fillRect/>
+          </a:stretch>
+        </p:blipFill>
+        <p:spPr bwMode="auto">
+          <a:xfrm>
+            <a:off x="4211960" y="2780928"/>
+            <a:ext cx="4210665" cy="3007618"/>
+          </a:xfrm>
+          <a:prstGeom prst="rect">
+            <a:avLst/>
+          </a:prstGeom>
+          <a:noFill/>
+        </p:spPr>
+      </p:pic>
+    </p:spTree>
+  </p:cSld>
+  <p:clrMapOvr>
+    <a:masterClrMapping/>
+  </p:clrMapOvr>
+  <p:timing>
+    <p:tnLst>
+      <p:par>
+        <p:cTn id="1" dur="indefinite" restart="never" nodeType="tmRoot">
+          <p:childTnLst>
+            <p:seq concurrent="1" nextAc="seek">
+              <p:cTn id="2" dur="indefinite" nodeType="mainSeq">
+                <p:childTnLst>
+                  <p:par>
+                    <p:cTn id="3" fill="hold">
+                      <p:stCondLst>
+                        <p:cond delay="indefinite"/>
+                      </p:stCondLst>
+                      <p:childTnLst>
+                        <p:par>
+                          <p:cTn id="4" fill="hold">
+                            <p:stCondLst>
+                              <p:cond delay="0"/>
+                            </p:stCondLst>
+                            <p:childTnLst>
+                              <p:par>
+                                <p:cTn id="5" presetID="4" presetClass="entr" presetSubtype="16" fill="hold" grpId="0" nodeType="clickEffect">
+                                  <p:stCondLst>
+                                    <p:cond delay="0"/>
+                                  </p:stCondLst>
+                                  <p:childTnLst>
+                                    <p:set>
+                                      <p:cBhvr>
+                                        <p:cTn id="6" dur="1" fill="hold">
+                                          <p:stCondLst>
+                                            <p:cond delay="0"/>
+                                          </p:stCondLst>
+                                        </p:cTn>
+                                        <p:tgtEl>
+                                          <p:spTgt spid="4"/>
+                                        </p:tgtEl>
+                                        <p:attrNameLst>
+                                          <p:attrName>style.visibility</p:attrName>
+                                        </p:attrNameLst>
+                                      </p:cBhvr>
+                                      <p:to>
+                                        <p:strVal val="visible"/>
+                                      </p:to>
+                                    </p:set>
+                                    <p:animEffect transition="in" filter="box(in)">
+                                      <p:cBhvr>
+                                        <p:cTn id="7" dur="500"/>
+                                        <p:tgtEl>
+                                          <p:spTgt spid="4"/>
+                                        </p:tgtEl>
+                                      </p:cBhvr>
+                                    </p:animEffect>
+                                  </p:childTnLst>
+                                </p:cTn>
+                              </p:par>
+                            </p:childTnLst>
+                          </p:cTn>
+                        </p:par>
+                      </p:childTnLst>
+                    </p:cTn>
+                  </p:par>
+                </p:childTnLst>
+              </p:cTn>
+              <p:prevCondLst>
+                <p:cond evt="onPrev" delay="0">
+                  <p:tgtEl>
+                    <p:sldTgt/>
+                  </p:tgtEl>
+                </p:cond>
+              </p:prevCondLst>
+              <p:nextCondLst>
+                <p:cond evt="onNext" delay="0">
+                  <p:tgtEl>
+                    <p:sldTgt/>
+                  </p:tgtEl>
+                </p:cond>
+              </p:nextCondLst>
+            </p:seq>
+          </p:childTnLst>
+        </p:cTn>
+      </p:par>
+    </p:tnLst>
+    <p:bldLst>
+      <p:bldP spid="4" grpId="0" animBg="1"/>
+    </p:bldLst>
+  </p:timing>
+</p:sld>
+</file>
+
+<file path=ppt/slides/slide20.xml><?xml version="1.0" encoding="utf-8"?>
+<p:sld xmlns:a="http://schemas.openxmlformats.org/drawingml/2006/main" xmlns:r="http://schemas.openxmlformats.org/officeDocument/2006/relationships" xmlns:p="http://schemas.openxmlformats.org/presentationml/2006/main">
+  <p:cSld>
+    <p:spTree>
+      <p:nvGrpSpPr>
+        <p:cNvPr id="1" name=""/>
+        <p:cNvGrpSpPr/>
+        <p:nvPr/>
+      </p:nvGrpSpPr>
+      <p:grpSpPr>
+        <a:xfrm>
+          <a:off x="0" y="0"/>
+          <a:ext cx="0" cy="0"/>
+          <a:chOff x="0" y="0"/>
+          <a:chExt cx="0" cy="0"/>
+        </a:xfrm>
+      </p:grpSpPr>
+      <p:sp>
+        <p:nvSpPr>
+          <p:cNvPr id="2" name="1 Título"/>
+          <p:cNvSpPr>
+            <a:spLocks noGrp="1"/>
+          </p:cNvSpPr>
+          <p:nvPr>
+            <p:ph type="title"/>
+          </p:nvPr>
+        </p:nvSpPr>
+        <p:spPr/>
+        <p:txBody>
+          <a:bodyPr>
+            <a:normAutofit/>
+          </a:bodyPr>
+          <a:lstStyle/>
+          <a:p>
+            <a:r>
+              <a:rPr lang="es-ES" dirty="0" smtClean="0"/>
+              <a:t>Ventajas y Desventajas</a:t>
+            </a:r>
+            <a:endParaRPr lang="es-ES" dirty="0"/>
+          </a:p>
+        </p:txBody>
+      </p:sp>
+      <p:sp>
+        <p:nvSpPr>
+          <p:cNvPr id="3" name="2 Marcador de contenido"/>
+          <p:cNvSpPr>
+            <a:spLocks noGrp="1"/>
+          </p:cNvSpPr>
+          <p:nvPr>
+            <p:ph idx="1"/>
+          </p:nvPr>
+        </p:nvSpPr>
+        <p:spPr/>
+        <p:txBody>
+          <a:bodyPr>
+            <a:normAutofit fontScale="85000" lnSpcReduction="20000"/>
+          </a:bodyPr>
+          <a:lstStyle/>
+          <a:p>
+            <a:r>
+              <a:rPr lang="es-ES" dirty="0" smtClean="0"/>
+              <a:t>Ventajas</a:t>
+            </a:r>
+          </a:p>
+          <a:p>
+            <a:pPr lvl="1"/>
+            <a:r>
+              <a:rPr lang="es-ES" dirty="0" err="1" smtClean="0"/>
+              <a:t>Recall</a:t>
+            </a:r>
+            <a:endParaRPr lang="es-ES" dirty="0" smtClean="0"/>
+          </a:p>
+          <a:p>
+            <a:pPr lvl="1"/>
+            <a:r>
+              <a:rPr lang="es-ES" dirty="0" smtClean="0"/>
+              <a:t>Tiempo de ejecución</a:t>
+            </a:r>
+          </a:p>
+          <a:p>
+            <a:pPr lvl="1"/>
+            <a:r>
+              <a:rPr lang="es-ES" dirty="0" smtClean="0"/>
+              <a:t>Nivel de automatización</a:t>
+            </a:r>
+          </a:p>
+          <a:p>
+            <a:pPr lvl="1"/>
+            <a:r>
+              <a:rPr lang="es-ES" dirty="0" smtClean="0"/>
+              <a:t>Extensión a otros documentos</a:t>
+            </a:r>
+          </a:p>
+          <a:p>
+            <a:pPr lvl="1"/>
+            <a:r>
+              <a:rPr lang="es-ES" dirty="0" smtClean="0"/>
+              <a:t>Extensibilidad para la identificación de otros QAs</a:t>
+            </a:r>
+          </a:p>
+          <a:p>
+            <a:r>
+              <a:rPr lang="es-ES" dirty="0" smtClean="0"/>
+              <a:t>Desventajas</a:t>
+            </a:r>
+          </a:p>
+          <a:p>
+            <a:pPr lvl="1"/>
+            <a:r>
+              <a:rPr lang="es-ES" dirty="0" smtClean="0"/>
+              <a:t>Dependencia de los aspectos encontrados</a:t>
+            </a:r>
+          </a:p>
+          <a:p>
+            <a:pPr lvl="1"/>
+            <a:r>
+              <a:rPr lang="es-ES" dirty="0" smtClean="0"/>
+              <a:t>QAs no relacionados con aspectos</a:t>
+            </a:r>
+          </a:p>
+          <a:p>
+            <a:pPr lvl="1"/>
+            <a:r>
+              <a:rPr lang="es-ES" dirty="0" smtClean="0"/>
+              <a:t>Definición de una ontología</a:t>
+            </a:r>
+          </a:p>
+          <a:p>
+            <a:pPr lvl="1"/>
+            <a:r>
+              <a:rPr lang="es-ES" dirty="0" smtClean="0"/>
+              <a:t>Limitaciones del lenguaje</a:t>
+            </a:r>
+          </a:p>
+          <a:p>
+            <a:pPr lvl="1"/>
+            <a:r>
+              <a:rPr lang="es-ES" dirty="0" smtClean="0"/>
+              <a:t>Aprendizaje</a:t>
+            </a:r>
+            <a:endParaRPr lang="es-ES" dirty="0"/>
+          </a:p>
+        </p:txBody>
+      </p:sp>
+    </p:spTree>
+  </p:cSld>
+  <p:clrMapOvr>
+    <a:masterClrMapping/>
+  </p:clrMapOvr>
+  <p:timing>
+    <p:tnLst>
+      <p:par>
+        <p:cTn id="1" dur="indefinite" restart="never" nodeType="tmRoot"/>
+      </p:par>
+    </p:tnLst>
+  </p:timing>
+</p:sld>
+</file>
+
+<file path=ppt/slides/slide21.xml><?xml version="1.0" encoding="utf-8"?>
+<p:sld xmlns:a="http://schemas.openxmlformats.org/drawingml/2006/main" xmlns:r="http://schemas.openxmlformats.org/officeDocument/2006/relationships" xmlns:p="http://schemas.openxmlformats.org/presentationml/2006/main">
+  <p:cSld>
+    <p:spTree>
+      <p:nvGrpSpPr>
+        <p:cNvPr id="1" name=""/>
+        <p:cNvGrpSpPr/>
+        <p:nvPr/>
+      </p:nvGrpSpPr>
+      <p:grpSpPr>
+        <a:xfrm>
+          <a:off x="0" y="0"/>
+          <a:ext cx="0" cy="0"/>
+          <a:chOff x="0" y="0"/>
+          <a:chExt cx="0" cy="0"/>
+        </a:xfrm>
+      </p:grpSpPr>
+      <p:sp>
+        <p:nvSpPr>
+          <p:cNvPr id="2" name="1 Título"/>
+          <p:cNvSpPr>
+            <a:spLocks noGrp="1"/>
+          </p:cNvSpPr>
+          <p:nvPr>
+            <p:ph type="title"/>
+          </p:nvPr>
+        </p:nvSpPr>
+        <p:spPr/>
+        <p:txBody>
+          <a:bodyPr/>
+          <a:lstStyle/>
+          <a:p>
+            <a:r>
+              <a:rPr lang="es-ES" dirty="0" smtClean="0"/>
+              <a:t>Trabajos Futuros</a:t>
+            </a:r>
+            <a:endParaRPr lang="es-ES" dirty="0"/>
+          </a:p>
+        </p:txBody>
+      </p:sp>
+      <p:sp>
+        <p:nvSpPr>
+          <p:cNvPr id="3" name="2 Marcador de contenido"/>
+          <p:cNvSpPr>
+            <a:spLocks noGrp="1"/>
+          </p:cNvSpPr>
+          <p:nvPr>
+            <p:ph idx="1"/>
+          </p:nvPr>
+        </p:nvSpPr>
+        <p:spPr/>
+        <p:txBody>
+          <a:bodyPr/>
+          <a:lstStyle/>
+          <a:p>
+            <a:r>
+              <a:rPr lang="es-ES" dirty="0" smtClean="0"/>
+              <a:t>Mejora de la ontología</a:t>
+            </a:r>
+          </a:p>
+          <a:p>
+            <a:r>
+              <a:rPr lang="es-ES" dirty="0" smtClean="0"/>
+              <a:t>Atributos de los tokens</a:t>
+            </a:r>
+          </a:p>
+          <a:p>
+            <a:r>
+              <a:rPr lang="es-ES" dirty="0" smtClean="0"/>
+              <a:t>Minar QAs desde otros documentos</a:t>
+            </a:r>
+          </a:p>
+          <a:p>
+            <a:r>
+              <a:rPr lang="es-ES" dirty="0" smtClean="0"/>
+              <a:t>Aprendizaje</a:t>
+            </a:r>
+          </a:p>
+          <a:p>
+            <a:r>
+              <a:rPr lang="es-ES" dirty="0" smtClean="0"/>
+              <a:t>Arquitecturas orientadas a aspectos</a:t>
+            </a:r>
+            <a:endParaRPr lang="es-ES" dirty="0"/>
+          </a:p>
+        </p:txBody>
+      </p:sp>
+      <p:pic>
+        <p:nvPicPr>
+          <p:cNvPr id="30725" name="Picture 5" descr="C:\Documents and Settings\Administrador\Configuración local\Archivos temporales de Internet\Content.IE5\5WQ1CSKL\MC900312584[1].wmf"/>
+          <p:cNvPicPr>
+            <a:picLocks noChangeAspect="1" noChangeArrowheads="1"/>
+          </p:cNvPicPr>
+          <p:nvPr/>
+        </p:nvPicPr>
+        <p:blipFill>
+          <a:blip r:embed="rId2" cstate="print"/>
+          <a:srcRect/>
+          <a:stretch>
+            <a:fillRect/>
+          </a:stretch>
+        </p:blipFill>
+        <p:spPr bwMode="auto">
+          <a:xfrm>
+            <a:off x="6588224" y="4797152"/>
+            <a:ext cx="1868119" cy="1522476"/>
+          </a:xfrm>
+          <a:prstGeom prst="rect">
+            <a:avLst/>
+          </a:prstGeom>
+          <a:noFill/>
+        </p:spPr>
+      </p:pic>
+      <p:pic>
+        <p:nvPicPr>
+          <p:cNvPr id="30730" name="Picture 10" descr="C:\Documents and Settings\Administrador\Configuración local\Archivos temporales de Internet\Content.IE5\KJNEGA58\MC900078802[1].wmf"/>
+          <p:cNvPicPr>
+            <a:picLocks noChangeAspect="1" noChangeArrowheads="1"/>
+          </p:cNvPicPr>
+          <p:nvPr/>
+        </p:nvPicPr>
+        <p:blipFill>
+          <a:blip r:embed="rId3" cstate="print"/>
+          <a:srcRect/>
+          <a:stretch>
+            <a:fillRect/>
+          </a:stretch>
+        </p:blipFill>
+        <p:spPr bwMode="auto">
+          <a:xfrm>
+            <a:off x="3491880" y="4653136"/>
+            <a:ext cx="2292023" cy="2074119"/>
+          </a:xfrm>
+          <a:prstGeom prst="rect">
+            <a:avLst/>
+          </a:prstGeom>
+          <a:noFill/>
+        </p:spPr>
+      </p:pic>
+    </p:spTree>
+  </p:cSld>
+  <p:clrMapOvr>
+    <a:masterClrMapping/>
+  </p:clrMapOvr>
+  <p:timing>
+    <p:tnLst>
+      <p:par>
+        <p:cTn id="1" dur="indefinite" restart="never" nodeType="tmRoot"/>
+      </p:par>
+    </p:tnLst>
+  </p:timing>
+</p:sld>
+</file>
+
+<file path=ppt/slides/slide22.xml><?xml version="1.0" encoding="utf-8"?>
+<p:sld xmlns:a="http://schemas.openxmlformats.org/drawingml/2006/main" xmlns:r="http://schemas.openxmlformats.org/officeDocument/2006/relationships" xmlns:p="http://schemas.openxmlformats.org/presentationml/2006/main">
+  <p:cSld>
+    <p:spTree>
+      <p:nvGrpSpPr>
+        <p:cNvPr id="1" name=""/>
+        <p:cNvGrpSpPr/>
+        <p:nvPr/>
+      </p:nvGrpSpPr>
+      <p:grpSpPr>
+        <a:xfrm>
+          <a:off x="0" y="0"/>
+          <a:ext cx="0" cy="0"/>
+          <a:chOff x="0" y="0"/>
+          <a:chExt cx="0" cy="0"/>
+        </a:xfrm>
+      </p:grpSpPr>
+      <p:sp>
+        <p:nvSpPr>
+          <p:cNvPr id="4" name="3 Rectángulo"/>
+          <p:cNvSpPr/>
+          <p:nvPr/>
+        </p:nvSpPr>
+        <p:spPr>
+          <a:xfrm>
+            <a:off x="395536" y="6093296"/>
+            <a:ext cx="2160240" cy="360040"/>
+          </a:xfrm>
+          <a:prstGeom prst="rect">
+            <a:avLst/>
+          </a:prstGeom>
+        </p:spPr>
+        <p:style>
+          <a:lnRef idx="1">
+            <a:schemeClr val="accent1"/>
+          </a:lnRef>
+          <a:fillRef idx="2">
+            <a:schemeClr val="accent1"/>
+          </a:fillRef>
+          <a:effectRef idx="1">
+            <a:schemeClr val="accent1"/>
+          </a:effectRef>
+          <a:fontRef idx="minor">
+            <a:schemeClr val="dk1"/>
+          </a:fontRef>
+        </p:style>
+        <p:txBody>
+          <a:bodyPr rtlCol="0" anchor="ctr"/>
+          <a:lstStyle/>
+          <a:p>
+            <a:pPr algn="ctr"/>
+            <a:endParaRPr lang="es-ES_tradnl" dirty="0">
+              <a:noFill/>
+            </a:endParaRPr>
+          </a:p>
+        </p:txBody>
+      </p:sp>
+      <p:sp>
+        <p:nvSpPr>
+          <p:cNvPr id="3" name="2 Marcador de contenido"/>
+          <p:cNvSpPr>
+            <a:spLocks noGrp="1"/>
+          </p:cNvSpPr>
+          <p:nvPr>
+            <p:ph idx="1"/>
+          </p:nvPr>
+        </p:nvSpPr>
+        <p:spPr>
+          <a:xfrm>
+            <a:off x="457200" y="1268760"/>
+            <a:ext cx="8507288" cy="5472608"/>
+          </a:xfrm>
+        </p:spPr>
+        <p:txBody>
+          <a:bodyPr>
+            <a:normAutofit fontScale="62500" lnSpcReduction="20000"/>
+          </a:bodyPr>
+          <a:lstStyle/>
+          <a:p>
+            <a:r>
+              <a:rPr lang="es-ES" dirty="0" smtClean="0"/>
+              <a:t>Introducción</a:t>
+            </a:r>
+          </a:p>
+          <a:p>
+            <a:pPr lvl="1"/>
+            <a:r>
+              <a:rPr lang="es-ES" dirty="0" smtClean="0"/>
+              <a:t>Contexto</a:t>
+            </a:r>
+          </a:p>
+          <a:p>
+            <a:pPr lvl="1"/>
+            <a:r>
+              <a:rPr lang="es-ES" dirty="0" smtClean="0"/>
+              <a:t>Problemática</a:t>
+            </a:r>
+          </a:p>
+          <a:p>
+            <a:r>
+              <a:rPr lang="es-ES" dirty="0" smtClean="0"/>
+              <a:t>Atributos de calidad y aspectos tempranos</a:t>
+            </a:r>
+          </a:p>
+          <a:p>
+            <a:pPr lvl="1"/>
+            <a:r>
+              <a:rPr lang="es-ES" dirty="0" smtClean="0"/>
+              <a:t>Aspectos tempranos</a:t>
+            </a:r>
+          </a:p>
+          <a:p>
+            <a:pPr lvl="1"/>
+            <a:r>
+              <a:rPr lang="es-ES" dirty="0" smtClean="0"/>
+              <a:t>Relación entre QAs y EAs</a:t>
+            </a:r>
+          </a:p>
+          <a:p>
+            <a:r>
+              <a:rPr lang="es-ES" dirty="0" smtClean="0"/>
+              <a:t>Enfoque propuesto</a:t>
+            </a:r>
+          </a:p>
+          <a:p>
+            <a:pPr lvl="1"/>
+            <a:r>
+              <a:rPr lang="es-ES" dirty="0" smtClean="0"/>
+              <a:t>Propuesta</a:t>
+            </a:r>
+          </a:p>
+          <a:p>
+            <a:pPr lvl="1"/>
+            <a:r>
+              <a:rPr lang="es-ES" dirty="0" smtClean="0"/>
+              <a:t>Proceso</a:t>
+            </a:r>
+          </a:p>
+          <a:p>
+            <a:pPr lvl="1"/>
+            <a:r>
+              <a:rPr lang="es-ES" dirty="0" smtClean="0"/>
+              <a:t>QA Miner</a:t>
+            </a:r>
+          </a:p>
+          <a:p>
+            <a:r>
+              <a:rPr lang="es-ES" dirty="0" smtClean="0"/>
+              <a:t>Evaluación</a:t>
+            </a:r>
+          </a:p>
+          <a:p>
+            <a:pPr lvl="1"/>
+            <a:r>
+              <a:rPr lang="es-ES" dirty="0" smtClean="0"/>
+              <a:t>Métricas</a:t>
+            </a:r>
+          </a:p>
+          <a:p>
+            <a:pPr lvl="1"/>
+            <a:r>
+              <a:rPr lang="es-ES" dirty="0" smtClean="0"/>
+              <a:t>Caso de Estudio I</a:t>
+            </a:r>
+          </a:p>
+          <a:p>
+            <a:pPr lvl="1"/>
+            <a:r>
+              <a:rPr lang="es-ES" dirty="0" smtClean="0"/>
+              <a:t>Caso de Estudio II</a:t>
+            </a:r>
+          </a:p>
+          <a:p>
+            <a:r>
+              <a:rPr lang="es-ES" dirty="0" smtClean="0"/>
+              <a:t>Conclusiones</a:t>
+            </a:r>
+          </a:p>
+          <a:p>
+            <a:pPr lvl="1"/>
+            <a:r>
+              <a:rPr lang="es-ES" dirty="0" smtClean="0"/>
+              <a:t>Ventajas y desventajas</a:t>
+            </a:r>
+          </a:p>
+          <a:p>
+            <a:pPr lvl="1"/>
+            <a:r>
+              <a:rPr lang="es-ES" dirty="0" smtClean="0"/>
+              <a:t>Trabajos futuros</a:t>
+            </a:r>
+          </a:p>
+          <a:p>
+            <a:r>
+              <a:rPr lang="es-ES" dirty="0" smtClean="0"/>
+              <a:t>Preguntas</a:t>
+            </a:r>
+          </a:p>
+          <a:p>
+            <a:pPr lvl="1">
+              <a:buNone/>
+            </a:pPr>
+            <a:endParaRPr lang="es-ES" dirty="0" smtClean="0"/>
+          </a:p>
+          <a:p>
+            <a:pPr lvl="1">
+              <a:buNone/>
+            </a:pPr>
+            <a:endParaRPr lang="es-ES" dirty="0" smtClean="0"/>
+          </a:p>
+          <a:p>
+            <a:endParaRPr lang="es-ES" dirty="0" smtClean="0"/>
+          </a:p>
+          <a:p>
+            <a:endParaRPr lang="es-ES" dirty="0"/>
+          </a:p>
+        </p:txBody>
+      </p:sp>
+      <p:sp>
+        <p:nvSpPr>
+          <p:cNvPr id="2" name="1 Título"/>
+          <p:cNvSpPr>
+            <a:spLocks noGrp="1"/>
+          </p:cNvSpPr>
+          <p:nvPr>
+            <p:ph type="title"/>
+          </p:nvPr>
+        </p:nvSpPr>
+        <p:spPr/>
+        <p:txBody>
+          <a:bodyPr/>
+          <a:lstStyle/>
+          <a:p>
+            <a:r>
+              <a:rPr lang="es-ES" dirty="0" smtClean="0"/>
+              <a:t>Agenda</a:t>
+            </a:r>
+            <a:endParaRPr lang="es-ES" dirty="0"/>
+          </a:p>
+        </p:txBody>
+      </p:sp>
+    </p:spTree>
+  </p:cSld>
+  <p:clrMapOvr>
+    <a:masterClrMapping/>
+  </p:clrMapOvr>
+  <p:timing>
+    <p:tnLst>
+      <p:par>
+        <p:cTn id="1" dur="indefinite" restart="never" nodeType="tmRoot">
+          <p:childTnLst>
+            <p:seq concurrent="1" nextAc="seek">
+              <p:cTn id="2" dur="indefinite" nodeType="mainSeq">
+                <p:childTnLst>
+                  <p:par>
+                    <p:cTn id="3" fill="hold">
+                      <p:stCondLst>
+                        <p:cond delay="indefinite"/>
+                      </p:stCondLst>
+                      <p:childTnLst>
+                        <p:par>
+                          <p:cTn id="4" fill="hold">
+                            <p:stCondLst>
+                              <p:cond delay="0"/>
+                            </p:stCondLst>
+                            <p:childTnLst>
+                              <p:par>
+                                <p:cTn id="5" presetID="4" presetClass="entr" presetSubtype="16" fill="hold" grpId="0" nodeType="clickEffect">
+                                  <p:stCondLst>
+                                    <p:cond delay="0"/>
+                                  </p:stCondLst>
+                                  <p:childTnLst>
+                                    <p:set>
+                                      <p:cBhvr>
+                                        <p:cTn id="6" dur="1" fill="hold">
+                                          <p:stCondLst>
+                                            <p:cond delay="0"/>
+                                          </p:stCondLst>
+                                        </p:cTn>
+                                        <p:tgtEl>
+                                          <p:spTgt spid="4"/>
+                                        </p:tgtEl>
+                                        <p:attrNameLst>
+                                          <p:attrName>style.visibility</p:attrName>
+                                        </p:attrNameLst>
+                                      </p:cBhvr>
+                                      <p:to>
+                                        <p:strVal val="visible"/>
+                                      </p:to>
+                                    </p:set>
+                                    <p:animEffect transition="in" filter="box(in)">
+                                      <p:cBhvr>
+                                        <p:cTn id="7" dur="500"/>
+                                        <p:tgtEl>
+                                          <p:spTgt spid="4"/>
+                                        </p:tgtEl>
+                                      </p:cBhvr>
+                                    </p:animEffect>
+                                  </p:childTnLst>
+                                </p:cTn>
+                              </p:par>
+                            </p:childTnLst>
+                          </p:cTn>
+                        </p:par>
+                      </p:childTnLst>
+                    </p:cTn>
+                  </p:par>
+                </p:childTnLst>
+              </p:cTn>
+              <p:prevCondLst>
+                <p:cond evt="onPrev" delay="0">
+                  <p:tgtEl>
+                    <p:sldTgt/>
+                  </p:tgtEl>
+                </p:cond>
+              </p:prevCondLst>
+              <p:nextCondLst>
+                <p:cond evt="onNext" delay="0">
+                  <p:tgtEl>
+                    <p:sldTgt/>
+                  </p:tgtEl>
+                </p:cond>
+              </p:nextCondLst>
+            </p:seq>
+          </p:childTnLst>
+        </p:cTn>
+      </p:par>
+    </p:tnLst>
+    <p:bldLst>
+      <p:bldP spid="4" grpId="0" animBg="1"/>
+    </p:bldLst>
+  </p:timing>
+</p:sld>
+</file>
+
+<file path=ppt/slides/slide23.xml><?xml version="1.0" encoding="utf-8"?>
+<p:sld xmlns:a="http://schemas.openxmlformats.org/drawingml/2006/main" xmlns:r="http://schemas.openxmlformats.org/officeDocument/2006/relationships" xmlns:p="http://schemas.openxmlformats.org/presentationml/2006/main">
+  <p:cSld>
+    <p:spTree>
+      <p:nvGrpSpPr>
+        <p:cNvPr id="1" name=""/>
+        <p:cNvGrpSpPr/>
+        <p:nvPr/>
+      </p:nvGrpSpPr>
+      <p:grpSpPr>
+        <a:xfrm>
+          <a:off x="0" y="0"/>
+          <a:ext cx="0" cy="0"/>
+          <a:chOff x="0" y="0"/>
+          <a:chExt cx="0" cy="0"/>
+        </a:xfrm>
+      </p:grpSpPr>
+      <p:sp>
+        <p:nvSpPr>
+          <p:cNvPr id="2" name="1 Título"/>
+          <p:cNvSpPr>
+            <a:spLocks noGrp="1"/>
+          </p:cNvSpPr>
+          <p:nvPr>
+            <p:ph type="title"/>
+          </p:nvPr>
+        </p:nvSpPr>
+        <p:spPr/>
+        <p:txBody>
+          <a:bodyPr/>
+          <a:lstStyle/>
+          <a:p>
+            <a:r>
+              <a:rPr lang="es-ES" dirty="0" smtClean="0"/>
+              <a:t>Preguntas</a:t>
+            </a:r>
+            <a:endParaRPr lang="es-ES" dirty="0"/>
+          </a:p>
+        </p:txBody>
+      </p:sp>
+      <p:pic>
+        <p:nvPicPr>
+          <p:cNvPr id="4" name="Picture 2" descr="C:\Documents and Settings\Administrador\Configuración local\Archivos temporales de Internet\Content.IE5\ZTJ0KIAI\MC900078711[1].wmf"/>
+          <p:cNvPicPr>
+            <a:picLocks noGrp="1" noChangeAspect="1" noChangeArrowheads="1"/>
+          </p:cNvPicPr>
+          <p:nvPr>
+            <p:ph idx="1"/>
+          </p:nvPr>
+        </p:nvPicPr>
+        <p:blipFill>
+          <a:blip r:embed="rId2" cstate="print"/>
+          <a:srcRect/>
+          <a:stretch>
+            <a:fillRect/>
+          </a:stretch>
+        </p:blipFill>
+        <p:spPr bwMode="auto">
+          <a:xfrm>
+            <a:off x="3760967" y="1896029"/>
+            <a:ext cx="1622066" cy="3934305"/>
+          </a:xfrm>
+          <a:prstGeom prst="rect">
+            <a:avLst/>
+          </a:prstGeom>
+          <a:noFill/>
+        </p:spPr>
+      </p:pic>
+    </p:spTree>
+  </p:cSld>
+  <p:clrMapOvr>
+    <a:masterClrMapping/>
+  </p:clrMapOvr>
+  <p:timing>
+    <p:tnLst>
+      <p:par>
+        <p:cTn id="1" dur="indefinite" restart="never" nodeType="tmRoot"/>
+      </p:par>
+    </p:tnLst>
+  </p:timing>
+</p:sld>
+</file>
+
+<file path=ppt/slides/slide24.xml><?xml version="1.0" encoding="utf-8"?>
+<p:sld xmlns:a="http://schemas.openxmlformats.org/drawingml/2006/main" xmlns:r="http://schemas.openxmlformats.org/officeDocument/2006/relationships" xmlns:p="http://schemas.openxmlformats.org/presentationml/2006/main">
+  <p:cSld>
+    <p:spTree>
+      <p:nvGrpSpPr>
+        <p:cNvPr id="1" name=""/>
+        <p:cNvGrpSpPr/>
+        <p:nvPr/>
+      </p:nvGrpSpPr>
+      <p:grpSpPr>
+        <a:xfrm>
+          <a:off x="0" y="0"/>
+          <a:ext cx="0" cy="0"/>
+          <a:chOff x="0" y="0"/>
+          <a:chExt cx="0" cy="0"/>
+        </a:xfrm>
+      </p:grpSpPr>
+      <p:sp>
+        <p:nvSpPr>
+          <p:cNvPr id="2" name="1 Título"/>
+          <p:cNvSpPr>
+            <a:spLocks noGrp="1"/>
+          </p:cNvSpPr>
+          <p:nvPr>
+            <p:ph type="title"/>
+          </p:nvPr>
+        </p:nvSpPr>
+        <p:spPr/>
+        <p:txBody>
+          <a:bodyPr/>
+          <a:lstStyle/>
+          <a:p>
+            <a:r>
+              <a:rPr lang="es-ES" dirty="0" smtClean="0"/>
+              <a:t>GRACIAS!!!!</a:t>
+            </a:r>
+            <a:endParaRPr lang="es-ES" dirty="0"/>
+          </a:p>
+        </p:txBody>
+      </p:sp>
+    </p:spTree>
+  </p:cSld>
+  <p:clrMapOvr>
+    <a:masterClrMapping/>
+  </p:clrMapOvr>
+  <p:timing>
+    <p:tnLst>
+      <p:par>
+        <p:cTn id="1" dur="indefinite" restart="never" nodeType="tmRoot"/>
+      </p:par>
+    </p:tnLst>
+  </p:timing>
+</p:sld>
+</file>
+
+<file path=ppt/slides/slide3.xml><?xml version="1.0" encoding="utf-8"?>
+<p:sld xmlns:a="http://schemas.openxmlformats.org/drawingml/2006/main" xmlns:r="http://schemas.openxmlformats.org/officeDocument/2006/relationships" xmlns:p="http://schemas.openxmlformats.org/presentationml/2006/main">
+  <p:cSld>
+    <p:spTree>
+      <p:nvGrpSpPr>
+        <p:cNvPr id="1" name=""/>
+        <p:cNvGrpSpPr/>
+        <p:nvPr/>
+      </p:nvGrpSpPr>
+      <p:grpSpPr>
+        <a:xfrm>
+          <a:off x="0" y="0"/>
+          <a:ext cx="0" cy="0"/>
+          <a:chOff x="0" y="0"/>
+          <a:chExt cx="0" cy="0"/>
+        </a:xfrm>
+      </p:grpSpPr>
+      <p:sp>
+        <p:nvSpPr>
+          <p:cNvPr id="2" name="1 Título"/>
+          <p:cNvSpPr>
+            <a:spLocks noGrp="1"/>
+          </p:cNvSpPr>
+          <p:nvPr>
+            <p:ph type="title"/>
+          </p:nvPr>
+        </p:nvSpPr>
+        <p:spPr/>
+        <p:txBody>
+          <a:bodyPr/>
+          <a:lstStyle/>
+          <a:p>
+            <a:r>
+              <a:rPr lang="es-ES" dirty="0" smtClean="0"/>
+              <a:t>Contexto</a:t>
+            </a:r>
+            <a:endParaRPr lang="es-ES" dirty="0"/>
+          </a:p>
+        </p:txBody>
+      </p:sp>
+      <p:sp>
+        <p:nvSpPr>
+          <p:cNvPr id="3" name="2 Marcador de contenido"/>
+          <p:cNvSpPr>
+            <a:spLocks noGrp="1"/>
+          </p:cNvSpPr>
+          <p:nvPr>
+            <p:ph idx="1"/>
+          </p:nvPr>
+        </p:nvSpPr>
+        <p:spPr/>
+        <p:txBody>
+          <a:bodyPr>
+            <a:normAutofit/>
+          </a:bodyPr>
+          <a:lstStyle/>
+          <a:p>
+            <a:r>
+              <a:rPr lang="es-ES" dirty="0" smtClean="0"/>
+              <a:t>Los atributos de calidad (QAs) son propiedades deseadas o requerimientos adicionales de un sistema</a:t>
+            </a:r>
+          </a:p>
+          <a:p>
+            <a:r>
+              <a:rPr lang="es-ES" dirty="0" smtClean="0"/>
+              <a:t>Necesidad de identificar los QAs de un sistema en la etapas tempranas de desarrollo</a:t>
+            </a:r>
+          </a:p>
+          <a:p>
+            <a:r>
+              <a:rPr lang="es-ES" dirty="0" smtClean="0"/>
+              <a:t>Una incorrecta identificación podría llevar al fracaso del sistema</a:t>
+            </a:r>
+          </a:p>
+          <a:p>
+            <a:endParaRPr lang="es-ES" dirty="0"/>
+          </a:p>
+        </p:txBody>
+      </p:sp>
+      <p:pic>
+        <p:nvPicPr>
+          <p:cNvPr id="8196" name="Picture 4" descr="C:\Documents and Settings\Administrador\Configuración local\Archivos temporales de Internet\Content.IE5\5WQ1CSKL\MC900439356[1].jpg"/>
+          <p:cNvPicPr>
+            <a:picLocks noChangeAspect="1" noChangeArrowheads="1"/>
+          </p:cNvPicPr>
+          <p:nvPr/>
+        </p:nvPicPr>
+        <p:blipFill>
+          <a:blip r:embed="rId2" cstate="print"/>
+          <a:srcRect/>
+          <a:stretch>
+            <a:fillRect/>
+          </a:stretch>
+        </p:blipFill>
+        <p:spPr bwMode="auto">
+          <a:xfrm>
+            <a:off x="6882928" y="4941168"/>
+            <a:ext cx="1916832" cy="1916832"/>
+          </a:xfrm>
+          <a:prstGeom prst="rect">
+            <a:avLst/>
+          </a:prstGeom>
+          <a:noFill/>
+        </p:spPr>
+      </p:pic>
+      <p:pic>
+        <p:nvPicPr>
+          <p:cNvPr id="8197" name="Picture 5" descr="C:\Documents and Settings\Administrador\Configuración local\Archivos temporales de Internet\Content.IE5\U5IY6TLH\MC900240363[1].wmf"/>
+          <p:cNvPicPr>
+            <a:picLocks noChangeAspect="1" noChangeArrowheads="1"/>
+          </p:cNvPicPr>
+          <p:nvPr/>
+        </p:nvPicPr>
+        <p:blipFill>
+          <a:blip r:embed="rId3" cstate="print"/>
+          <a:srcRect/>
+          <a:stretch>
+            <a:fillRect/>
+          </a:stretch>
+        </p:blipFill>
+        <p:spPr bwMode="auto">
+          <a:xfrm>
+            <a:off x="4572000" y="4900613"/>
+            <a:ext cx="1936750" cy="1798637"/>
+          </a:xfrm>
+          <a:prstGeom prst="rect">
+            <a:avLst/>
+          </a:prstGeom>
+          <a:noFill/>
+        </p:spPr>
+      </p:pic>
+    </p:spTree>
+  </p:cSld>
+  <p:clrMapOvr>
+    <a:masterClrMapping/>
+  </p:clrMapOvr>
+  <p:timing>
+    <p:tnLst>
+      <p:par>
+        <p:cTn id="1" dur="indefinite" restart="never" nodeType="tmRoot"/>
+      </p:par>
+    </p:tnLst>
+  </p:timing>
+</p:sld>
+</file>
+
+<file path=ppt/slides/slide4.xml><?xml version="1.0" encoding="utf-8"?>
+<p:sld xmlns:a="http://schemas.openxmlformats.org/drawingml/2006/main" xmlns:r="http://schemas.openxmlformats.org/officeDocument/2006/relationships" xmlns:p="http://schemas.openxmlformats.org/presentationml/2006/main">
+  <p:cSld>
+    <p:spTree>
+      <p:nvGrpSpPr>
+        <p:cNvPr id="1" name=""/>
+        <p:cNvGrpSpPr/>
+        <p:nvPr/>
+      </p:nvGrpSpPr>
+      <p:grpSpPr>
+        <a:xfrm>
+          <a:off x="0" y="0"/>
+          <a:ext cx="0" cy="0"/>
+          <a:chOff x="0" y="0"/>
+          <a:chExt cx="0" cy="0"/>
+        </a:xfrm>
+      </p:grpSpPr>
+      <p:sp>
+        <p:nvSpPr>
+          <p:cNvPr id="2" name="1 Título"/>
+          <p:cNvSpPr>
+            <a:spLocks noGrp="1"/>
+          </p:cNvSpPr>
+          <p:nvPr>
+            <p:ph type="title"/>
+          </p:nvPr>
+        </p:nvSpPr>
+        <p:spPr/>
+        <p:txBody>
+          <a:bodyPr/>
+          <a:lstStyle/>
+          <a:p>
+            <a:r>
+              <a:rPr lang="es-ES" dirty="0" smtClean="0"/>
+              <a:t>Problemática</a:t>
+            </a:r>
+            <a:endParaRPr lang="es-ES" dirty="0"/>
+          </a:p>
+        </p:txBody>
+      </p:sp>
+      <p:sp>
+        <p:nvSpPr>
+          <p:cNvPr id="3" name="2 Marcador de contenido"/>
+          <p:cNvSpPr>
+            <a:spLocks noGrp="1"/>
+          </p:cNvSpPr>
+          <p:nvPr>
+            <p:ph idx="1"/>
+          </p:nvPr>
+        </p:nvSpPr>
+        <p:spPr/>
+        <p:txBody>
+          <a:bodyPr/>
+          <a:lstStyle/>
+          <a:p>
+            <a:r>
+              <a:rPr lang="es-ES" dirty="0" smtClean="0"/>
+              <a:t>Puede llegar a ser una tarea muy dificultosa para el analista</a:t>
+            </a:r>
+          </a:p>
+          <a:p>
+            <a:pPr lvl="1"/>
+            <a:r>
+              <a:rPr lang="es-ES" dirty="0" smtClean="0"/>
+              <a:t>Varios casos de uso de gran extensión</a:t>
+            </a:r>
+          </a:p>
+          <a:p>
+            <a:pPr lvl="1"/>
+            <a:r>
+              <a:rPr lang="es-ES" dirty="0" smtClean="0"/>
+              <a:t>Utilización de lenguaje natural, sin estructurar los </a:t>
+            </a:r>
+            <a:r>
+              <a:rPr lang="es-ES" dirty="0" err="1" smtClean="0"/>
+              <a:t>QAs</a:t>
+            </a:r>
+            <a:r>
+              <a:rPr lang="es-ES" dirty="0" smtClean="0"/>
+              <a:t> formalmente</a:t>
+            </a:r>
+          </a:p>
+          <a:p>
+            <a:pPr lvl="1">
+              <a:buNone/>
+            </a:pPr>
+            <a:endParaRPr lang="es-ES" dirty="0" smtClean="0"/>
+          </a:p>
+        </p:txBody>
+      </p:sp>
+      <p:pic>
+        <p:nvPicPr>
+          <p:cNvPr id="7170" name="Picture 2" descr="C:\Documents and Settings\Administrador\Configuración local\Archivos temporales de Internet\Content.IE5\V6A39WCC\MC900078627[1].wmf"/>
+          <p:cNvPicPr>
+            <a:picLocks noChangeAspect="1" noChangeArrowheads="1"/>
+          </p:cNvPicPr>
+          <p:nvPr/>
+        </p:nvPicPr>
+        <p:blipFill>
+          <a:blip r:embed="rId3" cstate="print"/>
+          <a:srcRect/>
+          <a:stretch>
+            <a:fillRect/>
+          </a:stretch>
+        </p:blipFill>
+        <p:spPr bwMode="auto">
+          <a:xfrm>
+            <a:off x="6516216" y="4437112"/>
+            <a:ext cx="2140518" cy="2102446"/>
+          </a:xfrm>
+          <a:prstGeom prst="rect">
+            <a:avLst/>
+          </a:prstGeom>
+          <a:noFill/>
+        </p:spPr>
+      </p:pic>
+      <p:pic>
+        <p:nvPicPr>
+          <p:cNvPr id="7173" name="Picture 5" descr="C:\Documents and Settings\Administrador\Configuración local\Archivos temporales de Internet\Content.IE5\U5IY6TLH\MC900288991[1].wmf"/>
+          <p:cNvPicPr>
+            <a:picLocks noChangeAspect="1" noChangeArrowheads="1"/>
+          </p:cNvPicPr>
+          <p:nvPr/>
+        </p:nvPicPr>
+        <p:blipFill>
+          <a:blip r:embed="rId4" cstate="print"/>
+          <a:srcRect/>
+          <a:stretch>
+            <a:fillRect/>
+          </a:stretch>
+        </p:blipFill>
+        <p:spPr bwMode="auto">
+          <a:xfrm>
+            <a:off x="4860032" y="3933056"/>
+            <a:ext cx="1028700" cy="2581275"/>
+          </a:xfrm>
+          <a:prstGeom prst="rect">
+            <a:avLst/>
+          </a:prstGeom>
+          <a:noFill/>
+        </p:spPr>
+      </p:pic>
+    </p:spTree>
+  </p:cSld>
+  <p:clrMapOvr>
+    <a:masterClrMapping/>
+  </p:clrMapOvr>
+  <p:timing>
+    <p:tnLst>
+      <p:par>
+        <p:cTn id="1" dur="indefinite" restart="never" nodeType="tmRoot"/>
+      </p:par>
+    </p:tnLst>
+  </p:timing>
+</p:sld>
+</file>
+
+<file path=ppt/slides/slide5.xml><?xml version="1.0" encoding="utf-8"?>
+<p:sld xmlns:a="http://schemas.openxmlformats.org/drawingml/2006/main" xmlns:r="http://schemas.openxmlformats.org/officeDocument/2006/relationships" xmlns:p="http://schemas.openxmlformats.org/presentationml/2006/main">
+  <p:cSld>
+    <p:spTree>
+      <p:nvGrpSpPr>
+        <p:cNvPr id="1" name=""/>
+        <p:cNvGrpSpPr/>
+        <p:nvPr/>
+      </p:nvGrpSpPr>
+      <p:grpSpPr>
+        <a:xfrm>
+          <a:off x="0" y="0"/>
+          <a:ext cx="0" cy="0"/>
+          <a:chOff x="0" y="0"/>
+          <a:chExt cx="0" cy="0"/>
+        </a:xfrm>
+      </p:grpSpPr>
+      <p:sp>
+        <p:nvSpPr>
+          <p:cNvPr id="4" name="3 Rectángulo"/>
+          <p:cNvSpPr/>
+          <p:nvPr/>
+        </p:nvSpPr>
+        <p:spPr>
+          <a:xfrm>
+            <a:off x="467544" y="2132856"/>
+            <a:ext cx="4896544" cy="864096"/>
+          </a:xfrm>
+          <a:prstGeom prst="rect">
+            <a:avLst/>
+          </a:prstGeom>
+        </p:spPr>
+        <p:style>
+          <a:lnRef idx="1">
+            <a:schemeClr val="accent1"/>
+          </a:lnRef>
+          <a:fillRef idx="2">
+            <a:schemeClr val="accent1"/>
+          </a:fillRef>
+          <a:effectRef idx="1">
+            <a:schemeClr val="accent1"/>
+          </a:effectRef>
+          <a:fontRef idx="minor">
+            <a:schemeClr val="dk1"/>
+          </a:fontRef>
+        </p:style>
+        <p:txBody>
+          <a:bodyPr rtlCol="0" anchor="ctr"/>
+          <a:lstStyle/>
+          <a:p>
+            <a:pPr algn="ctr"/>
+            <a:endParaRPr lang="es-ES_tradnl" dirty="0">
+              <a:noFill/>
+            </a:endParaRPr>
+          </a:p>
+        </p:txBody>
+      </p:sp>
+      <p:sp>
+        <p:nvSpPr>
+          <p:cNvPr id="2" name="1 Título"/>
+          <p:cNvSpPr>
+            <a:spLocks noGrp="1"/>
+          </p:cNvSpPr>
+          <p:nvPr>
+            <p:ph type="title"/>
+          </p:nvPr>
+        </p:nvSpPr>
+        <p:spPr/>
+        <p:txBody>
+          <a:bodyPr/>
+          <a:lstStyle/>
+          <a:p>
+            <a:r>
+              <a:rPr lang="es-ES" dirty="0" smtClean="0"/>
+              <a:t>Agenda</a:t>
+            </a:r>
+            <a:endParaRPr lang="es-ES" dirty="0"/>
+          </a:p>
+        </p:txBody>
+      </p:sp>
+      <p:sp>
+        <p:nvSpPr>
+          <p:cNvPr id="3" name="2 Marcador de contenido"/>
+          <p:cNvSpPr>
+            <a:spLocks noGrp="1"/>
+          </p:cNvSpPr>
+          <p:nvPr>
+            <p:ph idx="1"/>
+          </p:nvPr>
+        </p:nvSpPr>
+        <p:spPr>
+          <a:xfrm>
+            <a:off x="457200" y="1268760"/>
+            <a:ext cx="8507288" cy="5472608"/>
+          </a:xfrm>
+        </p:spPr>
+        <p:txBody>
+          <a:bodyPr>
+            <a:normAutofit fontScale="62500" lnSpcReduction="20000"/>
+          </a:bodyPr>
+          <a:lstStyle/>
+          <a:p>
+            <a:r>
+              <a:rPr lang="es-ES" dirty="0" smtClean="0"/>
+              <a:t>Introducción</a:t>
+            </a:r>
+          </a:p>
+          <a:p>
+            <a:pPr lvl="1"/>
+            <a:r>
+              <a:rPr lang="es-ES" dirty="0" smtClean="0"/>
+              <a:t>Contexto</a:t>
+            </a:r>
+          </a:p>
+          <a:p>
+            <a:pPr lvl="1"/>
+            <a:r>
+              <a:rPr lang="es-ES" dirty="0" smtClean="0"/>
+              <a:t>Problemática</a:t>
+            </a:r>
+          </a:p>
+          <a:p>
+            <a:r>
+              <a:rPr lang="es-ES" dirty="0" smtClean="0"/>
+              <a:t>Atributos de calidad y aspectos tempranos</a:t>
+            </a:r>
+          </a:p>
+          <a:p>
+            <a:pPr lvl="1"/>
+            <a:r>
+              <a:rPr lang="es-ES" dirty="0" smtClean="0"/>
+              <a:t>Aspectos tempranos</a:t>
+            </a:r>
+          </a:p>
+          <a:p>
+            <a:pPr lvl="1"/>
+            <a:r>
+              <a:rPr lang="es-ES" dirty="0" smtClean="0"/>
+              <a:t>Relación entre QAs y EAs</a:t>
+            </a:r>
+          </a:p>
+          <a:p>
+            <a:r>
+              <a:rPr lang="es-ES" dirty="0" smtClean="0"/>
+              <a:t>Enfoque propuesto</a:t>
+            </a:r>
+          </a:p>
+          <a:p>
+            <a:pPr lvl="1"/>
+            <a:r>
+              <a:rPr lang="es-ES" dirty="0" smtClean="0"/>
+              <a:t>Propuesta</a:t>
+            </a:r>
+          </a:p>
+          <a:p>
+            <a:pPr lvl="1"/>
+            <a:r>
+              <a:rPr lang="es-ES" dirty="0" smtClean="0"/>
+              <a:t>Proceso</a:t>
+            </a:r>
+          </a:p>
+          <a:p>
+            <a:pPr lvl="1"/>
+            <a:r>
+              <a:rPr lang="es-ES" dirty="0" smtClean="0"/>
+              <a:t>QA Miner</a:t>
+            </a:r>
+          </a:p>
+          <a:p>
+            <a:r>
+              <a:rPr lang="es-ES" dirty="0" smtClean="0"/>
+              <a:t>Evaluación</a:t>
+            </a:r>
+          </a:p>
+          <a:p>
+            <a:pPr lvl="1"/>
+            <a:r>
+              <a:rPr lang="es-ES" dirty="0" smtClean="0"/>
+              <a:t>Métricas</a:t>
+            </a:r>
+          </a:p>
+          <a:p>
+            <a:pPr lvl="1"/>
+            <a:r>
+              <a:rPr lang="es-ES" dirty="0" smtClean="0"/>
+              <a:t>Caso de Estudio I</a:t>
+            </a:r>
+          </a:p>
+          <a:p>
+            <a:pPr lvl="1"/>
+            <a:r>
+              <a:rPr lang="es-ES" dirty="0" smtClean="0"/>
+              <a:t>Caso de Estudio II</a:t>
+            </a:r>
+          </a:p>
+          <a:p>
+            <a:r>
+              <a:rPr lang="es-ES" dirty="0" smtClean="0"/>
+              <a:t>Conclusiones</a:t>
+            </a:r>
+          </a:p>
+          <a:p>
+            <a:pPr lvl="1"/>
+            <a:r>
+              <a:rPr lang="es-ES" dirty="0" smtClean="0"/>
+              <a:t>Ventajas y desventajas</a:t>
+            </a:r>
+          </a:p>
+          <a:p>
+            <a:pPr lvl="1"/>
+            <a:r>
+              <a:rPr lang="es-ES" dirty="0" smtClean="0"/>
+              <a:t>Trabajos futuros</a:t>
+            </a:r>
+          </a:p>
+          <a:p>
+            <a:r>
+              <a:rPr lang="es-ES" dirty="0" smtClean="0"/>
+              <a:t>Preguntas</a:t>
+            </a:r>
+          </a:p>
+          <a:p>
+            <a:pPr lvl="1">
+              <a:buNone/>
+            </a:pPr>
+            <a:endParaRPr lang="es-ES" dirty="0" smtClean="0"/>
+          </a:p>
+          <a:p>
+            <a:pPr lvl="1">
+              <a:buNone/>
+            </a:pPr>
+            <a:endParaRPr lang="es-ES" dirty="0" smtClean="0"/>
+          </a:p>
+          <a:p>
+            <a:endParaRPr lang="es-ES" dirty="0" smtClean="0"/>
+          </a:p>
+          <a:p>
+            <a:endParaRPr lang="es-ES" dirty="0"/>
+          </a:p>
+        </p:txBody>
+      </p:sp>
+    </p:spTree>
+  </p:cSld>
+  <p:clrMapOvr>
+    <a:masterClrMapping/>
+  </p:clrMapOvr>
+  <p:timing>
+    <p:tnLst>
+      <p:par>
+        <p:cTn id="1" dur="indefinite" restart="never" nodeType="tmRoot">
+          <p:childTnLst>
+            <p:seq concurrent="1" nextAc="seek">
+              <p:cTn id="2" dur="indefinite" nodeType="mainSeq">
+                <p:childTnLst>
+                  <p:par>
+                    <p:cTn id="3" fill="hold">
+                      <p:stCondLst>
+                        <p:cond delay="indefinite"/>
+                      </p:stCondLst>
+                      <p:childTnLst>
+                        <p:par>
+                          <p:cTn id="4" fill="hold">
+                            <p:stCondLst>
+                              <p:cond delay="0"/>
+                            </p:stCondLst>
+                            <p:childTnLst>
+                              <p:par>
+                                <p:cTn id="5" presetID="4" presetClass="entr" presetSubtype="16" fill="hold" grpId="0" nodeType="clickEffect">
+                                  <p:stCondLst>
+                                    <p:cond delay="0"/>
+                                  </p:stCondLst>
+                                  <p:childTnLst>
+                                    <p:set>
+                                      <p:cBhvr>
+                                        <p:cTn id="6" dur="1" fill="hold">
+                                          <p:stCondLst>
+                                            <p:cond delay="0"/>
+                                          </p:stCondLst>
+                                        </p:cTn>
+                                        <p:tgtEl>
+                                          <p:spTgt spid="4"/>
+                                        </p:tgtEl>
+                                        <p:attrNameLst>
+                                          <p:attrName>style.visibility</p:attrName>
+                                        </p:attrNameLst>
+                                      </p:cBhvr>
+                                      <p:to>
+                                        <p:strVal val="visible"/>
+                                      </p:to>
+                                    </p:set>
+                                    <p:animEffect transition="in" filter="box(in)">
+                                      <p:cBhvr>
+                                        <p:cTn id="7" dur="500"/>
+                                        <p:tgtEl>
+                                          <p:spTgt spid="4"/>
+                                        </p:tgtEl>
+                                      </p:cBhvr>
+                                    </p:animEffect>
+                                  </p:childTnLst>
+                                </p:cTn>
+                              </p:par>
+                            </p:childTnLst>
+                          </p:cTn>
+                        </p:par>
+                      </p:childTnLst>
+                    </p:cTn>
+                  </p:par>
+                </p:childTnLst>
+              </p:cTn>
+              <p:prevCondLst>
+                <p:cond evt="onPrev" delay="0">
+                  <p:tgtEl>
+                    <p:sldTgt/>
+                  </p:tgtEl>
+                </p:cond>
+              </p:prevCondLst>
+              <p:nextCondLst>
+                <p:cond evt="onNext" delay="0">
+                  <p:tgtEl>
+                    <p:sldTgt/>
+                  </p:tgtEl>
+                </p:cond>
+              </p:nextCondLst>
+            </p:seq>
+          </p:childTnLst>
+        </p:cTn>
+      </p:par>
+    </p:tnLst>
+    <p:bldLst>
+      <p:bldP spid="4" grpId="0" animBg="1"/>
+    </p:bldLst>
+  </p:timing>
+</p:sld>
+</file>
+
+<file path=ppt/slides/slide6.xml><?xml version="1.0" encoding="utf-8"?>
+<p:sld xmlns:a="http://schemas.openxmlformats.org/drawingml/2006/main" xmlns:r="http://schemas.openxmlformats.org/officeDocument/2006/relationships" xmlns:p="http://schemas.openxmlformats.org/presentationml/2006/main">
+  <p:cSld>
+    <p:spTree>
+      <p:nvGrpSpPr>
+        <p:cNvPr id="1" name=""/>
+        <p:cNvGrpSpPr/>
+        <p:nvPr/>
+      </p:nvGrpSpPr>
+      <p:grpSpPr>
+        <a:xfrm>
+          <a:off x="0" y="0"/>
+          <a:ext cx="0" cy="0"/>
+          <a:chOff x="0" y="0"/>
+          <a:chExt cx="0" cy="0"/>
+        </a:xfrm>
+      </p:grpSpPr>
+      <p:sp>
+        <p:nvSpPr>
+          <p:cNvPr id="2" name="1 Título"/>
+          <p:cNvSpPr>
+            <a:spLocks noGrp="1"/>
+          </p:cNvSpPr>
+          <p:nvPr>
+            <p:ph type="title"/>
+          </p:nvPr>
+        </p:nvSpPr>
+        <p:spPr/>
+        <p:txBody>
+          <a:bodyPr>
+            <a:normAutofit/>
+          </a:bodyPr>
+          <a:lstStyle/>
+          <a:p>
+            <a:r>
+              <a:rPr lang="es-ES" dirty="0" smtClean="0"/>
+              <a:t>Aspectos tempranos</a:t>
+            </a:r>
+            <a:endParaRPr lang="es-ES" dirty="0"/>
+          </a:p>
+        </p:txBody>
+      </p:sp>
+      <p:sp>
+        <p:nvSpPr>
+          <p:cNvPr id="3" name="2 Marcador de contenido"/>
+          <p:cNvSpPr>
+            <a:spLocks noGrp="1"/>
+          </p:cNvSpPr>
+          <p:nvPr>
+            <p:ph idx="1"/>
+          </p:nvPr>
+        </p:nvSpPr>
+        <p:spPr/>
+        <p:txBody>
+          <a:bodyPr/>
+          <a:lstStyle/>
+          <a:p>
+            <a:r>
+              <a:rPr lang="es-ES" dirty="0" smtClean="0"/>
+              <a:t>Un concern es cualquier asunto de interés en un sistema de software</a:t>
+            </a:r>
+          </a:p>
+          <a:p>
+            <a:r>
+              <a:rPr lang="es-ES" i="1" dirty="0" smtClean="0"/>
+              <a:t>Los </a:t>
+            </a:r>
+            <a:r>
+              <a:rPr lang="es-AR" b="1" i="1" dirty="0" smtClean="0"/>
+              <a:t>Aspectos Tempranos</a:t>
+            </a:r>
+            <a:r>
+              <a:rPr lang="es-AR" dirty="0" smtClean="0"/>
+              <a:t> son concerns que se encuentran mezclados en los requerimientos y/o artefactos arquitectónicos del sistema</a:t>
+            </a:r>
+          </a:p>
+          <a:p>
+            <a:r>
+              <a:rPr lang="es-AR" dirty="0" smtClean="0"/>
+              <a:t>Los </a:t>
+            </a:r>
+            <a:r>
+              <a:rPr lang="es-AR" b="1" i="1" dirty="0" smtClean="0"/>
+              <a:t>Aspectos Tempranos</a:t>
+            </a:r>
+            <a:r>
+              <a:rPr lang="es-AR" dirty="0" smtClean="0"/>
+              <a:t> se refieren a aspectos que ocurren en etapas iníciales del desarrollo</a:t>
+            </a:r>
+          </a:p>
+        </p:txBody>
+      </p:sp>
+    </p:spTree>
+  </p:cSld>
+  <p:clrMapOvr>
+    <a:masterClrMapping/>
+  </p:clrMapOvr>
+  <p:timing>
+    <p:tnLst>
+      <p:par>
+        <p:cTn id="1" dur="indefinite" restart="never" nodeType="tmRoot"/>
+      </p:par>
+    </p:tnLst>
+  </p:timing>
+</p:sld>
+</file>
+
+<file path=ppt/slides/slide7.xml><?xml version="1.0" encoding="utf-8"?>
+<p:sld xmlns:a="http://schemas.openxmlformats.org/drawingml/2006/main" xmlns:r="http://schemas.openxmlformats.org/officeDocument/2006/relationships" xmlns:p="http://schemas.openxmlformats.org/presentationml/2006/main">
+  <p:cSld>
+    <p:spTree>
+      <p:nvGrpSpPr>
+        <p:cNvPr id="1" name=""/>
+        <p:cNvGrpSpPr/>
+        <p:nvPr/>
+      </p:nvGrpSpPr>
+      <p:grpSpPr>
+        <a:xfrm>
+          <a:off x="0" y="0"/>
+          <a:ext cx="0" cy="0"/>
+          <a:chOff x="0" y="0"/>
+          <a:chExt cx="0" cy="0"/>
+        </a:xfrm>
+      </p:grpSpPr>
+      <p:sp>
+        <p:nvSpPr>
+          <p:cNvPr id="2" name="1 Título"/>
+          <p:cNvSpPr>
+            <a:spLocks noGrp="1"/>
+          </p:cNvSpPr>
+          <p:nvPr>
+            <p:ph type="title"/>
+          </p:nvPr>
+        </p:nvSpPr>
+        <p:spPr/>
+        <p:txBody>
+          <a:bodyPr>
+            <a:normAutofit/>
+          </a:bodyPr>
+          <a:lstStyle/>
+          <a:p>
+            <a:r>
+              <a:rPr lang="es-ES" dirty="0" smtClean="0"/>
+              <a:t>Aspectos tempranos</a:t>
+            </a:r>
+            <a:endParaRPr lang="es-ES" dirty="0"/>
+          </a:p>
+        </p:txBody>
+      </p:sp>
+      <p:sp>
+        <p:nvSpPr>
+          <p:cNvPr id="4098" name="Rectangle 2"/>
+          <p:cNvSpPr>
+            <a:spLocks noChangeArrowheads="1"/>
+          </p:cNvSpPr>
+          <p:nvPr/>
+        </p:nvSpPr>
+        <p:spPr bwMode="auto">
+          <a:xfrm>
+            <a:off x="0" y="0"/>
+            <a:ext cx="9144000" cy="0"/>
+          </a:xfrm>
+          <a:prstGeom prst="rect">
+            <a:avLst/>
+          </a:prstGeom>
+          <a:noFill/>
+          <a:ln w="9525">
+            <a:noFill/>
+            <a:miter lim="800000"/>
+            <a:headEnd/>
+            <a:tailEnd/>
+          </a:ln>
+          <a:effectLst/>
+        </p:spPr>
+        <p:txBody>
+          <a:bodyPr vert="horz" wrap="none" lIns="91440" tIns="45720" rIns="91440" bIns="45720" numCol="1" anchor="ctr" anchorCtr="0" compatLnSpc="1">
+            <a:prstTxWarp prst="textNoShape">
+              <a:avLst/>
+            </a:prstTxWarp>
+            <a:spAutoFit/>
+          </a:bodyPr>
+          <a:lstStyle/>
+          <a:p>
+            <a:endParaRPr lang="es-AR"/>
+          </a:p>
+        </p:txBody>
+      </p:sp>
+      <p:graphicFrame>
+        <p:nvGraphicFramePr>
+          <p:cNvPr id="4097" name="Object 1"/>
+          <p:cNvGraphicFramePr>
+            <a:graphicFrameLocks noChangeAspect="1"/>
+          </p:cNvGraphicFramePr>
+          <p:nvPr/>
+        </p:nvGraphicFramePr>
+        <p:xfrm>
+          <a:off x="755576" y="1700808"/>
+          <a:ext cx="7560840" cy="4608512"/>
+        </p:xfrm>
+        <a:graphic>
+          <a:graphicData uri="http://schemas.openxmlformats.org/presentationml/2006/ole">
+            <p:oleObj spid="_x0000_s4097" name="Visio" r:id="rId3" imgW="7696786" imgH="6188026" progId="Visio.Drawing.11">
+              <p:embed/>
+            </p:oleObj>
+          </a:graphicData>
+        </a:graphic>
+      </p:graphicFrame>
+    </p:spTree>
+  </p:cSld>
+  <p:clrMapOvr>
+    <a:masterClrMapping/>
+  </p:clrMapOvr>
+  <p:timing>
+    <p:tnLst>
+      <p:par>
+        <p:cTn id="1" dur="indefinite" restart="never" nodeType="tmRoot"/>
+      </p:par>
+    </p:tnLst>
+  </p:timing>
+</p:sld>
+</file>
+
+<file path=ppt/slides/slide8.xml><?xml version="1.0" encoding="utf-8"?>
+<p:sld xmlns:a="http://schemas.openxmlformats.org/drawingml/2006/main" xmlns:r="http://schemas.openxmlformats.org/officeDocument/2006/relationships" xmlns:p="http://schemas.openxmlformats.org/presentationml/2006/main">
+  <p:cSld>
+    <p:spTree>
+      <p:nvGrpSpPr>
+        <p:cNvPr id="1" name=""/>
+        <p:cNvGrpSpPr/>
+        <p:nvPr/>
+      </p:nvGrpSpPr>
+      <p:grpSpPr>
+        <a:xfrm>
+          <a:off x="0" y="0"/>
+          <a:ext cx="0" cy="0"/>
+          <a:chOff x="0" y="0"/>
+          <a:chExt cx="0" cy="0"/>
+        </a:xfrm>
+      </p:grpSpPr>
+      <p:sp>
+        <p:nvSpPr>
+          <p:cNvPr id="2" name="1 Título"/>
+          <p:cNvSpPr>
+            <a:spLocks noGrp="1"/>
+          </p:cNvSpPr>
+          <p:nvPr>
+            <p:ph type="title"/>
+          </p:nvPr>
+        </p:nvSpPr>
+        <p:spPr/>
+        <p:txBody>
+          <a:bodyPr>
+            <a:normAutofit/>
+          </a:bodyPr>
+          <a:lstStyle/>
+          <a:p>
+            <a:r>
+              <a:rPr lang="es-ES" dirty="0" smtClean="0"/>
+              <a:t>Relación entre QAs y EAs</a:t>
+            </a:r>
+            <a:endParaRPr lang="es-ES" dirty="0"/>
+          </a:p>
+        </p:txBody>
+      </p:sp>
+      <p:sp>
+        <p:nvSpPr>
+          <p:cNvPr id="3" name="2 Marcador de contenido"/>
+          <p:cNvSpPr>
+            <a:spLocks noGrp="1"/>
+          </p:cNvSpPr>
+          <p:nvPr>
+            <p:ph idx="1"/>
+          </p:nvPr>
+        </p:nvSpPr>
+        <p:spPr/>
+        <p:txBody>
+          <a:bodyPr/>
+          <a:lstStyle/>
+          <a:p>
+            <a:r>
+              <a:rPr lang="es-ES" dirty="0" smtClean="0"/>
+              <a:t>Muchos atributos de calidad se relacionan con aspectos tempranos del sistema</a:t>
+            </a:r>
+          </a:p>
+          <a:p>
+            <a:r>
+              <a:rPr lang="es-ES" dirty="0" smtClean="0"/>
+              <a:t>Un aspecto temprano podría proporcionar pistas para el descubrimiento de </a:t>
+            </a:r>
+            <a:r>
+              <a:rPr lang="es-ES" dirty="0" err="1" smtClean="0"/>
+              <a:t>QAs</a:t>
+            </a:r>
+            <a:endParaRPr lang="es-ES" dirty="0" smtClean="0"/>
+          </a:p>
+          <a:p>
+            <a:r>
+              <a:rPr lang="es-ES" dirty="0" smtClean="0"/>
+              <a:t>Ejemplo: autentificación con seguridad ó interfaz de usuario con usabilidad</a:t>
+            </a:r>
+          </a:p>
+          <a:p>
+            <a:endParaRPr lang="es-ES" dirty="0"/>
+          </a:p>
+        </p:txBody>
+      </p:sp>
+      <p:pic>
+        <p:nvPicPr>
+          <p:cNvPr id="25601" name="Picture 1" descr="C:\Documents and Settings\Administrador\Configuración local\Archivos temporales de Internet\Content.IE5\ZTJ0KIAI\MC900078843[1].wmf"/>
+          <p:cNvPicPr>
+            <a:picLocks noChangeAspect="1" noChangeArrowheads="1"/>
+          </p:cNvPicPr>
+          <p:nvPr/>
+        </p:nvPicPr>
+        <p:blipFill>
+          <a:blip r:embed="rId2" cstate="print"/>
+          <a:srcRect/>
+          <a:stretch>
+            <a:fillRect/>
+          </a:stretch>
+        </p:blipFill>
+        <p:spPr bwMode="auto">
+          <a:xfrm>
+            <a:off x="6575425" y="4818063"/>
+            <a:ext cx="2371725" cy="1851025"/>
+          </a:xfrm>
+          <a:prstGeom prst="rect">
+            <a:avLst/>
+          </a:prstGeom>
+          <a:noFill/>
+        </p:spPr>
+      </p:pic>
+    </p:spTree>
+  </p:cSld>
+  <p:clrMapOvr>
+    <a:masterClrMapping/>
+  </p:clrMapOvr>
+  <p:timing>
+    <p:tnLst>
+      <p:par>
+        <p:cTn id="1" dur="indefinite" restart="never" nodeType="tmRoot"/>
+      </p:par>
+    </p:tnLst>
+  </p:timing>
+</p:sld>
+</file>
+
+<file path=ppt/slides/slide9.xml><?xml version="1.0" encoding="utf-8"?>
+<p:sld xmlns:a="http://schemas.openxmlformats.org/drawingml/2006/main" xmlns:r="http://schemas.openxmlformats.org/officeDocument/2006/relationships" xmlns:p="http://schemas.openxmlformats.org/presentationml/2006/main">
+  <p:cSld>
+    <p:spTree>
+      <p:nvGrpSpPr>
+        <p:cNvPr id="1" name=""/>
+        <p:cNvGrpSpPr/>
+        <p:nvPr/>
+      </p:nvGrpSpPr>
+      <p:grpSpPr>
+        <a:xfrm>
+          <a:off x="0" y="0"/>
+          <a:ext cx="0" cy="0"/>
+          <a:chOff x="0" y="0"/>
+          <a:chExt cx="0" cy="0"/>
+        </a:xfrm>
+      </p:grpSpPr>
+      <p:sp>
+        <p:nvSpPr>
+          <p:cNvPr id="4" name="3 Rectángulo"/>
+          <p:cNvSpPr/>
+          <p:nvPr/>
+        </p:nvSpPr>
+        <p:spPr>
+          <a:xfrm>
+            <a:off x="467544" y="2996952"/>
+            <a:ext cx="2520280" cy="1080120"/>
+          </a:xfrm>
+          <a:prstGeom prst="rect">
+            <a:avLst/>
+          </a:prstGeom>
+        </p:spPr>
+        <p:style>
+          <a:lnRef idx="1">
+            <a:schemeClr val="accent1"/>
+          </a:lnRef>
+          <a:fillRef idx="2">
+            <a:schemeClr val="accent1"/>
+          </a:fillRef>
+          <a:effectRef idx="1">
+            <a:schemeClr val="accent1"/>
+          </a:effectRef>
+          <a:fontRef idx="minor">
+            <a:schemeClr val="dk1"/>
+          </a:fontRef>
+        </p:style>
+        <p:txBody>
+          <a:bodyPr rtlCol="0" anchor="ctr"/>
+          <a:lstStyle/>
+          <a:p>
+            <a:pPr algn="ctr"/>
+            <a:endParaRPr lang="es-ES_tradnl" dirty="0">
+              <a:noFill/>
+            </a:endParaRPr>
+          </a:p>
+        </p:txBody>
+      </p:sp>
+      <p:sp>
+        <p:nvSpPr>
+          <p:cNvPr id="3" name="2 Marcador de contenido"/>
+          <p:cNvSpPr>
+            <a:spLocks noGrp="1"/>
+          </p:cNvSpPr>
+          <p:nvPr>
+            <p:ph idx="1"/>
+          </p:nvPr>
+        </p:nvSpPr>
+        <p:spPr>
+          <a:xfrm>
+            <a:off x="457200" y="1268760"/>
+            <a:ext cx="8507288" cy="5472608"/>
+          </a:xfrm>
+        </p:spPr>
+        <p:txBody>
+          <a:bodyPr>
+            <a:normAutofit fontScale="62500" lnSpcReduction="20000"/>
+          </a:bodyPr>
+          <a:lstStyle/>
+          <a:p>
+            <a:r>
+              <a:rPr lang="es-ES" dirty="0" smtClean="0"/>
+              <a:t>Introducción</a:t>
+            </a:r>
+          </a:p>
+          <a:p>
+            <a:pPr lvl="1"/>
+            <a:r>
+              <a:rPr lang="es-ES" dirty="0" smtClean="0"/>
+              <a:t>Contexto</a:t>
+            </a:r>
+          </a:p>
+          <a:p>
+            <a:pPr lvl="1"/>
+            <a:r>
+              <a:rPr lang="es-ES" dirty="0" smtClean="0"/>
+              <a:t>Problemática</a:t>
+            </a:r>
+          </a:p>
+          <a:p>
+            <a:r>
+              <a:rPr lang="es-ES" dirty="0" smtClean="0"/>
+              <a:t>Atributos de calidad y aspectos tempranos</a:t>
+            </a:r>
+          </a:p>
+          <a:p>
+            <a:pPr lvl="1"/>
+            <a:r>
+              <a:rPr lang="es-ES" dirty="0" smtClean="0"/>
+              <a:t>Aspectos tempranos</a:t>
+            </a:r>
+          </a:p>
+          <a:p>
+            <a:pPr lvl="1"/>
+            <a:r>
+              <a:rPr lang="es-ES" dirty="0" smtClean="0"/>
+              <a:t>Relación entre QAs y EAs</a:t>
+            </a:r>
+          </a:p>
+          <a:p>
+            <a:r>
+              <a:rPr lang="es-ES" dirty="0" smtClean="0"/>
+              <a:t>Enfoque propuesto</a:t>
+            </a:r>
+          </a:p>
+          <a:p>
+            <a:pPr lvl="1"/>
+            <a:r>
+              <a:rPr lang="es-ES" dirty="0" smtClean="0"/>
+              <a:t>Propuesta</a:t>
+            </a:r>
+          </a:p>
+          <a:p>
+            <a:pPr lvl="1"/>
+            <a:r>
+              <a:rPr lang="es-ES" dirty="0" smtClean="0"/>
+              <a:t>Proceso</a:t>
+            </a:r>
+          </a:p>
+          <a:p>
+            <a:pPr lvl="1"/>
+            <a:r>
+              <a:rPr lang="es-ES" dirty="0" smtClean="0"/>
+              <a:t>QA Miner</a:t>
+            </a:r>
+          </a:p>
+          <a:p>
+            <a:r>
+              <a:rPr lang="es-ES" dirty="0" smtClean="0"/>
+              <a:t>Evaluación</a:t>
+            </a:r>
+          </a:p>
+          <a:p>
+            <a:pPr lvl="1"/>
+            <a:r>
+              <a:rPr lang="es-ES" dirty="0" smtClean="0"/>
+              <a:t>Métricas</a:t>
+            </a:r>
+          </a:p>
+          <a:p>
+            <a:pPr lvl="1"/>
+            <a:r>
+              <a:rPr lang="es-ES" dirty="0" smtClean="0"/>
+              <a:t>Caso de Estudio I</a:t>
+            </a:r>
+          </a:p>
+          <a:p>
+            <a:pPr lvl="1"/>
+            <a:r>
+              <a:rPr lang="es-ES" dirty="0" smtClean="0"/>
+              <a:t>Caso de Estudio II</a:t>
+            </a:r>
+          </a:p>
+          <a:p>
+            <a:r>
+              <a:rPr lang="es-ES" dirty="0" smtClean="0"/>
+              <a:t>Conclusiones</a:t>
+            </a:r>
+          </a:p>
+          <a:p>
+            <a:pPr lvl="1"/>
+            <a:r>
+              <a:rPr lang="es-ES" dirty="0" smtClean="0"/>
+              <a:t>Ventajas y desventajas</a:t>
+            </a:r>
+          </a:p>
+          <a:p>
+            <a:pPr lvl="1"/>
+            <a:r>
+              <a:rPr lang="es-ES" dirty="0" smtClean="0"/>
+              <a:t>Trabajos futuros</a:t>
+            </a:r>
+          </a:p>
+          <a:p>
+            <a:r>
+              <a:rPr lang="es-ES" dirty="0" smtClean="0"/>
+              <a:t>Preguntas</a:t>
+            </a:r>
+          </a:p>
+          <a:p>
+            <a:pPr lvl="1">
+              <a:buNone/>
+            </a:pPr>
+            <a:endParaRPr lang="es-ES" dirty="0" smtClean="0"/>
+          </a:p>
+          <a:p>
+            <a:pPr lvl="1">
+              <a:buNone/>
+            </a:pPr>
+            <a:endParaRPr lang="es-ES" dirty="0" smtClean="0"/>
+          </a:p>
+          <a:p>
+            <a:endParaRPr lang="es-ES" dirty="0" smtClean="0"/>
+          </a:p>
+          <a:p>
+            <a:endParaRPr lang="es-ES" dirty="0"/>
+          </a:p>
+        </p:txBody>
+      </p:sp>
+      <p:sp>
+        <p:nvSpPr>
+          <p:cNvPr id="2" name="1 Título"/>
+          <p:cNvSpPr>
+            <a:spLocks noGrp="1"/>
+          </p:cNvSpPr>
+          <p:nvPr>
+            <p:ph type="title"/>
+          </p:nvPr>
+        </p:nvSpPr>
+        <p:spPr/>
+        <p:txBody>
+          <a:bodyPr/>
+          <a:lstStyle/>
+          <a:p>
+            <a:r>
+              <a:rPr lang="es-ES" dirty="0" smtClean="0"/>
+              <a:t>Agenda</a:t>
+            </a:r>
+            <a:endParaRPr lang="es-ES" dirty="0"/>
+          </a:p>
+        </p:txBody>
+      </p:sp>
+    </p:spTree>
+  </p:cSld>
+  <p:clrMapOvr>
+    <a:masterClrMapping/>
+  </p:clrMapOvr>
+  <p:timing>
+    <p:tnLst>
+      <p:par>
+        <p:cTn id="1" dur="indefinite" restart="never" nodeType="tmRoot">
+          <p:childTnLst>
+            <p:seq concurrent="1" nextAc="seek">
+              <p:cTn id="2" dur="indefinite" nodeType="mainSeq">
+                <p:childTnLst>
+                  <p:par>
+                    <p:cTn id="3" fill="hold">
+                      <p:stCondLst>
+                        <p:cond delay="indefinite"/>
+                      </p:stCondLst>
+                      <p:childTnLst>
+                        <p:par>
+                          <p:cTn id="4" fill="hold">
+                            <p:stCondLst>
+                              <p:cond delay="0"/>
+                            </p:stCondLst>
+                            <p:childTnLst>
+                              <p:par>
+                                <p:cTn id="5" presetID="4" presetClass="entr" presetSubtype="16" fill="hold" grpId="0" nodeType="clickEffect">
+                                  <p:stCondLst>
+                                    <p:cond delay="0"/>
+                                  </p:stCondLst>
+                                  <p:childTnLst>
+                                    <p:set>
+                                      <p:cBhvr>
+                                        <p:cTn id="6" dur="1" fill="hold">
+                                          <p:stCondLst>
+                                            <p:cond delay="0"/>
+                                          </p:stCondLst>
+                                        </p:cTn>
+                                        <p:tgtEl>
+                                          <p:spTgt spid="4"/>
+                                        </p:tgtEl>
+                                        <p:attrNameLst>
+                                          <p:attrName>style.visibility</p:attrName>
+                                        </p:attrNameLst>
+                                      </p:cBhvr>
+                                      <p:to>
+                                        <p:strVal val="visible"/>
+                                      </p:to>
+                                    </p:set>
+                                    <p:animEffect transition="in" filter="box(in)">
+                                      <p:cBhvr>
+                                        <p:cTn id="7" dur="500"/>
+                                        <p:tgtEl>
+                                          <p:spTgt spid="4"/>
+                                        </p:tgtEl>
+                                      </p:cBhvr>
+                                    </p:animEffect>
+                                  </p:childTnLst>
+                                </p:cTn>
+                              </p:par>
+                            </p:childTnLst>
+                          </p:cTn>
+                        </p:par>
+                      </p:childTnLst>
+                    </p:cTn>
+                  </p:par>
+                </p:childTnLst>
+              </p:cTn>
+              <p:prevCondLst>
+                <p:cond evt="onPrev" delay="0">
+                  <p:tgtEl>
+                    <p:sldTgt/>
+                  </p:tgtEl>
+                </p:cond>
+              </p:prevCondLst>
+              <p:nextCondLst>
+                <p:cond evt="onNext" delay="0">
+                  <p:tgtEl>
+                    <p:sldTgt/>
+                  </p:tgtEl>
+                </p:cond>
+              </p:nextCondLst>
+            </p:seq>
+          </p:childTnLst>
+        </p:cTn>
+      </p:par>
+    </p:tnLst>
+    <p:bldLst>
+      <p:bldP spid="4" grpId="0" animBg="1"/>
     </p:bldLst>
   </p:timing>
 </p:sld>

--- a/Capitulos Finales/filiminasPeladas.pptx
+++ b/Capitulos Finales/filiminasPeladas.pptx
@@ -4513,34 +4513,26 @@
             <a:pPr lvl="1"/>
             <a:r>
               <a:rPr lang="es-ES" dirty="0" smtClean="0"/>
-              <a:t>QA </a:t>
-            </a:r>
-            <a:r>
-              <a:rPr lang="es-ES" dirty="0" smtClean="0"/>
-              <a:t>Miner</a:t>
-            </a:r>
-            <a:endParaRPr lang="es-ES" dirty="0" smtClean="0"/>
+              <a:t>QA Miner</a:t>
+            </a:r>
           </a:p>
           <a:p>
             <a:r>
               <a:rPr lang="es-ES" dirty="0" smtClean="0"/>
               <a:t>Evaluación</a:t>
             </a:r>
-            <a:endParaRPr lang="es-ES" dirty="0" smtClean="0"/>
           </a:p>
           <a:p>
             <a:r>
               <a:rPr lang="es-ES" dirty="0" smtClean="0"/>
               <a:t>Conclusiones</a:t>
             </a:r>
-            <a:endParaRPr lang="es-ES" dirty="0" smtClean="0"/>
           </a:p>
           <a:p>
             <a:r>
               <a:rPr lang="es-ES" dirty="0" smtClean="0"/>
               <a:t>Preguntas</a:t>
             </a:r>
-            <a:endParaRPr lang="es-ES" dirty="0" smtClean="0"/>
           </a:p>
           <a:p>
             <a:pPr lvl="1">
@@ -4777,15 +4769,7 @@
           <a:p>
             <a:r>
               <a:rPr lang="es-ES_tradnl" dirty="0" smtClean="0"/>
-              <a:t>Desarrollo de una herramienta para soportar la técnica y </a:t>
-            </a:r>
-            <a:r>
-              <a:rPr lang="es-ES_tradnl" dirty="0" smtClean="0"/>
-              <a:t>asistir </a:t>
-            </a:r>
-            <a:r>
-              <a:rPr lang="es-ES_tradnl" dirty="0" smtClean="0"/>
-              <a:t>al analista: QA Miner</a:t>
+              <a:t>Desarrollo de una herramienta para soportar la técnica y asistir al analista: QA Miner</a:t>
             </a:r>
           </a:p>
           <a:p>
@@ -4978,7 +4962,7 @@
         </p:xfrm>
         <a:graphic>
           <a:graphicData uri="http://schemas.openxmlformats.org/presentationml/2006/ole">
-            <p:oleObj spid="_x0000_s1026" name="Visio" r:id="rId3" imgW="6961529" imgH="5247359" progId="Visio.Drawing.11">
+            <p:oleObj spid="_x0000_s1026" name="Visio" r:id="rId3" imgW="6961529" imgH="5247359" progId="">
               <p:embed/>
             </p:oleObj>
           </a:graphicData>
@@ -5368,21 +5352,8 @@
           <a:p>
             <a:r>
               <a:rPr lang="es-ES" dirty="0" smtClean="0"/>
-              <a:t>Proporciona al analista </a:t>
-            </a:r>
-            <a:r>
-              <a:rPr lang="es-ES" dirty="0" smtClean="0"/>
-              <a:t>un ranking </a:t>
-            </a:r>
-            <a:r>
-              <a:rPr lang="es-ES" dirty="0" smtClean="0"/>
-              <a:t>de atributos de calidad por cada conjunto de </a:t>
-            </a:r>
-            <a:r>
-              <a:rPr lang="es-ES" dirty="0" smtClean="0"/>
-              <a:t>entrada &lt;aspecto, casos de uso&gt;</a:t>
-            </a:r>
-            <a:endParaRPr lang="es-ES" dirty="0" smtClean="0"/>
+              <a:t>Proporciona al analista un ranking de atributos de calidad por cada conjunto de entrada &lt;aspecto, casos de uso&gt;</a:t>
+            </a:r>
           </a:p>
           <a:p>
             <a:endParaRPr lang="es-ES" dirty="0" smtClean="0"/>
@@ -5558,27 +5529,20 @@
             <a:pPr lvl="1"/>
             <a:r>
               <a:rPr lang="es-ES" dirty="0" smtClean="0"/>
-              <a:t>Caso de Estudio </a:t>
-            </a:r>
-            <a:r>
-              <a:rPr lang="es-ES" dirty="0" smtClean="0"/>
-              <a:t>II</a:t>
-            </a:r>
-            <a:endParaRPr lang="es-ES" dirty="0" smtClean="0"/>
+              <a:t>Caso de Estudio II</a:t>
+            </a:r>
           </a:p>
           <a:p>
             <a:r>
               <a:rPr lang="es-ES" dirty="0" smtClean="0"/>
               <a:t>Conclusiones</a:t>
             </a:r>
-            <a:endParaRPr lang="es-ES" dirty="0" smtClean="0"/>
           </a:p>
           <a:p>
             <a:r>
               <a:rPr lang="es-ES" dirty="0" smtClean="0"/>
               <a:t>Preguntas</a:t>
             </a:r>
-            <a:endParaRPr lang="es-ES" dirty="0" smtClean="0"/>
           </a:p>
           <a:p>
             <a:pPr lvl="1">
@@ -6225,19 +6189,7 @@
           <a:p>
             <a:r>
               <a:rPr lang="es-ES" dirty="0" smtClean="0"/>
-              <a:t>QAs detectados a </a:t>
-            </a:r>
-            <a:r>
-              <a:rPr lang="es-ES" dirty="0" smtClean="0"/>
-              <a:t>través del análisis de </a:t>
-            </a:r>
-            <a:r>
-              <a:rPr lang="es-ES" dirty="0" smtClean="0"/>
-              <a:t>la arquitectura </a:t>
-            </a:r>
-            <a:r>
-              <a:rPr lang="es-ES" dirty="0" smtClean="0"/>
-              <a:t>del sistema: usability, availability, performance, scalability, security, persistence</a:t>
+              <a:t>QAs detectados a través del análisis de la arquitectura del sistema: usability, availability, performance, scalability, security, persistence</a:t>
             </a:r>
           </a:p>
           <a:p>
@@ -7437,11 +7389,7 @@
           <a:p>
             <a:r>
               <a:rPr lang="es-ES" dirty="0" smtClean="0"/>
-              <a:t>QAs obtenidos </a:t>
-            </a:r>
-            <a:r>
-              <a:rPr lang="es-ES" dirty="0" smtClean="0"/>
-              <a:t>del análisis manual (ad-hoc) de las especificaciones de requerimientos</a:t>
+              <a:t>QAs obtenidos del análisis manual (ad-hoc) de las especificaciones de requerimientos</a:t>
             </a:r>
           </a:p>
           <a:p>
@@ -8678,11 +8626,7 @@
           <a:p>
             <a:r>
               <a:rPr lang="es-ES" dirty="0" smtClean="0"/>
-              <a:t>Enfoque </a:t>
-            </a:r>
-            <a:r>
-              <a:rPr lang="es-ES" dirty="0" smtClean="0"/>
-              <a:t>propuesto</a:t>
+              <a:t>Enfoque propuesto</a:t>
             </a:r>
           </a:p>
           <a:p>
@@ -8690,21 +8634,18 @@
               <a:rPr lang="es-ES" dirty="0" smtClean="0"/>
               <a:t>Evaluación</a:t>
             </a:r>
-            <a:endParaRPr lang="es-ES" dirty="0" smtClean="0"/>
           </a:p>
           <a:p>
             <a:r>
               <a:rPr lang="es-ES" dirty="0" smtClean="0"/>
               <a:t>Conclusiones</a:t>
             </a:r>
-            <a:endParaRPr lang="es-ES" dirty="0" smtClean="0"/>
           </a:p>
           <a:p>
             <a:r>
               <a:rPr lang="es-ES" dirty="0" smtClean="0"/>
               <a:t>Preguntas</a:t>
             </a:r>
-            <a:endParaRPr lang="es-ES" dirty="0" smtClean="0"/>
           </a:p>
           <a:p>
             <a:pPr lvl="1">
@@ -8910,20 +8851,14 @@
             <a:pPr lvl="1"/>
             <a:r>
               <a:rPr lang="es-ES" dirty="0" smtClean="0"/>
-              <a:t>Trabajos </a:t>
-            </a:r>
-            <a:r>
-              <a:rPr lang="es-ES" dirty="0" smtClean="0"/>
-              <a:t>futuros</a:t>
-            </a:r>
-            <a:endParaRPr lang="es-ES" dirty="0" smtClean="0"/>
+              <a:t>Trabajos futuros</a:t>
+            </a:r>
           </a:p>
           <a:p>
             <a:r>
               <a:rPr lang="es-ES" dirty="0" smtClean="0"/>
               <a:t>Preguntas</a:t>
             </a:r>
-            <a:endParaRPr lang="es-ES" dirty="0" smtClean="0"/>
           </a:p>
           <a:p>
             <a:endParaRPr lang="es-ES" dirty="0"/>
@@ -9473,7 +9408,6 @@
               <a:rPr lang="es-ES" dirty="0" smtClean="0"/>
               <a:t>Preguntas</a:t>
             </a:r>
-            <a:endParaRPr lang="es-ES" dirty="0" smtClean="0"/>
           </a:p>
           <a:p>
             <a:endParaRPr lang="es-ES" dirty="0"/>
@@ -9576,6 +9510,7 @@
           <a:bodyPr/>
           <a:lstStyle/>
           <a:p>
+            <a:pPr algn="ctr"/>
             <a:r>
               <a:rPr lang="es-ES" dirty="0" smtClean="0"/>
               <a:t>Preguntas</a:t>
@@ -9586,29 +9521,25 @@
       </p:sp>
       <p:pic>
         <p:nvPicPr>
-          <p:cNvPr id="4" name="Picture 2" descr="C:\Documents and Settings\Administrador\Configuración local\Archivos temporales de Internet\Content.IE5\ZTJ0KIAI\MC900078711[1].wmf"/>
+          <p:cNvPr id="14" name="13 Marcador de contenido" descr="preguntas (1).jpg"/>
           <p:cNvPicPr>
-            <a:picLocks noGrp="1" noChangeAspect="1" noChangeArrowheads="1"/>
+            <a:picLocks noGrp="1" noChangeAspect="1"/>
           </p:cNvPicPr>
           <p:nvPr>
             <p:ph sz="quarter" idx="1"/>
           </p:nvPr>
         </p:nvPicPr>
         <p:blipFill>
-          <a:blip r:embed="rId2" cstate="print"/>
+          <a:blip r:embed="rId2"/>
           <a:stretch>
             <a:fillRect/>
           </a:stretch>
         </p:blipFill>
-        <p:spPr bwMode="auto">
+        <p:spPr>
           <a:xfrm>
-            <a:off x="3760967" y="1720610"/>
-            <a:ext cx="1622066" cy="3934305"/>
+            <a:off x="1079500" y="1782762"/>
+            <a:ext cx="6985000" cy="3810000"/>
           </a:xfrm>
-          <a:prstGeom prst="rect">
-            <a:avLst/>
-          </a:prstGeom>
-          <a:noFill/>
         </p:spPr>
       </p:pic>
     </p:spTree>
@@ -9776,7 +9707,6 @@
               <a:rPr lang="es-ES" dirty="0" smtClean="0"/>
               <a:t>Problemática</a:t>
             </a:r>
-            <a:endParaRPr lang="es-ES" dirty="0" smtClean="0"/>
           </a:p>
           <a:p>
             <a:r>
@@ -9787,11 +9717,7 @@
           <a:p>
             <a:r>
               <a:rPr lang="es-ES" dirty="0" smtClean="0"/>
-              <a:t>Enfoque </a:t>
-            </a:r>
-            <a:r>
-              <a:rPr lang="es-ES" dirty="0" smtClean="0"/>
-              <a:t>propuesto</a:t>
+              <a:t>Enfoque propuesto</a:t>
             </a:r>
           </a:p>
           <a:p>
@@ -9799,21 +9725,18 @@
               <a:rPr lang="es-ES" dirty="0" smtClean="0"/>
               <a:t>Evaluación</a:t>
             </a:r>
-            <a:endParaRPr lang="es-ES" dirty="0" smtClean="0"/>
           </a:p>
           <a:p>
             <a:r>
               <a:rPr lang="es-ES" dirty="0" smtClean="0"/>
               <a:t>Conclusiones</a:t>
             </a:r>
-            <a:endParaRPr lang="es-ES" dirty="0" smtClean="0"/>
           </a:p>
           <a:p>
             <a:r>
               <a:rPr lang="es-ES" dirty="0" smtClean="0"/>
               <a:t>Preguntas</a:t>
             </a:r>
-            <a:endParaRPr lang="es-ES" dirty="0" smtClean="0"/>
           </a:p>
           <a:p>
             <a:pPr lvl="1">
@@ -10051,15 +9974,7 @@
           <a:p>
             <a:r>
               <a:rPr lang="es-ES" dirty="0" smtClean="0"/>
-              <a:t>Necesidad de identificar los QAs de un sistema en </a:t>
-            </a:r>
-            <a:r>
-              <a:rPr lang="es-ES" dirty="0" smtClean="0"/>
-              <a:t>etapas </a:t>
-            </a:r>
-            <a:r>
-              <a:rPr lang="es-ES" dirty="0" smtClean="0"/>
-              <a:t>tempranas de desarrollo</a:t>
+              <a:t>Necesidad de identificar los QAs de un sistema en etapas tempranas de desarrollo</a:t>
             </a:r>
           </a:p>
           <a:p>
@@ -10173,7 +10088,6 @@
               <a:rPr lang="es-ES" dirty="0" smtClean="0"/>
               <a:t>Identificar QAs en requerimientos puede llegar a ser una tarea muy dificultosa:</a:t>
             </a:r>
-            <a:endParaRPr lang="es-ES" dirty="0" smtClean="0"/>
           </a:p>
           <a:p>
             <a:pPr lvl="1"/>
@@ -10337,22 +10251,13 @@
             <a:pPr lvl="1"/>
             <a:r>
               <a:rPr lang="es-ES" dirty="0" smtClean="0"/>
-              <a:t>Relación entre QAs y </a:t>
-            </a:r>
-            <a:r>
-              <a:rPr lang="es-ES" dirty="0" smtClean="0"/>
-              <a:t>EAs</a:t>
-            </a:r>
-            <a:endParaRPr lang="es-ES" dirty="0" smtClean="0"/>
-          </a:p>
-          <a:p>
-            <a:r>
-              <a:rPr lang="es-ES" dirty="0" smtClean="0"/>
-              <a:t>Enfoque </a:t>
-            </a:r>
-            <a:r>
-              <a:rPr lang="es-ES" dirty="0" smtClean="0"/>
-              <a:t>propuesto</a:t>
+              <a:t>Relación entre QAs y EAs</a:t>
+            </a:r>
+          </a:p>
+          <a:p>
+            <a:r>
+              <a:rPr lang="es-ES" dirty="0" smtClean="0"/>
+              <a:t>Enfoque propuesto</a:t>
             </a:r>
           </a:p>
           <a:p>
@@ -10360,21 +10265,18 @@
               <a:rPr lang="es-ES" dirty="0" smtClean="0"/>
               <a:t>Evaluación</a:t>
             </a:r>
-            <a:endParaRPr lang="es-ES" dirty="0" smtClean="0"/>
           </a:p>
           <a:p>
             <a:r>
               <a:rPr lang="es-ES" dirty="0" smtClean="0"/>
               <a:t>Conclusiones</a:t>
             </a:r>
-            <a:endParaRPr lang="es-ES" dirty="0" smtClean="0"/>
           </a:p>
           <a:p>
             <a:r>
               <a:rPr lang="es-ES" dirty="0" smtClean="0"/>
               <a:t>Preguntas</a:t>
             </a:r>
-            <a:endParaRPr lang="es-ES" dirty="0" smtClean="0"/>
           </a:p>
           <a:p>
             <a:pPr lvl="1">
@@ -10578,15 +10480,7 @@
           <a:p>
             <a:r>
               <a:rPr lang="es-ES" dirty="0" smtClean="0"/>
-              <a:t>Aspectos </a:t>
-            </a:r>
-            <a:r>
-              <a:rPr lang="es-ES" dirty="0" smtClean="0"/>
-              <a:t>t</a:t>
-            </a:r>
-            <a:r>
-              <a:rPr lang="es-ES" dirty="0" smtClean="0"/>
-              <a:t>empranos</a:t>
+              <a:t>Aspectos tempranos</a:t>
             </a:r>
             <a:endParaRPr lang="es-ES" dirty="0"/>
           </a:p>
@@ -10628,33 +10522,13 @@
             </a:r>
             <a:r>
               <a:rPr lang="es-AR" dirty="0" smtClean="0"/>
-              <a:t> </a:t>
-            </a:r>
+              <a:t> (Early Aspects, EA) son concerns que se encuentran mezclados en los requerimientos y/o artefactos arquitectónicos del sistema</a:t>
+            </a:r>
+          </a:p>
+          <a:p>
             <a:r>
               <a:rPr lang="es-AR" dirty="0" smtClean="0"/>
-              <a:t>(Early Aspects, EA) son </a:t>
-            </a:r>
-            <a:r>
-              <a:rPr lang="es-AR" dirty="0" smtClean="0"/>
-              <a:t>concerns que se encuentran mezclados en los requerimientos y/o artefactos arquitectónicos del sistema</a:t>
-            </a:r>
-          </a:p>
-          <a:p>
-            <a:r>
-              <a:rPr lang="es-AR" dirty="0" smtClean="0"/>
-              <a:t>Ocurren en </a:t>
-            </a:r>
-            <a:r>
-              <a:rPr lang="es-AR" dirty="0" smtClean="0"/>
-              <a:t>etapas </a:t>
-            </a:r>
-            <a:r>
-              <a:rPr lang="es-AR" dirty="0" smtClean="0"/>
-              <a:t>iniciales del </a:t>
-            </a:r>
-            <a:r>
-              <a:rPr lang="es-AR" dirty="0" smtClean="0"/>
-              <a:t>desarrollo</a:t>
+              <a:t>Ocurren en etapas iniciales del desarrollo</a:t>
             </a:r>
           </a:p>
         </p:txBody>
@@ -10892,11 +10766,7 @@
           <a:p>
             <a:r>
               <a:rPr lang="es-ES" dirty="0" smtClean="0"/>
-              <a:t>Varios </a:t>
-            </a:r>
-            <a:r>
-              <a:rPr lang="es-ES" dirty="0" smtClean="0"/>
-              <a:t>atributos de calidad se relacionan con aspectos tempranos del sistema</a:t>
+              <a:t>Varios atributos de calidad se relacionan con aspectos tempranos del sistema</a:t>
             </a:r>
           </a:p>
           <a:p>
@@ -10915,26 +10785,14 @@
             <a:pPr lvl="1"/>
             <a:r>
               <a:rPr lang="es-ES" dirty="0" smtClean="0"/>
-              <a:t>A</a:t>
-            </a:r>
-            <a:r>
-              <a:rPr lang="es-ES" dirty="0" smtClean="0"/>
-              <a:t>utentificación =&gt; seguridad</a:t>
+              <a:t>Autentificación =&gt; seguridad</a:t>
             </a:r>
           </a:p>
           <a:p>
             <a:pPr lvl="1"/>
             <a:r>
               <a:rPr lang="es-ES" dirty="0" smtClean="0"/>
-              <a:t>I</a:t>
-            </a:r>
-            <a:r>
-              <a:rPr lang="es-ES" dirty="0" smtClean="0"/>
-              <a:t>nterfaz </a:t>
-            </a:r>
-            <a:r>
-              <a:rPr lang="es-ES" dirty="0" smtClean="0"/>
-              <a:t>de usuario </a:t>
+              <a:t>Interfaz de usuario </a:t>
             </a:r>
             <a:r>
               <a:rPr lang="es-ES_tradnl" dirty="0" smtClean="0"/>
@@ -10942,11 +10800,7 @@
             </a:r>
             <a:r>
               <a:rPr lang="es-ES" dirty="0" smtClean="0"/>
-              <a:t> </a:t>
-            </a:r>
-            <a:r>
-              <a:rPr lang="es-ES" dirty="0" smtClean="0"/>
-              <a:t>usabilidad</a:t>
+              <a:t> usabilidad</a:t>
             </a:r>
           </a:p>
           <a:p>

--- a/Capitulos Finales/filiminasPeladas.pptx
+++ b/Capitulos Finales/filiminasPeladas.pptx
@@ -223,7 +223,7 @@
             <a:fld id="{42D63BFC-F4BA-48C9-8576-4CE39202FED6}" type="datetimeFigureOut">
               <a:rPr lang="es-ES" smtClean="0"/>
               <a:pPr/>
-              <a:t>10/11/2010</a:t>
+              <a:t>11/11/2010</a:t>
             </a:fld>
             <a:endParaRPr lang="es-ES" dirty="0"/>
           </a:p>
@@ -715,7 +715,7 @@
             <a:fld id="{F7222BF2-5C0F-41D6-AF26-3ACA31A5334A}" type="datetimeFigureOut">
               <a:rPr lang="es-ES" smtClean="0"/>
               <a:pPr/>
-              <a:t>10/11/2010</a:t>
+              <a:t>11/11/2010</a:t>
             </a:fld>
             <a:endParaRPr lang="es-ES" dirty="0"/>
           </a:p>
@@ -1076,7 +1076,7 @@
             <a:fld id="{F7222BF2-5C0F-41D6-AF26-3ACA31A5334A}" type="datetimeFigureOut">
               <a:rPr lang="es-ES" smtClean="0"/>
               <a:pPr/>
-              <a:t>10/11/2010</a:t>
+              <a:t>11/11/2010</a:t>
             </a:fld>
             <a:endParaRPr lang="es-ES" dirty="0"/>
           </a:p>
@@ -1253,7 +1253,7 @@
             <a:fld id="{F7222BF2-5C0F-41D6-AF26-3ACA31A5334A}" type="datetimeFigureOut">
               <a:rPr lang="es-ES" smtClean="0"/>
               <a:pPr/>
-              <a:t>10/11/2010</a:t>
+              <a:t>11/11/2010</a:t>
             </a:fld>
             <a:endParaRPr lang="es-ES" dirty="0"/>
           </a:p>
@@ -1490,7 +1490,7 @@
             <a:fld id="{F7222BF2-5C0F-41D6-AF26-3ACA31A5334A}" type="datetimeFigureOut">
               <a:rPr lang="es-ES" smtClean="0"/>
               <a:pPr/>
-              <a:t>10/11/2010</a:t>
+              <a:t>11/11/2010</a:t>
             </a:fld>
             <a:endParaRPr lang="es-ES" dirty="0"/>
           </a:p>
@@ -1761,7 +1761,7 @@
             <a:fld id="{F7222BF2-5C0F-41D6-AF26-3ACA31A5334A}" type="datetimeFigureOut">
               <a:rPr lang="es-ES" smtClean="0"/>
               <a:pPr/>
-              <a:t>10/11/2010</a:t>
+              <a:t>11/11/2010</a:t>
             </a:fld>
             <a:endParaRPr lang="es-ES" dirty="0"/>
           </a:p>
@@ -1983,7 +1983,7 @@
             <a:fld id="{F7222BF2-5C0F-41D6-AF26-3ACA31A5334A}" type="datetimeFigureOut">
               <a:rPr lang="es-ES" smtClean="0"/>
               <a:pPr/>
-              <a:t>10/11/2010</a:t>
+              <a:t>11/11/2010</a:t>
             </a:fld>
             <a:endParaRPr lang="es-ES" dirty="0"/>
           </a:p>
@@ -2337,7 +2337,7 @@
             <a:fld id="{F7222BF2-5C0F-41D6-AF26-3ACA31A5334A}" type="datetimeFigureOut">
               <a:rPr lang="es-ES" smtClean="0"/>
               <a:pPr/>
-              <a:t>10/11/2010</a:t>
+              <a:t>11/11/2010</a:t>
             </a:fld>
             <a:endParaRPr lang="es-ES" dirty="0"/>
           </a:p>
@@ -2571,7 +2571,7 @@
             <a:fld id="{F7222BF2-5C0F-41D6-AF26-3ACA31A5334A}" type="datetimeFigureOut">
               <a:rPr lang="es-ES" smtClean="0"/>
               <a:pPr/>
-              <a:t>10/11/2010</a:t>
+              <a:t>11/11/2010</a:t>
             </a:fld>
             <a:endParaRPr lang="es-ES" dirty="0"/>
           </a:p>
@@ -2713,7 +2713,7 @@
             <a:fld id="{F7222BF2-5C0F-41D6-AF26-3ACA31A5334A}" type="datetimeFigureOut">
               <a:rPr lang="es-ES" smtClean="0"/>
               <a:pPr/>
-              <a:t>10/11/2010</a:t>
+              <a:t>11/11/2010</a:t>
             </a:fld>
             <a:endParaRPr lang="es-ES" dirty="0"/>
           </a:p>
@@ -2992,7 +2992,7 @@
             <a:fld id="{F7222BF2-5C0F-41D6-AF26-3ACA31A5334A}" type="datetimeFigureOut">
               <a:rPr lang="es-ES" smtClean="0"/>
               <a:pPr/>
-              <a:t>10/11/2010</a:t>
+              <a:t>11/11/2010</a:t>
             </a:fld>
             <a:endParaRPr lang="es-ES" dirty="0"/>
           </a:p>
@@ -3401,7 +3401,7 @@
             <a:fld id="{F7222BF2-5C0F-41D6-AF26-3ACA31A5334A}" type="datetimeFigureOut">
               <a:rPr lang="es-ES" smtClean="0"/>
               <a:pPr/>
-              <a:t>10/11/2010</a:t>
+              <a:t>11/11/2010</a:t>
             </a:fld>
             <a:endParaRPr lang="es-ES" dirty="0"/>
           </a:p>
@@ -3741,7 +3741,7 @@
             <a:fld id="{F7222BF2-5C0F-41D6-AF26-3ACA31A5334A}" type="datetimeFigureOut">
               <a:rPr lang="es-ES" smtClean="0"/>
               <a:pPr/>
-              <a:t>10/11/2010</a:t>
+              <a:t>11/11/2010</a:t>
             </a:fld>
             <a:endParaRPr lang="es-ES" dirty="0"/>
           </a:p>
@@ -5346,8 +5346,13 @@
           <a:p>
             <a:r>
               <a:rPr lang="es-ES" dirty="0" smtClean="0"/>
-              <a:t>Puntos de configuración</a:t>
-            </a:r>
+              <a:t>Puntos de </a:t>
+            </a:r>
+            <a:r>
+              <a:rPr lang="es-ES" dirty="0" smtClean="0"/>
+              <a:t>configuración, como por ejemplo: la importancia de las secciones de los casos de uso analizados ó la importancia de las palabras provenientes de los aspectos tempranos en comparación con las provenientes de los casos de uso.</a:t>
+            </a:r>
+            <a:endParaRPr lang="es-ES" dirty="0" smtClean="0"/>
           </a:p>
           <a:p>
             <a:r>
@@ -5366,36 +5371,6 @@
           </a:p>
         </p:txBody>
       </p:sp>
-      <p:pic>
-        <p:nvPicPr>
-          <p:cNvPr id="5" name="4 Imagen" descr="C:\Documents and Settings\Administrador\Escritorio\Capturas\Snap_2010.10.24 13.03.10_003.jpg"/>
-          <p:cNvPicPr/>
-          <p:nvPr/>
-        </p:nvPicPr>
-        <p:blipFill>
-          <a:blip r:embed="rId2" cstate="print"/>
-          <a:srcRect/>
-          <a:stretch>
-            <a:fillRect/>
-          </a:stretch>
-        </p:blipFill>
-        <p:spPr bwMode="auto">
-          <a:xfrm>
-            <a:off x="1691680" y="3717032"/>
-            <a:ext cx="5601335" cy="2282825"/>
-          </a:xfrm>
-          <a:prstGeom prst="rect">
-            <a:avLst/>
-          </a:prstGeom>
-          <a:noFill/>
-          <a:ln w="9525">
-            <a:noFill/>
-            <a:miter lim="800000"/>
-            <a:headEnd/>
-            <a:tailEnd/>
-          </a:ln>
-        </p:spPr>
-      </p:pic>
     </p:spTree>
   </p:cSld>
   <p:clrMapOvr>
@@ -9968,8 +9943,17 @@
           <a:p>
             <a:r>
               <a:rPr lang="es-ES" dirty="0" smtClean="0"/>
-              <a:t>Los atributos de calidad (QAs) son propiedades deseadas o requerimientos adicionales de un sistema</a:t>
-            </a:r>
+              <a:t>Los atributos de calidad (QAs) son propiedades deseadas o requerimientos adicionales de un </a:t>
+            </a:r>
+            <a:r>
+              <a:rPr lang="es-ES" dirty="0" smtClean="0"/>
+              <a:t>sistema.  Ejemplo: performance, seguridad, disponibilidad, </a:t>
+            </a:r>
+            <a:r>
+              <a:rPr lang="es-ES" dirty="0" err="1" smtClean="0"/>
+              <a:t>etc</a:t>
+            </a:r>
+            <a:endParaRPr lang="es-ES" dirty="0" smtClean="0"/>
           </a:p>
           <a:p>
             <a:r>
@@ -9980,40 +9964,27 @@
           <a:p>
             <a:r>
               <a:rPr lang="es-ES" dirty="0" smtClean="0"/>
-              <a:t>Una incorrecta identificación podría llevar al fracaso del sistema</a:t>
-            </a:r>
+              <a:t>Una incorrecta identificación podría llevar al fracaso del </a:t>
+            </a:r>
+            <a:r>
+              <a:rPr lang="es-ES" dirty="0" smtClean="0"/>
+              <a:t>sistema debido a los elevados costos de </a:t>
+            </a:r>
+            <a:r>
+              <a:rPr lang="es-ES" dirty="0" err="1" smtClean="0"/>
+              <a:t>retrabajo</a:t>
+            </a:r>
+            <a:r>
+              <a:rPr lang="es-ES" dirty="0" smtClean="0"/>
+              <a:t> para que el sistema posea los atributos faltantes.. </a:t>
+            </a:r>
+            <a:endParaRPr lang="es-ES" dirty="0" smtClean="0"/>
           </a:p>
           <a:p>
             <a:endParaRPr lang="es-ES" dirty="0"/>
           </a:p>
         </p:txBody>
       </p:sp>
-      <p:pic>
-        <p:nvPicPr>
-          <p:cNvPr id="8196" name="Picture 4" descr="C:\Documents and Settings\Administrador\Configuración local\Archivos temporales de Internet\Content.IE5\5WQ1CSKL\MC900439356[1].jpg"/>
-          <p:cNvPicPr>
-            <a:picLocks noChangeAspect="1" noChangeArrowheads="1"/>
-          </p:cNvPicPr>
-          <p:nvPr/>
-        </p:nvPicPr>
-        <p:blipFill>
-          <a:blip r:embed="rId2" cstate="print"/>
-          <a:srcRect/>
-          <a:stretch>
-            <a:fillRect/>
-          </a:stretch>
-        </p:blipFill>
-        <p:spPr bwMode="auto">
-          <a:xfrm>
-            <a:off x="5508104" y="4005064"/>
-            <a:ext cx="2276872" cy="2276872"/>
-          </a:xfrm>
-          <a:prstGeom prst="rect">
-            <a:avLst/>
-          </a:prstGeom>
-          <a:noFill/>
-        </p:spPr>
-      </p:pic>
     </p:spTree>
   </p:cSld>
   <p:clrMapOvr>
@@ -10522,8 +10493,13 @@
             </a:r>
             <a:r>
               <a:rPr lang="es-AR" dirty="0" smtClean="0"/>
-              <a:t> (Early Aspects, EA) son concerns que se encuentran mezclados en los requerimientos y/o artefactos arquitectónicos del sistema</a:t>
-            </a:r>
+              <a:t> (Early Aspects, EA) son concerns que se encuentran mezclados en los requerimientos y/o artefactos arquitectónicos del </a:t>
+            </a:r>
+            <a:r>
+              <a:rPr lang="es-AR" dirty="0" smtClean="0"/>
+              <a:t>sistema. Por ejemplo: autorización, distribución, etc. </a:t>
+            </a:r>
+            <a:endParaRPr lang="es-AR" dirty="0" smtClean="0"/>
           </a:p>
           <a:p>
             <a:r>

--- a/Capitulos Finales/filiminasPeladas.pptx
+++ b/Capitulos Finales/filiminasPeladas.pptx
@@ -5,7 +5,7 @@
     <p:sldMasterId id="2147483984" r:id="rId1"/>
   </p:sldMasterIdLst>
   <p:notesMasterIdLst>
-    <p:notesMasterId r:id="rId27"/>
+    <p:notesMasterId r:id="rId28"/>
   </p:notesMasterIdLst>
   <p:sldIdLst>
     <p:sldId id="256" r:id="rId2"/>
@@ -27,12 +27,13 @@
     <p:sldId id="277" r:id="rId18"/>
     <p:sldId id="271" r:id="rId19"/>
     <p:sldId id="278" r:id="rId20"/>
-    <p:sldId id="294" r:id="rId21"/>
-    <p:sldId id="272" r:id="rId22"/>
-    <p:sldId id="273" r:id="rId23"/>
-    <p:sldId id="295" r:id="rId24"/>
-    <p:sldId id="275" r:id="rId25"/>
-    <p:sldId id="276" r:id="rId26"/>
+    <p:sldId id="272" r:id="rId21"/>
+    <p:sldId id="294" r:id="rId22"/>
+    <p:sldId id="296" r:id="rId23"/>
+    <p:sldId id="273" r:id="rId24"/>
+    <p:sldId id="295" r:id="rId25"/>
+    <p:sldId id="275" r:id="rId26"/>
+    <p:sldId id="276" r:id="rId27"/>
   </p:sldIdLst>
   <p:sldSz cx="9144000" cy="6858000" type="screen4x3"/>
   <p:notesSz cx="6858000" cy="9144000"/>
@@ -8728,6 +8729,142 @@
       </p:grpSpPr>
       <p:sp>
         <p:nvSpPr>
+          <p:cNvPr id="2" name="1 Título"/>
+          <p:cNvSpPr>
+            <a:spLocks noGrp="1"/>
+          </p:cNvSpPr>
+          <p:nvPr>
+            <p:ph type="title"/>
+          </p:nvPr>
+        </p:nvSpPr>
+        <p:spPr/>
+        <p:txBody>
+          <a:bodyPr>
+            <a:normAutofit/>
+          </a:bodyPr>
+          <a:lstStyle/>
+          <a:p>
+            <a:r>
+              <a:rPr lang="es-ES" dirty="0" smtClean="0"/>
+              <a:t>Tiempos de ejecución</a:t>
+            </a:r>
+            <a:endParaRPr lang="es-ES" dirty="0"/>
+          </a:p>
+        </p:txBody>
+      </p:sp>
+      <p:sp>
+        <p:nvSpPr>
+          <p:cNvPr id="3" name="2 Marcador de contenido"/>
+          <p:cNvSpPr>
+            <a:spLocks noGrp="1"/>
+          </p:cNvSpPr>
+          <p:nvPr>
+            <p:ph sz="quarter" idx="1"/>
+          </p:nvPr>
+        </p:nvSpPr>
+        <p:spPr/>
+        <p:txBody>
+          <a:bodyPr>
+            <a:normAutofit/>
+          </a:bodyPr>
+          <a:lstStyle/>
+          <a:p>
+            <a:pPr>
+              <a:buNone/>
+            </a:pPr>
+            <a:r>
+              <a:rPr lang="es-ES" dirty="0" smtClean="0"/>
+              <a:t>En ambos casos se contabiliza la suma de los tiempos del </a:t>
+            </a:r>
+          </a:p>
+          <a:p>
+            <a:pPr>
+              <a:buNone/>
+            </a:pPr>
+            <a:r>
+              <a:rPr lang="es-ES" dirty="0" smtClean="0"/>
+              <a:t>análisis de cada aspecto temprano.</a:t>
+            </a:r>
+          </a:p>
+          <a:p>
+            <a:pPr>
+              <a:buNone/>
+            </a:pPr>
+            <a:endParaRPr lang="es-ES" dirty="0" smtClean="0"/>
+          </a:p>
+          <a:p>
+            <a:r>
+              <a:rPr lang="es-ES" dirty="0" smtClean="0"/>
+              <a:t>HWS</a:t>
+            </a:r>
+            <a:endParaRPr lang="es-ES" dirty="0" smtClean="0"/>
+          </a:p>
+          <a:p>
+            <a:pPr lvl="1"/>
+            <a:r>
+              <a:rPr lang="es-ES" dirty="0" smtClean="0"/>
+              <a:t>7.2 segundos aproximadamente</a:t>
+            </a:r>
+            <a:endParaRPr lang="es-ES" dirty="0" smtClean="0"/>
+          </a:p>
+          <a:p>
+            <a:r>
+              <a:rPr lang="es-ES" dirty="0" smtClean="0"/>
+              <a:t>CRS</a:t>
+            </a:r>
+          </a:p>
+          <a:p>
+            <a:pPr lvl="1"/>
+            <a:r>
+              <a:rPr lang="es-ES" dirty="0" smtClean="0"/>
+              <a:t>4.9 segundos</a:t>
+            </a:r>
+            <a:r>
+              <a:rPr lang="es-ES" dirty="0" smtClean="0"/>
+              <a:t> aproximadamente</a:t>
+            </a:r>
+            <a:endParaRPr lang="es-ES" dirty="0" smtClean="0"/>
+          </a:p>
+          <a:p>
+            <a:pPr lvl="1"/>
+            <a:endParaRPr lang="es-ES" dirty="0" smtClean="0"/>
+          </a:p>
+        </p:txBody>
+      </p:sp>
+    </p:spTree>
+  </p:cSld>
+  <p:clrMapOvr>
+    <a:masterClrMapping/>
+  </p:clrMapOvr>
+  <p:timing>
+    <p:tnLst>
+      <p:par>
+        <p:cTn id="1" dur="indefinite" restart="never" nodeType="tmRoot"/>
+      </p:par>
+    </p:tnLst>
+  </p:timing>
+</p:sld>
+</file>
+
+<file path=ppt/slides/slide21.xml><?xml version="1.0" encoding="utf-8"?>
+<p:sld xmlns:a="http://schemas.openxmlformats.org/drawingml/2006/main" xmlns:r="http://schemas.openxmlformats.org/officeDocument/2006/relationships" xmlns:p="http://schemas.openxmlformats.org/presentationml/2006/main">
+  <p:cSld>
+    <p:spTree>
+      <p:nvGrpSpPr>
+        <p:cNvPr id="1" name=""/>
+        <p:cNvGrpSpPr/>
+        <p:nvPr/>
+      </p:nvGrpSpPr>
+      <p:grpSpPr>
+        <a:xfrm>
+          <a:off x="0" y="0"/>
+          <a:ext cx="0" cy="0"/>
+          <a:chOff x="0" y="0"/>
+          <a:chExt cx="0" cy="0"/>
+        </a:xfrm>
+      </p:grpSpPr>
+      <p:sp>
+        <p:nvSpPr>
           <p:cNvPr id="5" name="4 Rectángulo redondeado"/>
           <p:cNvSpPr/>
           <p:nvPr/>
@@ -8986,7 +9123,7 @@
 </p:sld>
 </file>
 
-<file path=ppt/slides/slide21.xml><?xml version="1.0" encoding="utf-8"?>
+<file path=ppt/slides/slide22.xml><?xml version="1.0" encoding="utf-8"?>
 <p:sld xmlns:a="http://schemas.openxmlformats.org/drawingml/2006/main" xmlns:r="http://schemas.openxmlformats.org/officeDocument/2006/relationships" xmlns:p="http://schemas.openxmlformats.org/presentationml/2006/main">
   <p:cSld>
     <p:spTree>
@@ -9144,7 +9281,7 @@
 </p:sld>
 </file>
 
-<file path=ppt/slides/slide22.xml><?xml version="1.0" encoding="utf-8"?>
+<file path=ppt/slides/slide23.xml><?xml version="1.0" encoding="utf-8"?>
 <p:sld xmlns:a="http://schemas.openxmlformats.org/drawingml/2006/main" xmlns:r="http://schemas.openxmlformats.org/officeDocument/2006/relationships" xmlns:p="http://schemas.openxmlformats.org/presentationml/2006/main">
   <p:cSld>
     <p:spTree>
@@ -9272,7 +9409,7 @@
 </p:sld>
 </file>
 
-<file path=ppt/slides/slide23.xml><?xml version="1.0" encoding="utf-8"?>
+<file path=ppt/slides/slide24.xml><?xml version="1.0" encoding="utf-8"?>
 <p:sld xmlns:a="http://schemas.openxmlformats.org/drawingml/2006/main" xmlns:r="http://schemas.openxmlformats.org/officeDocument/2006/relationships" xmlns:p="http://schemas.openxmlformats.org/presentationml/2006/main">
   <p:cSld>
     <p:spTree>
@@ -9453,7 +9590,7 @@
 </p:sld>
 </file>
 
-<file path=ppt/slides/slide24.xml><?xml version="1.0" encoding="utf-8"?>
+<file path=ppt/slides/slide25.xml><?xml version="1.0" encoding="utf-8"?>
 <p:sld xmlns:a="http://schemas.openxmlformats.org/drawingml/2006/main" xmlns:r="http://schemas.openxmlformats.org/officeDocument/2006/relationships" xmlns:p="http://schemas.openxmlformats.org/presentationml/2006/main">
   <p:cSld>
     <p:spTree>
@@ -9532,7 +9669,7 @@
 </p:sld>
 </file>
 
-<file path=ppt/slides/slide25.xml><?xml version="1.0" encoding="utf-8"?>
+<file path=ppt/slides/slide26.xml><?xml version="1.0" encoding="utf-8"?>
 <p:sld xmlns:a="http://schemas.openxmlformats.org/drawingml/2006/main" xmlns:r="http://schemas.openxmlformats.org/officeDocument/2006/relationships" xmlns:p="http://schemas.openxmlformats.org/presentationml/2006/main">
   <p:cSld>
     <p:spTree>
@@ -9958,7 +10095,11 @@
           <a:p>
             <a:r>
               <a:rPr lang="es-ES" dirty="0" smtClean="0"/>
-              <a:t>Necesidad de identificar los QAs de un sistema en etapas tempranas de desarrollo</a:t>
+              <a:t>Es necesario identificar </a:t>
+            </a:r>
+            <a:r>
+              <a:rPr lang="es-ES" dirty="0" smtClean="0"/>
+              <a:t>los QAs de un sistema en etapas tempranas de desarrollo</a:t>
             </a:r>
           </a:p>
           <a:p>
@@ -10748,7 +10889,15 @@
           <a:p>
             <a:r>
               <a:rPr lang="es-ES" dirty="0" smtClean="0"/>
-              <a:t>Un aspecto temprano podría proporcionar pistas para el descubrimiento de QAs</a:t>
+              <a:t>Un aspecto temprano podría proporcionar </a:t>
+            </a:r>
+            <a:r>
+              <a:rPr lang="es-ES" dirty="0" smtClean="0"/>
+              <a:t>“pistas” </a:t>
+            </a:r>
+            <a:r>
+              <a:rPr lang="es-ES" dirty="0" smtClean="0"/>
+              <a:t>para el descubrimiento de QAs</a:t>
             </a:r>
           </a:p>
           <a:p>

--- a/Capitulos Finales/filiminasPeladas.pptx
+++ b/Capitulos Finales/filiminasPeladas.pptx
@@ -5,7 +5,7 @@
     <p:sldMasterId id="2147483984" r:id="rId1"/>
   </p:sldMasterIdLst>
   <p:notesMasterIdLst>
-    <p:notesMasterId r:id="rId28"/>
+    <p:notesMasterId r:id="rId29"/>
   </p:notesMasterIdLst>
   <p:sldIdLst>
     <p:sldId id="256" r:id="rId2"/>
@@ -34,6 +34,7 @@
     <p:sldId id="295" r:id="rId25"/>
     <p:sldId id="275" r:id="rId26"/>
     <p:sldId id="276" r:id="rId27"/>
+    <p:sldId id="298" r:id="rId28"/>
   </p:sldIdLst>
   <p:sldSz cx="9144000" cy="6858000" type="screen4x3"/>
   <p:notesSz cx="6858000" cy="9144000"/>
@@ -5347,13 +5348,8 @@
           <a:p>
             <a:r>
               <a:rPr lang="es-ES" dirty="0" smtClean="0"/>
-              <a:t>Puntos de </a:t>
-            </a:r>
-            <a:r>
-              <a:rPr lang="es-ES" dirty="0" smtClean="0"/>
-              <a:t>configuración, como por ejemplo: la importancia de las secciones de los casos de uso analizados ó la importancia de las palabras provenientes de los aspectos tempranos en comparación con las provenientes de los casos de uso.</a:t>
-            </a:r>
-            <a:endParaRPr lang="es-ES" dirty="0" smtClean="0"/>
+              <a:t>Puntos de configuración, como por ejemplo: la importancia de las secciones de los casos de uso analizados ó la importancia de las palabras provenientes de los aspectos tempranos en comparación con las provenientes de los casos de uso.</a:t>
+            </a:r>
           </a:p>
           <a:p>
             <a:r>
@@ -8797,7 +8793,6 @@
               <a:rPr lang="es-ES" dirty="0" smtClean="0"/>
               <a:t>HWS</a:t>
             </a:r>
-            <a:endParaRPr lang="es-ES" dirty="0" smtClean="0"/>
           </a:p>
           <a:p>
             <a:pPr lvl="1"/>
@@ -8805,7 +8800,6 @@
               <a:rPr lang="es-ES" dirty="0" smtClean="0"/>
               <a:t>7.2 segundos aproximadamente</a:t>
             </a:r>
-            <a:endParaRPr lang="es-ES" dirty="0" smtClean="0"/>
           </a:p>
           <a:p>
             <a:r>
@@ -8817,13 +8811,8 @@
             <a:pPr lvl="1"/>
             <a:r>
               <a:rPr lang="es-ES" dirty="0" smtClean="0"/>
-              <a:t>4.9 segundos</a:t>
-            </a:r>
-            <a:r>
-              <a:rPr lang="es-ES" dirty="0" smtClean="0"/>
-              <a:t> aproximadamente</a:t>
-            </a:r>
-            <a:endParaRPr lang="es-ES" dirty="0" smtClean="0"/>
+              <a:t>4.9 segundos aproximadamente</a:t>
+            </a:r>
           </a:p>
           <a:p>
             <a:pPr lvl="1"/>
@@ -9724,6 +9713,160 @@
 </p:sld>
 </file>
 
+<file path=ppt/slides/slide27.xml><?xml version="1.0" encoding="utf-8"?>
+<p:sld xmlns:a="http://schemas.openxmlformats.org/drawingml/2006/main" xmlns:r="http://schemas.openxmlformats.org/officeDocument/2006/relationships" xmlns:p="http://schemas.openxmlformats.org/presentationml/2006/main">
+  <p:cSld>
+    <p:spTree>
+      <p:nvGrpSpPr>
+        <p:cNvPr id="1" name=""/>
+        <p:cNvGrpSpPr/>
+        <p:nvPr/>
+      </p:nvGrpSpPr>
+      <p:grpSpPr>
+        <a:xfrm>
+          <a:off x="0" y="0"/>
+          <a:ext cx="0" cy="0"/>
+          <a:chOff x="0" y="0"/>
+          <a:chExt cx="0" cy="0"/>
+        </a:xfrm>
+      </p:grpSpPr>
+      <p:sp>
+        <p:nvSpPr>
+          <p:cNvPr id="2" name="1 Título"/>
+          <p:cNvSpPr>
+            <a:spLocks noGrp="1"/>
+          </p:cNvSpPr>
+          <p:nvPr>
+            <p:ph type="title"/>
+          </p:nvPr>
+        </p:nvSpPr>
+        <p:spPr/>
+        <p:txBody>
+          <a:bodyPr>
+            <a:normAutofit/>
+          </a:bodyPr>
+          <a:lstStyle/>
+          <a:p>
+            <a:r>
+              <a:rPr lang="es-ES" dirty="0" smtClean="0"/>
+              <a:t>Trabajos relacionados</a:t>
+            </a:r>
+            <a:endParaRPr lang="es-ES" dirty="0"/>
+          </a:p>
+        </p:txBody>
+      </p:sp>
+      <p:sp>
+        <p:nvSpPr>
+          <p:cNvPr id="3" name="2 Marcador de contenido"/>
+          <p:cNvSpPr>
+            <a:spLocks noGrp="1"/>
+          </p:cNvSpPr>
+          <p:nvPr>
+            <p:ph sz="quarter" idx="1"/>
+          </p:nvPr>
+        </p:nvSpPr>
+        <p:spPr/>
+        <p:txBody>
+          <a:bodyPr>
+            <a:normAutofit/>
+          </a:bodyPr>
+          <a:lstStyle/>
+          <a:p>
+            <a:r>
+              <a:rPr lang="es-ES" dirty="0" smtClean="0"/>
+              <a:t>Método de </a:t>
+            </a:r>
+            <a:r>
+              <a:rPr lang="es-ES" dirty="0" err="1" smtClean="0"/>
+              <a:t>elicitación</a:t>
+            </a:r>
+            <a:endParaRPr lang="es-ES" dirty="0" smtClean="0"/>
+          </a:p>
+          <a:p>
+            <a:pPr lvl="1"/>
+            <a:r>
+              <a:rPr lang="es-ES" dirty="0" err="1" smtClean="0"/>
+              <a:t>Checklists</a:t>
+            </a:r>
+            <a:endParaRPr lang="es-ES" dirty="0" smtClean="0"/>
+          </a:p>
+          <a:p>
+            <a:pPr lvl="1"/>
+            <a:r>
+              <a:rPr lang="es-ES" dirty="0" err="1" smtClean="0"/>
+              <a:t>Templates</a:t>
+            </a:r>
+            <a:endParaRPr lang="es-ES" dirty="0" smtClean="0"/>
+          </a:p>
+          <a:p>
+            <a:pPr lvl="1"/>
+            <a:r>
+              <a:rPr lang="es-ES" dirty="0" smtClean="0"/>
+              <a:t>Cuestionarios</a:t>
+            </a:r>
+            <a:endParaRPr lang="es-ES" dirty="0" smtClean="0"/>
+          </a:p>
+          <a:p>
+            <a:r>
+              <a:rPr lang="es-ES" dirty="0" smtClean="0"/>
+              <a:t>Herramientas semiautomáticas</a:t>
+            </a:r>
+          </a:p>
+          <a:p>
+            <a:pPr lvl="1"/>
+            <a:r>
+              <a:rPr lang="es-ES" dirty="0" err="1" smtClean="0"/>
+              <a:t>Comunmente</a:t>
+            </a:r>
+            <a:r>
+              <a:rPr lang="es-ES" dirty="0" smtClean="0"/>
+              <a:t> basadas en técnicas de IR o NLP</a:t>
+            </a:r>
+          </a:p>
+          <a:p>
+            <a:pPr lvl="1"/>
+            <a:endParaRPr lang="es-ES" dirty="0" smtClean="0"/>
+          </a:p>
+          <a:p>
+            <a:r>
+              <a:rPr lang="es-ES" dirty="0" smtClean="0"/>
+              <a:t>Generalmente, estos enfoque no utilizan información de los </a:t>
+            </a:r>
+            <a:r>
+              <a:rPr lang="es-ES" smtClean="0"/>
+              <a:t>aspectos tempranos.</a:t>
+            </a:r>
+            <a:endParaRPr lang="es-ES" dirty="0" smtClean="0"/>
+          </a:p>
+          <a:p>
+            <a:pPr lvl="1">
+              <a:buNone/>
+            </a:pPr>
+            <a:endParaRPr lang="es-ES" dirty="0" smtClean="0"/>
+          </a:p>
+          <a:p>
+            <a:pPr lvl="1">
+              <a:buNone/>
+            </a:pPr>
+            <a:endParaRPr lang="es-ES" dirty="0" smtClean="0"/>
+          </a:p>
+        </p:txBody>
+      </p:sp>
+    </p:spTree>
+  </p:cSld>
+  <p:clrMapOvr>
+    <a:masterClrMapping/>
+  </p:clrMapOvr>
+  <p:timing>
+    <p:tnLst>
+      <p:par>
+        <p:cTn id="1" dur="indefinite" restart="never" nodeType="tmRoot"/>
+      </p:par>
+    </p:tnLst>
+  </p:timing>
+</p:sld>
+</file>
+
 <file path=ppt/slides/slide3.xml><?xml version="1.0" encoding="utf-8"?>
 <p:sld xmlns:a="http://schemas.openxmlformats.org/drawingml/2006/main" xmlns:r="http://schemas.openxmlformats.org/officeDocument/2006/relationships" xmlns:p="http://schemas.openxmlformats.org/presentationml/2006/main">
   <p:cSld>
@@ -10080,11 +10223,7 @@
           <a:p>
             <a:r>
               <a:rPr lang="es-ES" dirty="0" smtClean="0"/>
-              <a:t>Los atributos de calidad (QAs) son propiedades deseadas o requerimientos adicionales de un </a:t>
-            </a:r>
-            <a:r>
-              <a:rPr lang="es-ES" dirty="0" smtClean="0"/>
-              <a:t>sistema.  Ejemplo: performance, seguridad, disponibilidad, </a:t>
+              <a:t>Los atributos de calidad (QAs) son propiedades deseadas o requerimientos adicionales de un sistema.  Ejemplo: performance, seguridad, disponibilidad, </a:t>
             </a:r>
             <a:r>
               <a:rPr lang="es-ES" dirty="0" err="1" smtClean="0"/>
@@ -10095,21 +10234,13 @@
           <a:p>
             <a:r>
               <a:rPr lang="es-ES" dirty="0" smtClean="0"/>
-              <a:t>Es necesario identificar </a:t>
-            </a:r>
-            <a:r>
-              <a:rPr lang="es-ES" dirty="0" smtClean="0"/>
-              <a:t>los QAs de un sistema en etapas tempranas de desarrollo</a:t>
-            </a:r>
-          </a:p>
-          <a:p>
-            <a:r>
-              <a:rPr lang="es-ES" dirty="0" smtClean="0"/>
-              <a:t>Una incorrecta identificación podría llevar al fracaso del </a:t>
-            </a:r>
-            <a:r>
-              <a:rPr lang="es-ES" dirty="0" smtClean="0"/>
-              <a:t>sistema debido a los elevados costos de </a:t>
+              <a:t>Es necesario identificar los QAs de un sistema en etapas tempranas de desarrollo</a:t>
+            </a:r>
+          </a:p>
+          <a:p>
+            <a:r>
+              <a:rPr lang="es-ES" dirty="0" smtClean="0"/>
+              <a:t>Una incorrecta identificación podría llevar al fracaso del sistema debido a los elevados costos de </a:t>
             </a:r>
             <a:r>
               <a:rPr lang="es-ES" dirty="0" err="1" smtClean="0"/>
@@ -10119,7 +10250,6 @@
               <a:rPr lang="es-ES" dirty="0" smtClean="0"/>
               <a:t> para que el sistema posea los atributos faltantes.. </a:t>
             </a:r>
-            <a:endParaRPr lang="es-ES" dirty="0" smtClean="0"/>
           </a:p>
           <a:p>
             <a:endParaRPr lang="es-ES" dirty="0"/>
@@ -10634,13 +10764,8 @@
             </a:r>
             <a:r>
               <a:rPr lang="es-AR" dirty="0" smtClean="0"/>
-              <a:t> (Early Aspects, EA) son concerns que se encuentran mezclados en los requerimientos y/o artefactos arquitectónicos del </a:t>
-            </a:r>
-            <a:r>
-              <a:rPr lang="es-AR" dirty="0" smtClean="0"/>
-              <a:t>sistema. Por ejemplo: autorización, distribución, etc. </a:t>
-            </a:r>
-            <a:endParaRPr lang="es-AR" dirty="0" smtClean="0"/>
+              <a:t> (Early Aspects, EA) son concerns que se encuentran mezclados en los requerimientos y/o artefactos arquitectónicos del sistema. Por ejemplo: autorización, distribución, etc. </a:t>
+            </a:r>
           </a:p>
           <a:p>
             <a:r>
@@ -10889,15 +11014,7 @@
           <a:p>
             <a:r>
               <a:rPr lang="es-ES" dirty="0" smtClean="0"/>
-              <a:t>Un aspecto temprano podría proporcionar </a:t>
-            </a:r>
-            <a:r>
-              <a:rPr lang="es-ES" dirty="0" smtClean="0"/>
-              <a:t>“pistas” </a:t>
-            </a:r>
-            <a:r>
-              <a:rPr lang="es-ES" dirty="0" smtClean="0"/>
-              <a:t>para el descubrimiento de QAs</a:t>
+              <a:t>Un aspecto temprano podría proporcionar “pistas” para el descubrimiento de QAs</a:t>
             </a:r>
           </a:p>
           <a:p>
